--- a/300.pptx
+++ b/300.pptx
@@ -733,7 +733,7 @@
               <a:buChar char="-"/>
             </a:pPr>
             <a:r>
-              <a:rPr lang="en-US" b="1" dirty="0" smtClean="0">
+              <a:rPr lang="en-US" b="0" dirty="0" smtClean="0">
                 <a:solidFill>
                   <a:srgbClr val="000000"/>
                 </a:solidFill>
@@ -745,7 +745,7 @@
               <a:t>In Titanium 2,</a:t>
             </a:r>
             <a:r>
-              <a:rPr lang="en-US" b="1" baseline="0" dirty="0" smtClean="0">
+              <a:rPr lang="en-US" b="0" baseline="0" dirty="0" smtClean="0">
                 <a:solidFill>
                   <a:srgbClr val="000000"/>
                 </a:solidFill>
@@ -757,7 +757,7 @@
               <a:t> the current thinking is that all apps will be single context, more like the browser.  We will then expose a threading API to be more explicit about the creation of threads/contexts, so eventually single context will be the one and only way.  For the </a:t>
             </a:r>
             <a:r>
-              <a:rPr lang="en-US" b="1" baseline="0" dirty="0" err="1" smtClean="0">
+              <a:rPr lang="en-US" b="0" baseline="0" dirty="0" err="1" smtClean="0">
                 <a:solidFill>
                   <a:srgbClr val="000000"/>
                 </a:solidFill>
@@ -769,7 +769,7 @@
               <a:t>forseeable</a:t>
             </a:r>
             <a:r>
-              <a:rPr lang="en-US" b="1" baseline="0" dirty="0" smtClean="0">
+              <a:rPr lang="en-US" b="0" baseline="0" dirty="0" smtClean="0">
                 <a:solidFill>
                   <a:srgbClr val="000000"/>
                 </a:solidFill>
@@ -780,7 +780,7 @@
               </a:rPr>
               <a:t> future, though, multiple contexts can be useful for deferring execution.</a:t>
             </a:r>
-            <a:endParaRPr lang="en-US" b="1" dirty="0">
+            <a:endParaRPr lang="en-US" b="0" dirty="0">
               <a:solidFill>
                 <a:srgbClr val="000000"/>
               </a:solidFill>
@@ -875,7 +875,139 @@
               <a:buFontTx/>
               <a:buChar char="-"/>
             </a:pPr>
-            <a:endParaRPr lang="en-US" b="1" dirty="0">
+            <a:r>
+              <a:rPr lang="en-US" b="0" dirty="0" smtClean="0">
+                <a:solidFill>
+                  <a:srgbClr val="000000"/>
+                </a:solidFill>
+                <a:latin typeface="Lucida Grande" charset="0"/>
+                <a:ea typeface="ＭＳ Ｐゴシック" charset="0"/>
+                <a:cs typeface="Lucida Grande" charset="0"/>
+                <a:sym typeface="Lucida Grande" charset="0"/>
+              </a:rPr>
+              <a:t>Adding </a:t>
+            </a:r>
+            <a:r>
+              <a:rPr lang="en-US" b="0" dirty="0" err="1" smtClean="0">
+                <a:solidFill>
+                  <a:srgbClr val="000000"/>
+                </a:solidFill>
+                <a:latin typeface="Lucida Grande" charset="0"/>
+                <a:ea typeface="ＭＳ Ｐゴシック" charset="0"/>
+                <a:cs typeface="Lucida Grande" charset="0"/>
+                <a:sym typeface="Lucida Grande" charset="0"/>
+              </a:rPr>
+              <a:t>className</a:t>
+            </a:r>
+            <a:r>
+              <a:rPr lang="en-US" b="0" baseline="0" dirty="0" smtClean="0">
+                <a:solidFill>
+                  <a:srgbClr val="000000"/>
+                </a:solidFill>
+                <a:latin typeface="Lucida Grande" charset="0"/>
+                <a:ea typeface="ＭＳ Ｐゴシック" charset="0"/>
+                <a:cs typeface="Lucida Grande" charset="0"/>
+                <a:sym typeface="Lucida Grande" charset="0"/>
+              </a:rPr>
+              <a:t> enables Ti &amp; underlying OS to reuse table row objects and optimize memory</a:t>
+            </a:r>
+          </a:p>
+          <a:p>
+            <a:pPr marL="250825" indent="-171450" eaLnBrk="1" hangingPunct="1">
+              <a:buFontTx/>
+              <a:buChar char="-"/>
+            </a:pPr>
+            <a:r>
+              <a:rPr lang="en-US" b="0" dirty="0" smtClean="0">
+                <a:solidFill>
+                  <a:srgbClr val="000000"/>
+                </a:solidFill>
+                <a:latin typeface="Lucida Grande" charset="0"/>
+                <a:ea typeface="ＭＳ Ｐゴシック" charset="0"/>
+                <a:cs typeface="Lucida Grande" charset="0"/>
+                <a:sym typeface="Lucida Grande" charset="0"/>
+              </a:rPr>
+              <a:t>A </a:t>
+            </a:r>
+            <a:r>
+              <a:rPr lang="en-US" b="0" dirty="0" err="1" smtClean="0">
+                <a:solidFill>
+                  <a:srgbClr val="000000"/>
+                </a:solidFill>
+                <a:latin typeface="Lucida Grande" charset="0"/>
+                <a:ea typeface="ＭＳ Ｐゴシック" charset="0"/>
+                <a:cs typeface="Lucida Grande" charset="0"/>
+                <a:sym typeface="Lucida Grande" charset="0"/>
+              </a:rPr>
+              <a:t>setData</a:t>
+            </a:r>
+            <a:r>
+              <a:rPr lang="en-US" b="0" dirty="0" smtClean="0">
+                <a:solidFill>
+                  <a:srgbClr val="000000"/>
+                </a:solidFill>
+                <a:latin typeface="Lucida Grande" charset="0"/>
+                <a:ea typeface="ＭＳ Ｐゴシック" charset="0"/>
+                <a:cs typeface="Lucida Grande" charset="0"/>
+                <a:sym typeface="Lucida Grande" charset="0"/>
+              </a:rPr>
+              <a:t>()</a:t>
+            </a:r>
+            <a:r>
+              <a:rPr lang="en-US" b="0" baseline="0" dirty="0" smtClean="0">
+                <a:solidFill>
+                  <a:srgbClr val="000000"/>
+                </a:solidFill>
+                <a:latin typeface="Lucida Grande" charset="0"/>
+                <a:ea typeface="ＭＳ Ｐゴシック" charset="0"/>
+                <a:cs typeface="Lucida Grande" charset="0"/>
+                <a:sym typeface="Lucida Grande" charset="0"/>
+              </a:rPr>
+              <a:t> call for a lot of rows is faster than repeated </a:t>
+            </a:r>
+            <a:r>
+              <a:rPr lang="en-US" b="0" baseline="0" dirty="0" err="1" smtClean="0">
+                <a:solidFill>
+                  <a:srgbClr val="000000"/>
+                </a:solidFill>
+                <a:latin typeface="Lucida Grande" charset="0"/>
+                <a:ea typeface="ＭＳ Ｐゴシック" charset="0"/>
+                <a:cs typeface="Lucida Grande" charset="0"/>
+                <a:sym typeface="Lucida Grande" charset="0"/>
+              </a:rPr>
+              <a:t>appendRow</a:t>
+            </a:r>
+            <a:r>
+              <a:rPr lang="en-US" b="0" baseline="0" dirty="0" smtClean="0">
+                <a:solidFill>
+                  <a:srgbClr val="000000"/>
+                </a:solidFill>
+                <a:latin typeface="Lucida Grande" charset="0"/>
+                <a:ea typeface="ＭＳ Ｐゴシック" charset="0"/>
+                <a:cs typeface="Lucida Grande" charset="0"/>
+                <a:sym typeface="Lucida Grande" charset="0"/>
+              </a:rPr>
+              <a:t>() calls</a:t>
+            </a:r>
+          </a:p>
+          <a:p>
+            <a:pPr marL="250825" indent="-171450" eaLnBrk="1" hangingPunct="1">
+              <a:buFontTx/>
+              <a:buChar char="-"/>
+            </a:pPr>
+            <a:r>
+              <a:rPr lang="en-US" b="0" baseline="0" dirty="0" smtClean="0">
+                <a:solidFill>
+                  <a:srgbClr val="000000"/>
+                </a:solidFill>
+                <a:latin typeface="Lucida Grande" charset="0"/>
+                <a:ea typeface="ＭＳ Ｐゴシック" charset="0"/>
+                <a:cs typeface="Lucida Grande" charset="0"/>
+                <a:sym typeface="Lucida Grande" charset="0"/>
+              </a:rPr>
+              <a:t>Perhaps you can use alternate UI paradigm to create smaller tables</a:t>
+            </a:r>
+            <a:endParaRPr lang="en-US" b="0" dirty="0">
               <a:solidFill>
                 <a:srgbClr val="000000"/>
               </a:solidFill>
@@ -970,7 +1102,67 @@
               <a:buFontTx/>
               <a:buChar char="-"/>
             </a:pPr>
-            <a:endParaRPr lang="en-US" b="1" dirty="0">
+            <a:r>
+              <a:rPr lang="en-US" b="0" dirty="0" smtClean="0">
+                <a:solidFill>
+                  <a:srgbClr val="000000"/>
+                </a:solidFill>
+                <a:latin typeface="Lucida Grande" charset="0"/>
+                <a:ea typeface="ＭＳ Ｐゴシック" charset="0"/>
+                <a:cs typeface="Lucida Grande" charset="0"/>
+                <a:sym typeface="Lucida Grande" charset="0"/>
+              </a:rPr>
+              <a:t>Filter data in SQL rather than via JS (sorting, searching, etc.)</a:t>
+            </a:r>
+          </a:p>
+          <a:p>
+            <a:pPr marL="250825" indent="-171450" eaLnBrk="1" hangingPunct="1">
+              <a:buFontTx/>
+              <a:buChar char="-"/>
+            </a:pPr>
+            <a:r>
+              <a:rPr lang="en-US" b="0" dirty="0" smtClean="0">
+                <a:solidFill>
+                  <a:srgbClr val="000000"/>
+                </a:solidFill>
+                <a:latin typeface="Lucida Grande" charset="0"/>
+                <a:ea typeface="ＭＳ Ｐゴシック" charset="0"/>
+                <a:cs typeface="Lucida Grande" charset="0"/>
+                <a:sym typeface="Lucida Grande" charset="0"/>
+              </a:rPr>
+              <a:t>Don’t use “select * from table” if you store blobs in your tables</a:t>
+            </a:r>
+          </a:p>
+          <a:p>
+            <a:pPr marL="250825" indent="-171450" eaLnBrk="1" hangingPunct="1">
+              <a:buFontTx/>
+              <a:buChar char="-"/>
+            </a:pPr>
+            <a:r>
+              <a:rPr lang="en-US" b="0" dirty="0" smtClean="0">
+                <a:solidFill>
+                  <a:srgbClr val="000000"/>
+                </a:solidFill>
+                <a:latin typeface="Lucida Grande" charset="0"/>
+                <a:ea typeface="ＭＳ Ｐゴシック" charset="0"/>
+                <a:cs typeface="Lucida Grande" charset="0"/>
+                <a:sym typeface="Lucida Grande" charset="0"/>
+              </a:rPr>
+              <a:t>Open/closing</a:t>
+            </a:r>
+            <a:r>
+              <a:rPr lang="en-US" b="0" baseline="0" dirty="0" smtClean="0">
+                <a:solidFill>
+                  <a:srgbClr val="000000"/>
+                </a:solidFill>
+                <a:latin typeface="Lucida Grande" charset="0"/>
+                <a:ea typeface="ＭＳ Ｐゴシック" charset="0"/>
+                <a:cs typeface="Lucida Grande" charset="0"/>
+                <a:sym typeface="Lucida Grande" charset="0"/>
+              </a:rPr>
+              <a:t> connections is generally more memory friendly than any performance benefits you’d get from keeping a connection open</a:t>
+            </a:r>
+            <a:endParaRPr lang="en-US" b="0" dirty="0">
               <a:solidFill>
                 <a:srgbClr val="000000"/>
               </a:solidFill>
@@ -1065,7 +1257,118 @@
               <a:buFontTx/>
               <a:buChar char="-"/>
             </a:pPr>
-            <a:endParaRPr lang="en-US" b="1" dirty="0">
+            <a:r>
+              <a:rPr lang="en-US" b="0" dirty="0" smtClean="0">
+                <a:solidFill>
+                  <a:srgbClr val="000000"/>
+                </a:solidFill>
+                <a:latin typeface="Lucida Grande" charset="0"/>
+                <a:ea typeface="ＭＳ Ｐゴシック" charset="0"/>
+                <a:cs typeface="Lucida Grande" charset="0"/>
+                <a:sym typeface="Lucida Grande" charset="0"/>
+              </a:rPr>
+              <a:t>Test in a real-world networking environment (in various data coverage areas)</a:t>
+            </a:r>
+          </a:p>
+          <a:p>
+            <a:pPr marL="250825" indent="-171450" eaLnBrk="1" hangingPunct="1">
+              <a:buFontTx/>
+              <a:buChar char="-"/>
+            </a:pPr>
+            <a:r>
+              <a:rPr lang="en-US" b="0" dirty="0" smtClean="0">
+                <a:solidFill>
+                  <a:srgbClr val="000000"/>
+                </a:solidFill>
+                <a:latin typeface="Lucida Grande" charset="0"/>
+                <a:ea typeface="ＭＳ Ｐゴシック" charset="0"/>
+                <a:cs typeface="Lucida Grande" charset="0"/>
+                <a:sym typeface="Lucida Grande" charset="0"/>
+              </a:rPr>
+              <a:t>Use DDMS</a:t>
+            </a:r>
+            <a:r>
+              <a:rPr lang="en-US" b="0" baseline="0" dirty="0" smtClean="0">
+                <a:solidFill>
+                  <a:srgbClr val="000000"/>
+                </a:solidFill>
+                <a:latin typeface="Lucida Grande" charset="0"/>
+                <a:ea typeface="ＭＳ Ｐゴシック" charset="0"/>
+                <a:cs typeface="Lucida Grande" charset="0"/>
+                <a:sym typeface="Lucida Grande" charset="0"/>
+              </a:rPr>
+              <a:t> &amp; other tools to simulate poorer network conditions</a:t>
+            </a:r>
+          </a:p>
+          <a:p>
+            <a:pPr marL="250825" indent="-171450" eaLnBrk="1" hangingPunct="1">
+              <a:buFontTx/>
+              <a:buChar char="-"/>
+            </a:pPr>
+            <a:r>
+              <a:rPr lang="en-US" b="0" baseline="0" dirty="0" smtClean="0">
+                <a:solidFill>
+                  <a:srgbClr val="000000"/>
+                </a:solidFill>
+                <a:latin typeface="Lucida Grande" charset="0"/>
+                <a:ea typeface="ＭＳ Ｐゴシック" charset="0"/>
+                <a:cs typeface="Lucida Grande" charset="0"/>
+                <a:sym typeface="Lucida Grande" charset="0"/>
+              </a:rPr>
+              <a:t>Decrease payload size (use JSON rather than SOAP for example)</a:t>
+            </a:r>
+          </a:p>
+          <a:p>
+            <a:pPr marL="250825" indent="-171450" eaLnBrk="1" hangingPunct="1">
+              <a:buFontTx/>
+              <a:buChar char="-"/>
+            </a:pPr>
+            <a:endParaRPr lang="en-US" b="0" baseline="0" dirty="0" smtClean="0">
+              <a:solidFill>
+                <a:srgbClr val="000000"/>
+              </a:solidFill>
+              <a:latin typeface="Lucida Grande" charset="0"/>
+              <a:ea typeface="ＭＳ Ｐゴシック" charset="0"/>
+              <a:cs typeface="Lucida Grande" charset="0"/>
+              <a:sym typeface="Lucida Grande" charset="0"/>
+            </a:endParaRPr>
+          </a:p>
+          <a:p>
+            <a:pPr marL="250825" indent="-171450" eaLnBrk="1" hangingPunct="1">
+              <a:buFontTx/>
+              <a:buChar char="-"/>
+            </a:pPr>
+            <a:r>
+              <a:rPr lang="en-US" b="0" baseline="0" dirty="0" smtClean="0">
+                <a:solidFill>
+                  <a:srgbClr val="000000"/>
+                </a:solidFill>
+                <a:latin typeface="Lucida Grande" charset="0"/>
+                <a:ea typeface="ＭＳ Ｐゴシック" charset="0"/>
+                <a:cs typeface="Lucida Grande" charset="0"/>
+                <a:sym typeface="Lucida Grande" charset="0"/>
+              </a:rPr>
+              <a:t>If you have a lot of data to transfer, a few larger network requests is better than multiple smaller data transfers</a:t>
+            </a:r>
+          </a:p>
+          <a:p>
+            <a:pPr marL="250825" indent="-171450" eaLnBrk="1" hangingPunct="1">
+              <a:buFontTx/>
+              <a:buChar char="-"/>
+            </a:pPr>
+            <a:r>
+              <a:rPr lang="en-US" b="0" baseline="0" dirty="0" smtClean="0">
+                <a:solidFill>
+                  <a:srgbClr val="000000"/>
+                </a:solidFill>
+                <a:latin typeface="Lucida Grande" charset="0"/>
+                <a:ea typeface="ＭＳ Ｐゴシック" charset="0"/>
+                <a:cs typeface="Lucida Grande" charset="0"/>
+                <a:sym typeface="Lucida Grande" charset="0"/>
+              </a:rPr>
+              <a:t>Saves on battery if nothing else (min. time of radio on per network request can suck juice if you have lots of network requests)</a:t>
+            </a:r>
+            <a:endParaRPr lang="en-US" b="0" dirty="0">
               <a:solidFill>
                 <a:srgbClr val="000000"/>
               </a:solidFill>
@@ -1303,9 +1606,724 @@
                 <a:cs typeface="Times New Roman" charset="0"/>
                 <a:sym typeface="Times New Roman" charset="0"/>
               </a:rPr>
-              <a:t> modular code organization, and deferred script loading.</a:t>
-            </a:r>
-            <a:endParaRPr lang="en-US" dirty="0">
+              <a:t> modular code organization, and deferred script loading</a:t>
+            </a:r>
+            <a:r>
+              <a:rPr lang="en-US" baseline="0" dirty="0" smtClean="0">
+                <a:solidFill>
+                  <a:srgbClr val="000000"/>
+                </a:solidFill>
+                <a:latin typeface="Times New Roman" charset="0"/>
+                <a:ea typeface="ＭＳ Ｐゴシック" charset="0"/>
+                <a:cs typeface="Times New Roman" charset="0"/>
+                <a:sym typeface="Times New Roman" charset="0"/>
+              </a:rPr>
+              <a:t>.</a:t>
+            </a:r>
+          </a:p>
+          <a:p>
+            <a:pPr marL="119063" eaLnBrk="1" hangingPunct="1">
+              <a:spcBef>
+                <a:spcPts val="450"/>
+              </a:spcBef>
+            </a:pPr>
+            <a:endParaRPr lang="en-US" baseline="0" dirty="0" smtClean="0">
+              <a:solidFill>
+                <a:srgbClr val="000000"/>
+              </a:solidFill>
+              <a:latin typeface="Times New Roman" charset="0"/>
+              <a:ea typeface="ＭＳ Ｐゴシック" charset="0"/>
+              <a:cs typeface="Times New Roman" charset="0"/>
+              <a:sym typeface="Times New Roman" charset="0"/>
+            </a:endParaRPr>
+          </a:p>
+          <a:p>
+            <a:pPr marL="119063" eaLnBrk="1" hangingPunct="1">
+              <a:spcBef>
+                <a:spcPts val="450"/>
+              </a:spcBef>
+            </a:pPr>
+            <a:r>
+              <a:rPr lang="en-US" baseline="0" dirty="0" smtClean="0">
+                <a:solidFill>
+                  <a:srgbClr val="000000"/>
+                </a:solidFill>
+                <a:latin typeface="Times New Roman" charset="0"/>
+                <a:ea typeface="ＭＳ Ｐゴシック" charset="0"/>
+                <a:cs typeface="Times New Roman" charset="0"/>
+                <a:sym typeface="Times New Roman" charset="0"/>
+              </a:rPr>
+              <a:t>We’ll download the source, build &amp; run it, then we’ll see how to defer loading during a code walk-thru</a:t>
+            </a:r>
+          </a:p>
+          <a:p>
+            <a:pPr marL="119063" eaLnBrk="1" hangingPunct="1">
+              <a:spcBef>
+                <a:spcPts val="450"/>
+              </a:spcBef>
+            </a:pPr>
+            <a:endParaRPr lang="en-US" baseline="0" dirty="0" smtClean="0">
+              <a:solidFill>
+                <a:srgbClr val="000000"/>
+              </a:solidFill>
+              <a:latin typeface="Times New Roman" charset="0"/>
+              <a:ea typeface="ＭＳ Ｐゴシック" charset="0"/>
+              <a:cs typeface="Times New Roman" charset="0"/>
+              <a:sym typeface="Times New Roman" charset="0"/>
+            </a:endParaRPr>
+          </a:p>
+          <a:p>
+            <a:pPr marL="119063" eaLnBrk="1" hangingPunct="1">
+              <a:spcBef>
+                <a:spcPts val="450"/>
+              </a:spcBef>
+            </a:pPr>
+            <a:r>
+              <a:rPr lang="en-US" b="1" u="sng" baseline="0" dirty="0" err="1" smtClean="0">
+                <a:solidFill>
+                  <a:srgbClr val="000000"/>
+                </a:solidFill>
+                <a:latin typeface="Times New Roman" charset="0"/>
+                <a:ea typeface="ＭＳ Ｐゴシック" charset="0"/>
+                <a:cs typeface="Times New Roman" charset="0"/>
+                <a:sym typeface="Times New Roman" charset="0"/>
+              </a:rPr>
+              <a:t>app.js</a:t>
+            </a:r>
+            <a:endParaRPr lang="en-US" b="1" u="sng" baseline="0" dirty="0" smtClean="0">
+              <a:solidFill>
+                <a:srgbClr val="000000"/>
+              </a:solidFill>
+              <a:latin typeface="Times New Roman" charset="0"/>
+              <a:ea typeface="ＭＳ Ｐゴシック" charset="0"/>
+              <a:cs typeface="Times New Roman" charset="0"/>
+              <a:sym typeface="Times New Roman" charset="0"/>
+            </a:endParaRPr>
+          </a:p>
+          <a:p>
+            <a:pPr marL="290513" indent="-171450" eaLnBrk="1" hangingPunct="1">
+              <a:spcBef>
+                <a:spcPts val="450"/>
+              </a:spcBef>
+              <a:buFont typeface="Arial"/>
+              <a:buChar char="•"/>
+            </a:pPr>
+            <a:r>
+              <a:rPr lang="en-US" baseline="0" dirty="0" smtClean="0">
+                <a:solidFill>
+                  <a:srgbClr val="000000"/>
+                </a:solidFill>
+                <a:latin typeface="Times New Roman" charset="0"/>
+                <a:ea typeface="ＭＳ Ｐゴシック" charset="0"/>
+                <a:cs typeface="Times New Roman" charset="0"/>
+                <a:sym typeface="Times New Roman" charset="0"/>
+              </a:rPr>
+              <a:t>require() is safer &amp; better for JS-based modules</a:t>
+            </a:r>
+          </a:p>
+          <a:p>
+            <a:pPr marL="290513" indent="-171450" eaLnBrk="1" hangingPunct="1">
+              <a:spcBef>
+                <a:spcPts val="450"/>
+              </a:spcBef>
+              <a:buFont typeface="Arial"/>
+              <a:buChar char="•"/>
+            </a:pPr>
+            <a:r>
+              <a:rPr lang="en-US" baseline="0" dirty="0" err="1" smtClean="0">
+                <a:solidFill>
+                  <a:srgbClr val="000000"/>
+                </a:solidFill>
+                <a:latin typeface="Times New Roman" charset="0"/>
+                <a:ea typeface="ＭＳ Ｐゴシック" charset="0"/>
+                <a:cs typeface="Times New Roman" charset="0"/>
+                <a:sym typeface="Times New Roman" charset="0"/>
+              </a:rPr>
+              <a:t>Ti.include</a:t>
+            </a:r>
+            <a:r>
+              <a:rPr lang="en-US" baseline="0" dirty="0" smtClean="0">
+                <a:solidFill>
+                  <a:srgbClr val="000000"/>
+                </a:solidFill>
+                <a:latin typeface="Times New Roman" charset="0"/>
+                <a:ea typeface="ＭＳ Ｐゴシック" charset="0"/>
+                <a:cs typeface="Times New Roman" charset="0"/>
+                <a:sym typeface="Times New Roman" charset="0"/>
+              </a:rPr>
+              <a:t>() adds to global variable, which require() doesn’t</a:t>
+            </a:r>
+          </a:p>
+          <a:p>
+            <a:pPr marL="290513" indent="-171450" eaLnBrk="1" hangingPunct="1">
+              <a:spcBef>
+                <a:spcPts val="450"/>
+              </a:spcBef>
+              <a:buFont typeface="Arial"/>
+              <a:buChar char="•"/>
+            </a:pPr>
+            <a:r>
+              <a:rPr lang="en-US" baseline="0" dirty="0" smtClean="0">
+                <a:solidFill>
+                  <a:srgbClr val="000000"/>
+                </a:solidFill>
+                <a:latin typeface="Times New Roman" charset="0"/>
+                <a:ea typeface="ＭＳ Ｐゴシック" charset="0"/>
+                <a:cs typeface="Times New Roman" charset="0"/>
+                <a:sym typeface="Times New Roman" charset="0"/>
+              </a:rPr>
+              <a:t>We include a helper to set up a </a:t>
+            </a:r>
+            <a:r>
+              <a:rPr lang="en-US" baseline="0" dirty="0" err="1" smtClean="0">
+                <a:solidFill>
+                  <a:srgbClr val="000000"/>
+                </a:solidFill>
+                <a:latin typeface="Times New Roman" charset="0"/>
+                <a:ea typeface="ＭＳ Ｐゴシック" charset="0"/>
+                <a:cs typeface="Times New Roman" charset="0"/>
+                <a:sym typeface="Times New Roman" charset="0"/>
+              </a:rPr>
+              <a:t>require_once</a:t>
+            </a:r>
+            <a:r>
+              <a:rPr lang="en-US" baseline="0" dirty="0" smtClean="0">
+                <a:solidFill>
+                  <a:srgbClr val="000000"/>
+                </a:solidFill>
+                <a:latin typeface="Times New Roman" charset="0"/>
+                <a:ea typeface="ＭＳ Ｐゴシック" charset="0"/>
+                <a:cs typeface="Times New Roman" charset="0"/>
+                <a:sym typeface="Times New Roman" charset="0"/>
+              </a:rPr>
+              <a:t>() method that will then use require()</a:t>
+            </a:r>
+          </a:p>
+          <a:p>
+            <a:pPr marL="290513" indent="-171450" eaLnBrk="1" hangingPunct="1">
+              <a:spcBef>
+                <a:spcPts val="450"/>
+              </a:spcBef>
+              <a:buFont typeface="Arial"/>
+              <a:buChar char="•"/>
+            </a:pPr>
+            <a:endParaRPr lang="en-US" baseline="0" dirty="0" smtClean="0">
+              <a:solidFill>
+                <a:srgbClr val="000000"/>
+              </a:solidFill>
+              <a:latin typeface="Times New Roman" charset="0"/>
+              <a:ea typeface="ＭＳ Ｐゴシック" charset="0"/>
+              <a:cs typeface="Times New Roman" charset="0"/>
+              <a:sym typeface="Times New Roman" charset="0"/>
+            </a:endParaRPr>
+          </a:p>
+          <a:p>
+            <a:pPr marL="119063" indent="0" eaLnBrk="1" hangingPunct="1">
+              <a:spcBef>
+                <a:spcPts val="450"/>
+              </a:spcBef>
+              <a:buFont typeface="Arial"/>
+              <a:buNone/>
+            </a:pPr>
+            <a:r>
+              <a:rPr lang="en-US" b="1" u="sng" baseline="0" dirty="0" err="1" smtClean="0">
+                <a:solidFill>
+                  <a:srgbClr val="000000"/>
+                </a:solidFill>
+                <a:latin typeface="Times New Roman" charset="0"/>
+                <a:ea typeface="ＭＳ Ｐゴシック" charset="0"/>
+                <a:cs typeface="Times New Roman" charset="0"/>
+                <a:sym typeface="Times New Roman" charset="0"/>
+              </a:rPr>
+              <a:t>js</a:t>
+            </a:r>
+            <a:r>
+              <a:rPr lang="en-US" b="1" u="sng" baseline="0" dirty="0" smtClean="0">
+                <a:solidFill>
+                  <a:srgbClr val="000000"/>
+                </a:solidFill>
+                <a:latin typeface="Times New Roman" charset="0"/>
+                <a:ea typeface="ＭＳ Ｐゴシック" charset="0"/>
+                <a:cs typeface="Times New Roman" charset="0"/>
+                <a:sym typeface="Times New Roman" charset="0"/>
+              </a:rPr>
+              <a:t>/lib/</a:t>
+            </a:r>
+            <a:r>
+              <a:rPr lang="en-US" b="1" u="sng" baseline="0" dirty="0" err="1" smtClean="0">
+                <a:solidFill>
+                  <a:srgbClr val="000000"/>
+                </a:solidFill>
+                <a:latin typeface="Times New Roman" charset="0"/>
+                <a:ea typeface="ＭＳ Ｐゴシック" charset="0"/>
+                <a:cs typeface="Times New Roman" charset="0"/>
+                <a:sym typeface="Times New Roman" charset="0"/>
+              </a:rPr>
+              <a:t>require_once.js</a:t>
+            </a:r>
+            <a:endParaRPr lang="en-US" b="1" u="sng" baseline="0" dirty="0" smtClean="0">
+              <a:solidFill>
+                <a:srgbClr val="000000"/>
+              </a:solidFill>
+              <a:latin typeface="Times New Roman" charset="0"/>
+              <a:ea typeface="ＭＳ Ｐゴシック" charset="0"/>
+              <a:cs typeface="Times New Roman" charset="0"/>
+              <a:sym typeface="Times New Roman" charset="0"/>
+            </a:endParaRPr>
+          </a:p>
+          <a:p>
+            <a:pPr marL="290513" indent="-171450" eaLnBrk="1" hangingPunct="1">
+              <a:spcBef>
+                <a:spcPts val="450"/>
+              </a:spcBef>
+              <a:buFont typeface="Arial"/>
+              <a:buChar char="•"/>
+            </a:pPr>
+            <a:r>
+              <a:rPr lang="en-US" baseline="0" dirty="0" smtClean="0">
+                <a:solidFill>
+                  <a:srgbClr val="000000"/>
+                </a:solidFill>
+                <a:latin typeface="Times New Roman" charset="0"/>
+                <a:ea typeface="ＭＳ Ｐゴシック" charset="0"/>
+                <a:cs typeface="Times New Roman" charset="0"/>
+                <a:sym typeface="Times New Roman" charset="0"/>
+              </a:rPr>
+              <a:t>explain how this will do </a:t>
+            </a:r>
+            <a:r>
+              <a:rPr lang="en-US" baseline="0" dirty="0" err="1" smtClean="0">
+                <a:solidFill>
+                  <a:srgbClr val="000000"/>
+                </a:solidFill>
+                <a:latin typeface="Times New Roman" charset="0"/>
+                <a:ea typeface="ＭＳ Ｐゴシック" charset="0"/>
+                <a:cs typeface="Times New Roman" charset="0"/>
+                <a:sym typeface="Times New Roman" charset="0"/>
+              </a:rPr>
+              <a:t>require_once</a:t>
+            </a:r>
+            <a:r>
+              <a:rPr lang="en-US" baseline="0" dirty="0" smtClean="0">
+                <a:solidFill>
+                  <a:srgbClr val="000000"/>
+                </a:solidFill>
+                <a:latin typeface="Times New Roman" charset="0"/>
+                <a:ea typeface="ＭＳ Ｐゴシック" charset="0"/>
+                <a:cs typeface="Times New Roman" charset="0"/>
+                <a:sym typeface="Times New Roman" charset="0"/>
+              </a:rPr>
+              <a:t> style loading – registers a module and checks that registry before loading again</a:t>
+            </a:r>
+          </a:p>
+          <a:p>
+            <a:pPr marL="119063" indent="0" eaLnBrk="1" hangingPunct="1">
+              <a:spcBef>
+                <a:spcPts val="450"/>
+              </a:spcBef>
+              <a:buFont typeface="Arial"/>
+              <a:buNone/>
+            </a:pPr>
+            <a:endParaRPr lang="en-US" baseline="0" dirty="0" smtClean="0">
+              <a:solidFill>
+                <a:srgbClr val="000000"/>
+              </a:solidFill>
+              <a:latin typeface="Times New Roman" charset="0"/>
+              <a:ea typeface="ＭＳ Ｐゴシック" charset="0"/>
+              <a:cs typeface="Times New Roman" charset="0"/>
+              <a:sym typeface="Times New Roman" charset="0"/>
+            </a:endParaRPr>
+          </a:p>
+          <a:p>
+            <a:pPr marL="119063" indent="0" eaLnBrk="1" hangingPunct="1">
+              <a:spcBef>
+                <a:spcPts val="450"/>
+              </a:spcBef>
+              <a:buFont typeface="Arial"/>
+              <a:buNone/>
+            </a:pPr>
+            <a:r>
+              <a:rPr lang="en-US" baseline="0" dirty="0" smtClean="0">
+                <a:solidFill>
+                  <a:srgbClr val="000000"/>
+                </a:solidFill>
+                <a:latin typeface="Times New Roman" charset="0"/>
+                <a:ea typeface="ＭＳ Ｐゴシック" charset="0"/>
+                <a:cs typeface="Times New Roman" charset="0"/>
+                <a:sym typeface="Times New Roman" charset="0"/>
+              </a:rPr>
+              <a:t>app directory contains all the </a:t>
+            </a:r>
+            <a:r>
+              <a:rPr lang="en-US" baseline="0" dirty="0" err="1" smtClean="0">
+                <a:solidFill>
+                  <a:srgbClr val="000000"/>
+                </a:solidFill>
+                <a:latin typeface="Times New Roman" charset="0"/>
+                <a:ea typeface="ＭＳ Ｐゴシック" charset="0"/>
+                <a:cs typeface="Times New Roman" charset="0"/>
+                <a:sym typeface="Times New Roman" charset="0"/>
+              </a:rPr>
+              <a:t>js</a:t>
+            </a:r>
+            <a:r>
+              <a:rPr lang="en-US" baseline="0" dirty="0" smtClean="0">
+                <a:solidFill>
+                  <a:srgbClr val="000000"/>
+                </a:solidFill>
+                <a:latin typeface="Times New Roman" charset="0"/>
+                <a:ea typeface="ＭＳ Ｐゴシック" charset="0"/>
+                <a:cs typeface="Times New Roman" charset="0"/>
+                <a:sym typeface="Times New Roman" charset="0"/>
+              </a:rPr>
+              <a:t> files corresponding to the </a:t>
+            </a:r>
+            <a:r>
+              <a:rPr lang="en-US" baseline="0" dirty="0" err="1" smtClean="0">
+                <a:solidFill>
+                  <a:srgbClr val="000000"/>
+                </a:solidFill>
+                <a:latin typeface="Times New Roman" charset="0"/>
+                <a:ea typeface="ＭＳ Ｐゴシック" charset="0"/>
+                <a:cs typeface="Times New Roman" charset="0"/>
+                <a:sym typeface="Times New Roman" charset="0"/>
+              </a:rPr>
+              <a:t>ui</a:t>
+            </a:r>
+            <a:r>
+              <a:rPr lang="en-US" baseline="0" dirty="0" smtClean="0">
+                <a:solidFill>
+                  <a:srgbClr val="000000"/>
+                </a:solidFill>
+                <a:latin typeface="Times New Roman" charset="0"/>
+                <a:ea typeface="ＭＳ Ｐゴシック" charset="0"/>
+                <a:cs typeface="Times New Roman" charset="0"/>
+                <a:sym typeface="Times New Roman" charset="0"/>
+              </a:rPr>
+              <a:t> elements of the app</a:t>
+            </a:r>
+          </a:p>
+          <a:p>
+            <a:pPr marL="119063" indent="0" eaLnBrk="1" hangingPunct="1">
+              <a:spcBef>
+                <a:spcPts val="450"/>
+              </a:spcBef>
+              <a:buFont typeface="Arial"/>
+              <a:buNone/>
+            </a:pPr>
+            <a:r>
+              <a:rPr lang="en-US" baseline="0" dirty="0" smtClean="0">
+                <a:solidFill>
+                  <a:srgbClr val="000000"/>
+                </a:solidFill>
+                <a:latin typeface="Times New Roman" charset="0"/>
+                <a:ea typeface="ＭＳ Ｐゴシック" charset="0"/>
+                <a:cs typeface="Times New Roman" charset="0"/>
+                <a:sym typeface="Times New Roman" charset="0"/>
+              </a:rPr>
+              <a:t>files correspond generally to each window</a:t>
+            </a:r>
+          </a:p>
+          <a:p>
+            <a:pPr marL="119063" indent="0" eaLnBrk="1" hangingPunct="1">
+              <a:spcBef>
+                <a:spcPts val="450"/>
+              </a:spcBef>
+              <a:buFont typeface="Arial"/>
+              <a:buNone/>
+            </a:pPr>
+            <a:endParaRPr lang="en-US" baseline="0" dirty="0" smtClean="0">
+              <a:solidFill>
+                <a:srgbClr val="000000"/>
+              </a:solidFill>
+              <a:latin typeface="Times New Roman" charset="0"/>
+              <a:ea typeface="ＭＳ Ｐゴシック" charset="0"/>
+              <a:cs typeface="Times New Roman" charset="0"/>
+              <a:sym typeface="Times New Roman" charset="0"/>
+            </a:endParaRPr>
+          </a:p>
+          <a:p>
+            <a:pPr marL="119063" indent="0" eaLnBrk="1" hangingPunct="1">
+              <a:spcBef>
+                <a:spcPts val="450"/>
+              </a:spcBef>
+              <a:buFont typeface="Arial"/>
+              <a:buNone/>
+            </a:pPr>
+            <a:r>
+              <a:rPr lang="en-US" b="1" u="sng" baseline="0" dirty="0" smtClean="0">
+                <a:solidFill>
+                  <a:srgbClr val="000000"/>
+                </a:solidFill>
+                <a:latin typeface="Times New Roman" charset="0"/>
+                <a:ea typeface="ＭＳ Ｐゴシック" charset="0"/>
+                <a:cs typeface="Times New Roman" charset="0"/>
+                <a:sym typeface="Times New Roman" charset="0"/>
+              </a:rPr>
+              <a:t>Optimizations include:</a:t>
+            </a:r>
+          </a:p>
+          <a:p>
+            <a:pPr marL="290513" indent="-171450" eaLnBrk="1" hangingPunct="1">
+              <a:spcBef>
+                <a:spcPts val="450"/>
+              </a:spcBef>
+              <a:buFont typeface="Arial"/>
+              <a:buChar char="•"/>
+            </a:pPr>
+            <a:r>
+              <a:rPr lang="en-US" baseline="0" dirty="0" err="1" smtClean="0">
+                <a:solidFill>
+                  <a:srgbClr val="000000"/>
+                </a:solidFill>
+                <a:latin typeface="Times New Roman" charset="0"/>
+                <a:ea typeface="ＭＳ Ｐゴシック" charset="0"/>
+                <a:cs typeface="Times New Roman" charset="0"/>
+                <a:sym typeface="Times New Roman" charset="0"/>
+              </a:rPr>
+              <a:t>require_once</a:t>
+            </a:r>
+            <a:r>
+              <a:rPr lang="en-US" baseline="0" dirty="0" smtClean="0">
+                <a:solidFill>
+                  <a:srgbClr val="000000"/>
+                </a:solidFill>
+                <a:latin typeface="Times New Roman" charset="0"/>
+                <a:ea typeface="ＭＳ Ｐゴシック" charset="0"/>
+                <a:cs typeface="Times New Roman" charset="0"/>
+                <a:sym typeface="Times New Roman" charset="0"/>
+              </a:rPr>
+              <a:t> ensures we don’t load scripts multiple times (repeatedly allocate memory/resources)</a:t>
+            </a:r>
+          </a:p>
+          <a:p>
+            <a:pPr marL="290513" indent="-171450" eaLnBrk="1" hangingPunct="1">
+              <a:spcBef>
+                <a:spcPts val="450"/>
+              </a:spcBef>
+              <a:buFont typeface="Arial"/>
+              <a:buChar char="•"/>
+            </a:pPr>
+            <a:r>
+              <a:rPr lang="en-US" baseline="0" dirty="0" smtClean="0">
+                <a:solidFill>
+                  <a:srgbClr val="000000"/>
+                </a:solidFill>
+                <a:latin typeface="Times New Roman" charset="0"/>
+                <a:ea typeface="ＭＳ Ｐゴシック" charset="0"/>
+                <a:cs typeface="Times New Roman" charset="0"/>
+                <a:sym typeface="Times New Roman" charset="0"/>
+              </a:rPr>
+              <a:t>biggest optimization for </a:t>
+            </a:r>
+            <a:r>
+              <a:rPr lang="en-US" baseline="0" dirty="0" err="1" smtClean="0">
+                <a:solidFill>
+                  <a:srgbClr val="000000"/>
+                </a:solidFill>
+                <a:latin typeface="Times New Roman" charset="0"/>
+                <a:ea typeface="ＭＳ Ｐゴシック" charset="0"/>
+                <a:cs typeface="Times New Roman" charset="0"/>
+                <a:sym typeface="Times New Roman" charset="0"/>
+              </a:rPr>
+              <a:t>TiBH</a:t>
+            </a:r>
+            <a:r>
+              <a:rPr lang="en-US" baseline="0" dirty="0" smtClean="0">
+                <a:solidFill>
+                  <a:srgbClr val="000000"/>
+                </a:solidFill>
+                <a:latin typeface="Times New Roman" charset="0"/>
+                <a:ea typeface="ＭＳ Ｐゴシック" charset="0"/>
+                <a:cs typeface="Times New Roman" charset="0"/>
+                <a:sym typeface="Times New Roman" charset="0"/>
+              </a:rPr>
+              <a:t> is that modules are no longer loaded all up front (as in BNAPPs version)</a:t>
+            </a:r>
+          </a:p>
+          <a:p>
+            <a:pPr marL="290513" indent="-171450" eaLnBrk="1" hangingPunct="1">
+              <a:spcBef>
+                <a:spcPts val="450"/>
+              </a:spcBef>
+              <a:buFont typeface="Arial"/>
+              <a:buChar char="•"/>
+            </a:pPr>
+            <a:r>
+              <a:rPr lang="en-US" baseline="0" dirty="0" smtClean="0">
+                <a:solidFill>
+                  <a:srgbClr val="000000"/>
+                </a:solidFill>
+                <a:latin typeface="Times New Roman" charset="0"/>
+                <a:ea typeface="ＭＳ Ｐゴシック" charset="0"/>
+                <a:cs typeface="Times New Roman" charset="0"/>
+                <a:sym typeface="Times New Roman" charset="0"/>
+              </a:rPr>
+              <a:t>Instead, we require modules in line as needed, and only once</a:t>
+            </a:r>
+          </a:p>
+          <a:p>
+            <a:pPr marL="290513" indent="-171450" eaLnBrk="1" hangingPunct="1">
+              <a:spcBef>
+                <a:spcPts val="450"/>
+              </a:spcBef>
+              <a:buFont typeface="Arial"/>
+              <a:buChar char="•"/>
+            </a:pPr>
+            <a:r>
+              <a:rPr lang="en-US" baseline="0" dirty="0" smtClean="0">
+                <a:solidFill>
+                  <a:srgbClr val="000000"/>
+                </a:solidFill>
+                <a:latin typeface="Times New Roman" charset="0"/>
+                <a:ea typeface="ＭＳ Ｐゴシック" charset="0"/>
+                <a:cs typeface="Times New Roman" charset="0"/>
+                <a:sym typeface="Times New Roman" charset="0"/>
+              </a:rPr>
+              <a:t>When windows close (e.g. </a:t>
+            </a:r>
+            <a:r>
+              <a:rPr lang="en-US" baseline="0" dirty="0" err="1" smtClean="0">
+                <a:solidFill>
+                  <a:srgbClr val="000000"/>
+                </a:solidFill>
+                <a:latin typeface="Times New Roman" charset="0"/>
+                <a:ea typeface="ＭＳ Ｐゴシック" charset="0"/>
+                <a:cs typeface="Times New Roman" charset="0"/>
+                <a:sym typeface="Times New Roman" charset="0"/>
+              </a:rPr>
+              <a:t>DetailWindow</a:t>
+            </a:r>
+            <a:r>
+              <a:rPr lang="en-US" baseline="0" dirty="0" smtClean="0">
+                <a:solidFill>
+                  <a:srgbClr val="000000"/>
+                </a:solidFill>
+                <a:latin typeface="Times New Roman" charset="0"/>
+                <a:ea typeface="ＭＳ Ｐゴシック" charset="0"/>
+                <a:cs typeface="Times New Roman" charset="0"/>
+                <a:sym typeface="Times New Roman" charset="0"/>
+              </a:rPr>
+              <a:t>), there will be no reference to it any more so its resources will be garbage collected</a:t>
+            </a:r>
+          </a:p>
+          <a:p>
+            <a:pPr marL="290513" indent="-171450" eaLnBrk="1" hangingPunct="1">
+              <a:spcBef>
+                <a:spcPts val="450"/>
+              </a:spcBef>
+              <a:buFont typeface="Arial"/>
+              <a:buChar char="•"/>
+            </a:pPr>
+            <a:endParaRPr lang="en-US" baseline="0" dirty="0" smtClean="0">
+              <a:solidFill>
+                <a:srgbClr val="000000"/>
+              </a:solidFill>
+              <a:latin typeface="Times New Roman" charset="0"/>
+              <a:ea typeface="ＭＳ Ｐゴシック" charset="0"/>
+              <a:cs typeface="Times New Roman" charset="0"/>
+              <a:sym typeface="Times New Roman" charset="0"/>
+            </a:endParaRPr>
+          </a:p>
+          <a:p>
+            <a:pPr marL="119063" indent="0" eaLnBrk="1" hangingPunct="1">
+              <a:spcBef>
+                <a:spcPts val="450"/>
+              </a:spcBef>
+              <a:buFont typeface="Arial"/>
+              <a:buNone/>
+            </a:pPr>
+            <a:r>
+              <a:rPr lang="en-US" baseline="0" dirty="0" smtClean="0">
+                <a:solidFill>
+                  <a:srgbClr val="000000"/>
+                </a:solidFill>
+                <a:latin typeface="Times New Roman" charset="0"/>
+                <a:ea typeface="ＭＳ Ｐゴシック" charset="0"/>
+                <a:cs typeface="Times New Roman" charset="0"/>
+                <a:sym typeface="Times New Roman" charset="0"/>
+              </a:rPr>
+              <a:t>Make sure to take all the normal </a:t>
+            </a:r>
+            <a:r>
+              <a:rPr lang="en-US" baseline="0" dirty="0" err="1" smtClean="0">
+                <a:solidFill>
+                  <a:srgbClr val="000000"/>
+                </a:solidFill>
+                <a:latin typeface="Times New Roman" charset="0"/>
+                <a:ea typeface="ＭＳ Ｐゴシック" charset="0"/>
+                <a:cs typeface="Times New Roman" charset="0"/>
+                <a:sym typeface="Times New Roman" charset="0"/>
+              </a:rPr>
+              <a:t>javascript</a:t>
+            </a:r>
+            <a:r>
+              <a:rPr lang="en-US" baseline="0" dirty="0" smtClean="0">
+                <a:solidFill>
+                  <a:srgbClr val="000000"/>
+                </a:solidFill>
+                <a:latin typeface="Times New Roman" charset="0"/>
+                <a:ea typeface="ＭＳ Ｐゴシック" charset="0"/>
+                <a:cs typeface="Times New Roman" charset="0"/>
+                <a:sym typeface="Times New Roman" charset="0"/>
+              </a:rPr>
+              <a:t> optimization steps you can. </a:t>
+            </a:r>
+          </a:p>
+          <a:p>
+            <a:pPr marL="119063" indent="0" eaLnBrk="1" hangingPunct="1">
+              <a:spcBef>
+                <a:spcPts val="450"/>
+              </a:spcBef>
+              <a:buFont typeface="Arial"/>
+              <a:buNone/>
+            </a:pPr>
+            <a:r>
+              <a:rPr lang="en-US" baseline="0" dirty="0" smtClean="0">
+                <a:solidFill>
+                  <a:srgbClr val="000000"/>
+                </a:solidFill>
+                <a:latin typeface="Times New Roman" charset="0"/>
+                <a:ea typeface="ＭＳ Ｐゴシック" charset="0"/>
+                <a:cs typeface="Times New Roman" charset="0"/>
+                <a:sym typeface="Times New Roman" charset="0"/>
+              </a:rPr>
+              <a:t>e.g. with a loop, set a variable equal to the upper-bound count prior to the loop rather than within the for() statement</a:t>
+            </a:r>
+          </a:p>
+          <a:p>
+            <a:pPr marL="119063" indent="0" eaLnBrk="1" hangingPunct="1">
+              <a:spcBef>
+                <a:spcPts val="450"/>
+              </a:spcBef>
+              <a:buFont typeface="Arial"/>
+              <a:buNone/>
+            </a:pPr>
+            <a:r>
+              <a:rPr lang="en-US" baseline="0" dirty="0" smtClean="0">
+                <a:solidFill>
+                  <a:srgbClr val="000000"/>
+                </a:solidFill>
+                <a:latin typeface="Times New Roman" charset="0"/>
+                <a:ea typeface="ＭＳ Ｐゴシック" charset="0"/>
+                <a:cs typeface="Times New Roman" charset="0"/>
+                <a:sym typeface="Times New Roman" charset="0"/>
+              </a:rPr>
+              <a:t>Especially if the count is going to point to some proxy object that would call over the bridge to native land (child rows of </a:t>
+            </a:r>
+            <a:r>
+              <a:rPr lang="en-US" baseline="0" smtClean="0">
+                <a:solidFill>
+                  <a:srgbClr val="000000"/>
+                </a:solidFill>
+                <a:latin typeface="Times New Roman" charset="0"/>
+                <a:ea typeface="ＭＳ Ｐゴシック" charset="0"/>
+                <a:cs typeface="Times New Roman" charset="0"/>
+                <a:sym typeface="Times New Roman" charset="0"/>
+              </a:rPr>
+              <a:t>a table)</a:t>
+            </a:r>
+            <a:endParaRPr lang="en-US" baseline="0" dirty="0" smtClean="0">
               <a:solidFill>
                 <a:srgbClr val="000000"/>
               </a:solidFill>
@@ -1488,11 +2506,71 @@
           <a:bodyPr/>
           <a:lstStyle/>
           <a:p>
-            <a:pPr marL="250825" indent="-171450" eaLnBrk="1" hangingPunct="1">
+            <a:pPr marL="79375" indent="0" eaLnBrk="1" hangingPunct="1">
               <a:buFontTx/>
-              <a:buChar char="-"/>
+              <a:buNone/>
             </a:pPr>
-            <a:endParaRPr lang="en-US" b="1" dirty="0">
+            <a:r>
+              <a:rPr lang="en-US" b="0" dirty="0" smtClean="0">
+                <a:solidFill>
+                  <a:srgbClr val="000000"/>
+                </a:solidFill>
+                <a:latin typeface="Lucida Grande" charset="0"/>
+                <a:ea typeface="ＭＳ Ｐゴシック" charset="0"/>
+                <a:cs typeface="Lucida Grande" charset="0"/>
+                <a:sym typeface="Lucida Grande" charset="0"/>
+              </a:rPr>
+              <a:t>Need</a:t>
+            </a:r>
+            <a:r>
+              <a:rPr lang="en-US" b="0" baseline="0" dirty="0" smtClean="0">
+                <a:solidFill>
+                  <a:srgbClr val="000000"/>
+                </a:solidFill>
+                <a:latin typeface="Lucida Grande" charset="0"/>
+                <a:ea typeface="ＭＳ Ｐゴシック" charset="0"/>
+                <a:cs typeface="Lucida Grande" charset="0"/>
+                <a:sym typeface="Lucida Grande" charset="0"/>
+              </a:rPr>
+              <a:t> to worry about running out of resources</a:t>
+            </a:r>
+          </a:p>
+          <a:p>
+            <a:pPr marL="79375" indent="0" eaLnBrk="1" hangingPunct="1">
+              <a:buFontTx/>
+              <a:buNone/>
+            </a:pPr>
+            <a:r>
+              <a:rPr lang="en-US" b="0" baseline="0" dirty="0" smtClean="0">
+                <a:solidFill>
+                  <a:srgbClr val="000000"/>
+                </a:solidFill>
+                <a:latin typeface="Lucida Grande" charset="0"/>
+                <a:ea typeface="ＭＳ Ｐゴシック" charset="0"/>
+                <a:cs typeface="Lucida Grande" charset="0"/>
+                <a:sym typeface="Lucida Grande" charset="0"/>
+              </a:rPr>
+              <a:t>The biggest concern is running out of memory</a:t>
+            </a:r>
+          </a:p>
+          <a:p>
+            <a:pPr marL="79375" indent="0" eaLnBrk="1" hangingPunct="1">
+              <a:buFontTx/>
+              <a:buNone/>
+            </a:pPr>
+            <a:r>
+              <a:rPr lang="en-US" b="0" baseline="0" dirty="0" smtClean="0">
+                <a:solidFill>
+                  <a:srgbClr val="000000"/>
+                </a:solidFill>
+                <a:latin typeface="Lucida Grande" charset="0"/>
+                <a:ea typeface="ＭＳ Ｐゴシック" charset="0"/>
+                <a:cs typeface="Lucida Grande" charset="0"/>
+                <a:sym typeface="Lucida Grande" charset="0"/>
+              </a:rPr>
+              <a:t>Mostly that means getting rid of things you no longer need</a:t>
+            </a:r>
+            <a:endParaRPr lang="en-US" b="0" dirty="0">
               <a:solidFill>
                 <a:srgbClr val="000000"/>
               </a:solidFill>
@@ -1583,11 +2661,122 @@
           <a:bodyPr/>
           <a:lstStyle/>
           <a:p>
+            <a:pPr marL="79375" indent="0" eaLnBrk="1" hangingPunct="1">
+              <a:buFontTx/>
+              <a:buNone/>
+            </a:pPr>
+            <a:r>
+              <a:rPr lang="en-US" b="0" dirty="0" smtClean="0">
+                <a:solidFill>
+                  <a:srgbClr val="000000"/>
+                </a:solidFill>
+                <a:latin typeface="Lucida Grande" charset="0"/>
+                <a:ea typeface="ＭＳ Ｐゴシック" charset="0"/>
+                <a:cs typeface="Lucida Grande" charset="0"/>
+                <a:sym typeface="Lucida Grande" charset="0"/>
+              </a:rPr>
+              <a:t>Garbage</a:t>
+            </a:r>
+            <a:r>
+              <a:rPr lang="en-US" b="0" baseline="0" dirty="0" smtClean="0">
+                <a:solidFill>
+                  <a:srgbClr val="000000"/>
+                </a:solidFill>
+                <a:latin typeface="Lucida Grande" charset="0"/>
+                <a:ea typeface="ＭＳ Ｐゴシック" charset="0"/>
+                <a:cs typeface="Lucida Grande" charset="0"/>
+                <a:sym typeface="Lucida Grande" charset="0"/>
+              </a:rPr>
+              <a:t> management:</a:t>
+            </a:r>
+          </a:p>
+          <a:p>
             <a:pPr marL="250825" indent="-171450" eaLnBrk="1" hangingPunct="1">
-              <a:buFontTx/>
-              <a:buChar char="-"/>
+              <a:buFont typeface="Arial"/>
+              <a:buChar char="•"/>
             </a:pPr>
-            <a:endParaRPr lang="en-US" b="1" dirty="0">
+            <a:r>
+              <a:rPr lang="en-US" b="0" baseline="0" dirty="0" smtClean="0">
+                <a:solidFill>
+                  <a:srgbClr val="000000"/>
+                </a:solidFill>
+                <a:latin typeface="Lucida Grande" charset="0"/>
+                <a:ea typeface="ＭＳ Ｐゴシック" charset="0"/>
+                <a:cs typeface="Lucida Grande" charset="0"/>
+                <a:sym typeface="Lucida Grande" charset="0"/>
+              </a:rPr>
+              <a:t>When a window is closed, the object it contains are generally removed and memory freed</a:t>
+            </a:r>
+          </a:p>
+          <a:p>
+            <a:pPr marL="250825" indent="-171450" eaLnBrk="1" hangingPunct="1">
+              <a:buFont typeface="Arial"/>
+              <a:buChar char="•"/>
+            </a:pPr>
+            <a:r>
+              <a:rPr lang="en-US" b="0" baseline="0" dirty="0" smtClean="0">
+                <a:solidFill>
+                  <a:srgbClr val="000000"/>
+                </a:solidFill>
+                <a:latin typeface="Lucida Grande" charset="0"/>
+                <a:ea typeface="ＭＳ Ｐゴシック" charset="0"/>
+                <a:cs typeface="Lucida Grande" charset="0"/>
+                <a:sym typeface="Lucida Grande" charset="0"/>
+              </a:rPr>
+              <a:t>Manually – set a reference to null (proxy objects are the JS objects that represent the native equivalent)</a:t>
+            </a:r>
+          </a:p>
+          <a:p>
+            <a:pPr marL="250825" indent="-171450" eaLnBrk="1" hangingPunct="1">
+              <a:buFont typeface="Arial"/>
+              <a:buChar char="•"/>
+            </a:pPr>
+            <a:endParaRPr lang="en-US" b="0" baseline="0" dirty="0" smtClean="0">
+              <a:solidFill>
+                <a:srgbClr val="000000"/>
+              </a:solidFill>
+              <a:latin typeface="Lucida Grande" charset="0"/>
+              <a:ea typeface="ＭＳ Ｐゴシック" charset="0"/>
+              <a:cs typeface="Lucida Grande" charset="0"/>
+              <a:sym typeface="Lucida Grande" charset="0"/>
+            </a:endParaRPr>
+          </a:p>
+          <a:p>
+            <a:pPr marL="79375" indent="0" eaLnBrk="1" hangingPunct="1">
+              <a:buFont typeface="Arial"/>
+              <a:buNone/>
+            </a:pPr>
+            <a:r>
+              <a:rPr lang="en-US" b="0" baseline="0" dirty="0" smtClean="0">
+                <a:solidFill>
+                  <a:srgbClr val="000000"/>
+                </a:solidFill>
+                <a:latin typeface="Lucida Grande" charset="0"/>
+                <a:ea typeface="ＭＳ Ｐゴシック" charset="0"/>
+                <a:cs typeface="Lucida Grande" charset="0"/>
+                <a:sym typeface="Lucida Grande" charset="0"/>
+              </a:rPr>
+              <a:t>Use DDMS and Instruments to monitor memory usage, see when &amp; where you’re running out of memory</a:t>
+            </a:r>
+          </a:p>
+          <a:p>
+            <a:pPr marL="79375" indent="0" eaLnBrk="1" hangingPunct="1">
+              <a:buFont typeface="Arial"/>
+              <a:buNone/>
+            </a:pPr>
+            <a:r>
+              <a:rPr lang="en-US" b="0" baseline="0" dirty="0" smtClean="0">
+                <a:solidFill>
+                  <a:srgbClr val="000000"/>
+                </a:solidFill>
+                <a:latin typeface="Lucida Grande" charset="0"/>
+                <a:ea typeface="ＭＳ Ｐゴシック" charset="0"/>
+                <a:cs typeface="Lucida Grande" charset="0"/>
+                <a:sym typeface="Lucida Grande" charset="0"/>
+              </a:rPr>
+              <a:t>Then you can take manual actions to clean up</a:t>
+            </a:r>
+            <a:endParaRPr lang="en-US" b="0" dirty="0" smtClean="0">
               <a:solidFill>
                 <a:srgbClr val="000000"/>
               </a:solidFill>
@@ -1683,6 +2872,111 @@
                 <a:spcPts val="450"/>
               </a:spcBef>
             </a:pPr>
+            <a:r>
+              <a:rPr lang="en-US" dirty="0" smtClean="0">
+                <a:solidFill>
+                  <a:srgbClr val="000000"/>
+                </a:solidFill>
+                <a:latin typeface="Times New Roman" charset="0"/>
+                <a:ea typeface="ＭＳ Ｐゴシック" charset="0"/>
+                <a:cs typeface="Times New Roman" charset="0"/>
+                <a:sym typeface="Times New Roman" charset="0"/>
+              </a:rPr>
+              <a:t>Slow window open time is a common problem:</a:t>
+            </a:r>
+          </a:p>
+          <a:p>
+            <a:pPr marL="290513" indent="-171450" eaLnBrk="1" hangingPunct="1">
+              <a:spcBef>
+                <a:spcPts val="450"/>
+              </a:spcBef>
+              <a:buFont typeface="Arial"/>
+              <a:buChar char="•"/>
+            </a:pPr>
+            <a:r>
+              <a:rPr lang="en-US" dirty="0" smtClean="0">
+                <a:solidFill>
+                  <a:srgbClr val="000000"/>
+                </a:solidFill>
+                <a:latin typeface="Times New Roman" charset="0"/>
+                <a:ea typeface="ＭＳ Ｐゴシック" charset="0"/>
+                <a:cs typeface="Times New Roman" charset="0"/>
+                <a:sym typeface="Times New Roman" charset="0"/>
+              </a:rPr>
+              <a:t>A bigger problem on Android</a:t>
+            </a:r>
+          </a:p>
+          <a:p>
+            <a:pPr marL="290513" indent="-171450" eaLnBrk="1" hangingPunct="1">
+              <a:spcBef>
+                <a:spcPts val="450"/>
+              </a:spcBef>
+              <a:buFont typeface="Arial"/>
+              <a:buChar char="•"/>
+            </a:pPr>
+            <a:r>
+              <a:rPr lang="en-US" dirty="0" smtClean="0">
+                <a:solidFill>
+                  <a:srgbClr val="000000"/>
+                </a:solidFill>
+                <a:latin typeface="Times New Roman" charset="0"/>
+                <a:ea typeface="ＭＳ Ｐゴシック" charset="0"/>
+                <a:cs typeface="Times New Roman" charset="0"/>
+                <a:sym typeface="Times New Roman" charset="0"/>
+              </a:rPr>
+              <a:t>App start-up time can be slow</a:t>
+            </a:r>
+          </a:p>
+          <a:p>
+            <a:pPr marL="119063" indent="0" eaLnBrk="1" hangingPunct="1">
+              <a:spcBef>
+                <a:spcPts val="450"/>
+              </a:spcBef>
+              <a:buFont typeface="Arial"/>
+              <a:buNone/>
+            </a:pPr>
+            <a:endParaRPr lang="en-US" dirty="0" smtClean="0">
+              <a:solidFill>
+                <a:srgbClr val="000000"/>
+              </a:solidFill>
+              <a:latin typeface="Times New Roman" charset="0"/>
+              <a:ea typeface="ＭＳ Ｐゴシック" charset="0"/>
+              <a:cs typeface="Times New Roman" charset="0"/>
+              <a:sym typeface="Times New Roman" charset="0"/>
+            </a:endParaRPr>
+          </a:p>
+          <a:p>
+            <a:pPr marL="119063" indent="0" eaLnBrk="1" hangingPunct="1">
+              <a:spcBef>
+                <a:spcPts val="450"/>
+              </a:spcBef>
+              <a:buFont typeface="Arial"/>
+              <a:buNone/>
+            </a:pPr>
+            <a:r>
+              <a:rPr lang="en-US" dirty="0" smtClean="0">
+                <a:solidFill>
+                  <a:srgbClr val="000000"/>
+                </a:solidFill>
+                <a:latin typeface="Times New Roman" charset="0"/>
+                <a:ea typeface="ＭＳ Ｐゴシック" charset="0"/>
+                <a:cs typeface="Times New Roman" charset="0"/>
+                <a:sym typeface="Times New Roman" charset="0"/>
+              </a:rPr>
+              <a:t>The culprit</a:t>
+            </a:r>
+            <a:r>
+              <a:rPr lang="en-US" baseline="0" dirty="0" smtClean="0">
+                <a:solidFill>
+                  <a:srgbClr val="000000"/>
+                </a:solidFill>
+                <a:latin typeface="Times New Roman" charset="0"/>
+                <a:ea typeface="ＭＳ Ｐゴシック" charset="0"/>
+                <a:cs typeface="Times New Roman" charset="0"/>
+                <a:sym typeface="Times New Roman" charset="0"/>
+              </a:rPr>
+              <a:t> is probably…</a:t>
+            </a:r>
             <a:endParaRPr lang="en-US" dirty="0">
               <a:solidFill>
                 <a:srgbClr val="000000"/>
@@ -1875,6 +3169,37 @@
                 <a:spcPts val="450"/>
               </a:spcBef>
             </a:pPr>
+            <a:r>
+              <a:rPr lang="en-US" dirty="0" smtClean="0">
+                <a:solidFill>
+                  <a:srgbClr val="000000"/>
+                </a:solidFill>
+                <a:latin typeface="Times New Roman" charset="0"/>
+                <a:ea typeface="ＭＳ Ｐゴシック" charset="0"/>
+                <a:cs typeface="Times New Roman" charset="0"/>
+                <a:sym typeface="Times New Roman" charset="0"/>
+              </a:rPr>
+              <a:t>A bigger problem on Android</a:t>
+            </a:r>
+          </a:p>
+          <a:p>
+            <a:pPr marL="119063" eaLnBrk="1" hangingPunct="1">
+              <a:spcBef>
+                <a:spcPts val="450"/>
+              </a:spcBef>
+            </a:pPr>
+            <a:r>
+              <a:rPr lang="en-US" dirty="0" smtClean="0">
+                <a:solidFill>
+                  <a:srgbClr val="000000"/>
+                </a:solidFill>
+                <a:latin typeface="Times New Roman" charset="0"/>
+                <a:ea typeface="ＭＳ Ｐゴシック" charset="0"/>
+                <a:cs typeface="Times New Roman" charset="0"/>
+                <a:sym typeface="Times New Roman" charset="0"/>
+              </a:rPr>
+              <a:t>Rhino is slower than JavaScript Core</a:t>
+            </a:r>
             <a:endParaRPr lang="en-US" dirty="0">
               <a:solidFill>
                 <a:srgbClr val="000000"/>
@@ -2067,7 +3392,7 @@
               <a:buNone/>
             </a:pPr>
             <a:r>
-              <a:rPr lang="en-US" b="1" dirty="0" smtClean="0">
+              <a:rPr lang="en-US" b="0" dirty="0" smtClean="0">
                 <a:solidFill>
                   <a:srgbClr val="000000"/>
                 </a:solidFill>
@@ -2076,43 +3401,7 @@
                 <a:cs typeface="Lucida Grande" charset="0"/>
                 <a:sym typeface="Lucida Grande" charset="0"/>
               </a:rPr>
-              <a:t>For the second and third</a:t>
-            </a:r>
-            <a:r>
-              <a:rPr lang="en-US" b="1" baseline="0" dirty="0" smtClean="0">
-                <a:solidFill>
-                  <a:srgbClr val="000000"/>
-                </a:solidFill>
-                <a:latin typeface="Lucida Grande" charset="0"/>
-                <a:ea typeface="ＭＳ Ｐゴシック" charset="0"/>
-                <a:cs typeface="Lucida Grande" charset="0"/>
-                <a:sym typeface="Lucida Grande" charset="0"/>
-              </a:rPr>
-              <a:t> point – it is tempting to package JSON files in your resources directory and JSON-parse them as </a:t>
-            </a:r>
-            <a:r>
-              <a:rPr lang="en-US" b="1" baseline="0" dirty="0" err="1" smtClean="0">
-                <a:solidFill>
-                  <a:srgbClr val="000000"/>
-                </a:solidFill>
-                <a:latin typeface="Lucida Grande" charset="0"/>
-                <a:ea typeface="ＭＳ Ｐゴシック" charset="0"/>
-                <a:cs typeface="Lucida Grande" charset="0"/>
-                <a:sym typeface="Lucida Grande" charset="0"/>
-              </a:rPr>
-              <a:t>configuartion</a:t>
-            </a:r>
-            <a:r>
-              <a:rPr lang="en-US" b="1" baseline="0" dirty="0" smtClean="0">
-                <a:solidFill>
-                  <a:srgbClr val="000000"/>
-                </a:solidFill>
-                <a:latin typeface="Lucida Grande" charset="0"/>
-                <a:ea typeface="ＭＳ Ｐゴシック" charset="0"/>
-                <a:cs typeface="Lucida Grande" charset="0"/>
-                <a:sym typeface="Lucida Grande" charset="0"/>
-              </a:rPr>
-              <a:t>, resource bundles, etc.  This is fine for small numbers of files, but can be costly as files get large</a:t>
+              <a:t>Defer loading when possible</a:t>
             </a:r>
           </a:p>
           <a:p>
@@ -2120,7 +3409,7 @@
               <a:buFontTx/>
               <a:buNone/>
             </a:pPr>
-            <a:endParaRPr lang="en-US" b="1" baseline="0" dirty="0" smtClean="0">
+            <a:endParaRPr lang="en-US" b="0" dirty="0" smtClean="0">
               <a:solidFill>
                 <a:srgbClr val="000000"/>
               </a:solidFill>
@@ -2136,7 +3425,7 @@
               <a:buNone/>
             </a:pPr>
             <a:r>
-              <a:rPr lang="en-US" b="1" baseline="0" dirty="0" smtClean="0">
+              <a:rPr lang="en-US" b="0" dirty="0" smtClean="0">
                 <a:solidFill>
                   <a:srgbClr val="000000"/>
                 </a:solidFill>
@@ -2145,9 +3434,138 @@
                 <a:cs typeface="Lucida Grande" charset="0"/>
                 <a:sym typeface="Lucida Grande" charset="0"/>
               </a:rPr>
-              <a:t>for the last “hack”, this is only true for current release, and may be disallowed in future releases.  Be warned.</a:t>
-            </a:r>
-            <a:endParaRPr lang="en-US" b="1" dirty="0">
+              <a:t>For </a:t>
+            </a:r>
+            <a:r>
+              <a:rPr lang="en-US" b="0" dirty="0" smtClean="0">
+                <a:solidFill>
+                  <a:srgbClr val="000000"/>
+                </a:solidFill>
+                <a:latin typeface="Lucida Grande" charset="0"/>
+                <a:ea typeface="ＭＳ Ｐゴシック" charset="0"/>
+                <a:cs typeface="Lucida Grande" charset="0"/>
+                <a:sym typeface="Lucida Grande" charset="0"/>
+              </a:rPr>
+              <a:t>the second and third</a:t>
+            </a:r>
+            <a:r>
+              <a:rPr lang="en-US" b="0" baseline="0" dirty="0" smtClean="0">
+                <a:solidFill>
+                  <a:srgbClr val="000000"/>
+                </a:solidFill>
+                <a:latin typeface="Lucida Grande" charset="0"/>
+                <a:ea typeface="ＭＳ Ｐゴシック" charset="0"/>
+                <a:cs typeface="Lucida Grande" charset="0"/>
+                <a:sym typeface="Lucida Grande" charset="0"/>
+              </a:rPr>
+              <a:t> point – it is tempting to package JSON files in your resources directory and JSON-parse them as </a:t>
+            </a:r>
+            <a:r>
+              <a:rPr lang="en-US" b="0" baseline="0" dirty="0" smtClean="0">
+                <a:solidFill>
+                  <a:srgbClr val="000000"/>
+                </a:solidFill>
+                <a:latin typeface="Lucida Grande" charset="0"/>
+                <a:ea typeface="ＭＳ Ｐゴシック" charset="0"/>
+                <a:cs typeface="Lucida Grande" charset="0"/>
+                <a:sym typeface="Lucida Grande" charset="0"/>
+              </a:rPr>
+              <a:t>configuration, </a:t>
+            </a:r>
+            <a:r>
+              <a:rPr lang="en-US" b="0" baseline="0" dirty="0" smtClean="0">
+                <a:solidFill>
+                  <a:srgbClr val="000000"/>
+                </a:solidFill>
+                <a:latin typeface="Lucida Grande" charset="0"/>
+                <a:ea typeface="ＭＳ Ｐゴシック" charset="0"/>
+                <a:cs typeface="Lucida Grande" charset="0"/>
+                <a:sym typeface="Lucida Grande" charset="0"/>
+              </a:rPr>
+              <a:t>resource bundles, etc.  This is fine for small numbers of files, but can be costly as files get large</a:t>
+            </a:r>
+          </a:p>
+          <a:p>
+            <a:pPr marL="79375" indent="0" eaLnBrk="1" hangingPunct="1">
+              <a:buFontTx/>
+              <a:buNone/>
+            </a:pPr>
+            <a:endParaRPr lang="en-US" b="0" baseline="0" dirty="0" smtClean="0">
+              <a:solidFill>
+                <a:srgbClr val="000000"/>
+              </a:solidFill>
+              <a:latin typeface="Lucida Grande" charset="0"/>
+              <a:ea typeface="ＭＳ Ｐゴシック" charset="0"/>
+              <a:cs typeface="Lucida Grande" charset="0"/>
+              <a:sym typeface="Lucida Grande" charset="0"/>
+            </a:endParaRPr>
+          </a:p>
+          <a:p>
+            <a:pPr marL="79375" indent="0" eaLnBrk="1" hangingPunct="1">
+              <a:buFontTx/>
+              <a:buNone/>
+            </a:pPr>
+            <a:r>
+              <a:rPr lang="en-US" b="0" baseline="0" dirty="0" smtClean="0">
+                <a:solidFill>
+                  <a:srgbClr val="000000"/>
+                </a:solidFill>
+                <a:latin typeface="Lucida Grande" charset="0"/>
+                <a:ea typeface="ＭＳ Ｐゴシック" charset="0"/>
+                <a:cs typeface="Lucida Grande" charset="0"/>
+                <a:sym typeface="Lucida Grande" charset="0"/>
+              </a:rPr>
+              <a:t>Older </a:t>
+            </a:r>
+            <a:r>
+              <a:rPr lang="en-US" b="0" baseline="0" dirty="0" smtClean="0">
+                <a:solidFill>
+                  <a:srgbClr val="000000"/>
+                </a:solidFill>
+                <a:latin typeface="Lucida Grande" charset="0"/>
+                <a:ea typeface="ＭＳ Ｐゴシック" charset="0"/>
+                <a:cs typeface="Lucida Grande" charset="0"/>
+                <a:sym typeface="Lucida Grande" charset="0"/>
+              </a:rPr>
+              <a:t>“hack</a:t>
+            </a:r>
+            <a:r>
+              <a:rPr lang="en-US" b="0" baseline="0" dirty="0" smtClean="0">
+                <a:solidFill>
+                  <a:srgbClr val="000000"/>
+                </a:solidFill>
+                <a:latin typeface="Lucida Grande" charset="0"/>
+                <a:ea typeface="ＭＳ Ｐゴシック" charset="0"/>
+                <a:cs typeface="Lucida Grande" charset="0"/>
+                <a:sym typeface="Lucida Grande" charset="0"/>
+              </a:rPr>
+              <a:t>” of adding objects, functions, and values to </a:t>
+            </a:r>
+            <a:r>
+              <a:rPr lang="en-US" b="0" baseline="0" dirty="0" err="1" smtClean="0">
+                <a:solidFill>
+                  <a:srgbClr val="000000"/>
+                </a:solidFill>
+                <a:latin typeface="Lucida Grande" charset="0"/>
+                <a:ea typeface="ＭＳ Ｐゴシック" charset="0"/>
+                <a:cs typeface="Lucida Grande" charset="0"/>
+                <a:sym typeface="Lucida Grande" charset="0"/>
+              </a:rPr>
+              <a:t>Ti.App</a:t>
+            </a:r>
+            <a:r>
+              <a:rPr lang="en-US" b="0" baseline="0" dirty="0" smtClean="0">
+                <a:solidFill>
+                  <a:srgbClr val="000000"/>
+                </a:solidFill>
+                <a:latin typeface="Lucida Grande" charset="0"/>
+                <a:ea typeface="ＭＳ Ｐゴシック" charset="0"/>
+                <a:cs typeface="Lucida Grande" charset="0"/>
+                <a:sym typeface="Lucida Grande" charset="0"/>
+              </a:rPr>
+              <a:t> is no longer recommended. Generally this is disallowed and it can lead to many potentials for problems and crashes.</a:t>
+            </a:r>
+            <a:endParaRPr lang="en-US" b="0" dirty="0">
               <a:solidFill>
                 <a:srgbClr val="000000"/>
               </a:solidFill>
@@ -2577,7 +3995,7 @@
               <a:pPr>
                 <a:defRPr/>
               </a:pPr>
-              <a:t>7/17/11</a:t>
+              <a:t>7/21/11</a:t>
             </a:fld>
             <a:endParaRPr lang="en-US"/>
           </a:p>
@@ -2998,7 +4416,7 @@
               <a:pPr>
                 <a:defRPr/>
               </a:pPr>
-              <a:t>7/17/11</a:t>
+              <a:t>7/21/11</a:t>
             </a:fld>
             <a:endParaRPr lang="en-US"/>
           </a:p>
@@ -3723,7 +5141,7 @@
               <a:pPr>
                 <a:defRPr/>
               </a:pPr>
-              <a:t>7/17/11</a:t>
+              <a:t>7/21/11</a:t>
             </a:fld>
             <a:endParaRPr lang="en-US"/>
           </a:p>
@@ -4276,7 +5694,7 @@
               <a:pPr>
                 <a:defRPr/>
               </a:pPr>
-              <a:t>7/17/11</a:t>
+              <a:t>7/21/11</a:t>
             </a:fld>
             <a:endParaRPr lang="en-US"/>
           </a:p>
@@ -4627,7 +6045,7 @@
               <a:pPr>
                 <a:defRPr/>
               </a:pPr>
-              <a:t>7/17/11</a:t>
+              <a:t>7/21/11</a:t>
             </a:fld>
             <a:endParaRPr lang="en-US"/>
           </a:p>
@@ -4985,7 +6403,7 @@
               <a:pPr>
                 <a:defRPr/>
               </a:pPr>
-              <a:t>7/17/11</a:t>
+              <a:t>7/21/11</a:t>
             </a:fld>
             <a:endParaRPr lang="en-US"/>
           </a:p>
@@ -5220,7 +6638,7 @@
               <a:pPr>
                 <a:defRPr/>
               </a:pPr>
-              <a:t>7/17/11</a:t>
+              <a:t>7/21/11</a:t>
             </a:fld>
             <a:endParaRPr lang="en-US"/>
           </a:p>
@@ -5512,7 +6930,7 @@
               <a:pPr>
                 <a:defRPr/>
               </a:pPr>
-              <a:t>7/17/11</a:t>
+              <a:t>7/21/11</a:t>
             </a:fld>
             <a:endParaRPr lang="en-US"/>
           </a:p>
@@ -6721,20 +8139,20 @@
               <a:t>In very large apps for which deferring script </a:t>
             </a:r>
             <a:r>
-              <a:rPr lang="en-US" dirty="0" err="1" smtClean="0">
-                <a:latin typeface="Trebuchet MS" charset="0"/>
-                <a:ea typeface="ヒラギノ角ゴ ProN W3" charset="0"/>
-                <a:cs typeface="ヒラギノ角ゴ ProN W3" charset="0"/>
-              </a:rPr>
-              <a:t>eval</a:t>
-            </a:r>
-            <a:r>
               <a:rPr lang="en-US" dirty="0" smtClean="0">
                 <a:latin typeface="Trebuchet MS" charset="0"/>
                 <a:ea typeface="ヒラギノ角ゴ ProN W3" charset="0"/>
                 <a:cs typeface="ヒラギノ角ゴ ProN W3" charset="0"/>
               </a:rPr>
-              <a:t> is critical, multiple contexts are a good choice</a:t>
+              <a:t>evaluation </a:t>
+            </a:r>
+            <a:r>
+              <a:rPr lang="en-US" dirty="0" smtClean="0">
+                <a:latin typeface="Trebuchet MS" charset="0"/>
+                <a:ea typeface="ヒラギノ角ゴ ProN W3" charset="0"/>
+                <a:cs typeface="ヒラギノ角ゴ ProN W3" charset="0"/>
+              </a:rPr>
+              <a:t>is critical, multiple contexts are a good choice</a:t>
             </a:r>
           </a:p>
           <a:p>
@@ -6753,21 +8171,8 @@
                 <a:ea typeface="ヒラギノ角ゴ ProN W3" charset="0"/>
                 <a:cs typeface="ヒラギノ角ゴ ProN W3" charset="0"/>
               </a:rPr>
-              <a:t>With multi contexts, app level events are </a:t>
-            </a:r>
-            <a:r>
-              <a:rPr lang="en-US" dirty="0" smtClean="0">
-                <a:latin typeface="Trebuchet MS" charset="0"/>
-                <a:ea typeface="ヒラギノ角ゴ ProN W3" charset="0"/>
-                <a:cs typeface="ヒラギノ角ゴ ProN W3" charset="0"/>
-              </a:rPr>
-              <a:t>critical</a:t>
-            </a:r>
-            <a:endParaRPr lang="en-US" dirty="0" smtClean="0">
-              <a:latin typeface="Trebuchet MS" charset="0"/>
-              <a:ea typeface="ヒラギノ角ゴ ProN W3" charset="0"/>
-              <a:cs typeface="ヒラギノ角ゴ ProN W3" charset="0"/>
-            </a:endParaRPr>
+              <a:t>With multi contexts, app level events are critical</a:t>
+            </a:r>
           </a:p>
           <a:p>
             <a:pPr eaLnBrk="1" hangingPunct="1"/>
@@ -6785,15 +8190,7 @@
                 <a:ea typeface="ヒラギノ角ゴ ProN W3" charset="0"/>
                 <a:cs typeface="ヒラギノ角ゴ ProN W3" charset="0"/>
               </a:rPr>
-              <a:t>Downside – dependencies may be evaluated multiple times – </a:t>
-            </a:r>
-            <a:r>
-              <a:rPr lang="en-US" dirty="0" err="1" smtClean="0">
-                <a:latin typeface="Trebuchet MS" charset="0"/>
-                <a:ea typeface="ヒラギノ角ゴ ProN W3" charset="0"/>
-                <a:cs typeface="ヒラギノ角ゴ ProN W3" charset="0"/>
-              </a:rPr>
-              <a:t>Ti.App</a:t>
+              <a:t>Downside – dependencies may be evaluated multiple </a:t>
             </a:r>
             <a:r>
               <a:rPr lang="en-US" dirty="0" smtClean="0">
@@ -6801,8 +8198,13 @@
                 <a:ea typeface="ヒラギノ角ゴ ProN W3" charset="0"/>
                 <a:cs typeface="ヒラギノ角ゴ ProN W3" charset="0"/>
               </a:rPr>
-              <a:t> hack can help a bit</a:t>
-            </a:r>
+              <a:t>times</a:t>
+            </a:r>
+            <a:endParaRPr lang="en-US" dirty="0" smtClean="0">
+              <a:latin typeface="Trebuchet MS" charset="0"/>
+              <a:ea typeface="ヒラギノ角ゴ ProN W3" charset="0"/>
+              <a:cs typeface="ヒラギノ角ゴ ProN W3" charset="0"/>
+            </a:endParaRPr>
           </a:p>
           <a:p>
             <a:pPr eaLnBrk="1" hangingPunct="1"/>
@@ -6820,47 +8222,15 @@
                 <a:ea typeface="ヒラギノ角ゴ ProN W3" charset="0"/>
                 <a:cs typeface="ヒラギノ角ゴ ProN W3" charset="0"/>
               </a:rPr>
-              <a:t>Titanium 2 – Single context will likely be default</a:t>
-            </a:r>
-            <a:endParaRPr lang="en-US" dirty="0" smtClean="0">
-              <a:latin typeface="Trebuchet MS" charset="0"/>
-              <a:ea typeface="ヒラギノ角ゴ ProN W3" charset="0"/>
-              <a:cs typeface="ヒラギノ角ゴ ProN W3" charset="0"/>
-            </a:endParaRPr>
-          </a:p>
-          <a:p>
-            <a:pPr eaLnBrk="1" hangingPunct="1"/>
-            <a:endParaRPr lang="en-US" dirty="0">
-              <a:latin typeface="Trebuchet MS" charset="0"/>
-              <a:ea typeface="ヒラギノ角ゴ ProN W3" charset="0"/>
-              <a:cs typeface="ヒラギノ角ゴ ProN W3" charset="0"/>
-            </a:endParaRPr>
-          </a:p>
-          <a:p>
-            <a:pPr eaLnBrk="1" hangingPunct="1"/>
+              <a:t>Titanium 2 – Single context will likely be </a:t>
+            </a:r>
             <a:r>
               <a:rPr lang="en-US" dirty="0" smtClean="0">
                 <a:latin typeface="Trebuchet MS" charset="0"/>
                 <a:ea typeface="ヒラギノ角ゴ ProN W3" charset="0"/>
                 <a:cs typeface="ヒラギノ角ゴ ProN W3" charset="0"/>
               </a:rPr>
-              <a:t>Demo: </a:t>
-            </a:r>
-            <a:r>
-              <a:rPr lang="en-US" dirty="0" err="1" smtClean="0">
-                <a:latin typeface="Trebuchet MS" charset="0"/>
-                <a:ea typeface="ヒラギノ角ゴ ProN W3" charset="0"/>
-                <a:cs typeface="ヒラギノ角ゴ ProN W3" charset="0"/>
-              </a:rPr>
-              <a:t>Ti.App</a:t>
-            </a:r>
-            <a:r>
-              <a:rPr lang="en-US" dirty="0" smtClean="0">
-                <a:latin typeface="Trebuchet MS" charset="0"/>
-                <a:ea typeface="ヒラギノ角ゴ ProN W3" charset="0"/>
-                <a:cs typeface="ヒラギノ角ゴ ProN W3" charset="0"/>
-              </a:rPr>
-              <a:t> object storage hack</a:t>
+              <a:t>default</a:t>
             </a:r>
             <a:endParaRPr lang="en-US" dirty="0" smtClean="0">
               <a:latin typeface="Trebuchet MS" charset="0"/>
@@ -7177,7 +8547,7 @@
                 <a:ea typeface="ヒラギノ角ゴ ProN W3" charset="0"/>
                 <a:cs typeface="ヒラギノ角ゴ ProN W3" charset="0"/>
               </a:rPr>
-              <a:t>set all rows at the same time, don’t call append </a:t>
+              <a:t>Set </a:t>
             </a:r>
             <a:r>
               <a:rPr lang="en-US" dirty="0" smtClean="0">
@@ -7185,15 +8555,7 @@
                 <a:ea typeface="ヒラギノ角ゴ ProN W3" charset="0"/>
                 <a:cs typeface="ヒラギノ角ゴ ProN W3" charset="0"/>
               </a:rPr>
-              <a:t>300 </a:t>
-            </a:r>
-            <a:r>
-              <a:rPr lang="en-US" dirty="0" smtClean="0">
-                <a:latin typeface="Trebuchet MS" charset="0"/>
-                <a:ea typeface="ヒラギノ角ゴ ProN W3" charset="0"/>
-                <a:cs typeface="ヒラギノ角ゴ ProN W3" charset="0"/>
-              </a:rPr>
-              <a:t>times</a:t>
+              <a:t>all rows at the same time, don’t call append 300 times</a:t>
             </a:r>
           </a:p>
           <a:p>
@@ -7212,7 +8574,15 @@
                 <a:ea typeface="ヒラギノ角ゴ ProN W3" charset="0"/>
                 <a:cs typeface="ヒラギノ角ゴ ProN W3" charset="0"/>
               </a:rPr>
-              <a:t>only load as much data as needed</a:t>
+              <a:t>Only </a:t>
+            </a:r>
+            <a:r>
+              <a:rPr lang="en-US" dirty="0" smtClean="0">
+                <a:latin typeface="Trebuchet MS" charset="0"/>
+                <a:ea typeface="ヒラギノ角ゴ ProN W3" charset="0"/>
+                <a:cs typeface="ヒラギノ角ゴ ProN W3" charset="0"/>
+              </a:rPr>
+              <a:t>load as much data as needed</a:t>
             </a:r>
           </a:p>
           <a:p>
@@ -7562,15 +8932,7 @@
                 <a:ea typeface="ヒラギノ角ゴ ProN W3" charset="0"/>
                 <a:cs typeface="ヒラギノ角ゴ ProN W3" charset="0"/>
               </a:rPr>
-              <a:t>RAM is the bottleneck – avoid loading Blobs into </a:t>
-            </a:r>
-            <a:r>
-              <a:rPr lang="en-US" dirty="0" smtClean="0">
-                <a:latin typeface="Trebuchet MS" charset="0"/>
-                <a:ea typeface="ヒラギノ角ゴ ProN W3" charset="0"/>
-                <a:cs typeface="ヒラギノ角ゴ ProN W3" charset="0"/>
-              </a:rPr>
-              <a:t>memory</a:t>
+              <a:t>RAM is the bottleneck – avoid loading Blobs into memory</a:t>
             </a:r>
           </a:p>
           <a:p>
@@ -8534,15 +9896,7 @@
                 <a:ea typeface="ヒラギノ角ゴ ProN W3" charset="0"/>
                 <a:cs typeface="ヒラギノ角ゴ ProN W3" charset="0"/>
               </a:rPr>
-              <a:t>Performance tips and </a:t>
-            </a:r>
-            <a:r>
-              <a:rPr lang="en-US" dirty="0" smtClean="0">
-                <a:latin typeface="Trebuchet MS" charset="0"/>
-                <a:ea typeface="ヒラギノ角ゴ ProN W3" charset="0"/>
-                <a:cs typeface="ヒラギノ角ゴ ProN W3" charset="0"/>
-              </a:rPr>
-              <a:t>tricks</a:t>
+              <a:t>Performance tips and tricks</a:t>
             </a:r>
           </a:p>
           <a:p>
@@ -8563,11 +9917,6 @@
               </a:rPr>
               <a:t>Code organization in large projects</a:t>
             </a:r>
-            <a:endParaRPr lang="en-US" dirty="0" smtClean="0">
-              <a:latin typeface="Trebuchet MS" charset="0"/>
-              <a:ea typeface="ヒラギノ角ゴ ProN W3" charset="0"/>
-              <a:cs typeface="ヒラギノ角ゴ ProN W3" charset="0"/>
-            </a:endParaRPr>
           </a:p>
           <a:p>
             <a:pPr eaLnBrk="1" hangingPunct="1"/>
@@ -10187,62 +11536,6 @@
           <a:p>
             <a:pPr eaLnBrk="1" hangingPunct="1"/>
             <a:endParaRPr lang="en-US" dirty="0">
-              <a:latin typeface="Trebuchet MS" charset="0"/>
-              <a:ea typeface="ヒラギノ角ゴ ProN W3" charset="0"/>
-              <a:cs typeface="ヒラギノ角ゴ ProN W3" charset="0"/>
-            </a:endParaRPr>
-          </a:p>
-          <a:p>
-            <a:pPr eaLnBrk="1" hangingPunct="1"/>
-            <a:r>
-              <a:rPr lang="en-US" b="1" dirty="0" smtClean="0">
-                <a:latin typeface="Trebuchet MS" charset="0"/>
-                <a:ea typeface="ヒラギノ角ゴ ProN W3" charset="0"/>
-                <a:cs typeface="ヒラギノ角ゴ ProN W3" charset="0"/>
-              </a:rPr>
-              <a:t>PROTIP</a:t>
-            </a:r>
-            <a:r>
-              <a:rPr lang="en-US" dirty="0" smtClean="0">
-                <a:latin typeface="Trebuchet MS" charset="0"/>
-                <a:ea typeface="ヒラギノ角ゴ ProN W3" charset="0"/>
-                <a:cs typeface="ヒラギノ角ゴ ProN W3" charset="0"/>
-              </a:rPr>
-              <a:t>: Any objects stored in the </a:t>
-            </a:r>
-            <a:r>
-              <a:rPr lang="en-US" dirty="0" err="1" smtClean="0">
-                <a:latin typeface="Trebuchet MS" charset="0"/>
-                <a:ea typeface="ヒラギノ角ゴ ProN W3" charset="0"/>
-                <a:cs typeface="ヒラギノ角ゴ ProN W3" charset="0"/>
-              </a:rPr>
-              <a:t>Ti.App</a:t>
-            </a:r>
-            <a:r>
-              <a:rPr lang="en-US" dirty="0" smtClean="0">
-                <a:latin typeface="Trebuchet MS" charset="0"/>
-                <a:ea typeface="ヒラギノ角ゴ ProN W3" charset="0"/>
-                <a:cs typeface="ヒラギノ角ゴ ProN W3" charset="0"/>
-              </a:rPr>
-              <a:t> namespace are created in all contexts – good way to only </a:t>
-            </a:r>
-            <a:r>
-              <a:rPr lang="en-US" dirty="0" err="1" smtClean="0">
-                <a:latin typeface="Trebuchet MS" charset="0"/>
-                <a:ea typeface="ヒラギノ角ゴ ProN W3" charset="0"/>
-                <a:cs typeface="ヒラギノ角ゴ ProN W3" charset="0"/>
-              </a:rPr>
-              <a:t>eval</a:t>
-            </a:r>
-            <a:r>
-              <a:rPr lang="en-US" dirty="0" smtClean="0">
-                <a:latin typeface="Trebuchet MS" charset="0"/>
-                <a:ea typeface="ヒラギノ角ゴ ProN W3" charset="0"/>
-                <a:cs typeface="ヒラギノ角ゴ ProN W3" charset="0"/>
-              </a:rPr>
-              <a:t> a script once</a:t>
-            </a:r>
-            <a:endParaRPr lang="en-US" b="1" dirty="0" smtClean="0">
               <a:latin typeface="Trebuchet MS" charset="0"/>
               <a:ea typeface="ヒラギノ角ゴ ProN W3" charset="0"/>
               <a:cs typeface="ヒラギノ角ゴ ProN W3" charset="0"/>

--- a/300.pptx
+++ b/300.pptx
@@ -5,7 +5,7 @@
     <p:sldMasterId id="2147483816" r:id="rId1"/>
   </p:sldMasterIdLst>
   <p:notesMasterIdLst>
-    <p:notesMasterId r:id="rId17"/>
+    <p:notesMasterId r:id="rId18"/>
   </p:notesMasterIdLst>
   <p:sldIdLst>
     <p:sldId id="256" r:id="rId2"/>
@@ -22,7 +22,8 @@
     <p:sldId id="387" r:id="rId13"/>
     <p:sldId id="388" r:id="rId14"/>
     <p:sldId id="380" r:id="rId15"/>
-    <p:sldId id="328" r:id="rId16"/>
+    <p:sldId id="389" r:id="rId16"/>
+    <p:sldId id="328" r:id="rId17"/>
   </p:sldIdLst>
   <p:sldSz cx="9144000" cy="6858000" type="screen4x3"/>
   <p:notesSz cx="6858000" cy="9144000"/>
@@ -1503,6 +1504,200 @@
       </p:grpSpPr>
       <p:sp>
         <p:nvSpPr>
+          <p:cNvPr id="2" name="Slide Image Placeholder 1"/>
+          <p:cNvSpPr>
+            <a:spLocks noGrp="1" noRot="1" noChangeAspect="1"/>
+          </p:cNvSpPr>
+          <p:nvPr>
+            <p:ph type="sldImg"/>
+          </p:nvPr>
+        </p:nvSpPr>
+        <p:spPr/>
+      </p:sp>
+      <p:sp>
+        <p:nvSpPr>
+          <p:cNvPr id="3" name="Notes Placeholder 2"/>
+          <p:cNvSpPr>
+            <a:spLocks noGrp="1"/>
+          </p:cNvSpPr>
+          <p:nvPr>
+            <p:ph type="body" idx="1"/>
+          </p:nvPr>
+        </p:nvSpPr>
+        <p:spPr/>
+        <p:txBody>
+          <a:bodyPr/>
+          <a:lstStyle/>
+          <a:p>
+            <a:pPr marL="119063" eaLnBrk="1" hangingPunct="1">
+              <a:spcBef>
+                <a:spcPts val="450"/>
+              </a:spcBef>
+            </a:pPr>
+            <a:r>
+              <a:rPr lang="en-US" dirty="0" smtClean="0">
+                <a:solidFill>
+                  <a:srgbClr val="000000"/>
+                </a:solidFill>
+                <a:latin typeface="Times New Roman" charset="0"/>
+                <a:ea typeface="ＭＳ Ｐゴシック" charset="0"/>
+                <a:cs typeface="Times New Roman" charset="0"/>
+                <a:sym typeface="Times New Roman" charset="0"/>
+              </a:rPr>
+              <a:t>In this lab, we will be refactoring </a:t>
+            </a:r>
+            <a:r>
+              <a:rPr lang="en-US" dirty="0" err="1" smtClean="0">
+                <a:solidFill>
+                  <a:srgbClr val="000000"/>
+                </a:solidFill>
+                <a:latin typeface="Times New Roman" charset="0"/>
+                <a:ea typeface="ＭＳ Ｐゴシック" charset="0"/>
+                <a:cs typeface="Times New Roman" charset="0"/>
+                <a:sym typeface="Times New Roman" charset="0"/>
+              </a:rPr>
+              <a:t>TiBountyHunter</a:t>
+            </a:r>
+            <a:r>
+              <a:rPr lang="en-US" dirty="0" smtClean="0">
+                <a:solidFill>
+                  <a:srgbClr val="000000"/>
+                </a:solidFill>
+                <a:latin typeface="Times New Roman" charset="0"/>
+                <a:ea typeface="ＭＳ Ｐゴシック" charset="0"/>
+                <a:cs typeface="Times New Roman" charset="0"/>
+                <a:sym typeface="Times New Roman" charset="0"/>
+              </a:rPr>
+              <a:t> to be a little smarter about performance.  We will utilize multiple contexts,</a:t>
+            </a:r>
+            <a:r>
+              <a:rPr lang="en-US" baseline="0" dirty="0" smtClean="0">
+                <a:solidFill>
+                  <a:srgbClr val="000000"/>
+                </a:solidFill>
+                <a:latin typeface="Times New Roman" charset="0"/>
+                <a:ea typeface="ＭＳ Ｐゴシック" charset="0"/>
+                <a:cs typeface="Times New Roman" charset="0"/>
+                <a:sym typeface="Times New Roman" charset="0"/>
+              </a:rPr>
+              <a:t> modular code organization, and deferred script loading.</a:t>
+            </a:r>
+          </a:p>
+          <a:p>
+            <a:pPr marL="119063" eaLnBrk="1" hangingPunct="1">
+              <a:spcBef>
+                <a:spcPts val="450"/>
+              </a:spcBef>
+            </a:pPr>
+            <a:endParaRPr lang="en-US" baseline="0" dirty="0" smtClean="0">
+              <a:solidFill>
+                <a:srgbClr val="000000"/>
+              </a:solidFill>
+              <a:latin typeface="Times New Roman" charset="0"/>
+              <a:ea typeface="ＭＳ Ｐゴシック" charset="0"/>
+              <a:cs typeface="Times New Roman" charset="0"/>
+              <a:sym typeface="Times New Roman" charset="0"/>
+            </a:endParaRPr>
+          </a:p>
+          <a:p>
+            <a:pPr marL="119063" eaLnBrk="1" hangingPunct="1">
+              <a:spcBef>
+                <a:spcPts val="450"/>
+              </a:spcBef>
+            </a:pPr>
+            <a:r>
+              <a:rPr lang="en-US" baseline="0" dirty="0" smtClean="0">
+                <a:solidFill>
+                  <a:srgbClr val="000000"/>
+                </a:solidFill>
+                <a:latin typeface="Times New Roman" charset="0"/>
+                <a:ea typeface="ＭＳ Ｐゴシック" charset="0"/>
+                <a:cs typeface="Times New Roman" charset="0"/>
+                <a:sym typeface="Times New Roman" charset="0"/>
+              </a:rPr>
+              <a:t>We’ll download the source, build &amp; run it, then we’ll see how to defer loading during a code walk-thru</a:t>
+            </a:r>
+            <a:endParaRPr lang="en-US" baseline="0" dirty="0" smtClean="0">
+              <a:solidFill>
+                <a:srgbClr val="000000"/>
+              </a:solidFill>
+              <a:latin typeface="Times New Roman" charset="0"/>
+              <a:ea typeface="ＭＳ Ｐゴシック" charset="0"/>
+              <a:cs typeface="Times New Roman" charset="0"/>
+              <a:sym typeface="Times New Roman" charset="0"/>
+            </a:endParaRPr>
+          </a:p>
+        </p:txBody>
+      </p:sp>
+      <p:sp>
+        <p:nvSpPr>
+          <p:cNvPr id="4" name="Slide Number Placeholder 3"/>
+          <p:cNvSpPr>
+            <a:spLocks noGrp="1"/>
+          </p:cNvSpPr>
+          <p:nvPr>
+            <p:ph type="sldNum" sz="quarter" idx="10"/>
+          </p:nvPr>
+        </p:nvSpPr>
+        <p:spPr>
+          <a:xfrm>
+            <a:off x="3884613" y="8685213"/>
+            <a:ext cx="2971800" cy="457200"/>
+          </a:xfrm>
+          <a:prstGeom prst="rect">
+            <a:avLst/>
+          </a:prstGeom>
+        </p:spPr>
+        <p:txBody>
+          <a:bodyPr/>
+          <a:lstStyle/>
+          <a:p>
+            <a:pPr>
+              <a:defRPr/>
+            </a:pPr>
+            <a:fld id="{C704D923-8FB6-2040-A5D7-BD75ED8E8368}" type="slidenum">
+              <a:rPr lang="en-US" smtClean="0"/>
+              <a:pPr>
+                <a:defRPr/>
+              </a:pPr>
+              <a:t>15</a:t>
+            </a:fld>
+            <a:endParaRPr lang="en-US"/>
+          </a:p>
+        </p:txBody>
+      </p:sp>
+    </p:spTree>
+    <p:extLst>
+      <p:ext uri="{BB962C8B-B14F-4D97-AF65-F5344CB8AC3E}">
+        <p14:creationId xmlns:p14="http://schemas.microsoft.com/office/powerpoint/2010/main" val="2440708566"/>
+      </p:ext>
+    </p:extLst>
+  </p:cSld>
+  <p:clrMapOvr>
+    <a:masterClrMapping/>
+  </p:clrMapOvr>
+</p:notes>
+</file>
+
+<file path=ppt/notesSlides/notesSlide16.xml><?xml version="1.0" encoding="utf-8"?>
+<p:notes xmlns:a="http://schemas.openxmlformats.org/drawingml/2006/main" xmlns:r="http://schemas.openxmlformats.org/officeDocument/2006/relationships" xmlns:p="http://schemas.openxmlformats.org/presentationml/2006/main">
+  <p:cSld>
+    <p:spTree>
+      <p:nvGrpSpPr>
+        <p:cNvPr id="1" name=""/>
+        <p:cNvGrpSpPr/>
+        <p:nvPr/>
+      </p:nvGrpSpPr>
+      <p:grpSpPr>
+        <a:xfrm>
+          <a:off x="0" y="0"/>
+          <a:ext cx="0" cy="0"/>
+          <a:chOff x="0" y="0"/>
+          <a:chExt cx="0" cy="0"/>
+        </a:xfrm>
+      </p:grpSpPr>
+      <p:sp>
+        <p:nvSpPr>
           <p:cNvPr id="17409" name="Rectangle 1"/>
           <p:cNvSpPr>
             <a:spLocks noGrp="1" noRot="1" noChangeAspect="1" noChangeArrowheads="1"/>
@@ -1561,7 +1756,7 @@
               </a:spcBef>
             </a:pPr>
             <a:r>
-              <a:rPr lang="en-US" dirty="0" smtClean="0">
+              <a:rPr lang="en-US" b="1" baseline="0" dirty="0" smtClean="0">
                 <a:solidFill>
                   <a:srgbClr val="000000"/>
                 </a:solidFill>
@@ -1570,90 +1765,7 @@
                 <a:cs typeface="Times New Roman" charset="0"/>
                 <a:sym typeface="Times New Roman" charset="0"/>
               </a:rPr>
-              <a:t>In this lab, we will be refactoring </a:t>
-            </a:r>
-            <a:r>
-              <a:rPr lang="en-US" dirty="0" err="1" smtClean="0">
-                <a:solidFill>
-                  <a:srgbClr val="000000"/>
-                </a:solidFill>
-                <a:latin typeface="Times New Roman" charset="0"/>
-                <a:ea typeface="ＭＳ Ｐゴシック" charset="0"/>
-                <a:cs typeface="Times New Roman" charset="0"/>
-                <a:sym typeface="Times New Roman" charset="0"/>
-              </a:rPr>
-              <a:t>TiBountyHunter</a:t>
-            </a:r>
-            <a:r>
-              <a:rPr lang="en-US" dirty="0" smtClean="0">
-                <a:solidFill>
-                  <a:srgbClr val="000000"/>
-                </a:solidFill>
-                <a:latin typeface="Times New Roman" charset="0"/>
-                <a:ea typeface="ＭＳ Ｐゴシック" charset="0"/>
-                <a:cs typeface="Times New Roman" charset="0"/>
-                <a:sym typeface="Times New Roman" charset="0"/>
-              </a:rPr>
-              <a:t> to be a little smarter about performance.  We will utilize multiple contexts,</a:t>
-            </a:r>
-            <a:r>
-              <a:rPr lang="en-US" baseline="0" dirty="0" smtClean="0">
-                <a:solidFill>
-                  <a:srgbClr val="000000"/>
-                </a:solidFill>
-                <a:latin typeface="Times New Roman" charset="0"/>
-                <a:ea typeface="ＭＳ Ｐゴシック" charset="0"/>
-                <a:cs typeface="Times New Roman" charset="0"/>
-                <a:sym typeface="Times New Roman" charset="0"/>
-              </a:rPr>
-              <a:t> modular code organization, and deferred script loading</a:t>
-            </a:r>
-            <a:r>
-              <a:rPr lang="en-US" baseline="0" dirty="0" smtClean="0">
-                <a:solidFill>
-                  <a:srgbClr val="000000"/>
-                </a:solidFill>
-                <a:latin typeface="Times New Roman" charset="0"/>
-                <a:ea typeface="ＭＳ Ｐゴシック" charset="0"/>
-                <a:cs typeface="Times New Roman" charset="0"/>
-                <a:sym typeface="Times New Roman" charset="0"/>
-              </a:rPr>
-              <a:t>.</a:t>
-            </a:r>
-          </a:p>
-          <a:p>
-            <a:pPr marL="119063" eaLnBrk="1" hangingPunct="1">
-              <a:spcBef>
-                <a:spcPts val="450"/>
-              </a:spcBef>
-            </a:pPr>
-            <a:endParaRPr lang="en-US" baseline="0" dirty="0" smtClean="0">
-              <a:solidFill>
-                <a:srgbClr val="000000"/>
-              </a:solidFill>
-              <a:latin typeface="Times New Roman" charset="0"/>
-              <a:ea typeface="ＭＳ Ｐゴシック" charset="0"/>
-              <a:cs typeface="Times New Roman" charset="0"/>
-              <a:sym typeface="Times New Roman" charset="0"/>
-            </a:endParaRPr>
-          </a:p>
-          <a:p>
-            <a:pPr marL="119063" eaLnBrk="1" hangingPunct="1">
-              <a:spcBef>
-                <a:spcPts val="450"/>
-              </a:spcBef>
-            </a:pPr>
-            <a:r>
-              <a:rPr lang="en-US" baseline="0" dirty="0" smtClean="0">
-                <a:solidFill>
-                  <a:srgbClr val="000000"/>
-                </a:solidFill>
-                <a:latin typeface="Times New Roman" charset="0"/>
-                <a:ea typeface="ＭＳ Ｐゴシック" charset="0"/>
-                <a:cs typeface="Times New Roman" charset="0"/>
-                <a:sym typeface="Times New Roman" charset="0"/>
-              </a:rPr>
-              <a:t>We’ll download the source, build &amp; run it, then we’ll see how to defer loading during a code walk-thru</a:t>
+              <a:t>Code walk-through</a:t>
             </a:r>
           </a:p>
           <a:p>
@@ -2309,29 +2421,8 @@
                 <a:cs typeface="Times New Roman" charset="0"/>
                 <a:sym typeface="Times New Roman" charset="0"/>
               </a:rPr>
-              <a:t>Especially if the count is going to point to some proxy object that would call over the bridge to native land (child rows of </a:t>
-            </a:r>
-            <a:r>
-              <a:rPr lang="en-US" baseline="0" smtClean="0">
-                <a:solidFill>
-                  <a:srgbClr val="000000"/>
-                </a:solidFill>
-                <a:latin typeface="Times New Roman" charset="0"/>
-                <a:ea typeface="ＭＳ Ｐゴシック" charset="0"/>
-                <a:cs typeface="Times New Roman" charset="0"/>
-                <a:sym typeface="Times New Roman" charset="0"/>
-              </a:rPr>
-              <a:t>a table)</a:t>
-            </a:r>
-            <a:endParaRPr lang="en-US" baseline="0" dirty="0" smtClean="0">
-              <a:solidFill>
-                <a:srgbClr val="000000"/>
-              </a:solidFill>
-              <a:latin typeface="Times New Roman" charset="0"/>
-              <a:ea typeface="ＭＳ Ｐゴシック" charset="0"/>
-              <a:cs typeface="Times New Roman" charset="0"/>
-              <a:sym typeface="Times New Roman" charset="0"/>
-            </a:endParaRPr>
+              <a:t>Especially if the count is going to point to some proxy object that would call over the bridge to native land (child rows of a table)</a:t>
+            </a:r>
           </a:p>
         </p:txBody>
       </p:sp>
@@ -3434,10 +3525,10 @@
                 <a:cs typeface="Lucida Grande" charset="0"/>
                 <a:sym typeface="Lucida Grande" charset="0"/>
               </a:rPr>
-              <a:t>For </a:t>
-            </a:r>
-            <a:r>
-              <a:rPr lang="en-US" b="0" dirty="0" smtClean="0">
+              <a:t>For the second and third</a:t>
+            </a:r>
+            <a:r>
+              <a:rPr lang="en-US" b="0" baseline="0" dirty="0" smtClean="0">
                 <a:solidFill>
                   <a:srgbClr val="000000"/>
                 </a:solidFill>
@@ -3446,43 +3537,7 @@
                 <a:cs typeface="Lucida Grande" charset="0"/>
                 <a:sym typeface="Lucida Grande" charset="0"/>
               </a:rPr>
-              <a:t>the second and third</a:t>
-            </a:r>
-            <a:r>
-              <a:rPr lang="en-US" b="0" baseline="0" dirty="0" smtClean="0">
-                <a:solidFill>
-                  <a:srgbClr val="000000"/>
-                </a:solidFill>
-                <a:latin typeface="Lucida Grande" charset="0"/>
-                <a:ea typeface="ＭＳ Ｐゴシック" charset="0"/>
-                <a:cs typeface="Lucida Grande" charset="0"/>
-                <a:sym typeface="Lucida Grande" charset="0"/>
-              </a:rPr>
-              <a:t> point – it is tempting to package JSON files in your resources directory and JSON-parse them as </a:t>
-            </a:r>
-            <a:r>
-              <a:rPr lang="en-US" b="0" baseline="0" dirty="0" smtClean="0">
-                <a:solidFill>
-                  <a:srgbClr val="000000"/>
-                </a:solidFill>
-                <a:latin typeface="Lucida Grande" charset="0"/>
-                <a:ea typeface="ＭＳ Ｐゴシック" charset="0"/>
-                <a:cs typeface="Lucida Grande" charset="0"/>
-                <a:sym typeface="Lucida Grande" charset="0"/>
-              </a:rPr>
-              <a:t>configuration, </a:t>
-            </a:r>
-            <a:r>
-              <a:rPr lang="en-US" b="0" baseline="0" dirty="0" smtClean="0">
-                <a:solidFill>
-                  <a:srgbClr val="000000"/>
-                </a:solidFill>
-                <a:latin typeface="Lucida Grande" charset="0"/>
-                <a:ea typeface="ＭＳ Ｐゴシック" charset="0"/>
-                <a:cs typeface="Lucida Grande" charset="0"/>
-                <a:sym typeface="Lucida Grande" charset="0"/>
-              </a:rPr>
-              <a:t>resource bundles, etc.  This is fine for small numbers of files, but can be costly as files get large</a:t>
+              <a:t> point – it is tempting to package JSON files in your resources directory and JSON-parse them as configuration, resource bundles, etc.  This is fine for small numbers of files, but can be costly as files get large</a:t>
             </a:r>
           </a:p>
           <a:p>
@@ -3515,31 +3570,7 @@
                 <a:cs typeface="Lucida Grande" charset="0"/>
                 <a:sym typeface="Lucida Grande" charset="0"/>
               </a:rPr>
-              <a:t>Older </a:t>
-            </a:r>
-            <a:r>
-              <a:rPr lang="en-US" b="0" baseline="0" dirty="0" smtClean="0">
-                <a:solidFill>
-                  <a:srgbClr val="000000"/>
-                </a:solidFill>
-                <a:latin typeface="Lucida Grande" charset="0"/>
-                <a:ea typeface="ＭＳ Ｐゴシック" charset="0"/>
-                <a:cs typeface="Lucida Grande" charset="0"/>
-                <a:sym typeface="Lucida Grande" charset="0"/>
-              </a:rPr>
-              <a:t>“hack</a:t>
-            </a:r>
-            <a:r>
-              <a:rPr lang="en-US" b="0" baseline="0" dirty="0" smtClean="0">
-                <a:solidFill>
-                  <a:srgbClr val="000000"/>
-                </a:solidFill>
-                <a:latin typeface="Lucida Grande" charset="0"/>
-                <a:ea typeface="ＭＳ Ｐゴシック" charset="0"/>
-                <a:cs typeface="Lucida Grande" charset="0"/>
-                <a:sym typeface="Lucida Grande" charset="0"/>
-              </a:rPr>
-              <a:t>” of adding objects, functions, and values to </a:t>
+              <a:t>Older “hack” of adding objects, functions, and values to </a:t>
             </a:r>
             <a:r>
               <a:rPr lang="en-US" b="0" baseline="0" dirty="0" err="1" smtClean="0">
@@ -8136,23 +8167,7 @@
                 <a:ea typeface="ヒラギノ角ゴ ProN W3" charset="0"/>
                 <a:cs typeface="ヒラギノ角ゴ ProN W3" charset="0"/>
               </a:rPr>
-              <a:t>In very large apps for which deferring script </a:t>
-            </a:r>
-            <a:r>
-              <a:rPr lang="en-US" dirty="0" smtClean="0">
-                <a:latin typeface="Trebuchet MS" charset="0"/>
-                <a:ea typeface="ヒラギノ角ゴ ProN W3" charset="0"/>
-                <a:cs typeface="ヒラギノ角ゴ ProN W3" charset="0"/>
-              </a:rPr>
-              <a:t>evaluation </a:t>
-            </a:r>
-            <a:r>
-              <a:rPr lang="en-US" dirty="0" smtClean="0">
-                <a:latin typeface="Trebuchet MS" charset="0"/>
-                <a:ea typeface="ヒラギノ角ゴ ProN W3" charset="0"/>
-                <a:cs typeface="ヒラギノ角ゴ ProN W3" charset="0"/>
-              </a:rPr>
-              <a:t>is critical, multiple contexts are a good choice</a:t>
+              <a:t>In very large apps for which deferring script evaluation is critical, multiple contexts are a good choice</a:t>
             </a:r>
           </a:p>
           <a:p>
@@ -8190,21 +8205,8 @@
                 <a:ea typeface="ヒラギノ角ゴ ProN W3" charset="0"/>
                 <a:cs typeface="ヒラギノ角ゴ ProN W3" charset="0"/>
               </a:rPr>
-              <a:t>Downside – dependencies may be evaluated multiple </a:t>
-            </a:r>
-            <a:r>
-              <a:rPr lang="en-US" dirty="0" smtClean="0">
-                <a:latin typeface="Trebuchet MS" charset="0"/>
-                <a:ea typeface="ヒラギノ角ゴ ProN W3" charset="0"/>
-                <a:cs typeface="ヒラギノ角ゴ ProN W3" charset="0"/>
-              </a:rPr>
-              <a:t>times</a:t>
-            </a:r>
-            <a:endParaRPr lang="en-US" dirty="0" smtClean="0">
-              <a:latin typeface="Trebuchet MS" charset="0"/>
-              <a:ea typeface="ヒラギノ角ゴ ProN W3" charset="0"/>
-              <a:cs typeface="ヒラギノ角ゴ ProN W3" charset="0"/>
-            </a:endParaRPr>
+              <a:t>Downside – dependencies may be evaluated multiple times</a:t>
+            </a:r>
           </a:p>
           <a:p>
             <a:pPr eaLnBrk="1" hangingPunct="1"/>
@@ -8222,21 +8224,8 @@
                 <a:ea typeface="ヒラギノ角ゴ ProN W3" charset="0"/>
                 <a:cs typeface="ヒラギノ角ゴ ProN W3" charset="0"/>
               </a:rPr>
-              <a:t>Titanium 2 – Single context will likely be </a:t>
-            </a:r>
-            <a:r>
-              <a:rPr lang="en-US" dirty="0" smtClean="0">
-                <a:latin typeface="Trebuchet MS" charset="0"/>
-                <a:ea typeface="ヒラギノ角ゴ ProN W3" charset="0"/>
-                <a:cs typeface="ヒラギノ角ゴ ProN W3" charset="0"/>
-              </a:rPr>
-              <a:t>default</a:t>
-            </a:r>
-            <a:endParaRPr lang="en-US" dirty="0" smtClean="0">
-              <a:latin typeface="Trebuchet MS" charset="0"/>
-              <a:ea typeface="ヒラギノ角ゴ ProN W3" charset="0"/>
-              <a:cs typeface="ヒラギノ角ゴ ProN W3" charset="0"/>
-            </a:endParaRPr>
+              <a:t>Titanium 2 – Single context will likely be default</a:t>
+            </a:r>
           </a:p>
           <a:p>
             <a:pPr eaLnBrk="1" hangingPunct="1"/>
@@ -8547,15 +8536,7 @@
                 <a:ea typeface="ヒラギノ角ゴ ProN W3" charset="0"/>
                 <a:cs typeface="ヒラギノ角ゴ ProN W3" charset="0"/>
               </a:rPr>
-              <a:t>Set </a:t>
-            </a:r>
-            <a:r>
-              <a:rPr lang="en-US" dirty="0" smtClean="0">
-                <a:latin typeface="Trebuchet MS" charset="0"/>
-                <a:ea typeface="ヒラギノ角ゴ ProN W3" charset="0"/>
-                <a:cs typeface="ヒラギノ角ゴ ProN W3" charset="0"/>
-              </a:rPr>
-              <a:t>all rows at the same time, don’t call append 300 times</a:t>
+              <a:t>Set all rows at the same time, don’t call append 300 times</a:t>
             </a:r>
           </a:p>
           <a:p>
@@ -8574,15 +8555,7 @@
                 <a:ea typeface="ヒラギノ角ゴ ProN W3" charset="0"/>
                 <a:cs typeface="ヒラギノ角ゴ ProN W3" charset="0"/>
               </a:rPr>
-              <a:t>Only </a:t>
-            </a:r>
-            <a:r>
-              <a:rPr lang="en-US" dirty="0" smtClean="0">
-                <a:latin typeface="Trebuchet MS" charset="0"/>
-                <a:ea typeface="ヒラギノ角ゴ ProN W3" charset="0"/>
-                <a:cs typeface="ヒラギノ角ゴ ProN W3" charset="0"/>
-              </a:rPr>
-              <a:t>load as much data as needed</a:t>
+              <a:t>Only load as much data as needed</a:t>
             </a:r>
           </a:p>
           <a:p>
@@ -9522,6 +9495,181 @@
 </file>
 
 <file path=ppt/slides/slide15.xml><?xml version="1.0" encoding="utf-8"?>
+<p:sld xmlns:a="http://schemas.openxmlformats.org/drawingml/2006/main" xmlns:r="http://schemas.openxmlformats.org/officeDocument/2006/relationships" xmlns:p="http://schemas.openxmlformats.org/presentationml/2006/main">
+  <p:cSld>
+    <p:spTree>
+      <p:nvGrpSpPr>
+        <p:cNvPr id="1" name=""/>
+        <p:cNvGrpSpPr/>
+        <p:nvPr/>
+      </p:nvGrpSpPr>
+      <p:grpSpPr>
+        <a:xfrm>
+          <a:off x="0" y="0"/>
+          <a:ext cx="0" cy="0"/>
+          <a:chOff x="0" y="0"/>
+          <a:chExt cx="0" cy="0"/>
+        </a:xfrm>
+      </p:grpSpPr>
+      <p:sp>
+        <p:nvSpPr>
+          <p:cNvPr id="2" name="Title 1"/>
+          <p:cNvSpPr>
+            <a:spLocks noGrp="1"/>
+          </p:cNvSpPr>
+          <p:nvPr>
+            <p:ph type="title"/>
+          </p:nvPr>
+        </p:nvSpPr>
+        <p:spPr/>
+        <p:txBody>
+          <a:bodyPr/>
+          <a:lstStyle/>
+          <a:p>
+            <a:r>
+              <a:rPr lang="en-US" dirty="0" smtClean="0"/>
+              <a:t>Lab Goals</a:t>
+            </a:r>
+            <a:endParaRPr lang="en-US" dirty="0"/>
+          </a:p>
+        </p:txBody>
+      </p:sp>
+      <p:sp>
+        <p:nvSpPr>
+          <p:cNvPr id="3" name="Content Placeholder 2"/>
+          <p:cNvSpPr>
+            <a:spLocks noGrp="1"/>
+          </p:cNvSpPr>
+          <p:nvPr>
+            <p:ph idx="1"/>
+          </p:nvPr>
+        </p:nvSpPr>
+        <p:spPr/>
+        <p:txBody>
+          <a:bodyPr/>
+          <a:lstStyle/>
+          <a:p>
+            <a:pPr>
+              <a:spcBef>
+                <a:spcPts val="600"/>
+              </a:spcBef>
+              <a:buClrTx/>
+              <a:buFontTx/>
+              <a:buNone/>
+            </a:pPr>
+            <a:r>
+              <a:rPr lang="en-US" dirty="0" smtClean="0"/>
+              <a:t>Refactor </a:t>
+            </a:r>
+            <a:r>
+              <a:rPr lang="en-US" dirty="0" err="1" smtClean="0"/>
+              <a:t>TiBountyHunter</a:t>
+            </a:r>
+            <a:r>
+              <a:rPr lang="en-US" dirty="0" smtClean="0"/>
+              <a:t> to optimize performance</a:t>
+            </a:r>
+          </a:p>
+          <a:p>
+            <a:pPr>
+              <a:spcBef>
+                <a:spcPts val="600"/>
+              </a:spcBef>
+              <a:buClrTx/>
+              <a:buFontTx/>
+              <a:buNone/>
+            </a:pPr>
+            <a:endParaRPr lang="en-US" dirty="0"/>
+          </a:p>
+          <a:p>
+            <a:pPr>
+              <a:spcBef>
+                <a:spcPts val="600"/>
+              </a:spcBef>
+              <a:buClrTx/>
+              <a:buFontTx/>
+              <a:buNone/>
+            </a:pPr>
+            <a:r>
+              <a:rPr lang="en-US" dirty="0" smtClean="0"/>
+              <a:t>Improve code modularization</a:t>
+            </a:r>
+          </a:p>
+          <a:p>
+            <a:pPr>
+              <a:spcBef>
+                <a:spcPts val="600"/>
+              </a:spcBef>
+              <a:buClrTx/>
+              <a:buFontTx/>
+              <a:buNone/>
+            </a:pPr>
+            <a:endParaRPr lang="en-US" dirty="0"/>
+          </a:p>
+          <a:p>
+            <a:pPr>
+              <a:spcBef>
+                <a:spcPts val="600"/>
+              </a:spcBef>
+              <a:buClrTx/>
+              <a:buFontTx/>
+              <a:buNone/>
+            </a:pPr>
+            <a:r>
+              <a:rPr lang="en-US" dirty="0" smtClean="0"/>
+              <a:t>Defer script loading</a:t>
+            </a:r>
+            <a:endParaRPr lang="en-US" dirty="0" smtClean="0"/>
+          </a:p>
+          <a:p>
+            <a:pPr>
+              <a:spcBef>
+                <a:spcPts val="600"/>
+              </a:spcBef>
+              <a:buClrTx/>
+              <a:buFontTx/>
+              <a:buNone/>
+            </a:pPr>
+            <a:endParaRPr lang="en-US" dirty="0"/>
+          </a:p>
+          <a:p>
+            <a:pPr>
+              <a:spcBef>
+                <a:spcPts val="600"/>
+              </a:spcBef>
+              <a:buClrTx/>
+              <a:buFontTx/>
+              <a:buNone/>
+            </a:pPr>
+            <a:r>
+              <a:rPr lang="en-US" dirty="0" smtClean="0"/>
+              <a:t>Wiki URL</a:t>
+            </a:r>
+            <a:endParaRPr lang="en-US" dirty="0"/>
+          </a:p>
+        </p:txBody>
+      </p:sp>
+    </p:spTree>
+    <p:extLst>
+      <p:ext uri="{BB962C8B-B14F-4D97-AF65-F5344CB8AC3E}">
+        <p14:creationId xmlns:p14="http://schemas.microsoft.com/office/powerpoint/2010/main" val="633553504"/>
+      </p:ext>
+    </p:extLst>
+  </p:cSld>
+  <p:clrMapOvr>
+    <a:masterClrMapping/>
+  </p:clrMapOvr>
+  <p:timing>
+    <p:tnLst>
+      <p:par>
+        <p:cTn xmlns:p14="http://schemas.microsoft.com/office/powerpoint/2010/main" id="1" dur="indefinite" restart="never" nodeType="tmRoot"/>
+      </p:par>
+    </p:tnLst>
+  </p:timing>
+</p:sld>
+</file>
+
+<file path=ppt/slides/slide16.xml><?xml version="1.0" encoding="utf-8"?>
 <p:sld xmlns:a="http://schemas.openxmlformats.org/drawingml/2006/main" xmlns:r="http://schemas.openxmlformats.org/officeDocument/2006/relationships" xmlns:p="http://schemas.openxmlformats.org/presentationml/2006/main">
   <p:cSld>
     <p:spTree>

--- a/300.pptx
+++ b/300.pptx
@@ -1544,10 +1544,10 @@
                 <a:cs typeface="Times New Roman" charset="0"/>
                 <a:sym typeface="Times New Roman" charset="0"/>
               </a:rPr>
-              <a:t>In this lab, we will be refactoring </a:t>
-            </a:r>
-            <a:r>
-              <a:rPr lang="en-US" dirty="0" err="1" smtClean="0">
+              <a:t>In this lab, we will be </a:t>
+            </a:r>
+            <a:r>
+              <a:rPr lang="en-US" dirty="0" smtClean="0">
                 <a:solidFill>
                   <a:srgbClr val="000000"/>
                 </a:solidFill>
@@ -1556,10 +1556,10 @@
                 <a:cs typeface="Times New Roman" charset="0"/>
                 <a:sym typeface="Times New Roman" charset="0"/>
               </a:rPr>
-              <a:t>TiBountyHunter</a:t>
-            </a:r>
-            <a:r>
-              <a:rPr lang="en-US" dirty="0" smtClean="0">
+              <a:t>examining a refactored </a:t>
+            </a:r>
+            <a:r>
+              <a:rPr lang="en-US" dirty="0" err="1" smtClean="0">
                 <a:solidFill>
                   <a:srgbClr val="000000"/>
                 </a:solidFill>
@@ -1568,7 +1568,55 @@
                 <a:cs typeface="Times New Roman" charset="0"/>
                 <a:sym typeface="Times New Roman" charset="0"/>
               </a:rPr>
-              <a:t> to be a little smarter about performance.  We will utilize multiple contexts,</a:t>
+              <a:t>TiBountyHunter</a:t>
+            </a:r>
+            <a:r>
+              <a:rPr lang="en-US" dirty="0" smtClean="0">
+                <a:solidFill>
+                  <a:srgbClr val="000000"/>
+                </a:solidFill>
+                <a:latin typeface="Times New Roman" charset="0"/>
+                <a:ea typeface="ＭＳ Ｐゴシック" charset="0"/>
+                <a:cs typeface="Times New Roman" charset="0"/>
+                <a:sym typeface="Times New Roman" charset="0"/>
+              </a:rPr>
+              <a:t> that is </a:t>
+            </a:r>
+            <a:r>
+              <a:rPr lang="en-US" dirty="0" smtClean="0">
+                <a:solidFill>
+                  <a:srgbClr val="000000"/>
+                </a:solidFill>
+                <a:latin typeface="Times New Roman" charset="0"/>
+                <a:ea typeface="ＭＳ Ｐゴシック" charset="0"/>
+                <a:cs typeface="Times New Roman" charset="0"/>
+                <a:sym typeface="Times New Roman" charset="0"/>
+              </a:rPr>
+              <a:t>a little smarter about performance.  </a:t>
+            </a:r>
+            <a:r>
+              <a:rPr lang="en-US" dirty="0" smtClean="0">
+                <a:solidFill>
+                  <a:srgbClr val="000000"/>
+                </a:solidFill>
+                <a:latin typeface="Times New Roman" charset="0"/>
+                <a:ea typeface="ＭＳ Ｐゴシック" charset="0"/>
+                <a:cs typeface="Times New Roman" charset="0"/>
+                <a:sym typeface="Times New Roman" charset="0"/>
+              </a:rPr>
+              <a:t>It uses multiple </a:t>
+            </a:r>
+            <a:r>
+              <a:rPr lang="en-US" dirty="0" smtClean="0">
+                <a:solidFill>
+                  <a:srgbClr val="000000"/>
+                </a:solidFill>
+                <a:latin typeface="Times New Roman" charset="0"/>
+                <a:ea typeface="ＭＳ Ｐゴシック" charset="0"/>
+                <a:cs typeface="Times New Roman" charset="0"/>
+                <a:sym typeface="Times New Roman" charset="0"/>
+              </a:rPr>
+              <a:t>contexts,</a:t>
             </a:r>
             <a:r>
               <a:rPr lang="en-US" baseline="0" dirty="0" smtClean="0">
@@ -1617,15 +1665,6 @@
               </a:rPr>
               <a:t>We’ll download the source, build &amp; run it, then we’ll see how to defer loading during a code walk-thru</a:t>
             </a:r>
-            <a:endParaRPr lang="en-US" baseline="0" dirty="0" smtClean="0">
-              <a:solidFill>
-                <a:srgbClr val="000000"/>
-              </a:solidFill>
-              <a:latin typeface="Times New Roman" charset="0"/>
-              <a:ea typeface="ＭＳ Ｐゴシック" charset="0"/>
-              <a:cs typeface="Times New Roman" charset="0"/>
-              <a:sym typeface="Times New Roman" charset="0"/>
-            </a:endParaRPr>
           </a:p>
         </p:txBody>
       </p:sp>
@@ -2994,17 +3033,8 @@
                 <a:cs typeface="Times New Roman" charset="0"/>
                 <a:sym typeface="Times New Roman" charset="0"/>
               </a:rPr>
-              <a:t>A bigger problem on Android</a:t>
-            </a:r>
-          </a:p>
-          <a:p>
-            <a:pPr marL="290513" indent="-171450" eaLnBrk="1" hangingPunct="1">
-              <a:spcBef>
-                <a:spcPts val="450"/>
-              </a:spcBef>
-              <a:buFont typeface="Arial"/>
-              <a:buChar char="•"/>
-            </a:pPr>
+              <a:t>A bigger problem on </a:t>
+            </a:r>
             <a:r>
               <a:rPr lang="en-US" dirty="0" smtClean="0">
                 <a:solidFill>
@@ -3015,60 +3045,9 @@
                 <a:cs typeface="Times New Roman" charset="0"/>
                 <a:sym typeface="Times New Roman" charset="0"/>
               </a:rPr>
-              <a:t>App start-up time can be slow</a:t>
-            </a:r>
-          </a:p>
-          <a:p>
-            <a:pPr marL="119063" indent="0" eaLnBrk="1" hangingPunct="1">
-              <a:spcBef>
-                <a:spcPts val="450"/>
-              </a:spcBef>
-              <a:buFont typeface="Arial"/>
-              <a:buNone/>
-            </a:pPr>
+              <a:t>Android</a:t>
+            </a:r>
             <a:endParaRPr lang="en-US" dirty="0" smtClean="0">
-              <a:solidFill>
-                <a:srgbClr val="000000"/>
-              </a:solidFill>
-              <a:latin typeface="Times New Roman" charset="0"/>
-              <a:ea typeface="ＭＳ Ｐゴシック" charset="0"/>
-              <a:cs typeface="Times New Roman" charset="0"/>
-              <a:sym typeface="Times New Roman" charset="0"/>
-            </a:endParaRPr>
-          </a:p>
-          <a:p>
-            <a:pPr marL="119063" indent="0" eaLnBrk="1" hangingPunct="1">
-              <a:spcBef>
-                <a:spcPts val="450"/>
-              </a:spcBef>
-              <a:buFont typeface="Arial"/>
-              <a:buNone/>
-            </a:pPr>
-            <a:r>
-              <a:rPr lang="en-US" dirty="0" smtClean="0">
-                <a:solidFill>
-                  <a:srgbClr val="000000"/>
-                </a:solidFill>
-                <a:latin typeface="Times New Roman" charset="0"/>
-                <a:ea typeface="ＭＳ Ｐゴシック" charset="0"/>
-                <a:cs typeface="Times New Roman" charset="0"/>
-                <a:sym typeface="Times New Roman" charset="0"/>
-              </a:rPr>
-              <a:t>The culprit</a:t>
-            </a:r>
-            <a:r>
-              <a:rPr lang="en-US" baseline="0" dirty="0" smtClean="0">
-                <a:solidFill>
-                  <a:srgbClr val="000000"/>
-                </a:solidFill>
-                <a:latin typeface="Times New Roman" charset="0"/>
-                <a:ea typeface="ＭＳ Ｐゴシック" charset="0"/>
-                <a:cs typeface="Times New Roman" charset="0"/>
-                <a:sym typeface="Times New Roman" charset="0"/>
-              </a:rPr>
-              <a:t> is probably…</a:t>
-            </a:r>
-            <a:endParaRPr lang="en-US" dirty="0">
               <a:solidFill>
                 <a:srgbClr val="000000"/>
               </a:solidFill>
@@ -3159,12 +3138,48 @@
           <a:bodyPr/>
           <a:lstStyle/>
           <a:p>
-            <a:pPr marL="119063" eaLnBrk="1" hangingPunct="1">
+            <a:pPr marL="119063" marR="0" indent="0" algn="l" defTabSz="914400" rtl="0" eaLnBrk="1" fontAlgn="base" latinLnBrk="0" hangingPunct="1">
+              <a:lnSpc>
+                <a:spcPct val="100000"/>
+              </a:lnSpc>
               <a:spcBef>
                 <a:spcPts val="450"/>
               </a:spcBef>
+              <a:spcAft>
+                <a:spcPct val="0"/>
+              </a:spcAft>
+              <a:buClrTx/>
+              <a:buSzTx/>
+              <a:buFontTx/>
+              <a:buNone/>
+              <a:tabLst/>
+              <a:defRPr/>
             </a:pPr>
-            <a:endParaRPr lang="en-US" dirty="0">
+            <a:r>
+              <a:rPr lang="en-US" dirty="0" smtClean="0">
+                <a:solidFill>
+                  <a:srgbClr val="000000"/>
+                </a:solidFill>
+                <a:latin typeface="Times New Roman" charset="0"/>
+                <a:ea typeface="ＭＳ Ｐゴシック" charset="0"/>
+                <a:cs typeface="Times New Roman" charset="0"/>
+                <a:sym typeface="Times New Roman" charset="0"/>
+              </a:rPr>
+              <a:t>App start-up time can be slow,</a:t>
+            </a:r>
+            <a:r>
+              <a:rPr lang="en-US" baseline="0" dirty="0" smtClean="0">
+                <a:solidFill>
+                  <a:srgbClr val="000000"/>
+                </a:solidFill>
+                <a:latin typeface="Times New Roman" charset="0"/>
+                <a:ea typeface="ＭＳ Ｐゴシック" charset="0"/>
+                <a:cs typeface="Times New Roman" charset="0"/>
+                <a:sym typeface="Times New Roman" charset="0"/>
+              </a:rPr>
+              <a:t> especially on Android</a:t>
+            </a:r>
+            <a:endParaRPr lang="en-US" dirty="0" smtClean="0">
               <a:solidFill>
                 <a:srgbClr val="000000"/>
               </a:solidFill>
@@ -4026,7 +4041,7 @@
               <a:pPr>
                 <a:defRPr/>
               </a:pPr>
-              <a:t>7/21/11</a:t>
+              <a:t>7/26/11</a:t>
             </a:fld>
             <a:endParaRPr lang="en-US"/>
           </a:p>
@@ -4447,7 +4462,7 @@
               <a:pPr>
                 <a:defRPr/>
               </a:pPr>
-              <a:t>7/21/11</a:t>
+              <a:t>7/26/11</a:t>
             </a:fld>
             <a:endParaRPr lang="en-US"/>
           </a:p>
@@ -5172,7 +5187,7 @@
               <a:pPr>
                 <a:defRPr/>
               </a:pPr>
-              <a:t>7/21/11</a:t>
+              <a:t>7/26/11</a:t>
             </a:fld>
             <a:endParaRPr lang="en-US"/>
           </a:p>
@@ -5725,7 +5740,7 @@
               <a:pPr>
                 <a:defRPr/>
               </a:pPr>
-              <a:t>7/21/11</a:t>
+              <a:t>7/26/11</a:t>
             </a:fld>
             <a:endParaRPr lang="en-US"/>
           </a:p>
@@ -6076,7 +6091,7 @@
               <a:pPr>
                 <a:defRPr/>
               </a:pPr>
-              <a:t>7/21/11</a:t>
+              <a:t>7/26/11</a:t>
             </a:fld>
             <a:endParaRPr lang="en-US"/>
           </a:p>
@@ -6434,7 +6449,7 @@
               <a:pPr>
                 <a:defRPr/>
               </a:pPr>
-              <a:t>7/21/11</a:t>
+              <a:t>7/26/11</a:t>
             </a:fld>
             <a:endParaRPr lang="en-US"/>
           </a:p>
@@ -6669,7 +6684,7 @@
               <a:pPr>
                 <a:defRPr/>
               </a:pPr>
-              <a:t>7/21/11</a:t>
+              <a:t>7/26/11</a:t>
             </a:fld>
             <a:endParaRPr lang="en-US"/>
           </a:p>
@@ -6961,7 +6976,7 @@
               <a:pPr>
                 <a:defRPr/>
               </a:pPr>
-              <a:t>7/21/11</a:t>
+              <a:t>7/26/11</a:t>
             </a:fld>
             <a:endParaRPr lang="en-US"/>
           </a:p>
@@ -9559,16 +9574,13 @@
             </a:pPr>
             <a:r>
               <a:rPr lang="en-US" dirty="0" smtClean="0"/>
-              <a:t>Refactor </a:t>
+              <a:t>Examine refactored </a:t>
             </a:r>
             <a:r>
               <a:rPr lang="en-US" dirty="0" err="1" smtClean="0"/>
               <a:t>TiBountyHunter</a:t>
             </a:r>
-            <a:r>
-              <a:rPr lang="en-US" dirty="0" smtClean="0"/>
-              <a:t> to optimize performance</a:t>
-            </a:r>
+            <a:endParaRPr lang="en-US" dirty="0" smtClean="0"/>
           </a:p>
           <a:p>
             <a:pPr>
@@ -9592,7 +9604,11 @@
             </a:pPr>
             <a:r>
               <a:rPr lang="en-US" dirty="0" smtClean="0"/>
-              <a:t>Improve code modularization</a:t>
+              <a:t>Improves </a:t>
+            </a:r>
+            <a:r>
+              <a:rPr lang="en-US" dirty="0" smtClean="0"/>
+              <a:t>code modularization</a:t>
             </a:r>
           </a:p>
           <a:p>
@@ -9617,9 +9633,12 @@
             </a:pPr>
             <a:r>
               <a:rPr lang="en-US" dirty="0" smtClean="0"/>
-              <a:t>Defer script loading</a:t>
-            </a:r>
-            <a:endParaRPr lang="en-US" dirty="0" smtClean="0"/>
+              <a:t>Defers </a:t>
+            </a:r>
+            <a:r>
+              <a:rPr lang="en-US" dirty="0" smtClean="0"/>
+              <a:t>script loading</a:t>
+            </a:r>
           </a:p>
           <a:p>
             <a:pPr>

--- a/300.pptx
+++ b/300.pptx
@@ -1544,10 +1544,10 @@
                 <a:cs typeface="Times New Roman" charset="0"/>
                 <a:sym typeface="Times New Roman" charset="0"/>
               </a:rPr>
-              <a:t>In this lab, we will be </a:t>
-            </a:r>
-            <a:r>
-              <a:rPr lang="en-US" dirty="0" smtClean="0">
+              <a:t>In this lab, we will be examining a refactored </a:t>
+            </a:r>
+            <a:r>
+              <a:rPr lang="en-US" dirty="0" err="1" smtClean="0">
                 <a:solidFill>
                   <a:srgbClr val="000000"/>
                 </a:solidFill>
@@ -1556,10 +1556,10 @@
                 <a:cs typeface="Times New Roman" charset="0"/>
                 <a:sym typeface="Times New Roman" charset="0"/>
               </a:rPr>
-              <a:t>examining a refactored </a:t>
-            </a:r>
-            <a:r>
-              <a:rPr lang="en-US" dirty="0" err="1" smtClean="0">
+              <a:t>TiBountyHunter</a:t>
+            </a:r>
+            <a:r>
+              <a:rPr lang="en-US" dirty="0" smtClean="0">
                 <a:solidFill>
                   <a:srgbClr val="000000"/>
                 </a:solidFill>
@@ -1568,55 +1568,7 @@
                 <a:cs typeface="Times New Roman" charset="0"/>
                 <a:sym typeface="Times New Roman" charset="0"/>
               </a:rPr>
-              <a:t>TiBountyHunter</a:t>
-            </a:r>
-            <a:r>
-              <a:rPr lang="en-US" dirty="0" smtClean="0">
-                <a:solidFill>
-                  <a:srgbClr val="000000"/>
-                </a:solidFill>
-                <a:latin typeface="Times New Roman" charset="0"/>
-                <a:ea typeface="ＭＳ Ｐゴシック" charset="0"/>
-                <a:cs typeface="Times New Roman" charset="0"/>
-                <a:sym typeface="Times New Roman" charset="0"/>
-              </a:rPr>
-              <a:t> that is </a:t>
-            </a:r>
-            <a:r>
-              <a:rPr lang="en-US" dirty="0" smtClean="0">
-                <a:solidFill>
-                  <a:srgbClr val="000000"/>
-                </a:solidFill>
-                <a:latin typeface="Times New Roman" charset="0"/>
-                <a:ea typeface="ＭＳ Ｐゴシック" charset="0"/>
-                <a:cs typeface="Times New Roman" charset="0"/>
-                <a:sym typeface="Times New Roman" charset="0"/>
-              </a:rPr>
-              <a:t>a little smarter about performance.  </a:t>
-            </a:r>
-            <a:r>
-              <a:rPr lang="en-US" dirty="0" smtClean="0">
-                <a:solidFill>
-                  <a:srgbClr val="000000"/>
-                </a:solidFill>
-                <a:latin typeface="Times New Roman" charset="0"/>
-                <a:ea typeface="ＭＳ Ｐゴシック" charset="0"/>
-                <a:cs typeface="Times New Roman" charset="0"/>
-                <a:sym typeface="Times New Roman" charset="0"/>
-              </a:rPr>
-              <a:t>It uses multiple </a:t>
-            </a:r>
-            <a:r>
-              <a:rPr lang="en-US" dirty="0" smtClean="0">
-                <a:solidFill>
-                  <a:srgbClr val="000000"/>
-                </a:solidFill>
-                <a:latin typeface="Times New Roman" charset="0"/>
-                <a:ea typeface="ＭＳ Ｐゴシック" charset="0"/>
-                <a:cs typeface="Times New Roman" charset="0"/>
-                <a:sym typeface="Times New Roman" charset="0"/>
-              </a:rPr>
-              <a:t>contexts,</a:t>
+              <a:t> that is a little smarter about performance.  It uses multiple contexts,</a:t>
             </a:r>
             <a:r>
               <a:rPr lang="en-US" baseline="0" dirty="0" smtClean="0">
@@ -3033,29 +2985,8 @@
                 <a:cs typeface="Times New Roman" charset="0"/>
                 <a:sym typeface="Times New Roman" charset="0"/>
               </a:rPr>
-              <a:t>A bigger problem on </a:t>
-            </a:r>
-            <a:r>
-              <a:rPr lang="en-US" dirty="0" smtClean="0">
-                <a:solidFill>
-                  <a:srgbClr val="000000"/>
-                </a:solidFill>
-                <a:latin typeface="Times New Roman" charset="0"/>
-                <a:ea typeface="ＭＳ Ｐゴシック" charset="0"/>
-                <a:cs typeface="Times New Roman" charset="0"/>
-                <a:sym typeface="Times New Roman" charset="0"/>
-              </a:rPr>
-              <a:t>Android</a:t>
-            </a:r>
-            <a:endParaRPr lang="en-US" dirty="0" smtClean="0">
-              <a:solidFill>
-                <a:srgbClr val="000000"/>
-              </a:solidFill>
-              <a:latin typeface="Times New Roman" charset="0"/>
-              <a:ea typeface="ＭＳ Ｐゴシック" charset="0"/>
-              <a:cs typeface="Times New Roman" charset="0"/>
-              <a:sym typeface="Times New Roman" charset="0"/>
-            </a:endParaRPr>
+              <a:t>A bigger problem on Android</a:t>
+            </a:r>
           </a:p>
         </p:txBody>
       </p:sp>
@@ -4041,7 +3972,7 @@
               <a:pPr>
                 <a:defRPr/>
               </a:pPr>
-              <a:t>7/26/11</a:t>
+              <a:t>8/19/11</a:t>
             </a:fld>
             <a:endParaRPr lang="en-US"/>
           </a:p>
@@ -4462,7 +4393,7 @@
               <a:pPr>
                 <a:defRPr/>
               </a:pPr>
-              <a:t>7/26/11</a:t>
+              <a:t>8/19/11</a:t>
             </a:fld>
             <a:endParaRPr lang="en-US"/>
           </a:p>
@@ -5187,7 +5118,7 @@
               <a:pPr>
                 <a:defRPr/>
               </a:pPr>
-              <a:t>7/26/11</a:t>
+              <a:t>8/19/11</a:t>
             </a:fld>
             <a:endParaRPr lang="en-US"/>
           </a:p>
@@ -5740,7 +5671,7 @@
               <a:pPr>
                 <a:defRPr/>
               </a:pPr>
-              <a:t>7/26/11</a:t>
+              <a:t>8/19/11</a:t>
             </a:fld>
             <a:endParaRPr lang="en-US"/>
           </a:p>
@@ -6091,7 +6022,7 @@
               <a:pPr>
                 <a:defRPr/>
               </a:pPr>
-              <a:t>7/26/11</a:t>
+              <a:t>8/19/11</a:t>
             </a:fld>
             <a:endParaRPr lang="en-US"/>
           </a:p>
@@ -6449,7 +6380,7 @@
               <a:pPr>
                 <a:defRPr/>
               </a:pPr>
-              <a:t>7/26/11</a:t>
+              <a:t>8/19/11</a:t>
             </a:fld>
             <a:endParaRPr lang="en-US"/>
           </a:p>
@@ -6684,7 +6615,7 @@
               <a:pPr>
                 <a:defRPr/>
               </a:pPr>
-              <a:t>7/26/11</a:t>
+              <a:t>8/19/11</a:t>
             </a:fld>
             <a:endParaRPr lang="en-US"/>
           </a:p>
@@ -6976,7 +6907,7 @@
               <a:pPr>
                 <a:defRPr/>
               </a:pPr>
-              <a:t>7/26/11</a:t>
+              <a:t>8/19/11</a:t>
             </a:fld>
             <a:endParaRPr lang="en-US"/>
           </a:p>
@@ -7851,7 +7782,40 @@
               </a:rPr>
               <a:t>Performance Optimization</a:t>
             </a:r>
-            <a:endParaRPr lang="en-US" sz="4400" dirty="0">
+            <a:br>
+              <a:rPr lang="en-US" sz="4400" dirty="0" smtClean="0">
+                <a:solidFill>
+                  <a:schemeClr val="accent6"/>
+                </a:solidFill>
+                <a:effectLst>
+                  <a:innerShdw blurRad="63500" dist="50800" dir="13500000">
+                    <a:prstClr val="black">
+                      <a:alpha val="50000"/>
+                    </a:prstClr>
+                  </a:innerShdw>
+                </a:effectLst>
+                <a:latin typeface="Trebuchet MS Bold" charset="0"/>
+                <a:cs typeface="Trebuchet MS Bold" charset="0"/>
+                <a:sym typeface="Trebuchet MS Bold" charset="0"/>
+              </a:rPr>
+            </a:br>
+            <a:r>
+              <a:rPr lang="en-US" sz="2800" b="0" i="1" dirty="0" smtClean="0">
+                <a:solidFill>
+                  <a:srgbClr val="122956"/>
+                </a:solidFill>
+                <a:effectLst>
+                  <a:innerShdw blurRad="63500" dist="50800" dir="13500000">
+                    <a:prstClr val="black">
+                      <a:alpha val="50000"/>
+                    </a:prstClr>
+                  </a:innerShdw>
+                </a:effectLst>
+                <a:ea typeface="Hiragino Sans GB W6" charset="0"/>
+              </a:rPr>
+              <a:t>Advanced Titanium Mobile Development</a:t>
+            </a:r>
+            <a:endParaRPr lang="en-US" sz="2800" b="0" i="1" dirty="0">
               <a:solidFill>
                 <a:schemeClr val="accent6"/>
               </a:solidFill>
@@ -7923,6 +7887,186 @@
           </a:extLst>
         </p:spPr>
       </p:pic>
+      <p:sp>
+        <p:nvSpPr>
+          <p:cNvPr id="6" name="Slide Number Placeholder 5"/>
+          <p:cNvSpPr>
+            <a:spLocks noGrp="1"/>
+          </p:cNvSpPr>
+          <p:nvPr>
+            <p:ph type="sldNum" sz="quarter" idx="12"/>
+          </p:nvPr>
+        </p:nvSpPr>
+        <p:spPr bwMode="auto">
+          <a:xfrm>
+            <a:off x="203200" y="6400800"/>
+            <a:ext cx="2133600" cy="365125"/>
+          </a:xfrm>
+          <a:noFill/>
+          <a:extLst>
+            <a:ext uri="{909E8E84-426E-40dd-AFC4-6F175D3DCCD1}">
+              <a14:hiddenFill xmlns:a14="http://schemas.microsoft.com/office/drawing/2010/main">
+                <a:solidFill>
+                  <a:srgbClr val="FFFFFF"/>
+                </a:solidFill>
+              </a14:hiddenFill>
+            </a:ext>
+            <a:ext uri="{91240B29-F687-4f45-9708-019B960494DF}">
+              <a14:hiddenLine xmlns:a14="http://schemas.microsoft.com/office/drawing/2010/main" w="9525">
+                <a:solidFill>
+                  <a:srgbClr val="000000"/>
+                </a:solidFill>
+                <a:miter lim="800000"/>
+                <a:headEnd/>
+                <a:tailEnd/>
+              </a14:hiddenLine>
+            </a:ext>
+          </a:extLst>
+        </p:spPr>
+        <p:txBody>
+          <a:bodyPr vert="horz" wrap="square" lIns="91440" tIns="45720" rIns="91440" bIns="45720" numCol="1" anchor="ctr" anchorCtr="0" compatLnSpc="1">
+            <a:prstTxWarp prst="textNoShape">
+              <a:avLst/>
+            </a:prstTxWarp>
+          </a:bodyPr>
+          <a:lstStyle>
+            <a:lvl1pPr eaLnBrk="0" hangingPunct="0">
+              <a:defRPr sz="2400">
+                <a:solidFill>
+                  <a:schemeClr val="tx1"/>
+                </a:solidFill>
+                <a:latin typeface="Trebuchet MS" charset="0"/>
+                <a:ea typeface="ＭＳ Ｐゴシック" charset="0"/>
+                <a:cs typeface="ＭＳ Ｐゴシック" charset="0"/>
+              </a:defRPr>
+            </a:lvl1pPr>
+            <a:lvl2pPr marL="742950" indent="-285750" eaLnBrk="0" hangingPunct="0">
+              <a:defRPr sz="2400">
+                <a:solidFill>
+                  <a:schemeClr val="tx1"/>
+                </a:solidFill>
+                <a:latin typeface="Trebuchet MS" charset="0"/>
+                <a:ea typeface="ＭＳ Ｐゴシック" charset="0"/>
+              </a:defRPr>
+            </a:lvl2pPr>
+            <a:lvl3pPr marL="1143000" indent="-228600" eaLnBrk="0" hangingPunct="0">
+              <a:defRPr sz="2400">
+                <a:solidFill>
+                  <a:schemeClr val="tx1"/>
+                </a:solidFill>
+                <a:latin typeface="Trebuchet MS" charset="0"/>
+                <a:ea typeface="ＭＳ Ｐゴシック" charset="0"/>
+              </a:defRPr>
+            </a:lvl3pPr>
+            <a:lvl4pPr marL="1600200" indent="-228600" eaLnBrk="0" hangingPunct="0">
+              <a:defRPr sz="2400">
+                <a:solidFill>
+                  <a:schemeClr val="tx1"/>
+                </a:solidFill>
+                <a:latin typeface="Trebuchet MS" charset="0"/>
+                <a:ea typeface="ＭＳ Ｐゴシック" charset="0"/>
+              </a:defRPr>
+            </a:lvl4pPr>
+            <a:lvl5pPr marL="2057400" indent="-228600" eaLnBrk="0" hangingPunct="0">
+              <a:defRPr sz="2400">
+                <a:solidFill>
+                  <a:schemeClr val="tx1"/>
+                </a:solidFill>
+                <a:latin typeface="Trebuchet MS" charset="0"/>
+                <a:ea typeface="ＭＳ Ｐゴシック" charset="0"/>
+              </a:defRPr>
+            </a:lvl5pPr>
+            <a:lvl6pPr marL="2514600" indent="-228600" eaLnBrk="0" fontAlgn="base" hangingPunct="0">
+              <a:spcBef>
+                <a:spcPct val="0"/>
+              </a:spcBef>
+              <a:spcAft>
+                <a:spcPct val="0"/>
+              </a:spcAft>
+              <a:defRPr sz="2400">
+                <a:solidFill>
+                  <a:schemeClr val="tx1"/>
+                </a:solidFill>
+                <a:latin typeface="Trebuchet MS" charset="0"/>
+                <a:ea typeface="ＭＳ Ｐゴシック" charset="0"/>
+              </a:defRPr>
+            </a:lvl6pPr>
+            <a:lvl7pPr marL="2971800" indent="-228600" eaLnBrk="0" fontAlgn="base" hangingPunct="0">
+              <a:spcBef>
+                <a:spcPct val="0"/>
+              </a:spcBef>
+              <a:spcAft>
+                <a:spcPct val="0"/>
+              </a:spcAft>
+              <a:defRPr sz="2400">
+                <a:solidFill>
+                  <a:schemeClr val="tx1"/>
+                </a:solidFill>
+                <a:latin typeface="Trebuchet MS" charset="0"/>
+                <a:ea typeface="ＭＳ Ｐゴシック" charset="0"/>
+              </a:defRPr>
+            </a:lvl7pPr>
+            <a:lvl8pPr marL="3429000" indent="-228600" eaLnBrk="0" fontAlgn="base" hangingPunct="0">
+              <a:spcBef>
+                <a:spcPct val="0"/>
+              </a:spcBef>
+              <a:spcAft>
+                <a:spcPct val="0"/>
+              </a:spcAft>
+              <a:defRPr sz="2400">
+                <a:solidFill>
+                  <a:schemeClr val="tx1"/>
+                </a:solidFill>
+                <a:latin typeface="Trebuchet MS" charset="0"/>
+                <a:ea typeface="ＭＳ Ｐゴシック" charset="0"/>
+              </a:defRPr>
+            </a:lvl8pPr>
+            <a:lvl9pPr marL="3886200" indent="-228600" eaLnBrk="0" fontAlgn="base" hangingPunct="0">
+              <a:spcBef>
+                <a:spcPct val="0"/>
+              </a:spcBef>
+              <a:spcAft>
+                <a:spcPct val="0"/>
+              </a:spcAft>
+              <a:defRPr sz="2400">
+                <a:solidFill>
+                  <a:schemeClr val="tx1"/>
+                </a:solidFill>
+                <a:latin typeface="Trebuchet MS" charset="0"/>
+                <a:ea typeface="ＭＳ Ｐゴシック" charset="0"/>
+              </a:defRPr>
+            </a:lvl9pPr>
+          </a:lstStyle>
+          <a:p>
+            <a:pPr eaLnBrk="1" hangingPunct="1"/>
+            <a:r>
+              <a:rPr lang="en-US" sz="1200" b="1" dirty="0">
+                <a:solidFill>
+                  <a:srgbClr val="122956"/>
+                </a:solidFill>
+                <a:cs typeface="Trebuchet MS" charset="0"/>
+              </a:rPr>
+              <a:t>1-</a:t>
+            </a:r>
+            <a:fld id="{31B56995-E14C-B64F-86C9-12D6DB74A41E}" type="slidenum">
+              <a:rPr lang="en-US" sz="1200" b="1">
+                <a:solidFill>
+                  <a:srgbClr val="122956"/>
+                </a:solidFill>
+                <a:cs typeface="Trebuchet MS" charset="0"/>
+              </a:rPr>
+              <a:pPr eaLnBrk="1" hangingPunct="1"/>
+              <a:t>1</a:t>
+            </a:fld>
+            <a:endParaRPr lang="en-US" sz="1200" b="1" dirty="0">
+              <a:solidFill>
+                <a:srgbClr val="122956"/>
+              </a:solidFill>
+              <a:cs typeface="Trebuchet MS" charset="0"/>
+            </a:endParaRPr>
+          </a:p>
+        </p:txBody>
+      </p:sp>
     </p:spTree>
   </p:cSld>
   <p:clrMapOvr>
@@ -8256,6 +8400,186 @@
               <a:latin typeface="Trebuchet MS" charset="0"/>
               <a:ea typeface="ヒラギノ角ゴ ProN W3" charset="0"/>
               <a:cs typeface="ヒラギノ角ゴ ProN W3" charset="0"/>
+            </a:endParaRPr>
+          </a:p>
+        </p:txBody>
+      </p:sp>
+      <p:sp>
+        <p:nvSpPr>
+          <p:cNvPr id="7" name="Slide Number Placeholder 5"/>
+          <p:cNvSpPr>
+            <a:spLocks noGrp="1"/>
+          </p:cNvSpPr>
+          <p:nvPr>
+            <p:ph type="sldNum" sz="quarter" idx="12"/>
+          </p:nvPr>
+        </p:nvSpPr>
+        <p:spPr bwMode="auto">
+          <a:xfrm>
+            <a:off x="203200" y="6400800"/>
+            <a:ext cx="2133600" cy="365125"/>
+          </a:xfrm>
+          <a:noFill/>
+          <a:extLst>
+            <a:ext uri="{909E8E84-426E-40dd-AFC4-6F175D3DCCD1}">
+              <a14:hiddenFill xmlns:a14="http://schemas.microsoft.com/office/drawing/2010/main">
+                <a:solidFill>
+                  <a:srgbClr val="FFFFFF"/>
+                </a:solidFill>
+              </a14:hiddenFill>
+            </a:ext>
+            <a:ext uri="{91240B29-F687-4f45-9708-019B960494DF}">
+              <a14:hiddenLine xmlns:a14="http://schemas.microsoft.com/office/drawing/2010/main" w="9525">
+                <a:solidFill>
+                  <a:srgbClr val="000000"/>
+                </a:solidFill>
+                <a:miter lim="800000"/>
+                <a:headEnd/>
+                <a:tailEnd/>
+              </a14:hiddenLine>
+            </a:ext>
+          </a:extLst>
+        </p:spPr>
+        <p:txBody>
+          <a:bodyPr vert="horz" wrap="square" lIns="91440" tIns="45720" rIns="91440" bIns="45720" numCol="1" anchor="ctr" anchorCtr="0" compatLnSpc="1">
+            <a:prstTxWarp prst="textNoShape">
+              <a:avLst/>
+            </a:prstTxWarp>
+          </a:bodyPr>
+          <a:lstStyle>
+            <a:lvl1pPr eaLnBrk="0" hangingPunct="0">
+              <a:defRPr sz="2400">
+                <a:solidFill>
+                  <a:schemeClr val="tx1"/>
+                </a:solidFill>
+                <a:latin typeface="Trebuchet MS" charset="0"/>
+                <a:ea typeface="ＭＳ Ｐゴシック" charset="0"/>
+                <a:cs typeface="ＭＳ Ｐゴシック" charset="0"/>
+              </a:defRPr>
+            </a:lvl1pPr>
+            <a:lvl2pPr marL="742950" indent="-285750" eaLnBrk="0" hangingPunct="0">
+              <a:defRPr sz="2400">
+                <a:solidFill>
+                  <a:schemeClr val="tx1"/>
+                </a:solidFill>
+                <a:latin typeface="Trebuchet MS" charset="0"/>
+                <a:ea typeface="ＭＳ Ｐゴシック" charset="0"/>
+              </a:defRPr>
+            </a:lvl2pPr>
+            <a:lvl3pPr marL="1143000" indent="-228600" eaLnBrk="0" hangingPunct="0">
+              <a:defRPr sz="2400">
+                <a:solidFill>
+                  <a:schemeClr val="tx1"/>
+                </a:solidFill>
+                <a:latin typeface="Trebuchet MS" charset="0"/>
+                <a:ea typeface="ＭＳ Ｐゴシック" charset="0"/>
+              </a:defRPr>
+            </a:lvl3pPr>
+            <a:lvl4pPr marL="1600200" indent="-228600" eaLnBrk="0" hangingPunct="0">
+              <a:defRPr sz="2400">
+                <a:solidFill>
+                  <a:schemeClr val="tx1"/>
+                </a:solidFill>
+                <a:latin typeface="Trebuchet MS" charset="0"/>
+                <a:ea typeface="ＭＳ Ｐゴシック" charset="0"/>
+              </a:defRPr>
+            </a:lvl4pPr>
+            <a:lvl5pPr marL="2057400" indent="-228600" eaLnBrk="0" hangingPunct="0">
+              <a:defRPr sz="2400">
+                <a:solidFill>
+                  <a:schemeClr val="tx1"/>
+                </a:solidFill>
+                <a:latin typeface="Trebuchet MS" charset="0"/>
+                <a:ea typeface="ＭＳ Ｐゴシック" charset="0"/>
+              </a:defRPr>
+            </a:lvl5pPr>
+            <a:lvl6pPr marL="2514600" indent="-228600" eaLnBrk="0" fontAlgn="base" hangingPunct="0">
+              <a:spcBef>
+                <a:spcPct val="0"/>
+              </a:spcBef>
+              <a:spcAft>
+                <a:spcPct val="0"/>
+              </a:spcAft>
+              <a:defRPr sz="2400">
+                <a:solidFill>
+                  <a:schemeClr val="tx1"/>
+                </a:solidFill>
+                <a:latin typeface="Trebuchet MS" charset="0"/>
+                <a:ea typeface="ＭＳ Ｐゴシック" charset="0"/>
+              </a:defRPr>
+            </a:lvl6pPr>
+            <a:lvl7pPr marL="2971800" indent="-228600" eaLnBrk="0" fontAlgn="base" hangingPunct="0">
+              <a:spcBef>
+                <a:spcPct val="0"/>
+              </a:spcBef>
+              <a:spcAft>
+                <a:spcPct val="0"/>
+              </a:spcAft>
+              <a:defRPr sz="2400">
+                <a:solidFill>
+                  <a:schemeClr val="tx1"/>
+                </a:solidFill>
+                <a:latin typeface="Trebuchet MS" charset="0"/>
+                <a:ea typeface="ＭＳ Ｐゴシック" charset="0"/>
+              </a:defRPr>
+            </a:lvl7pPr>
+            <a:lvl8pPr marL="3429000" indent="-228600" eaLnBrk="0" fontAlgn="base" hangingPunct="0">
+              <a:spcBef>
+                <a:spcPct val="0"/>
+              </a:spcBef>
+              <a:spcAft>
+                <a:spcPct val="0"/>
+              </a:spcAft>
+              <a:defRPr sz="2400">
+                <a:solidFill>
+                  <a:schemeClr val="tx1"/>
+                </a:solidFill>
+                <a:latin typeface="Trebuchet MS" charset="0"/>
+                <a:ea typeface="ＭＳ Ｐゴシック" charset="0"/>
+              </a:defRPr>
+            </a:lvl8pPr>
+            <a:lvl9pPr marL="3886200" indent="-228600" eaLnBrk="0" fontAlgn="base" hangingPunct="0">
+              <a:spcBef>
+                <a:spcPct val="0"/>
+              </a:spcBef>
+              <a:spcAft>
+                <a:spcPct val="0"/>
+              </a:spcAft>
+              <a:defRPr sz="2400">
+                <a:solidFill>
+                  <a:schemeClr val="tx1"/>
+                </a:solidFill>
+                <a:latin typeface="Trebuchet MS" charset="0"/>
+                <a:ea typeface="ＭＳ Ｐゴシック" charset="0"/>
+              </a:defRPr>
+            </a:lvl9pPr>
+          </a:lstStyle>
+          <a:p>
+            <a:pPr eaLnBrk="1" hangingPunct="1"/>
+            <a:r>
+              <a:rPr lang="en-US" sz="1200" b="1" dirty="0">
+                <a:solidFill>
+                  <a:srgbClr val="122956"/>
+                </a:solidFill>
+                <a:cs typeface="Trebuchet MS" charset="0"/>
+              </a:rPr>
+              <a:t>1-</a:t>
+            </a:r>
+            <a:fld id="{31B56995-E14C-B64F-86C9-12D6DB74A41E}" type="slidenum">
+              <a:rPr lang="en-US" sz="1200" b="1">
+                <a:solidFill>
+                  <a:srgbClr val="122956"/>
+                </a:solidFill>
+                <a:cs typeface="Trebuchet MS" charset="0"/>
+              </a:rPr>
+              <a:pPr eaLnBrk="1" hangingPunct="1"/>
+              <a:t>10</a:t>
+            </a:fld>
+            <a:endParaRPr lang="en-US" sz="1200" b="1" dirty="0">
+              <a:solidFill>
+                <a:srgbClr val="122956"/>
+              </a:solidFill>
+              <a:cs typeface="Trebuchet MS" charset="0"/>
             </a:endParaRPr>
           </a:p>
         </p:txBody>
@@ -8637,6 +8961,186 @@
           </a:p>
         </p:txBody>
       </p:sp>
+      <p:sp>
+        <p:nvSpPr>
+          <p:cNvPr id="7" name="Slide Number Placeholder 5"/>
+          <p:cNvSpPr>
+            <a:spLocks noGrp="1"/>
+          </p:cNvSpPr>
+          <p:nvPr>
+            <p:ph type="sldNum" sz="quarter" idx="12"/>
+          </p:nvPr>
+        </p:nvSpPr>
+        <p:spPr bwMode="auto">
+          <a:xfrm>
+            <a:off x="203200" y="6400800"/>
+            <a:ext cx="2133600" cy="365125"/>
+          </a:xfrm>
+          <a:noFill/>
+          <a:extLst>
+            <a:ext uri="{909E8E84-426E-40dd-AFC4-6F175D3DCCD1}">
+              <a14:hiddenFill xmlns:a14="http://schemas.microsoft.com/office/drawing/2010/main">
+                <a:solidFill>
+                  <a:srgbClr val="FFFFFF"/>
+                </a:solidFill>
+              </a14:hiddenFill>
+            </a:ext>
+            <a:ext uri="{91240B29-F687-4f45-9708-019B960494DF}">
+              <a14:hiddenLine xmlns:a14="http://schemas.microsoft.com/office/drawing/2010/main" w="9525">
+                <a:solidFill>
+                  <a:srgbClr val="000000"/>
+                </a:solidFill>
+                <a:miter lim="800000"/>
+                <a:headEnd/>
+                <a:tailEnd/>
+              </a14:hiddenLine>
+            </a:ext>
+          </a:extLst>
+        </p:spPr>
+        <p:txBody>
+          <a:bodyPr vert="horz" wrap="square" lIns="91440" tIns="45720" rIns="91440" bIns="45720" numCol="1" anchor="ctr" anchorCtr="0" compatLnSpc="1">
+            <a:prstTxWarp prst="textNoShape">
+              <a:avLst/>
+            </a:prstTxWarp>
+          </a:bodyPr>
+          <a:lstStyle>
+            <a:lvl1pPr eaLnBrk="0" hangingPunct="0">
+              <a:defRPr sz="2400">
+                <a:solidFill>
+                  <a:schemeClr val="tx1"/>
+                </a:solidFill>
+                <a:latin typeface="Trebuchet MS" charset="0"/>
+                <a:ea typeface="ＭＳ Ｐゴシック" charset="0"/>
+                <a:cs typeface="ＭＳ Ｐゴシック" charset="0"/>
+              </a:defRPr>
+            </a:lvl1pPr>
+            <a:lvl2pPr marL="742950" indent="-285750" eaLnBrk="0" hangingPunct="0">
+              <a:defRPr sz="2400">
+                <a:solidFill>
+                  <a:schemeClr val="tx1"/>
+                </a:solidFill>
+                <a:latin typeface="Trebuchet MS" charset="0"/>
+                <a:ea typeface="ＭＳ Ｐゴシック" charset="0"/>
+              </a:defRPr>
+            </a:lvl2pPr>
+            <a:lvl3pPr marL="1143000" indent="-228600" eaLnBrk="0" hangingPunct="0">
+              <a:defRPr sz="2400">
+                <a:solidFill>
+                  <a:schemeClr val="tx1"/>
+                </a:solidFill>
+                <a:latin typeface="Trebuchet MS" charset="0"/>
+                <a:ea typeface="ＭＳ Ｐゴシック" charset="0"/>
+              </a:defRPr>
+            </a:lvl3pPr>
+            <a:lvl4pPr marL="1600200" indent="-228600" eaLnBrk="0" hangingPunct="0">
+              <a:defRPr sz="2400">
+                <a:solidFill>
+                  <a:schemeClr val="tx1"/>
+                </a:solidFill>
+                <a:latin typeface="Trebuchet MS" charset="0"/>
+                <a:ea typeface="ＭＳ Ｐゴシック" charset="0"/>
+              </a:defRPr>
+            </a:lvl4pPr>
+            <a:lvl5pPr marL="2057400" indent="-228600" eaLnBrk="0" hangingPunct="0">
+              <a:defRPr sz="2400">
+                <a:solidFill>
+                  <a:schemeClr val="tx1"/>
+                </a:solidFill>
+                <a:latin typeface="Trebuchet MS" charset="0"/>
+                <a:ea typeface="ＭＳ Ｐゴシック" charset="0"/>
+              </a:defRPr>
+            </a:lvl5pPr>
+            <a:lvl6pPr marL="2514600" indent="-228600" eaLnBrk="0" fontAlgn="base" hangingPunct="0">
+              <a:spcBef>
+                <a:spcPct val="0"/>
+              </a:spcBef>
+              <a:spcAft>
+                <a:spcPct val="0"/>
+              </a:spcAft>
+              <a:defRPr sz="2400">
+                <a:solidFill>
+                  <a:schemeClr val="tx1"/>
+                </a:solidFill>
+                <a:latin typeface="Trebuchet MS" charset="0"/>
+                <a:ea typeface="ＭＳ Ｐゴシック" charset="0"/>
+              </a:defRPr>
+            </a:lvl6pPr>
+            <a:lvl7pPr marL="2971800" indent="-228600" eaLnBrk="0" fontAlgn="base" hangingPunct="0">
+              <a:spcBef>
+                <a:spcPct val="0"/>
+              </a:spcBef>
+              <a:spcAft>
+                <a:spcPct val="0"/>
+              </a:spcAft>
+              <a:defRPr sz="2400">
+                <a:solidFill>
+                  <a:schemeClr val="tx1"/>
+                </a:solidFill>
+                <a:latin typeface="Trebuchet MS" charset="0"/>
+                <a:ea typeface="ＭＳ Ｐゴシック" charset="0"/>
+              </a:defRPr>
+            </a:lvl7pPr>
+            <a:lvl8pPr marL="3429000" indent="-228600" eaLnBrk="0" fontAlgn="base" hangingPunct="0">
+              <a:spcBef>
+                <a:spcPct val="0"/>
+              </a:spcBef>
+              <a:spcAft>
+                <a:spcPct val="0"/>
+              </a:spcAft>
+              <a:defRPr sz="2400">
+                <a:solidFill>
+                  <a:schemeClr val="tx1"/>
+                </a:solidFill>
+                <a:latin typeface="Trebuchet MS" charset="0"/>
+                <a:ea typeface="ＭＳ Ｐゴシック" charset="0"/>
+              </a:defRPr>
+            </a:lvl8pPr>
+            <a:lvl9pPr marL="3886200" indent="-228600" eaLnBrk="0" fontAlgn="base" hangingPunct="0">
+              <a:spcBef>
+                <a:spcPct val="0"/>
+              </a:spcBef>
+              <a:spcAft>
+                <a:spcPct val="0"/>
+              </a:spcAft>
+              <a:defRPr sz="2400">
+                <a:solidFill>
+                  <a:schemeClr val="tx1"/>
+                </a:solidFill>
+                <a:latin typeface="Trebuchet MS" charset="0"/>
+                <a:ea typeface="ＭＳ Ｐゴシック" charset="0"/>
+              </a:defRPr>
+            </a:lvl9pPr>
+          </a:lstStyle>
+          <a:p>
+            <a:pPr eaLnBrk="1" hangingPunct="1"/>
+            <a:r>
+              <a:rPr lang="en-US" sz="1200" b="1" dirty="0">
+                <a:solidFill>
+                  <a:srgbClr val="122956"/>
+                </a:solidFill>
+                <a:cs typeface="Trebuchet MS" charset="0"/>
+              </a:rPr>
+              <a:t>1-</a:t>
+            </a:r>
+            <a:fld id="{31B56995-E14C-B64F-86C9-12D6DB74A41E}" type="slidenum">
+              <a:rPr lang="en-US" sz="1200" b="1">
+                <a:solidFill>
+                  <a:srgbClr val="122956"/>
+                </a:solidFill>
+                <a:cs typeface="Trebuchet MS" charset="0"/>
+              </a:rPr>
+              <a:pPr eaLnBrk="1" hangingPunct="1"/>
+              <a:t>11</a:t>
+            </a:fld>
+            <a:endParaRPr lang="en-US" sz="1200" b="1" dirty="0">
+              <a:solidFill>
+                <a:srgbClr val="122956"/>
+              </a:solidFill>
+              <a:cs typeface="Trebuchet MS" charset="0"/>
+            </a:endParaRPr>
+          </a:p>
+        </p:txBody>
+      </p:sp>
     </p:spTree>
     <p:extLst>
       <p:ext uri="{BB962C8B-B14F-4D97-AF65-F5344CB8AC3E}">
@@ -8972,6 +9476,186 @@
               <a:latin typeface="Trebuchet MS" charset="0"/>
               <a:ea typeface="ヒラギノ角ゴ ProN W3" charset="0"/>
               <a:cs typeface="ヒラギノ角ゴ ProN W3" charset="0"/>
+            </a:endParaRPr>
+          </a:p>
+        </p:txBody>
+      </p:sp>
+      <p:sp>
+        <p:nvSpPr>
+          <p:cNvPr id="7" name="Slide Number Placeholder 5"/>
+          <p:cNvSpPr>
+            <a:spLocks noGrp="1"/>
+          </p:cNvSpPr>
+          <p:nvPr>
+            <p:ph type="sldNum" sz="quarter" idx="12"/>
+          </p:nvPr>
+        </p:nvSpPr>
+        <p:spPr bwMode="auto">
+          <a:xfrm>
+            <a:off x="203200" y="6400800"/>
+            <a:ext cx="2133600" cy="365125"/>
+          </a:xfrm>
+          <a:noFill/>
+          <a:extLst>
+            <a:ext uri="{909E8E84-426E-40dd-AFC4-6F175D3DCCD1}">
+              <a14:hiddenFill xmlns:a14="http://schemas.microsoft.com/office/drawing/2010/main">
+                <a:solidFill>
+                  <a:srgbClr val="FFFFFF"/>
+                </a:solidFill>
+              </a14:hiddenFill>
+            </a:ext>
+            <a:ext uri="{91240B29-F687-4f45-9708-019B960494DF}">
+              <a14:hiddenLine xmlns:a14="http://schemas.microsoft.com/office/drawing/2010/main" w="9525">
+                <a:solidFill>
+                  <a:srgbClr val="000000"/>
+                </a:solidFill>
+                <a:miter lim="800000"/>
+                <a:headEnd/>
+                <a:tailEnd/>
+              </a14:hiddenLine>
+            </a:ext>
+          </a:extLst>
+        </p:spPr>
+        <p:txBody>
+          <a:bodyPr vert="horz" wrap="square" lIns="91440" tIns="45720" rIns="91440" bIns="45720" numCol="1" anchor="ctr" anchorCtr="0" compatLnSpc="1">
+            <a:prstTxWarp prst="textNoShape">
+              <a:avLst/>
+            </a:prstTxWarp>
+          </a:bodyPr>
+          <a:lstStyle>
+            <a:lvl1pPr eaLnBrk="0" hangingPunct="0">
+              <a:defRPr sz="2400">
+                <a:solidFill>
+                  <a:schemeClr val="tx1"/>
+                </a:solidFill>
+                <a:latin typeface="Trebuchet MS" charset="0"/>
+                <a:ea typeface="ＭＳ Ｐゴシック" charset="0"/>
+                <a:cs typeface="ＭＳ Ｐゴシック" charset="0"/>
+              </a:defRPr>
+            </a:lvl1pPr>
+            <a:lvl2pPr marL="742950" indent="-285750" eaLnBrk="0" hangingPunct="0">
+              <a:defRPr sz="2400">
+                <a:solidFill>
+                  <a:schemeClr val="tx1"/>
+                </a:solidFill>
+                <a:latin typeface="Trebuchet MS" charset="0"/>
+                <a:ea typeface="ＭＳ Ｐゴシック" charset="0"/>
+              </a:defRPr>
+            </a:lvl2pPr>
+            <a:lvl3pPr marL="1143000" indent="-228600" eaLnBrk="0" hangingPunct="0">
+              <a:defRPr sz="2400">
+                <a:solidFill>
+                  <a:schemeClr val="tx1"/>
+                </a:solidFill>
+                <a:latin typeface="Trebuchet MS" charset="0"/>
+                <a:ea typeface="ＭＳ Ｐゴシック" charset="0"/>
+              </a:defRPr>
+            </a:lvl3pPr>
+            <a:lvl4pPr marL="1600200" indent="-228600" eaLnBrk="0" hangingPunct="0">
+              <a:defRPr sz="2400">
+                <a:solidFill>
+                  <a:schemeClr val="tx1"/>
+                </a:solidFill>
+                <a:latin typeface="Trebuchet MS" charset="0"/>
+                <a:ea typeface="ＭＳ Ｐゴシック" charset="0"/>
+              </a:defRPr>
+            </a:lvl4pPr>
+            <a:lvl5pPr marL="2057400" indent="-228600" eaLnBrk="0" hangingPunct="0">
+              <a:defRPr sz="2400">
+                <a:solidFill>
+                  <a:schemeClr val="tx1"/>
+                </a:solidFill>
+                <a:latin typeface="Trebuchet MS" charset="0"/>
+                <a:ea typeface="ＭＳ Ｐゴシック" charset="0"/>
+              </a:defRPr>
+            </a:lvl5pPr>
+            <a:lvl6pPr marL="2514600" indent="-228600" eaLnBrk="0" fontAlgn="base" hangingPunct="0">
+              <a:spcBef>
+                <a:spcPct val="0"/>
+              </a:spcBef>
+              <a:spcAft>
+                <a:spcPct val="0"/>
+              </a:spcAft>
+              <a:defRPr sz="2400">
+                <a:solidFill>
+                  <a:schemeClr val="tx1"/>
+                </a:solidFill>
+                <a:latin typeface="Trebuchet MS" charset="0"/>
+                <a:ea typeface="ＭＳ Ｐゴシック" charset="0"/>
+              </a:defRPr>
+            </a:lvl6pPr>
+            <a:lvl7pPr marL="2971800" indent="-228600" eaLnBrk="0" fontAlgn="base" hangingPunct="0">
+              <a:spcBef>
+                <a:spcPct val="0"/>
+              </a:spcBef>
+              <a:spcAft>
+                <a:spcPct val="0"/>
+              </a:spcAft>
+              <a:defRPr sz="2400">
+                <a:solidFill>
+                  <a:schemeClr val="tx1"/>
+                </a:solidFill>
+                <a:latin typeface="Trebuchet MS" charset="0"/>
+                <a:ea typeface="ＭＳ Ｐゴシック" charset="0"/>
+              </a:defRPr>
+            </a:lvl7pPr>
+            <a:lvl8pPr marL="3429000" indent="-228600" eaLnBrk="0" fontAlgn="base" hangingPunct="0">
+              <a:spcBef>
+                <a:spcPct val="0"/>
+              </a:spcBef>
+              <a:spcAft>
+                <a:spcPct val="0"/>
+              </a:spcAft>
+              <a:defRPr sz="2400">
+                <a:solidFill>
+                  <a:schemeClr val="tx1"/>
+                </a:solidFill>
+                <a:latin typeface="Trebuchet MS" charset="0"/>
+                <a:ea typeface="ＭＳ Ｐゴシック" charset="0"/>
+              </a:defRPr>
+            </a:lvl8pPr>
+            <a:lvl9pPr marL="3886200" indent="-228600" eaLnBrk="0" fontAlgn="base" hangingPunct="0">
+              <a:spcBef>
+                <a:spcPct val="0"/>
+              </a:spcBef>
+              <a:spcAft>
+                <a:spcPct val="0"/>
+              </a:spcAft>
+              <a:defRPr sz="2400">
+                <a:solidFill>
+                  <a:schemeClr val="tx1"/>
+                </a:solidFill>
+                <a:latin typeface="Trebuchet MS" charset="0"/>
+                <a:ea typeface="ＭＳ Ｐゴシック" charset="0"/>
+              </a:defRPr>
+            </a:lvl9pPr>
+          </a:lstStyle>
+          <a:p>
+            <a:pPr eaLnBrk="1" hangingPunct="1"/>
+            <a:r>
+              <a:rPr lang="en-US" sz="1200" b="1" dirty="0">
+                <a:solidFill>
+                  <a:srgbClr val="122956"/>
+                </a:solidFill>
+                <a:cs typeface="Trebuchet MS" charset="0"/>
+              </a:rPr>
+              <a:t>1-</a:t>
+            </a:r>
+            <a:fld id="{31B56995-E14C-B64F-86C9-12D6DB74A41E}" type="slidenum">
+              <a:rPr lang="en-US" sz="1200" b="1">
+                <a:solidFill>
+                  <a:srgbClr val="122956"/>
+                </a:solidFill>
+                <a:cs typeface="Trebuchet MS" charset="0"/>
+              </a:rPr>
+              <a:pPr eaLnBrk="1" hangingPunct="1"/>
+              <a:t>12</a:t>
+            </a:fld>
+            <a:endParaRPr lang="en-US" sz="1200" b="1" dirty="0">
+              <a:solidFill>
+                <a:srgbClr val="122956"/>
+              </a:solidFill>
+              <a:cs typeface="Trebuchet MS" charset="0"/>
             </a:endParaRPr>
           </a:p>
         </p:txBody>
@@ -9351,6 +10035,186 @@
           </a:p>
         </p:txBody>
       </p:sp>
+      <p:sp>
+        <p:nvSpPr>
+          <p:cNvPr id="7" name="Slide Number Placeholder 5"/>
+          <p:cNvSpPr>
+            <a:spLocks noGrp="1"/>
+          </p:cNvSpPr>
+          <p:nvPr>
+            <p:ph type="sldNum" sz="quarter" idx="12"/>
+          </p:nvPr>
+        </p:nvSpPr>
+        <p:spPr bwMode="auto">
+          <a:xfrm>
+            <a:off x="203200" y="6400800"/>
+            <a:ext cx="2133600" cy="365125"/>
+          </a:xfrm>
+          <a:noFill/>
+          <a:extLst>
+            <a:ext uri="{909E8E84-426E-40dd-AFC4-6F175D3DCCD1}">
+              <a14:hiddenFill xmlns:a14="http://schemas.microsoft.com/office/drawing/2010/main">
+                <a:solidFill>
+                  <a:srgbClr val="FFFFFF"/>
+                </a:solidFill>
+              </a14:hiddenFill>
+            </a:ext>
+            <a:ext uri="{91240B29-F687-4f45-9708-019B960494DF}">
+              <a14:hiddenLine xmlns:a14="http://schemas.microsoft.com/office/drawing/2010/main" w="9525">
+                <a:solidFill>
+                  <a:srgbClr val="000000"/>
+                </a:solidFill>
+                <a:miter lim="800000"/>
+                <a:headEnd/>
+                <a:tailEnd/>
+              </a14:hiddenLine>
+            </a:ext>
+          </a:extLst>
+        </p:spPr>
+        <p:txBody>
+          <a:bodyPr vert="horz" wrap="square" lIns="91440" tIns="45720" rIns="91440" bIns="45720" numCol="1" anchor="ctr" anchorCtr="0" compatLnSpc="1">
+            <a:prstTxWarp prst="textNoShape">
+              <a:avLst/>
+            </a:prstTxWarp>
+          </a:bodyPr>
+          <a:lstStyle>
+            <a:lvl1pPr eaLnBrk="0" hangingPunct="0">
+              <a:defRPr sz="2400">
+                <a:solidFill>
+                  <a:schemeClr val="tx1"/>
+                </a:solidFill>
+                <a:latin typeface="Trebuchet MS" charset="0"/>
+                <a:ea typeface="ＭＳ Ｐゴシック" charset="0"/>
+                <a:cs typeface="ＭＳ Ｐゴシック" charset="0"/>
+              </a:defRPr>
+            </a:lvl1pPr>
+            <a:lvl2pPr marL="742950" indent="-285750" eaLnBrk="0" hangingPunct="0">
+              <a:defRPr sz="2400">
+                <a:solidFill>
+                  <a:schemeClr val="tx1"/>
+                </a:solidFill>
+                <a:latin typeface="Trebuchet MS" charset="0"/>
+                <a:ea typeface="ＭＳ Ｐゴシック" charset="0"/>
+              </a:defRPr>
+            </a:lvl2pPr>
+            <a:lvl3pPr marL="1143000" indent="-228600" eaLnBrk="0" hangingPunct="0">
+              <a:defRPr sz="2400">
+                <a:solidFill>
+                  <a:schemeClr val="tx1"/>
+                </a:solidFill>
+                <a:latin typeface="Trebuchet MS" charset="0"/>
+                <a:ea typeface="ＭＳ Ｐゴシック" charset="0"/>
+              </a:defRPr>
+            </a:lvl3pPr>
+            <a:lvl4pPr marL="1600200" indent="-228600" eaLnBrk="0" hangingPunct="0">
+              <a:defRPr sz="2400">
+                <a:solidFill>
+                  <a:schemeClr val="tx1"/>
+                </a:solidFill>
+                <a:latin typeface="Trebuchet MS" charset="0"/>
+                <a:ea typeface="ＭＳ Ｐゴシック" charset="0"/>
+              </a:defRPr>
+            </a:lvl4pPr>
+            <a:lvl5pPr marL="2057400" indent="-228600" eaLnBrk="0" hangingPunct="0">
+              <a:defRPr sz="2400">
+                <a:solidFill>
+                  <a:schemeClr val="tx1"/>
+                </a:solidFill>
+                <a:latin typeface="Trebuchet MS" charset="0"/>
+                <a:ea typeface="ＭＳ Ｐゴシック" charset="0"/>
+              </a:defRPr>
+            </a:lvl5pPr>
+            <a:lvl6pPr marL="2514600" indent="-228600" eaLnBrk="0" fontAlgn="base" hangingPunct="0">
+              <a:spcBef>
+                <a:spcPct val="0"/>
+              </a:spcBef>
+              <a:spcAft>
+                <a:spcPct val="0"/>
+              </a:spcAft>
+              <a:defRPr sz="2400">
+                <a:solidFill>
+                  <a:schemeClr val="tx1"/>
+                </a:solidFill>
+                <a:latin typeface="Trebuchet MS" charset="0"/>
+                <a:ea typeface="ＭＳ Ｐゴシック" charset="0"/>
+              </a:defRPr>
+            </a:lvl6pPr>
+            <a:lvl7pPr marL="2971800" indent="-228600" eaLnBrk="0" fontAlgn="base" hangingPunct="0">
+              <a:spcBef>
+                <a:spcPct val="0"/>
+              </a:spcBef>
+              <a:spcAft>
+                <a:spcPct val="0"/>
+              </a:spcAft>
+              <a:defRPr sz="2400">
+                <a:solidFill>
+                  <a:schemeClr val="tx1"/>
+                </a:solidFill>
+                <a:latin typeface="Trebuchet MS" charset="0"/>
+                <a:ea typeface="ＭＳ Ｐゴシック" charset="0"/>
+              </a:defRPr>
+            </a:lvl7pPr>
+            <a:lvl8pPr marL="3429000" indent="-228600" eaLnBrk="0" fontAlgn="base" hangingPunct="0">
+              <a:spcBef>
+                <a:spcPct val="0"/>
+              </a:spcBef>
+              <a:spcAft>
+                <a:spcPct val="0"/>
+              </a:spcAft>
+              <a:defRPr sz="2400">
+                <a:solidFill>
+                  <a:schemeClr val="tx1"/>
+                </a:solidFill>
+                <a:latin typeface="Trebuchet MS" charset="0"/>
+                <a:ea typeface="ＭＳ Ｐゴシック" charset="0"/>
+              </a:defRPr>
+            </a:lvl8pPr>
+            <a:lvl9pPr marL="3886200" indent="-228600" eaLnBrk="0" fontAlgn="base" hangingPunct="0">
+              <a:spcBef>
+                <a:spcPct val="0"/>
+              </a:spcBef>
+              <a:spcAft>
+                <a:spcPct val="0"/>
+              </a:spcAft>
+              <a:defRPr sz="2400">
+                <a:solidFill>
+                  <a:schemeClr val="tx1"/>
+                </a:solidFill>
+                <a:latin typeface="Trebuchet MS" charset="0"/>
+                <a:ea typeface="ＭＳ Ｐゴシック" charset="0"/>
+              </a:defRPr>
+            </a:lvl9pPr>
+          </a:lstStyle>
+          <a:p>
+            <a:pPr eaLnBrk="1" hangingPunct="1"/>
+            <a:r>
+              <a:rPr lang="en-US" sz="1200" b="1" dirty="0">
+                <a:solidFill>
+                  <a:srgbClr val="122956"/>
+                </a:solidFill>
+                <a:cs typeface="Trebuchet MS" charset="0"/>
+              </a:rPr>
+              <a:t>1-</a:t>
+            </a:r>
+            <a:fld id="{31B56995-E14C-B64F-86C9-12D6DB74A41E}" type="slidenum">
+              <a:rPr lang="en-US" sz="1200" b="1">
+                <a:solidFill>
+                  <a:srgbClr val="122956"/>
+                </a:solidFill>
+                <a:cs typeface="Trebuchet MS" charset="0"/>
+              </a:rPr>
+              <a:pPr eaLnBrk="1" hangingPunct="1"/>
+              <a:t>13</a:t>
+            </a:fld>
+            <a:endParaRPr lang="en-US" sz="1200" b="1" dirty="0">
+              <a:solidFill>
+                <a:srgbClr val="122956"/>
+              </a:solidFill>
+              <a:cs typeface="Trebuchet MS" charset="0"/>
+            </a:endParaRPr>
+          </a:p>
+        </p:txBody>
+      </p:sp>
     </p:spTree>
     <p:extLst>
       <p:ext uri="{BB962C8B-B14F-4D97-AF65-F5344CB8AC3E}">
@@ -9488,6 +10352,186 @@
           </a:p>
         </p:txBody>
       </p:sp>
+      <p:sp>
+        <p:nvSpPr>
+          <p:cNvPr id="4" name="Slide Number Placeholder 5"/>
+          <p:cNvSpPr>
+            <a:spLocks noGrp="1"/>
+          </p:cNvSpPr>
+          <p:nvPr>
+            <p:ph type="sldNum" sz="quarter" idx="12"/>
+          </p:nvPr>
+        </p:nvSpPr>
+        <p:spPr bwMode="auto">
+          <a:xfrm>
+            <a:off x="203200" y="6400800"/>
+            <a:ext cx="2133600" cy="365125"/>
+          </a:xfrm>
+          <a:noFill/>
+          <a:extLst>
+            <a:ext uri="{909E8E84-426E-40dd-AFC4-6F175D3DCCD1}">
+              <a14:hiddenFill xmlns:a14="http://schemas.microsoft.com/office/drawing/2010/main">
+                <a:solidFill>
+                  <a:srgbClr val="FFFFFF"/>
+                </a:solidFill>
+              </a14:hiddenFill>
+            </a:ext>
+            <a:ext uri="{91240B29-F687-4f45-9708-019B960494DF}">
+              <a14:hiddenLine xmlns:a14="http://schemas.microsoft.com/office/drawing/2010/main" w="9525">
+                <a:solidFill>
+                  <a:srgbClr val="000000"/>
+                </a:solidFill>
+                <a:miter lim="800000"/>
+                <a:headEnd/>
+                <a:tailEnd/>
+              </a14:hiddenLine>
+            </a:ext>
+          </a:extLst>
+        </p:spPr>
+        <p:txBody>
+          <a:bodyPr vert="horz" wrap="square" lIns="91440" tIns="45720" rIns="91440" bIns="45720" numCol="1" anchor="ctr" anchorCtr="0" compatLnSpc="1">
+            <a:prstTxWarp prst="textNoShape">
+              <a:avLst/>
+            </a:prstTxWarp>
+          </a:bodyPr>
+          <a:lstStyle>
+            <a:lvl1pPr eaLnBrk="0" hangingPunct="0">
+              <a:defRPr sz="2400">
+                <a:solidFill>
+                  <a:schemeClr val="tx1"/>
+                </a:solidFill>
+                <a:latin typeface="Trebuchet MS" charset="0"/>
+                <a:ea typeface="ＭＳ Ｐゴシック" charset="0"/>
+                <a:cs typeface="ＭＳ Ｐゴシック" charset="0"/>
+              </a:defRPr>
+            </a:lvl1pPr>
+            <a:lvl2pPr marL="742950" indent="-285750" eaLnBrk="0" hangingPunct="0">
+              <a:defRPr sz="2400">
+                <a:solidFill>
+                  <a:schemeClr val="tx1"/>
+                </a:solidFill>
+                <a:latin typeface="Trebuchet MS" charset="0"/>
+                <a:ea typeface="ＭＳ Ｐゴシック" charset="0"/>
+              </a:defRPr>
+            </a:lvl2pPr>
+            <a:lvl3pPr marL="1143000" indent="-228600" eaLnBrk="0" hangingPunct="0">
+              <a:defRPr sz="2400">
+                <a:solidFill>
+                  <a:schemeClr val="tx1"/>
+                </a:solidFill>
+                <a:latin typeface="Trebuchet MS" charset="0"/>
+                <a:ea typeface="ＭＳ Ｐゴシック" charset="0"/>
+              </a:defRPr>
+            </a:lvl3pPr>
+            <a:lvl4pPr marL="1600200" indent="-228600" eaLnBrk="0" hangingPunct="0">
+              <a:defRPr sz="2400">
+                <a:solidFill>
+                  <a:schemeClr val="tx1"/>
+                </a:solidFill>
+                <a:latin typeface="Trebuchet MS" charset="0"/>
+                <a:ea typeface="ＭＳ Ｐゴシック" charset="0"/>
+              </a:defRPr>
+            </a:lvl4pPr>
+            <a:lvl5pPr marL="2057400" indent="-228600" eaLnBrk="0" hangingPunct="0">
+              <a:defRPr sz="2400">
+                <a:solidFill>
+                  <a:schemeClr val="tx1"/>
+                </a:solidFill>
+                <a:latin typeface="Trebuchet MS" charset="0"/>
+                <a:ea typeface="ＭＳ Ｐゴシック" charset="0"/>
+              </a:defRPr>
+            </a:lvl5pPr>
+            <a:lvl6pPr marL="2514600" indent="-228600" eaLnBrk="0" fontAlgn="base" hangingPunct="0">
+              <a:spcBef>
+                <a:spcPct val="0"/>
+              </a:spcBef>
+              <a:spcAft>
+                <a:spcPct val="0"/>
+              </a:spcAft>
+              <a:defRPr sz="2400">
+                <a:solidFill>
+                  <a:schemeClr val="tx1"/>
+                </a:solidFill>
+                <a:latin typeface="Trebuchet MS" charset="0"/>
+                <a:ea typeface="ＭＳ Ｐゴシック" charset="0"/>
+              </a:defRPr>
+            </a:lvl6pPr>
+            <a:lvl7pPr marL="2971800" indent="-228600" eaLnBrk="0" fontAlgn="base" hangingPunct="0">
+              <a:spcBef>
+                <a:spcPct val="0"/>
+              </a:spcBef>
+              <a:spcAft>
+                <a:spcPct val="0"/>
+              </a:spcAft>
+              <a:defRPr sz="2400">
+                <a:solidFill>
+                  <a:schemeClr val="tx1"/>
+                </a:solidFill>
+                <a:latin typeface="Trebuchet MS" charset="0"/>
+                <a:ea typeface="ＭＳ Ｐゴシック" charset="0"/>
+              </a:defRPr>
+            </a:lvl7pPr>
+            <a:lvl8pPr marL="3429000" indent="-228600" eaLnBrk="0" fontAlgn="base" hangingPunct="0">
+              <a:spcBef>
+                <a:spcPct val="0"/>
+              </a:spcBef>
+              <a:spcAft>
+                <a:spcPct val="0"/>
+              </a:spcAft>
+              <a:defRPr sz="2400">
+                <a:solidFill>
+                  <a:schemeClr val="tx1"/>
+                </a:solidFill>
+                <a:latin typeface="Trebuchet MS" charset="0"/>
+                <a:ea typeface="ＭＳ Ｐゴシック" charset="0"/>
+              </a:defRPr>
+            </a:lvl8pPr>
+            <a:lvl9pPr marL="3886200" indent="-228600" eaLnBrk="0" fontAlgn="base" hangingPunct="0">
+              <a:spcBef>
+                <a:spcPct val="0"/>
+              </a:spcBef>
+              <a:spcAft>
+                <a:spcPct val="0"/>
+              </a:spcAft>
+              <a:defRPr sz="2400">
+                <a:solidFill>
+                  <a:schemeClr val="tx1"/>
+                </a:solidFill>
+                <a:latin typeface="Trebuchet MS" charset="0"/>
+                <a:ea typeface="ＭＳ Ｐゴシック" charset="0"/>
+              </a:defRPr>
+            </a:lvl9pPr>
+          </a:lstStyle>
+          <a:p>
+            <a:pPr eaLnBrk="1" hangingPunct="1"/>
+            <a:r>
+              <a:rPr lang="en-US" sz="1200" b="1" dirty="0">
+                <a:solidFill>
+                  <a:srgbClr val="122956"/>
+                </a:solidFill>
+                <a:cs typeface="Trebuchet MS" charset="0"/>
+              </a:rPr>
+              <a:t>1-</a:t>
+            </a:r>
+            <a:fld id="{31B56995-E14C-B64F-86C9-12D6DB74A41E}" type="slidenum">
+              <a:rPr lang="en-US" sz="1200" b="1">
+                <a:solidFill>
+                  <a:srgbClr val="122956"/>
+                </a:solidFill>
+                <a:cs typeface="Trebuchet MS" charset="0"/>
+              </a:rPr>
+              <a:pPr eaLnBrk="1" hangingPunct="1"/>
+              <a:t>14</a:t>
+            </a:fld>
+            <a:endParaRPr lang="en-US" sz="1200" b="1" dirty="0">
+              <a:solidFill>
+                <a:srgbClr val="122956"/>
+              </a:solidFill>
+              <a:cs typeface="Trebuchet MS" charset="0"/>
+            </a:endParaRPr>
+          </a:p>
+        </p:txBody>
+      </p:sp>
     </p:spTree>
     <p:extLst>
       <p:ext uri="{BB962C8B-B14F-4D97-AF65-F5344CB8AC3E}">
@@ -9604,11 +10648,7 @@
             </a:pPr>
             <a:r>
               <a:rPr lang="en-US" dirty="0" smtClean="0"/>
-              <a:t>Improves </a:t>
-            </a:r>
-            <a:r>
-              <a:rPr lang="en-US" dirty="0" smtClean="0"/>
-              <a:t>code modularization</a:t>
+              <a:t>Improves code modularization</a:t>
             </a:r>
           </a:p>
           <a:p>
@@ -9633,11 +10673,7 @@
             </a:pPr>
             <a:r>
               <a:rPr lang="en-US" dirty="0" smtClean="0"/>
-              <a:t>Defers </a:t>
-            </a:r>
-            <a:r>
-              <a:rPr lang="en-US" dirty="0" smtClean="0"/>
-              <a:t>script loading</a:t>
+              <a:t>Defers script loading</a:t>
             </a:r>
           </a:p>
           <a:p>
@@ -9665,6 +10701,186 @@
               <a:t>Wiki URL</a:t>
             </a:r>
             <a:endParaRPr lang="en-US" dirty="0"/>
+          </a:p>
+        </p:txBody>
+      </p:sp>
+      <p:sp>
+        <p:nvSpPr>
+          <p:cNvPr id="4" name="Slide Number Placeholder 5"/>
+          <p:cNvSpPr>
+            <a:spLocks noGrp="1"/>
+          </p:cNvSpPr>
+          <p:nvPr>
+            <p:ph type="sldNum" sz="quarter" idx="12"/>
+          </p:nvPr>
+        </p:nvSpPr>
+        <p:spPr bwMode="auto">
+          <a:xfrm>
+            <a:off x="203200" y="6400800"/>
+            <a:ext cx="2133600" cy="365125"/>
+          </a:xfrm>
+          <a:noFill/>
+          <a:extLst>
+            <a:ext uri="{909E8E84-426E-40dd-AFC4-6F175D3DCCD1}">
+              <a14:hiddenFill xmlns:a14="http://schemas.microsoft.com/office/drawing/2010/main">
+                <a:solidFill>
+                  <a:srgbClr val="FFFFFF"/>
+                </a:solidFill>
+              </a14:hiddenFill>
+            </a:ext>
+            <a:ext uri="{91240B29-F687-4f45-9708-019B960494DF}">
+              <a14:hiddenLine xmlns:a14="http://schemas.microsoft.com/office/drawing/2010/main" w="9525">
+                <a:solidFill>
+                  <a:srgbClr val="000000"/>
+                </a:solidFill>
+                <a:miter lim="800000"/>
+                <a:headEnd/>
+                <a:tailEnd/>
+              </a14:hiddenLine>
+            </a:ext>
+          </a:extLst>
+        </p:spPr>
+        <p:txBody>
+          <a:bodyPr vert="horz" wrap="square" lIns="91440" tIns="45720" rIns="91440" bIns="45720" numCol="1" anchor="ctr" anchorCtr="0" compatLnSpc="1">
+            <a:prstTxWarp prst="textNoShape">
+              <a:avLst/>
+            </a:prstTxWarp>
+          </a:bodyPr>
+          <a:lstStyle>
+            <a:lvl1pPr eaLnBrk="0" hangingPunct="0">
+              <a:defRPr sz="2400">
+                <a:solidFill>
+                  <a:schemeClr val="tx1"/>
+                </a:solidFill>
+                <a:latin typeface="Trebuchet MS" charset="0"/>
+                <a:ea typeface="ＭＳ Ｐゴシック" charset="0"/>
+                <a:cs typeface="ＭＳ Ｐゴシック" charset="0"/>
+              </a:defRPr>
+            </a:lvl1pPr>
+            <a:lvl2pPr marL="742950" indent="-285750" eaLnBrk="0" hangingPunct="0">
+              <a:defRPr sz="2400">
+                <a:solidFill>
+                  <a:schemeClr val="tx1"/>
+                </a:solidFill>
+                <a:latin typeface="Trebuchet MS" charset="0"/>
+                <a:ea typeface="ＭＳ Ｐゴシック" charset="0"/>
+              </a:defRPr>
+            </a:lvl2pPr>
+            <a:lvl3pPr marL="1143000" indent="-228600" eaLnBrk="0" hangingPunct="0">
+              <a:defRPr sz="2400">
+                <a:solidFill>
+                  <a:schemeClr val="tx1"/>
+                </a:solidFill>
+                <a:latin typeface="Trebuchet MS" charset="0"/>
+                <a:ea typeface="ＭＳ Ｐゴシック" charset="0"/>
+              </a:defRPr>
+            </a:lvl3pPr>
+            <a:lvl4pPr marL="1600200" indent="-228600" eaLnBrk="0" hangingPunct="0">
+              <a:defRPr sz="2400">
+                <a:solidFill>
+                  <a:schemeClr val="tx1"/>
+                </a:solidFill>
+                <a:latin typeface="Trebuchet MS" charset="0"/>
+                <a:ea typeface="ＭＳ Ｐゴシック" charset="0"/>
+              </a:defRPr>
+            </a:lvl4pPr>
+            <a:lvl5pPr marL="2057400" indent="-228600" eaLnBrk="0" hangingPunct="0">
+              <a:defRPr sz="2400">
+                <a:solidFill>
+                  <a:schemeClr val="tx1"/>
+                </a:solidFill>
+                <a:latin typeface="Trebuchet MS" charset="0"/>
+                <a:ea typeface="ＭＳ Ｐゴシック" charset="0"/>
+              </a:defRPr>
+            </a:lvl5pPr>
+            <a:lvl6pPr marL="2514600" indent="-228600" eaLnBrk="0" fontAlgn="base" hangingPunct="0">
+              <a:spcBef>
+                <a:spcPct val="0"/>
+              </a:spcBef>
+              <a:spcAft>
+                <a:spcPct val="0"/>
+              </a:spcAft>
+              <a:defRPr sz="2400">
+                <a:solidFill>
+                  <a:schemeClr val="tx1"/>
+                </a:solidFill>
+                <a:latin typeface="Trebuchet MS" charset="0"/>
+                <a:ea typeface="ＭＳ Ｐゴシック" charset="0"/>
+              </a:defRPr>
+            </a:lvl6pPr>
+            <a:lvl7pPr marL="2971800" indent="-228600" eaLnBrk="0" fontAlgn="base" hangingPunct="0">
+              <a:spcBef>
+                <a:spcPct val="0"/>
+              </a:spcBef>
+              <a:spcAft>
+                <a:spcPct val="0"/>
+              </a:spcAft>
+              <a:defRPr sz="2400">
+                <a:solidFill>
+                  <a:schemeClr val="tx1"/>
+                </a:solidFill>
+                <a:latin typeface="Trebuchet MS" charset="0"/>
+                <a:ea typeface="ＭＳ Ｐゴシック" charset="0"/>
+              </a:defRPr>
+            </a:lvl7pPr>
+            <a:lvl8pPr marL="3429000" indent="-228600" eaLnBrk="0" fontAlgn="base" hangingPunct="0">
+              <a:spcBef>
+                <a:spcPct val="0"/>
+              </a:spcBef>
+              <a:spcAft>
+                <a:spcPct val="0"/>
+              </a:spcAft>
+              <a:defRPr sz="2400">
+                <a:solidFill>
+                  <a:schemeClr val="tx1"/>
+                </a:solidFill>
+                <a:latin typeface="Trebuchet MS" charset="0"/>
+                <a:ea typeface="ＭＳ Ｐゴシック" charset="0"/>
+              </a:defRPr>
+            </a:lvl8pPr>
+            <a:lvl9pPr marL="3886200" indent="-228600" eaLnBrk="0" fontAlgn="base" hangingPunct="0">
+              <a:spcBef>
+                <a:spcPct val="0"/>
+              </a:spcBef>
+              <a:spcAft>
+                <a:spcPct val="0"/>
+              </a:spcAft>
+              <a:defRPr sz="2400">
+                <a:solidFill>
+                  <a:schemeClr val="tx1"/>
+                </a:solidFill>
+                <a:latin typeface="Trebuchet MS" charset="0"/>
+                <a:ea typeface="ＭＳ Ｐゴシック" charset="0"/>
+              </a:defRPr>
+            </a:lvl9pPr>
+          </a:lstStyle>
+          <a:p>
+            <a:pPr eaLnBrk="1" hangingPunct="1"/>
+            <a:r>
+              <a:rPr lang="en-US" sz="1200" b="1" dirty="0">
+                <a:solidFill>
+                  <a:srgbClr val="122956"/>
+                </a:solidFill>
+                <a:cs typeface="Trebuchet MS" charset="0"/>
+              </a:rPr>
+              <a:t>1-</a:t>
+            </a:r>
+            <a:fld id="{31B56995-E14C-B64F-86C9-12D6DB74A41E}" type="slidenum">
+              <a:rPr lang="en-US" sz="1200" b="1">
+                <a:solidFill>
+                  <a:srgbClr val="122956"/>
+                </a:solidFill>
+                <a:cs typeface="Trebuchet MS" charset="0"/>
+              </a:rPr>
+              <a:pPr eaLnBrk="1" hangingPunct="1"/>
+              <a:t>15</a:t>
+            </a:fld>
+            <a:endParaRPr lang="en-US" sz="1200" b="1" dirty="0">
+              <a:solidFill>
+                <a:srgbClr val="122956"/>
+              </a:solidFill>
+              <a:cs typeface="Trebuchet MS" charset="0"/>
+            </a:endParaRPr>
           </a:p>
         </p:txBody>
       </p:sp>
@@ -9800,6 +11016,186 @@
               <a:ea typeface="ヒラギノ角ゴ ProN W6" charset="0"/>
               <a:cs typeface="ヒラギノ角ゴ ProN W6" charset="0"/>
               <a:sym typeface="Trebuchet MS Bold Italic" charset="0"/>
+            </a:endParaRPr>
+          </a:p>
+        </p:txBody>
+      </p:sp>
+      <p:sp>
+        <p:nvSpPr>
+          <p:cNvPr id="4" name="Slide Number Placeholder 5"/>
+          <p:cNvSpPr>
+            <a:spLocks noGrp="1"/>
+          </p:cNvSpPr>
+          <p:nvPr>
+            <p:ph type="sldNum" sz="quarter" idx="12"/>
+          </p:nvPr>
+        </p:nvSpPr>
+        <p:spPr bwMode="auto">
+          <a:xfrm>
+            <a:off x="203200" y="6400800"/>
+            <a:ext cx="2133600" cy="365125"/>
+          </a:xfrm>
+          <a:noFill/>
+          <a:extLst>
+            <a:ext uri="{909E8E84-426E-40dd-AFC4-6F175D3DCCD1}">
+              <a14:hiddenFill xmlns:a14="http://schemas.microsoft.com/office/drawing/2010/main">
+                <a:solidFill>
+                  <a:srgbClr val="FFFFFF"/>
+                </a:solidFill>
+              </a14:hiddenFill>
+            </a:ext>
+            <a:ext uri="{91240B29-F687-4f45-9708-019B960494DF}">
+              <a14:hiddenLine xmlns:a14="http://schemas.microsoft.com/office/drawing/2010/main" w="9525">
+                <a:solidFill>
+                  <a:srgbClr val="000000"/>
+                </a:solidFill>
+                <a:miter lim="800000"/>
+                <a:headEnd/>
+                <a:tailEnd/>
+              </a14:hiddenLine>
+            </a:ext>
+          </a:extLst>
+        </p:spPr>
+        <p:txBody>
+          <a:bodyPr vert="horz" wrap="square" lIns="91440" tIns="45720" rIns="91440" bIns="45720" numCol="1" anchor="ctr" anchorCtr="0" compatLnSpc="1">
+            <a:prstTxWarp prst="textNoShape">
+              <a:avLst/>
+            </a:prstTxWarp>
+          </a:bodyPr>
+          <a:lstStyle>
+            <a:lvl1pPr eaLnBrk="0" hangingPunct="0">
+              <a:defRPr sz="2400">
+                <a:solidFill>
+                  <a:schemeClr val="tx1"/>
+                </a:solidFill>
+                <a:latin typeface="Trebuchet MS" charset="0"/>
+                <a:ea typeface="ＭＳ Ｐゴシック" charset="0"/>
+                <a:cs typeface="ＭＳ Ｐゴシック" charset="0"/>
+              </a:defRPr>
+            </a:lvl1pPr>
+            <a:lvl2pPr marL="742950" indent="-285750" eaLnBrk="0" hangingPunct="0">
+              <a:defRPr sz="2400">
+                <a:solidFill>
+                  <a:schemeClr val="tx1"/>
+                </a:solidFill>
+                <a:latin typeface="Trebuchet MS" charset="0"/>
+                <a:ea typeface="ＭＳ Ｐゴシック" charset="0"/>
+              </a:defRPr>
+            </a:lvl2pPr>
+            <a:lvl3pPr marL="1143000" indent="-228600" eaLnBrk="0" hangingPunct="0">
+              <a:defRPr sz="2400">
+                <a:solidFill>
+                  <a:schemeClr val="tx1"/>
+                </a:solidFill>
+                <a:latin typeface="Trebuchet MS" charset="0"/>
+                <a:ea typeface="ＭＳ Ｐゴシック" charset="0"/>
+              </a:defRPr>
+            </a:lvl3pPr>
+            <a:lvl4pPr marL="1600200" indent="-228600" eaLnBrk="0" hangingPunct="0">
+              <a:defRPr sz="2400">
+                <a:solidFill>
+                  <a:schemeClr val="tx1"/>
+                </a:solidFill>
+                <a:latin typeface="Trebuchet MS" charset="0"/>
+                <a:ea typeface="ＭＳ Ｐゴシック" charset="0"/>
+              </a:defRPr>
+            </a:lvl4pPr>
+            <a:lvl5pPr marL="2057400" indent="-228600" eaLnBrk="0" hangingPunct="0">
+              <a:defRPr sz="2400">
+                <a:solidFill>
+                  <a:schemeClr val="tx1"/>
+                </a:solidFill>
+                <a:latin typeface="Trebuchet MS" charset="0"/>
+                <a:ea typeface="ＭＳ Ｐゴシック" charset="0"/>
+              </a:defRPr>
+            </a:lvl5pPr>
+            <a:lvl6pPr marL="2514600" indent="-228600" eaLnBrk="0" fontAlgn="base" hangingPunct="0">
+              <a:spcBef>
+                <a:spcPct val="0"/>
+              </a:spcBef>
+              <a:spcAft>
+                <a:spcPct val="0"/>
+              </a:spcAft>
+              <a:defRPr sz="2400">
+                <a:solidFill>
+                  <a:schemeClr val="tx1"/>
+                </a:solidFill>
+                <a:latin typeface="Trebuchet MS" charset="0"/>
+                <a:ea typeface="ＭＳ Ｐゴシック" charset="0"/>
+              </a:defRPr>
+            </a:lvl6pPr>
+            <a:lvl7pPr marL="2971800" indent="-228600" eaLnBrk="0" fontAlgn="base" hangingPunct="0">
+              <a:spcBef>
+                <a:spcPct val="0"/>
+              </a:spcBef>
+              <a:spcAft>
+                <a:spcPct val="0"/>
+              </a:spcAft>
+              <a:defRPr sz="2400">
+                <a:solidFill>
+                  <a:schemeClr val="tx1"/>
+                </a:solidFill>
+                <a:latin typeface="Trebuchet MS" charset="0"/>
+                <a:ea typeface="ＭＳ Ｐゴシック" charset="0"/>
+              </a:defRPr>
+            </a:lvl7pPr>
+            <a:lvl8pPr marL="3429000" indent="-228600" eaLnBrk="0" fontAlgn="base" hangingPunct="0">
+              <a:spcBef>
+                <a:spcPct val="0"/>
+              </a:spcBef>
+              <a:spcAft>
+                <a:spcPct val="0"/>
+              </a:spcAft>
+              <a:defRPr sz="2400">
+                <a:solidFill>
+                  <a:schemeClr val="tx1"/>
+                </a:solidFill>
+                <a:latin typeface="Trebuchet MS" charset="0"/>
+                <a:ea typeface="ＭＳ Ｐゴシック" charset="0"/>
+              </a:defRPr>
+            </a:lvl8pPr>
+            <a:lvl9pPr marL="3886200" indent="-228600" eaLnBrk="0" fontAlgn="base" hangingPunct="0">
+              <a:spcBef>
+                <a:spcPct val="0"/>
+              </a:spcBef>
+              <a:spcAft>
+                <a:spcPct val="0"/>
+              </a:spcAft>
+              <a:defRPr sz="2400">
+                <a:solidFill>
+                  <a:schemeClr val="tx1"/>
+                </a:solidFill>
+                <a:latin typeface="Trebuchet MS" charset="0"/>
+                <a:ea typeface="ＭＳ Ｐゴシック" charset="0"/>
+              </a:defRPr>
+            </a:lvl9pPr>
+          </a:lstStyle>
+          <a:p>
+            <a:pPr eaLnBrk="1" hangingPunct="1"/>
+            <a:r>
+              <a:rPr lang="en-US" sz="1200" b="1" dirty="0">
+                <a:solidFill>
+                  <a:srgbClr val="122956"/>
+                </a:solidFill>
+                <a:cs typeface="Trebuchet MS" charset="0"/>
+              </a:rPr>
+              <a:t>1-</a:t>
+            </a:r>
+            <a:fld id="{31B56995-E14C-B64F-86C9-12D6DB74A41E}" type="slidenum">
+              <a:rPr lang="en-US" sz="1200" b="1">
+                <a:solidFill>
+                  <a:srgbClr val="122956"/>
+                </a:solidFill>
+                <a:cs typeface="Trebuchet MS" charset="0"/>
+              </a:rPr>
+              <a:pPr eaLnBrk="1" hangingPunct="1"/>
+              <a:t>16</a:t>
+            </a:fld>
+            <a:endParaRPr lang="en-US" sz="1200" b="1" dirty="0">
+              <a:solidFill>
+                <a:srgbClr val="122956"/>
+              </a:solidFill>
+              <a:cs typeface="Trebuchet MS" charset="0"/>
             </a:endParaRPr>
           </a:p>
         </p:txBody>
@@ -10130,6 +11526,186 @@
           </a:p>
         </p:txBody>
       </p:sp>
+      <p:sp>
+        <p:nvSpPr>
+          <p:cNvPr id="7" name="Slide Number Placeholder 5"/>
+          <p:cNvSpPr>
+            <a:spLocks noGrp="1"/>
+          </p:cNvSpPr>
+          <p:nvPr>
+            <p:ph type="sldNum" sz="quarter" idx="12"/>
+          </p:nvPr>
+        </p:nvSpPr>
+        <p:spPr bwMode="auto">
+          <a:xfrm>
+            <a:off x="203200" y="6400800"/>
+            <a:ext cx="2133600" cy="365125"/>
+          </a:xfrm>
+          <a:noFill/>
+          <a:extLst>
+            <a:ext uri="{909E8E84-426E-40dd-AFC4-6F175D3DCCD1}">
+              <a14:hiddenFill xmlns:a14="http://schemas.microsoft.com/office/drawing/2010/main">
+                <a:solidFill>
+                  <a:srgbClr val="FFFFFF"/>
+                </a:solidFill>
+              </a14:hiddenFill>
+            </a:ext>
+            <a:ext uri="{91240B29-F687-4f45-9708-019B960494DF}">
+              <a14:hiddenLine xmlns:a14="http://schemas.microsoft.com/office/drawing/2010/main" w="9525">
+                <a:solidFill>
+                  <a:srgbClr val="000000"/>
+                </a:solidFill>
+                <a:miter lim="800000"/>
+                <a:headEnd/>
+                <a:tailEnd/>
+              </a14:hiddenLine>
+            </a:ext>
+          </a:extLst>
+        </p:spPr>
+        <p:txBody>
+          <a:bodyPr vert="horz" wrap="square" lIns="91440" tIns="45720" rIns="91440" bIns="45720" numCol="1" anchor="ctr" anchorCtr="0" compatLnSpc="1">
+            <a:prstTxWarp prst="textNoShape">
+              <a:avLst/>
+            </a:prstTxWarp>
+          </a:bodyPr>
+          <a:lstStyle>
+            <a:lvl1pPr eaLnBrk="0" hangingPunct="0">
+              <a:defRPr sz="2400">
+                <a:solidFill>
+                  <a:schemeClr val="tx1"/>
+                </a:solidFill>
+                <a:latin typeface="Trebuchet MS" charset="0"/>
+                <a:ea typeface="ＭＳ Ｐゴシック" charset="0"/>
+                <a:cs typeface="ＭＳ Ｐゴシック" charset="0"/>
+              </a:defRPr>
+            </a:lvl1pPr>
+            <a:lvl2pPr marL="742950" indent="-285750" eaLnBrk="0" hangingPunct="0">
+              <a:defRPr sz="2400">
+                <a:solidFill>
+                  <a:schemeClr val="tx1"/>
+                </a:solidFill>
+                <a:latin typeface="Trebuchet MS" charset="0"/>
+                <a:ea typeface="ＭＳ Ｐゴシック" charset="0"/>
+              </a:defRPr>
+            </a:lvl2pPr>
+            <a:lvl3pPr marL="1143000" indent="-228600" eaLnBrk="0" hangingPunct="0">
+              <a:defRPr sz="2400">
+                <a:solidFill>
+                  <a:schemeClr val="tx1"/>
+                </a:solidFill>
+                <a:latin typeface="Trebuchet MS" charset="0"/>
+                <a:ea typeface="ＭＳ Ｐゴシック" charset="0"/>
+              </a:defRPr>
+            </a:lvl3pPr>
+            <a:lvl4pPr marL="1600200" indent="-228600" eaLnBrk="0" hangingPunct="0">
+              <a:defRPr sz="2400">
+                <a:solidFill>
+                  <a:schemeClr val="tx1"/>
+                </a:solidFill>
+                <a:latin typeface="Trebuchet MS" charset="0"/>
+                <a:ea typeface="ＭＳ Ｐゴシック" charset="0"/>
+              </a:defRPr>
+            </a:lvl4pPr>
+            <a:lvl5pPr marL="2057400" indent="-228600" eaLnBrk="0" hangingPunct="0">
+              <a:defRPr sz="2400">
+                <a:solidFill>
+                  <a:schemeClr val="tx1"/>
+                </a:solidFill>
+                <a:latin typeface="Trebuchet MS" charset="0"/>
+                <a:ea typeface="ＭＳ Ｐゴシック" charset="0"/>
+              </a:defRPr>
+            </a:lvl5pPr>
+            <a:lvl6pPr marL="2514600" indent="-228600" eaLnBrk="0" fontAlgn="base" hangingPunct="0">
+              <a:spcBef>
+                <a:spcPct val="0"/>
+              </a:spcBef>
+              <a:spcAft>
+                <a:spcPct val="0"/>
+              </a:spcAft>
+              <a:defRPr sz="2400">
+                <a:solidFill>
+                  <a:schemeClr val="tx1"/>
+                </a:solidFill>
+                <a:latin typeface="Trebuchet MS" charset="0"/>
+                <a:ea typeface="ＭＳ Ｐゴシック" charset="0"/>
+              </a:defRPr>
+            </a:lvl6pPr>
+            <a:lvl7pPr marL="2971800" indent="-228600" eaLnBrk="0" fontAlgn="base" hangingPunct="0">
+              <a:spcBef>
+                <a:spcPct val="0"/>
+              </a:spcBef>
+              <a:spcAft>
+                <a:spcPct val="0"/>
+              </a:spcAft>
+              <a:defRPr sz="2400">
+                <a:solidFill>
+                  <a:schemeClr val="tx1"/>
+                </a:solidFill>
+                <a:latin typeface="Trebuchet MS" charset="0"/>
+                <a:ea typeface="ＭＳ Ｐゴシック" charset="0"/>
+              </a:defRPr>
+            </a:lvl7pPr>
+            <a:lvl8pPr marL="3429000" indent="-228600" eaLnBrk="0" fontAlgn="base" hangingPunct="0">
+              <a:spcBef>
+                <a:spcPct val="0"/>
+              </a:spcBef>
+              <a:spcAft>
+                <a:spcPct val="0"/>
+              </a:spcAft>
+              <a:defRPr sz="2400">
+                <a:solidFill>
+                  <a:schemeClr val="tx1"/>
+                </a:solidFill>
+                <a:latin typeface="Trebuchet MS" charset="0"/>
+                <a:ea typeface="ＭＳ Ｐゴシック" charset="0"/>
+              </a:defRPr>
+            </a:lvl8pPr>
+            <a:lvl9pPr marL="3886200" indent="-228600" eaLnBrk="0" fontAlgn="base" hangingPunct="0">
+              <a:spcBef>
+                <a:spcPct val="0"/>
+              </a:spcBef>
+              <a:spcAft>
+                <a:spcPct val="0"/>
+              </a:spcAft>
+              <a:defRPr sz="2400">
+                <a:solidFill>
+                  <a:schemeClr val="tx1"/>
+                </a:solidFill>
+                <a:latin typeface="Trebuchet MS" charset="0"/>
+                <a:ea typeface="ＭＳ Ｐゴシック" charset="0"/>
+              </a:defRPr>
+            </a:lvl9pPr>
+          </a:lstStyle>
+          <a:p>
+            <a:pPr eaLnBrk="1" hangingPunct="1"/>
+            <a:r>
+              <a:rPr lang="en-US" sz="1200" b="1" dirty="0">
+                <a:solidFill>
+                  <a:srgbClr val="122956"/>
+                </a:solidFill>
+                <a:cs typeface="Trebuchet MS" charset="0"/>
+              </a:rPr>
+              <a:t>1-</a:t>
+            </a:r>
+            <a:fld id="{31B56995-E14C-B64F-86C9-12D6DB74A41E}" type="slidenum">
+              <a:rPr lang="en-US" sz="1200" b="1">
+                <a:solidFill>
+                  <a:srgbClr val="122956"/>
+                </a:solidFill>
+                <a:cs typeface="Trebuchet MS" charset="0"/>
+              </a:rPr>
+              <a:pPr eaLnBrk="1" hangingPunct="1"/>
+              <a:t>2</a:t>
+            </a:fld>
+            <a:endParaRPr lang="en-US" sz="1200" b="1" dirty="0">
+              <a:solidFill>
+                <a:srgbClr val="122956"/>
+              </a:solidFill>
+              <a:cs typeface="Trebuchet MS" charset="0"/>
+            </a:endParaRPr>
+          </a:p>
+        </p:txBody>
+      </p:sp>
     </p:spTree>
   </p:cSld>
   <p:clrMapOvr>
@@ -10448,6 +12024,186 @@
               </a:rPr>
               <a:t>Managing memory usually means management of UI components</a:t>
             </a:r>
+          </a:p>
+        </p:txBody>
+      </p:sp>
+      <p:sp>
+        <p:nvSpPr>
+          <p:cNvPr id="7" name="Slide Number Placeholder 5"/>
+          <p:cNvSpPr>
+            <a:spLocks noGrp="1"/>
+          </p:cNvSpPr>
+          <p:nvPr>
+            <p:ph type="sldNum" sz="quarter" idx="12"/>
+          </p:nvPr>
+        </p:nvSpPr>
+        <p:spPr bwMode="auto">
+          <a:xfrm>
+            <a:off x="203200" y="6400800"/>
+            <a:ext cx="2133600" cy="365125"/>
+          </a:xfrm>
+          <a:noFill/>
+          <a:extLst>
+            <a:ext uri="{909E8E84-426E-40dd-AFC4-6F175D3DCCD1}">
+              <a14:hiddenFill xmlns:a14="http://schemas.microsoft.com/office/drawing/2010/main">
+                <a:solidFill>
+                  <a:srgbClr val="FFFFFF"/>
+                </a:solidFill>
+              </a14:hiddenFill>
+            </a:ext>
+            <a:ext uri="{91240B29-F687-4f45-9708-019B960494DF}">
+              <a14:hiddenLine xmlns:a14="http://schemas.microsoft.com/office/drawing/2010/main" w="9525">
+                <a:solidFill>
+                  <a:srgbClr val="000000"/>
+                </a:solidFill>
+                <a:miter lim="800000"/>
+                <a:headEnd/>
+                <a:tailEnd/>
+              </a14:hiddenLine>
+            </a:ext>
+          </a:extLst>
+        </p:spPr>
+        <p:txBody>
+          <a:bodyPr vert="horz" wrap="square" lIns="91440" tIns="45720" rIns="91440" bIns="45720" numCol="1" anchor="ctr" anchorCtr="0" compatLnSpc="1">
+            <a:prstTxWarp prst="textNoShape">
+              <a:avLst/>
+            </a:prstTxWarp>
+          </a:bodyPr>
+          <a:lstStyle>
+            <a:lvl1pPr eaLnBrk="0" hangingPunct="0">
+              <a:defRPr sz="2400">
+                <a:solidFill>
+                  <a:schemeClr val="tx1"/>
+                </a:solidFill>
+                <a:latin typeface="Trebuchet MS" charset="0"/>
+                <a:ea typeface="ＭＳ Ｐゴシック" charset="0"/>
+                <a:cs typeface="ＭＳ Ｐゴシック" charset="0"/>
+              </a:defRPr>
+            </a:lvl1pPr>
+            <a:lvl2pPr marL="742950" indent="-285750" eaLnBrk="0" hangingPunct="0">
+              <a:defRPr sz="2400">
+                <a:solidFill>
+                  <a:schemeClr val="tx1"/>
+                </a:solidFill>
+                <a:latin typeface="Trebuchet MS" charset="0"/>
+                <a:ea typeface="ＭＳ Ｐゴシック" charset="0"/>
+              </a:defRPr>
+            </a:lvl2pPr>
+            <a:lvl3pPr marL="1143000" indent="-228600" eaLnBrk="0" hangingPunct="0">
+              <a:defRPr sz="2400">
+                <a:solidFill>
+                  <a:schemeClr val="tx1"/>
+                </a:solidFill>
+                <a:latin typeface="Trebuchet MS" charset="0"/>
+                <a:ea typeface="ＭＳ Ｐゴシック" charset="0"/>
+              </a:defRPr>
+            </a:lvl3pPr>
+            <a:lvl4pPr marL="1600200" indent="-228600" eaLnBrk="0" hangingPunct="0">
+              <a:defRPr sz="2400">
+                <a:solidFill>
+                  <a:schemeClr val="tx1"/>
+                </a:solidFill>
+                <a:latin typeface="Trebuchet MS" charset="0"/>
+                <a:ea typeface="ＭＳ Ｐゴシック" charset="0"/>
+              </a:defRPr>
+            </a:lvl4pPr>
+            <a:lvl5pPr marL="2057400" indent="-228600" eaLnBrk="0" hangingPunct="0">
+              <a:defRPr sz="2400">
+                <a:solidFill>
+                  <a:schemeClr val="tx1"/>
+                </a:solidFill>
+                <a:latin typeface="Trebuchet MS" charset="0"/>
+                <a:ea typeface="ＭＳ Ｐゴシック" charset="0"/>
+              </a:defRPr>
+            </a:lvl5pPr>
+            <a:lvl6pPr marL="2514600" indent="-228600" eaLnBrk="0" fontAlgn="base" hangingPunct="0">
+              <a:spcBef>
+                <a:spcPct val="0"/>
+              </a:spcBef>
+              <a:spcAft>
+                <a:spcPct val="0"/>
+              </a:spcAft>
+              <a:defRPr sz="2400">
+                <a:solidFill>
+                  <a:schemeClr val="tx1"/>
+                </a:solidFill>
+                <a:latin typeface="Trebuchet MS" charset="0"/>
+                <a:ea typeface="ＭＳ Ｐゴシック" charset="0"/>
+              </a:defRPr>
+            </a:lvl6pPr>
+            <a:lvl7pPr marL="2971800" indent="-228600" eaLnBrk="0" fontAlgn="base" hangingPunct="0">
+              <a:spcBef>
+                <a:spcPct val="0"/>
+              </a:spcBef>
+              <a:spcAft>
+                <a:spcPct val="0"/>
+              </a:spcAft>
+              <a:defRPr sz="2400">
+                <a:solidFill>
+                  <a:schemeClr val="tx1"/>
+                </a:solidFill>
+                <a:latin typeface="Trebuchet MS" charset="0"/>
+                <a:ea typeface="ＭＳ Ｐゴシック" charset="0"/>
+              </a:defRPr>
+            </a:lvl7pPr>
+            <a:lvl8pPr marL="3429000" indent="-228600" eaLnBrk="0" fontAlgn="base" hangingPunct="0">
+              <a:spcBef>
+                <a:spcPct val="0"/>
+              </a:spcBef>
+              <a:spcAft>
+                <a:spcPct val="0"/>
+              </a:spcAft>
+              <a:defRPr sz="2400">
+                <a:solidFill>
+                  <a:schemeClr val="tx1"/>
+                </a:solidFill>
+                <a:latin typeface="Trebuchet MS" charset="0"/>
+                <a:ea typeface="ＭＳ Ｐゴシック" charset="0"/>
+              </a:defRPr>
+            </a:lvl8pPr>
+            <a:lvl9pPr marL="3886200" indent="-228600" eaLnBrk="0" fontAlgn="base" hangingPunct="0">
+              <a:spcBef>
+                <a:spcPct val="0"/>
+              </a:spcBef>
+              <a:spcAft>
+                <a:spcPct val="0"/>
+              </a:spcAft>
+              <a:defRPr sz="2400">
+                <a:solidFill>
+                  <a:schemeClr val="tx1"/>
+                </a:solidFill>
+                <a:latin typeface="Trebuchet MS" charset="0"/>
+                <a:ea typeface="ＭＳ Ｐゴシック" charset="0"/>
+              </a:defRPr>
+            </a:lvl9pPr>
+          </a:lstStyle>
+          <a:p>
+            <a:pPr eaLnBrk="1" hangingPunct="1"/>
+            <a:r>
+              <a:rPr lang="en-US" sz="1200" b="1" dirty="0">
+                <a:solidFill>
+                  <a:srgbClr val="122956"/>
+                </a:solidFill>
+                <a:cs typeface="Trebuchet MS" charset="0"/>
+              </a:rPr>
+              <a:t>1-</a:t>
+            </a:r>
+            <a:fld id="{31B56995-E14C-B64F-86C9-12D6DB74A41E}" type="slidenum">
+              <a:rPr lang="en-US" sz="1200" b="1">
+                <a:solidFill>
+                  <a:srgbClr val="122956"/>
+                </a:solidFill>
+                <a:cs typeface="Trebuchet MS" charset="0"/>
+              </a:rPr>
+              <a:pPr eaLnBrk="1" hangingPunct="1"/>
+              <a:t>3</a:t>
+            </a:fld>
+            <a:endParaRPr lang="en-US" sz="1200" b="1" dirty="0">
+              <a:solidFill>
+                <a:srgbClr val="122956"/>
+              </a:solidFill>
+              <a:cs typeface="Trebuchet MS" charset="0"/>
+            </a:endParaRPr>
           </a:p>
         </p:txBody>
       </p:sp>
@@ -10777,6 +12533,186 @@
           </a:p>
         </p:txBody>
       </p:sp>
+      <p:sp>
+        <p:nvSpPr>
+          <p:cNvPr id="7" name="Slide Number Placeholder 5"/>
+          <p:cNvSpPr>
+            <a:spLocks noGrp="1"/>
+          </p:cNvSpPr>
+          <p:nvPr>
+            <p:ph type="sldNum" sz="quarter" idx="12"/>
+          </p:nvPr>
+        </p:nvSpPr>
+        <p:spPr bwMode="auto">
+          <a:xfrm>
+            <a:off x="203200" y="6400800"/>
+            <a:ext cx="2133600" cy="365125"/>
+          </a:xfrm>
+          <a:noFill/>
+          <a:extLst>
+            <a:ext uri="{909E8E84-426E-40dd-AFC4-6F175D3DCCD1}">
+              <a14:hiddenFill xmlns:a14="http://schemas.microsoft.com/office/drawing/2010/main">
+                <a:solidFill>
+                  <a:srgbClr val="FFFFFF"/>
+                </a:solidFill>
+              </a14:hiddenFill>
+            </a:ext>
+            <a:ext uri="{91240B29-F687-4f45-9708-019B960494DF}">
+              <a14:hiddenLine xmlns:a14="http://schemas.microsoft.com/office/drawing/2010/main" w="9525">
+                <a:solidFill>
+                  <a:srgbClr val="000000"/>
+                </a:solidFill>
+                <a:miter lim="800000"/>
+                <a:headEnd/>
+                <a:tailEnd/>
+              </a14:hiddenLine>
+            </a:ext>
+          </a:extLst>
+        </p:spPr>
+        <p:txBody>
+          <a:bodyPr vert="horz" wrap="square" lIns="91440" tIns="45720" rIns="91440" bIns="45720" numCol="1" anchor="ctr" anchorCtr="0" compatLnSpc="1">
+            <a:prstTxWarp prst="textNoShape">
+              <a:avLst/>
+            </a:prstTxWarp>
+          </a:bodyPr>
+          <a:lstStyle>
+            <a:lvl1pPr eaLnBrk="0" hangingPunct="0">
+              <a:defRPr sz="2400">
+                <a:solidFill>
+                  <a:schemeClr val="tx1"/>
+                </a:solidFill>
+                <a:latin typeface="Trebuchet MS" charset="0"/>
+                <a:ea typeface="ＭＳ Ｐゴシック" charset="0"/>
+                <a:cs typeface="ＭＳ Ｐゴシック" charset="0"/>
+              </a:defRPr>
+            </a:lvl1pPr>
+            <a:lvl2pPr marL="742950" indent="-285750" eaLnBrk="0" hangingPunct="0">
+              <a:defRPr sz="2400">
+                <a:solidFill>
+                  <a:schemeClr val="tx1"/>
+                </a:solidFill>
+                <a:latin typeface="Trebuchet MS" charset="0"/>
+                <a:ea typeface="ＭＳ Ｐゴシック" charset="0"/>
+              </a:defRPr>
+            </a:lvl2pPr>
+            <a:lvl3pPr marL="1143000" indent="-228600" eaLnBrk="0" hangingPunct="0">
+              <a:defRPr sz="2400">
+                <a:solidFill>
+                  <a:schemeClr val="tx1"/>
+                </a:solidFill>
+                <a:latin typeface="Trebuchet MS" charset="0"/>
+                <a:ea typeface="ＭＳ Ｐゴシック" charset="0"/>
+              </a:defRPr>
+            </a:lvl3pPr>
+            <a:lvl4pPr marL="1600200" indent="-228600" eaLnBrk="0" hangingPunct="0">
+              <a:defRPr sz="2400">
+                <a:solidFill>
+                  <a:schemeClr val="tx1"/>
+                </a:solidFill>
+                <a:latin typeface="Trebuchet MS" charset="0"/>
+                <a:ea typeface="ＭＳ Ｐゴシック" charset="0"/>
+              </a:defRPr>
+            </a:lvl4pPr>
+            <a:lvl5pPr marL="2057400" indent="-228600" eaLnBrk="0" hangingPunct="0">
+              <a:defRPr sz="2400">
+                <a:solidFill>
+                  <a:schemeClr val="tx1"/>
+                </a:solidFill>
+                <a:latin typeface="Trebuchet MS" charset="0"/>
+                <a:ea typeface="ＭＳ Ｐゴシック" charset="0"/>
+              </a:defRPr>
+            </a:lvl5pPr>
+            <a:lvl6pPr marL="2514600" indent="-228600" eaLnBrk="0" fontAlgn="base" hangingPunct="0">
+              <a:spcBef>
+                <a:spcPct val="0"/>
+              </a:spcBef>
+              <a:spcAft>
+                <a:spcPct val="0"/>
+              </a:spcAft>
+              <a:defRPr sz="2400">
+                <a:solidFill>
+                  <a:schemeClr val="tx1"/>
+                </a:solidFill>
+                <a:latin typeface="Trebuchet MS" charset="0"/>
+                <a:ea typeface="ＭＳ Ｐゴシック" charset="0"/>
+              </a:defRPr>
+            </a:lvl6pPr>
+            <a:lvl7pPr marL="2971800" indent="-228600" eaLnBrk="0" fontAlgn="base" hangingPunct="0">
+              <a:spcBef>
+                <a:spcPct val="0"/>
+              </a:spcBef>
+              <a:spcAft>
+                <a:spcPct val="0"/>
+              </a:spcAft>
+              <a:defRPr sz="2400">
+                <a:solidFill>
+                  <a:schemeClr val="tx1"/>
+                </a:solidFill>
+                <a:latin typeface="Trebuchet MS" charset="0"/>
+                <a:ea typeface="ＭＳ Ｐゴシック" charset="0"/>
+              </a:defRPr>
+            </a:lvl7pPr>
+            <a:lvl8pPr marL="3429000" indent="-228600" eaLnBrk="0" fontAlgn="base" hangingPunct="0">
+              <a:spcBef>
+                <a:spcPct val="0"/>
+              </a:spcBef>
+              <a:spcAft>
+                <a:spcPct val="0"/>
+              </a:spcAft>
+              <a:defRPr sz="2400">
+                <a:solidFill>
+                  <a:schemeClr val="tx1"/>
+                </a:solidFill>
+                <a:latin typeface="Trebuchet MS" charset="0"/>
+                <a:ea typeface="ＭＳ Ｐゴシック" charset="0"/>
+              </a:defRPr>
+            </a:lvl8pPr>
+            <a:lvl9pPr marL="3886200" indent="-228600" eaLnBrk="0" fontAlgn="base" hangingPunct="0">
+              <a:spcBef>
+                <a:spcPct val="0"/>
+              </a:spcBef>
+              <a:spcAft>
+                <a:spcPct val="0"/>
+              </a:spcAft>
+              <a:defRPr sz="2400">
+                <a:solidFill>
+                  <a:schemeClr val="tx1"/>
+                </a:solidFill>
+                <a:latin typeface="Trebuchet MS" charset="0"/>
+                <a:ea typeface="ＭＳ Ｐゴシック" charset="0"/>
+              </a:defRPr>
+            </a:lvl9pPr>
+          </a:lstStyle>
+          <a:p>
+            <a:pPr eaLnBrk="1" hangingPunct="1"/>
+            <a:r>
+              <a:rPr lang="en-US" sz="1200" b="1" dirty="0">
+                <a:solidFill>
+                  <a:srgbClr val="122956"/>
+                </a:solidFill>
+                <a:cs typeface="Trebuchet MS" charset="0"/>
+              </a:rPr>
+              <a:t>1-</a:t>
+            </a:r>
+            <a:fld id="{31B56995-E14C-B64F-86C9-12D6DB74A41E}" type="slidenum">
+              <a:rPr lang="en-US" sz="1200" b="1">
+                <a:solidFill>
+                  <a:srgbClr val="122956"/>
+                </a:solidFill>
+                <a:cs typeface="Trebuchet MS" charset="0"/>
+              </a:rPr>
+              <a:pPr eaLnBrk="1" hangingPunct="1"/>
+              <a:t>4</a:t>
+            </a:fld>
+            <a:endParaRPr lang="en-US" sz="1200" b="1" dirty="0">
+              <a:solidFill>
+                <a:srgbClr val="122956"/>
+              </a:solidFill>
+              <a:cs typeface="Trebuchet MS" charset="0"/>
+            </a:endParaRPr>
+          </a:p>
+        </p:txBody>
+      </p:sp>
     </p:spTree>
     <p:extLst>
       <p:ext uri="{BB962C8B-B14F-4D97-AF65-F5344CB8AC3E}">
@@ -10933,6 +12869,186 @@
               <a:ea typeface="ヒラギノ角ゴ ProN W6" charset="0"/>
               <a:cs typeface="ヒラギノ角ゴ ProN W6" charset="0"/>
               <a:sym typeface="Trebuchet MS Bold Italic" charset="0"/>
+            </a:endParaRPr>
+          </a:p>
+        </p:txBody>
+      </p:sp>
+      <p:sp>
+        <p:nvSpPr>
+          <p:cNvPr id="4" name="Slide Number Placeholder 5"/>
+          <p:cNvSpPr>
+            <a:spLocks noGrp="1"/>
+          </p:cNvSpPr>
+          <p:nvPr>
+            <p:ph type="sldNum" sz="quarter" idx="12"/>
+          </p:nvPr>
+        </p:nvSpPr>
+        <p:spPr bwMode="auto">
+          <a:xfrm>
+            <a:off x="203200" y="6400800"/>
+            <a:ext cx="2133600" cy="365125"/>
+          </a:xfrm>
+          <a:noFill/>
+          <a:extLst>
+            <a:ext uri="{909E8E84-426E-40dd-AFC4-6F175D3DCCD1}">
+              <a14:hiddenFill xmlns:a14="http://schemas.microsoft.com/office/drawing/2010/main">
+                <a:solidFill>
+                  <a:srgbClr val="FFFFFF"/>
+                </a:solidFill>
+              </a14:hiddenFill>
+            </a:ext>
+            <a:ext uri="{91240B29-F687-4f45-9708-019B960494DF}">
+              <a14:hiddenLine xmlns:a14="http://schemas.microsoft.com/office/drawing/2010/main" w="9525">
+                <a:solidFill>
+                  <a:srgbClr val="000000"/>
+                </a:solidFill>
+                <a:miter lim="800000"/>
+                <a:headEnd/>
+                <a:tailEnd/>
+              </a14:hiddenLine>
+            </a:ext>
+          </a:extLst>
+        </p:spPr>
+        <p:txBody>
+          <a:bodyPr vert="horz" wrap="square" lIns="91440" tIns="45720" rIns="91440" bIns="45720" numCol="1" anchor="ctr" anchorCtr="0" compatLnSpc="1">
+            <a:prstTxWarp prst="textNoShape">
+              <a:avLst/>
+            </a:prstTxWarp>
+          </a:bodyPr>
+          <a:lstStyle>
+            <a:lvl1pPr eaLnBrk="0" hangingPunct="0">
+              <a:defRPr sz="2400">
+                <a:solidFill>
+                  <a:schemeClr val="tx1"/>
+                </a:solidFill>
+                <a:latin typeface="Trebuchet MS" charset="0"/>
+                <a:ea typeface="ＭＳ Ｐゴシック" charset="0"/>
+                <a:cs typeface="ＭＳ Ｐゴシック" charset="0"/>
+              </a:defRPr>
+            </a:lvl1pPr>
+            <a:lvl2pPr marL="742950" indent="-285750" eaLnBrk="0" hangingPunct="0">
+              <a:defRPr sz="2400">
+                <a:solidFill>
+                  <a:schemeClr val="tx1"/>
+                </a:solidFill>
+                <a:latin typeface="Trebuchet MS" charset="0"/>
+                <a:ea typeface="ＭＳ Ｐゴシック" charset="0"/>
+              </a:defRPr>
+            </a:lvl2pPr>
+            <a:lvl3pPr marL="1143000" indent="-228600" eaLnBrk="0" hangingPunct="0">
+              <a:defRPr sz="2400">
+                <a:solidFill>
+                  <a:schemeClr val="tx1"/>
+                </a:solidFill>
+                <a:latin typeface="Trebuchet MS" charset="0"/>
+                <a:ea typeface="ＭＳ Ｐゴシック" charset="0"/>
+              </a:defRPr>
+            </a:lvl3pPr>
+            <a:lvl4pPr marL="1600200" indent="-228600" eaLnBrk="0" hangingPunct="0">
+              <a:defRPr sz="2400">
+                <a:solidFill>
+                  <a:schemeClr val="tx1"/>
+                </a:solidFill>
+                <a:latin typeface="Trebuchet MS" charset="0"/>
+                <a:ea typeface="ＭＳ Ｐゴシック" charset="0"/>
+              </a:defRPr>
+            </a:lvl4pPr>
+            <a:lvl5pPr marL="2057400" indent="-228600" eaLnBrk="0" hangingPunct="0">
+              <a:defRPr sz="2400">
+                <a:solidFill>
+                  <a:schemeClr val="tx1"/>
+                </a:solidFill>
+                <a:latin typeface="Trebuchet MS" charset="0"/>
+                <a:ea typeface="ＭＳ Ｐゴシック" charset="0"/>
+              </a:defRPr>
+            </a:lvl5pPr>
+            <a:lvl6pPr marL="2514600" indent="-228600" eaLnBrk="0" fontAlgn="base" hangingPunct="0">
+              <a:spcBef>
+                <a:spcPct val="0"/>
+              </a:spcBef>
+              <a:spcAft>
+                <a:spcPct val="0"/>
+              </a:spcAft>
+              <a:defRPr sz="2400">
+                <a:solidFill>
+                  <a:schemeClr val="tx1"/>
+                </a:solidFill>
+                <a:latin typeface="Trebuchet MS" charset="0"/>
+                <a:ea typeface="ＭＳ Ｐゴシック" charset="0"/>
+              </a:defRPr>
+            </a:lvl6pPr>
+            <a:lvl7pPr marL="2971800" indent="-228600" eaLnBrk="0" fontAlgn="base" hangingPunct="0">
+              <a:spcBef>
+                <a:spcPct val="0"/>
+              </a:spcBef>
+              <a:spcAft>
+                <a:spcPct val="0"/>
+              </a:spcAft>
+              <a:defRPr sz="2400">
+                <a:solidFill>
+                  <a:schemeClr val="tx1"/>
+                </a:solidFill>
+                <a:latin typeface="Trebuchet MS" charset="0"/>
+                <a:ea typeface="ＭＳ Ｐゴシック" charset="0"/>
+              </a:defRPr>
+            </a:lvl7pPr>
+            <a:lvl8pPr marL="3429000" indent="-228600" eaLnBrk="0" fontAlgn="base" hangingPunct="0">
+              <a:spcBef>
+                <a:spcPct val="0"/>
+              </a:spcBef>
+              <a:spcAft>
+                <a:spcPct val="0"/>
+              </a:spcAft>
+              <a:defRPr sz="2400">
+                <a:solidFill>
+                  <a:schemeClr val="tx1"/>
+                </a:solidFill>
+                <a:latin typeface="Trebuchet MS" charset="0"/>
+                <a:ea typeface="ＭＳ Ｐゴシック" charset="0"/>
+              </a:defRPr>
+            </a:lvl8pPr>
+            <a:lvl9pPr marL="3886200" indent="-228600" eaLnBrk="0" fontAlgn="base" hangingPunct="0">
+              <a:spcBef>
+                <a:spcPct val="0"/>
+              </a:spcBef>
+              <a:spcAft>
+                <a:spcPct val="0"/>
+              </a:spcAft>
+              <a:defRPr sz="2400">
+                <a:solidFill>
+                  <a:schemeClr val="tx1"/>
+                </a:solidFill>
+                <a:latin typeface="Trebuchet MS" charset="0"/>
+                <a:ea typeface="ＭＳ Ｐゴシック" charset="0"/>
+              </a:defRPr>
+            </a:lvl9pPr>
+          </a:lstStyle>
+          <a:p>
+            <a:pPr eaLnBrk="1" hangingPunct="1"/>
+            <a:r>
+              <a:rPr lang="en-US" sz="1200" b="1" dirty="0">
+                <a:solidFill>
+                  <a:srgbClr val="122956"/>
+                </a:solidFill>
+                <a:cs typeface="Trebuchet MS" charset="0"/>
+              </a:rPr>
+              <a:t>1-</a:t>
+            </a:r>
+            <a:fld id="{31B56995-E14C-B64F-86C9-12D6DB74A41E}" type="slidenum">
+              <a:rPr lang="en-US" sz="1200" b="1">
+                <a:solidFill>
+                  <a:srgbClr val="122956"/>
+                </a:solidFill>
+                <a:cs typeface="Trebuchet MS" charset="0"/>
+              </a:rPr>
+              <a:pPr eaLnBrk="1" hangingPunct="1"/>
+              <a:t>5</a:t>
+            </a:fld>
+            <a:endParaRPr lang="en-US" sz="1200" b="1" dirty="0">
+              <a:solidFill>
+                <a:srgbClr val="122956"/>
+              </a:solidFill>
+              <a:cs typeface="Trebuchet MS" charset="0"/>
             </a:endParaRPr>
           </a:p>
         </p:txBody>
@@ -11097,6 +13213,186 @@
           </a:p>
         </p:txBody>
       </p:sp>
+      <p:sp>
+        <p:nvSpPr>
+          <p:cNvPr id="4" name="Slide Number Placeholder 5"/>
+          <p:cNvSpPr>
+            <a:spLocks noGrp="1"/>
+          </p:cNvSpPr>
+          <p:nvPr>
+            <p:ph type="sldNum" sz="quarter" idx="12"/>
+          </p:nvPr>
+        </p:nvSpPr>
+        <p:spPr bwMode="auto">
+          <a:xfrm>
+            <a:off x="203200" y="6400800"/>
+            <a:ext cx="2133600" cy="365125"/>
+          </a:xfrm>
+          <a:noFill/>
+          <a:extLst>
+            <a:ext uri="{909E8E84-426E-40dd-AFC4-6F175D3DCCD1}">
+              <a14:hiddenFill xmlns:a14="http://schemas.microsoft.com/office/drawing/2010/main">
+                <a:solidFill>
+                  <a:srgbClr val="FFFFFF"/>
+                </a:solidFill>
+              </a14:hiddenFill>
+            </a:ext>
+            <a:ext uri="{91240B29-F687-4f45-9708-019B960494DF}">
+              <a14:hiddenLine xmlns:a14="http://schemas.microsoft.com/office/drawing/2010/main" w="9525">
+                <a:solidFill>
+                  <a:srgbClr val="000000"/>
+                </a:solidFill>
+                <a:miter lim="800000"/>
+                <a:headEnd/>
+                <a:tailEnd/>
+              </a14:hiddenLine>
+            </a:ext>
+          </a:extLst>
+        </p:spPr>
+        <p:txBody>
+          <a:bodyPr vert="horz" wrap="square" lIns="91440" tIns="45720" rIns="91440" bIns="45720" numCol="1" anchor="ctr" anchorCtr="0" compatLnSpc="1">
+            <a:prstTxWarp prst="textNoShape">
+              <a:avLst/>
+            </a:prstTxWarp>
+          </a:bodyPr>
+          <a:lstStyle>
+            <a:lvl1pPr eaLnBrk="0" hangingPunct="0">
+              <a:defRPr sz="2400">
+                <a:solidFill>
+                  <a:schemeClr val="tx1"/>
+                </a:solidFill>
+                <a:latin typeface="Trebuchet MS" charset="0"/>
+                <a:ea typeface="ＭＳ Ｐゴシック" charset="0"/>
+                <a:cs typeface="ＭＳ Ｐゴシック" charset="0"/>
+              </a:defRPr>
+            </a:lvl1pPr>
+            <a:lvl2pPr marL="742950" indent="-285750" eaLnBrk="0" hangingPunct="0">
+              <a:defRPr sz="2400">
+                <a:solidFill>
+                  <a:schemeClr val="tx1"/>
+                </a:solidFill>
+                <a:latin typeface="Trebuchet MS" charset="0"/>
+                <a:ea typeface="ＭＳ Ｐゴシック" charset="0"/>
+              </a:defRPr>
+            </a:lvl2pPr>
+            <a:lvl3pPr marL="1143000" indent="-228600" eaLnBrk="0" hangingPunct="0">
+              <a:defRPr sz="2400">
+                <a:solidFill>
+                  <a:schemeClr val="tx1"/>
+                </a:solidFill>
+                <a:latin typeface="Trebuchet MS" charset="0"/>
+                <a:ea typeface="ＭＳ Ｐゴシック" charset="0"/>
+              </a:defRPr>
+            </a:lvl3pPr>
+            <a:lvl4pPr marL="1600200" indent="-228600" eaLnBrk="0" hangingPunct="0">
+              <a:defRPr sz="2400">
+                <a:solidFill>
+                  <a:schemeClr val="tx1"/>
+                </a:solidFill>
+                <a:latin typeface="Trebuchet MS" charset="0"/>
+                <a:ea typeface="ＭＳ Ｐゴシック" charset="0"/>
+              </a:defRPr>
+            </a:lvl4pPr>
+            <a:lvl5pPr marL="2057400" indent="-228600" eaLnBrk="0" hangingPunct="0">
+              <a:defRPr sz="2400">
+                <a:solidFill>
+                  <a:schemeClr val="tx1"/>
+                </a:solidFill>
+                <a:latin typeface="Trebuchet MS" charset="0"/>
+                <a:ea typeface="ＭＳ Ｐゴシック" charset="0"/>
+              </a:defRPr>
+            </a:lvl5pPr>
+            <a:lvl6pPr marL="2514600" indent="-228600" eaLnBrk="0" fontAlgn="base" hangingPunct="0">
+              <a:spcBef>
+                <a:spcPct val="0"/>
+              </a:spcBef>
+              <a:spcAft>
+                <a:spcPct val="0"/>
+              </a:spcAft>
+              <a:defRPr sz="2400">
+                <a:solidFill>
+                  <a:schemeClr val="tx1"/>
+                </a:solidFill>
+                <a:latin typeface="Trebuchet MS" charset="0"/>
+                <a:ea typeface="ＭＳ Ｐゴシック" charset="0"/>
+              </a:defRPr>
+            </a:lvl6pPr>
+            <a:lvl7pPr marL="2971800" indent="-228600" eaLnBrk="0" fontAlgn="base" hangingPunct="0">
+              <a:spcBef>
+                <a:spcPct val="0"/>
+              </a:spcBef>
+              <a:spcAft>
+                <a:spcPct val="0"/>
+              </a:spcAft>
+              <a:defRPr sz="2400">
+                <a:solidFill>
+                  <a:schemeClr val="tx1"/>
+                </a:solidFill>
+                <a:latin typeface="Trebuchet MS" charset="0"/>
+                <a:ea typeface="ＭＳ Ｐゴシック" charset="0"/>
+              </a:defRPr>
+            </a:lvl7pPr>
+            <a:lvl8pPr marL="3429000" indent="-228600" eaLnBrk="0" fontAlgn="base" hangingPunct="0">
+              <a:spcBef>
+                <a:spcPct val="0"/>
+              </a:spcBef>
+              <a:spcAft>
+                <a:spcPct val="0"/>
+              </a:spcAft>
+              <a:defRPr sz="2400">
+                <a:solidFill>
+                  <a:schemeClr val="tx1"/>
+                </a:solidFill>
+                <a:latin typeface="Trebuchet MS" charset="0"/>
+                <a:ea typeface="ＭＳ Ｐゴシック" charset="0"/>
+              </a:defRPr>
+            </a:lvl8pPr>
+            <a:lvl9pPr marL="3886200" indent="-228600" eaLnBrk="0" fontAlgn="base" hangingPunct="0">
+              <a:spcBef>
+                <a:spcPct val="0"/>
+              </a:spcBef>
+              <a:spcAft>
+                <a:spcPct val="0"/>
+              </a:spcAft>
+              <a:defRPr sz="2400">
+                <a:solidFill>
+                  <a:schemeClr val="tx1"/>
+                </a:solidFill>
+                <a:latin typeface="Trebuchet MS" charset="0"/>
+                <a:ea typeface="ＭＳ Ｐゴシック" charset="0"/>
+              </a:defRPr>
+            </a:lvl9pPr>
+          </a:lstStyle>
+          <a:p>
+            <a:pPr eaLnBrk="1" hangingPunct="1"/>
+            <a:r>
+              <a:rPr lang="en-US" sz="1200" b="1" dirty="0">
+                <a:solidFill>
+                  <a:srgbClr val="122956"/>
+                </a:solidFill>
+                <a:cs typeface="Trebuchet MS" charset="0"/>
+              </a:rPr>
+              <a:t>1-</a:t>
+            </a:r>
+            <a:fld id="{31B56995-E14C-B64F-86C9-12D6DB74A41E}" type="slidenum">
+              <a:rPr lang="en-US" sz="1200" b="1">
+                <a:solidFill>
+                  <a:srgbClr val="122956"/>
+                </a:solidFill>
+                <a:cs typeface="Trebuchet MS" charset="0"/>
+              </a:rPr>
+              <a:pPr eaLnBrk="1" hangingPunct="1"/>
+              <a:t>6</a:t>
+            </a:fld>
+            <a:endParaRPr lang="en-US" sz="1200" b="1" dirty="0">
+              <a:solidFill>
+                <a:srgbClr val="122956"/>
+              </a:solidFill>
+              <a:cs typeface="Trebuchet MS" charset="0"/>
+            </a:endParaRPr>
+          </a:p>
+        </p:txBody>
+      </p:sp>
     </p:spTree>
     <p:extLst>
       <p:ext uri="{BB962C8B-B14F-4D97-AF65-F5344CB8AC3E}">
@@ -11230,6 +13526,186 @@
               <a:ea typeface="ヒラギノ角ゴ ProN W6" charset="0"/>
               <a:cs typeface="ヒラギノ角ゴ ProN W6" charset="0"/>
               <a:sym typeface="Trebuchet MS Bold Italic" charset="0"/>
+            </a:endParaRPr>
+          </a:p>
+        </p:txBody>
+      </p:sp>
+      <p:sp>
+        <p:nvSpPr>
+          <p:cNvPr id="4" name="Slide Number Placeholder 5"/>
+          <p:cNvSpPr>
+            <a:spLocks noGrp="1"/>
+          </p:cNvSpPr>
+          <p:nvPr>
+            <p:ph type="sldNum" sz="quarter" idx="12"/>
+          </p:nvPr>
+        </p:nvSpPr>
+        <p:spPr bwMode="auto">
+          <a:xfrm>
+            <a:off x="203200" y="6400800"/>
+            <a:ext cx="2133600" cy="365125"/>
+          </a:xfrm>
+          <a:noFill/>
+          <a:extLst>
+            <a:ext uri="{909E8E84-426E-40dd-AFC4-6F175D3DCCD1}">
+              <a14:hiddenFill xmlns:a14="http://schemas.microsoft.com/office/drawing/2010/main">
+                <a:solidFill>
+                  <a:srgbClr val="FFFFFF"/>
+                </a:solidFill>
+              </a14:hiddenFill>
+            </a:ext>
+            <a:ext uri="{91240B29-F687-4f45-9708-019B960494DF}">
+              <a14:hiddenLine xmlns:a14="http://schemas.microsoft.com/office/drawing/2010/main" w="9525">
+                <a:solidFill>
+                  <a:srgbClr val="000000"/>
+                </a:solidFill>
+                <a:miter lim="800000"/>
+                <a:headEnd/>
+                <a:tailEnd/>
+              </a14:hiddenLine>
+            </a:ext>
+          </a:extLst>
+        </p:spPr>
+        <p:txBody>
+          <a:bodyPr vert="horz" wrap="square" lIns="91440" tIns="45720" rIns="91440" bIns="45720" numCol="1" anchor="ctr" anchorCtr="0" compatLnSpc="1">
+            <a:prstTxWarp prst="textNoShape">
+              <a:avLst/>
+            </a:prstTxWarp>
+          </a:bodyPr>
+          <a:lstStyle>
+            <a:lvl1pPr eaLnBrk="0" hangingPunct="0">
+              <a:defRPr sz="2400">
+                <a:solidFill>
+                  <a:schemeClr val="tx1"/>
+                </a:solidFill>
+                <a:latin typeface="Trebuchet MS" charset="0"/>
+                <a:ea typeface="ＭＳ Ｐゴシック" charset="0"/>
+                <a:cs typeface="ＭＳ Ｐゴシック" charset="0"/>
+              </a:defRPr>
+            </a:lvl1pPr>
+            <a:lvl2pPr marL="742950" indent="-285750" eaLnBrk="0" hangingPunct="0">
+              <a:defRPr sz="2400">
+                <a:solidFill>
+                  <a:schemeClr val="tx1"/>
+                </a:solidFill>
+                <a:latin typeface="Trebuchet MS" charset="0"/>
+                <a:ea typeface="ＭＳ Ｐゴシック" charset="0"/>
+              </a:defRPr>
+            </a:lvl2pPr>
+            <a:lvl3pPr marL="1143000" indent="-228600" eaLnBrk="0" hangingPunct="0">
+              <a:defRPr sz="2400">
+                <a:solidFill>
+                  <a:schemeClr val="tx1"/>
+                </a:solidFill>
+                <a:latin typeface="Trebuchet MS" charset="0"/>
+                <a:ea typeface="ＭＳ Ｐゴシック" charset="0"/>
+              </a:defRPr>
+            </a:lvl3pPr>
+            <a:lvl4pPr marL="1600200" indent="-228600" eaLnBrk="0" hangingPunct="0">
+              <a:defRPr sz="2400">
+                <a:solidFill>
+                  <a:schemeClr val="tx1"/>
+                </a:solidFill>
+                <a:latin typeface="Trebuchet MS" charset="0"/>
+                <a:ea typeface="ＭＳ Ｐゴシック" charset="0"/>
+              </a:defRPr>
+            </a:lvl4pPr>
+            <a:lvl5pPr marL="2057400" indent="-228600" eaLnBrk="0" hangingPunct="0">
+              <a:defRPr sz="2400">
+                <a:solidFill>
+                  <a:schemeClr val="tx1"/>
+                </a:solidFill>
+                <a:latin typeface="Trebuchet MS" charset="0"/>
+                <a:ea typeface="ＭＳ Ｐゴシック" charset="0"/>
+              </a:defRPr>
+            </a:lvl5pPr>
+            <a:lvl6pPr marL="2514600" indent="-228600" eaLnBrk="0" fontAlgn="base" hangingPunct="0">
+              <a:spcBef>
+                <a:spcPct val="0"/>
+              </a:spcBef>
+              <a:spcAft>
+                <a:spcPct val="0"/>
+              </a:spcAft>
+              <a:defRPr sz="2400">
+                <a:solidFill>
+                  <a:schemeClr val="tx1"/>
+                </a:solidFill>
+                <a:latin typeface="Trebuchet MS" charset="0"/>
+                <a:ea typeface="ＭＳ Ｐゴシック" charset="0"/>
+              </a:defRPr>
+            </a:lvl6pPr>
+            <a:lvl7pPr marL="2971800" indent="-228600" eaLnBrk="0" fontAlgn="base" hangingPunct="0">
+              <a:spcBef>
+                <a:spcPct val="0"/>
+              </a:spcBef>
+              <a:spcAft>
+                <a:spcPct val="0"/>
+              </a:spcAft>
+              <a:defRPr sz="2400">
+                <a:solidFill>
+                  <a:schemeClr val="tx1"/>
+                </a:solidFill>
+                <a:latin typeface="Trebuchet MS" charset="0"/>
+                <a:ea typeface="ＭＳ Ｐゴシック" charset="0"/>
+              </a:defRPr>
+            </a:lvl7pPr>
+            <a:lvl8pPr marL="3429000" indent="-228600" eaLnBrk="0" fontAlgn="base" hangingPunct="0">
+              <a:spcBef>
+                <a:spcPct val="0"/>
+              </a:spcBef>
+              <a:spcAft>
+                <a:spcPct val="0"/>
+              </a:spcAft>
+              <a:defRPr sz="2400">
+                <a:solidFill>
+                  <a:schemeClr val="tx1"/>
+                </a:solidFill>
+                <a:latin typeface="Trebuchet MS" charset="0"/>
+                <a:ea typeface="ＭＳ Ｐゴシック" charset="0"/>
+              </a:defRPr>
+            </a:lvl8pPr>
+            <a:lvl9pPr marL="3886200" indent="-228600" eaLnBrk="0" fontAlgn="base" hangingPunct="0">
+              <a:spcBef>
+                <a:spcPct val="0"/>
+              </a:spcBef>
+              <a:spcAft>
+                <a:spcPct val="0"/>
+              </a:spcAft>
+              <a:defRPr sz="2400">
+                <a:solidFill>
+                  <a:schemeClr val="tx1"/>
+                </a:solidFill>
+                <a:latin typeface="Trebuchet MS" charset="0"/>
+                <a:ea typeface="ＭＳ Ｐゴシック" charset="0"/>
+              </a:defRPr>
+            </a:lvl9pPr>
+          </a:lstStyle>
+          <a:p>
+            <a:pPr eaLnBrk="1" hangingPunct="1"/>
+            <a:r>
+              <a:rPr lang="en-US" sz="1200" b="1" dirty="0">
+                <a:solidFill>
+                  <a:srgbClr val="122956"/>
+                </a:solidFill>
+                <a:cs typeface="Trebuchet MS" charset="0"/>
+              </a:rPr>
+              <a:t>1-</a:t>
+            </a:r>
+            <a:fld id="{31B56995-E14C-B64F-86C9-12D6DB74A41E}" type="slidenum">
+              <a:rPr lang="en-US" sz="1200" b="1">
+                <a:solidFill>
+                  <a:srgbClr val="122956"/>
+                </a:solidFill>
+                <a:cs typeface="Trebuchet MS" charset="0"/>
+              </a:rPr>
+              <a:pPr eaLnBrk="1" hangingPunct="1"/>
+              <a:t>7</a:t>
+            </a:fld>
+            <a:endParaRPr lang="en-US" sz="1200" b="1" dirty="0">
+              <a:solidFill>
+                <a:srgbClr val="122956"/>
+              </a:solidFill>
+              <a:cs typeface="Trebuchet MS" charset="0"/>
             </a:endParaRPr>
           </a:p>
         </p:txBody>
@@ -11371,6 +13847,186 @@
           </a:p>
         </p:txBody>
       </p:sp>
+      <p:sp>
+        <p:nvSpPr>
+          <p:cNvPr id="4" name="Slide Number Placeholder 5"/>
+          <p:cNvSpPr>
+            <a:spLocks noGrp="1"/>
+          </p:cNvSpPr>
+          <p:nvPr>
+            <p:ph type="sldNum" sz="quarter" idx="12"/>
+          </p:nvPr>
+        </p:nvSpPr>
+        <p:spPr bwMode="auto">
+          <a:xfrm>
+            <a:off x="203200" y="6400800"/>
+            <a:ext cx="2133600" cy="365125"/>
+          </a:xfrm>
+          <a:noFill/>
+          <a:extLst>
+            <a:ext uri="{909E8E84-426E-40dd-AFC4-6F175D3DCCD1}">
+              <a14:hiddenFill xmlns:a14="http://schemas.microsoft.com/office/drawing/2010/main">
+                <a:solidFill>
+                  <a:srgbClr val="FFFFFF"/>
+                </a:solidFill>
+              </a14:hiddenFill>
+            </a:ext>
+            <a:ext uri="{91240B29-F687-4f45-9708-019B960494DF}">
+              <a14:hiddenLine xmlns:a14="http://schemas.microsoft.com/office/drawing/2010/main" w="9525">
+                <a:solidFill>
+                  <a:srgbClr val="000000"/>
+                </a:solidFill>
+                <a:miter lim="800000"/>
+                <a:headEnd/>
+                <a:tailEnd/>
+              </a14:hiddenLine>
+            </a:ext>
+          </a:extLst>
+        </p:spPr>
+        <p:txBody>
+          <a:bodyPr vert="horz" wrap="square" lIns="91440" tIns="45720" rIns="91440" bIns="45720" numCol="1" anchor="ctr" anchorCtr="0" compatLnSpc="1">
+            <a:prstTxWarp prst="textNoShape">
+              <a:avLst/>
+            </a:prstTxWarp>
+          </a:bodyPr>
+          <a:lstStyle>
+            <a:lvl1pPr eaLnBrk="0" hangingPunct="0">
+              <a:defRPr sz="2400">
+                <a:solidFill>
+                  <a:schemeClr val="tx1"/>
+                </a:solidFill>
+                <a:latin typeface="Trebuchet MS" charset="0"/>
+                <a:ea typeface="ＭＳ Ｐゴシック" charset="0"/>
+                <a:cs typeface="ＭＳ Ｐゴシック" charset="0"/>
+              </a:defRPr>
+            </a:lvl1pPr>
+            <a:lvl2pPr marL="742950" indent="-285750" eaLnBrk="0" hangingPunct="0">
+              <a:defRPr sz="2400">
+                <a:solidFill>
+                  <a:schemeClr val="tx1"/>
+                </a:solidFill>
+                <a:latin typeface="Trebuchet MS" charset="0"/>
+                <a:ea typeface="ＭＳ Ｐゴシック" charset="0"/>
+              </a:defRPr>
+            </a:lvl2pPr>
+            <a:lvl3pPr marL="1143000" indent="-228600" eaLnBrk="0" hangingPunct="0">
+              <a:defRPr sz="2400">
+                <a:solidFill>
+                  <a:schemeClr val="tx1"/>
+                </a:solidFill>
+                <a:latin typeface="Trebuchet MS" charset="0"/>
+                <a:ea typeface="ＭＳ Ｐゴシック" charset="0"/>
+              </a:defRPr>
+            </a:lvl3pPr>
+            <a:lvl4pPr marL="1600200" indent="-228600" eaLnBrk="0" hangingPunct="0">
+              <a:defRPr sz="2400">
+                <a:solidFill>
+                  <a:schemeClr val="tx1"/>
+                </a:solidFill>
+                <a:latin typeface="Trebuchet MS" charset="0"/>
+                <a:ea typeface="ＭＳ Ｐゴシック" charset="0"/>
+              </a:defRPr>
+            </a:lvl4pPr>
+            <a:lvl5pPr marL="2057400" indent="-228600" eaLnBrk="0" hangingPunct="0">
+              <a:defRPr sz="2400">
+                <a:solidFill>
+                  <a:schemeClr val="tx1"/>
+                </a:solidFill>
+                <a:latin typeface="Trebuchet MS" charset="0"/>
+                <a:ea typeface="ＭＳ Ｐゴシック" charset="0"/>
+              </a:defRPr>
+            </a:lvl5pPr>
+            <a:lvl6pPr marL="2514600" indent="-228600" eaLnBrk="0" fontAlgn="base" hangingPunct="0">
+              <a:spcBef>
+                <a:spcPct val="0"/>
+              </a:spcBef>
+              <a:spcAft>
+                <a:spcPct val="0"/>
+              </a:spcAft>
+              <a:defRPr sz="2400">
+                <a:solidFill>
+                  <a:schemeClr val="tx1"/>
+                </a:solidFill>
+                <a:latin typeface="Trebuchet MS" charset="0"/>
+                <a:ea typeface="ＭＳ Ｐゴシック" charset="0"/>
+              </a:defRPr>
+            </a:lvl6pPr>
+            <a:lvl7pPr marL="2971800" indent="-228600" eaLnBrk="0" fontAlgn="base" hangingPunct="0">
+              <a:spcBef>
+                <a:spcPct val="0"/>
+              </a:spcBef>
+              <a:spcAft>
+                <a:spcPct val="0"/>
+              </a:spcAft>
+              <a:defRPr sz="2400">
+                <a:solidFill>
+                  <a:schemeClr val="tx1"/>
+                </a:solidFill>
+                <a:latin typeface="Trebuchet MS" charset="0"/>
+                <a:ea typeface="ＭＳ Ｐゴシック" charset="0"/>
+              </a:defRPr>
+            </a:lvl7pPr>
+            <a:lvl8pPr marL="3429000" indent="-228600" eaLnBrk="0" fontAlgn="base" hangingPunct="0">
+              <a:spcBef>
+                <a:spcPct val="0"/>
+              </a:spcBef>
+              <a:spcAft>
+                <a:spcPct val="0"/>
+              </a:spcAft>
+              <a:defRPr sz="2400">
+                <a:solidFill>
+                  <a:schemeClr val="tx1"/>
+                </a:solidFill>
+                <a:latin typeface="Trebuchet MS" charset="0"/>
+                <a:ea typeface="ＭＳ Ｐゴシック" charset="0"/>
+              </a:defRPr>
+            </a:lvl8pPr>
+            <a:lvl9pPr marL="3886200" indent="-228600" eaLnBrk="0" fontAlgn="base" hangingPunct="0">
+              <a:spcBef>
+                <a:spcPct val="0"/>
+              </a:spcBef>
+              <a:spcAft>
+                <a:spcPct val="0"/>
+              </a:spcAft>
+              <a:defRPr sz="2400">
+                <a:solidFill>
+                  <a:schemeClr val="tx1"/>
+                </a:solidFill>
+                <a:latin typeface="Trebuchet MS" charset="0"/>
+                <a:ea typeface="ＭＳ Ｐゴシック" charset="0"/>
+              </a:defRPr>
+            </a:lvl9pPr>
+          </a:lstStyle>
+          <a:p>
+            <a:pPr eaLnBrk="1" hangingPunct="1"/>
+            <a:r>
+              <a:rPr lang="en-US" sz="1200" b="1" dirty="0">
+                <a:solidFill>
+                  <a:srgbClr val="122956"/>
+                </a:solidFill>
+                <a:cs typeface="Trebuchet MS" charset="0"/>
+              </a:rPr>
+              <a:t>1-</a:t>
+            </a:r>
+            <a:fld id="{31B56995-E14C-B64F-86C9-12D6DB74A41E}" type="slidenum">
+              <a:rPr lang="en-US" sz="1200" b="1">
+                <a:solidFill>
+                  <a:srgbClr val="122956"/>
+                </a:solidFill>
+                <a:cs typeface="Trebuchet MS" charset="0"/>
+              </a:rPr>
+              <a:pPr eaLnBrk="1" hangingPunct="1"/>
+              <a:t>8</a:t>
+            </a:fld>
+            <a:endParaRPr lang="en-US" sz="1200" b="1" dirty="0">
+              <a:solidFill>
+                <a:srgbClr val="122956"/>
+              </a:solidFill>
+              <a:cs typeface="Trebuchet MS" charset="0"/>
+            </a:endParaRPr>
+          </a:p>
+        </p:txBody>
+      </p:sp>
     </p:spTree>
     <p:extLst>
       <p:ext uri="{BB962C8B-B14F-4D97-AF65-F5344CB8AC3E}">
@@ -11706,6 +14362,186 @@
               <a:latin typeface="Trebuchet MS" charset="0"/>
               <a:ea typeface="ヒラギノ角ゴ ProN W3" charset="0"/>
               <a:cs typeface="ヒラギノ角ゴ ProN W3" charset="0"/>
+            </a:endParaRPr>
+          </a:p>
+        </p:txBody>
+      </p:sp>
+      <p:sp>
+        <p:nvSpPr>
+          <p:cNvPr id="7" name="Slide Number Placeholder 5"/>
+          <p:cNvSpPr>
+            <a:spLocks noGrp="1"/>
+          </p:cNvSpPr>
+          <p:nvPr>
+            <p:ph type="sldNum" sz="quarter" idx="12"/>
+          </p:nvPr>
+        </p:nvSpPr>
+        <p:spPr bwMode="auto">
+          <a:xfrm>
+            <a:off x="203200" y="6400800"/>
+            <a:ext cx="2133600" cy="365125"/>
+          </a:xfrm>
+          <a:noFill/>
+          <a:extLst>
+            <a:ext uri="{909E8E84-426E-40dd-AFC4-6F175D3DCCD1}">
+              <a14:hiddenFill xmlns:a14="http://schemas.microsoft.com/office/drawing/2010/main">
+                <a:solidFill>
+                  <a:srgbClr val="FFFFFF"/>
+                </a:solidFill>
+              </a14:hiddenFill>
+            </a:ext>
+            <a:ext uri="{91240B29-F687-4f45-9708-019B960494DF}">
+              <a14:hiddenLine xmlns:a14="http://schemas.microsoft.com/office/drawing/2010/main" w="9525">
+                <a:solidFill>
+                  <a:srgbClr val="000000"/>
+                </a:solidFill>
+                <a:miter lim="800000"/>
+                <a:headEnd/>
+                <a:tailEnd/>
+              </a14:hiddenLine>
+            </a:ext>
+          </a:extLst>
+        </p:spPr>
+        <p:txBody>
+          <a:bodyPr vert="horz" wrap="square" lIns="91440" tIns="45720" rIns="91440" bIns="45720" numCol="1" anchor="ctr" anchorCtr="0" compatLnSpc="1">
+            <a:prstTxWarp prst="textNoShape">
+              <a:avLst/>
+            </a:prstTxWarp>
+          </a:bodyPr>
+          <a:lstStyle>
+            <a:lvl1pPr eaLnBrk="0" hangingPunct="0">
+              <a:defRPr sz="2400">
+                <a:solidFill>
+                  <a:schemeClr val="tx1"/>
+                </a:solidFill>
+                <a:latin typeface="Trebuchet MS" charset="0"/>
+                <a:ea typeface="ＭＳ Ｐゴシック" charset="0"/>
+                <a:cs typeface="ＭＳ Ｐゴシック" charset="0"/>
+              </a:defRPr>
+            </a:lvl1pPr>
+            <a:lvl2pPr marL="742950" indent="-285750" eaLnBrk="0" hangingPunct="0">
+              <a:defRPr sz="2400">
+                <a:solidFill>
+                  <a:schemeClr val="tx1"/>
+                </a:solidFill>
+                <a:latin typeface="Trebuchet MS" charset="0"/>
+                <a:ea typeface="ＭＳ Ｐゴシック" charset="0"/>
+              </a:defRPr>
+            </a:lvl2pPr>
+            <a:lvl3pPr marL="1143000" indent="-228600" eaLnBrk="0" hangingPunct="0">
+              <a:defRPr sz="2400">
+                <a:solidFill>
+                  <a:schemeClr val="tx1"/>
+                </a:solidFill>
+                <a:latin typeface="Trebuchet MS" charset="0"/>
+                <a:ea typeface="ＭＳ Ｐゴシック" charset="0"/>
+              </a:defRPr>
+            </a:lvl3pPr>
+            <a:lvl4pPr marL="1600200" indent="-228600" eaLnBrk="0" hangingPunct="0">
+              <a:defRPr sz="2400">
+                <a:solidFill>
+                  <a:schemeClr val="tx1"/>
+                </a:solidFill>
+                <a:latin typeface="Trebuchet MS" charset="0"/>
+                <a:ea typeface="ＭＳ Ｐゴシック" charset="0"/>
+              </a:defRPr>
+            </a:lvl4pPr>
+            <a:lvl5pPr marL="2057400" indent="-228600" eaLnBrk="0" hangingPunct="0">
+              <a:defRPr sz="2400">
+                <a:solidFill>
+                  <a:schemeClr val="tx1"/>
+                </a:solidFill>
+                <a:latin typeface="Trebuchet MS" charset="0"/>
+                <a:ea typeface="ＭＳ Ｐゴシック" charset="0"/>
+              </a:defRPr>
+            </a:lvl5pPr>
+            <a:lvl6pPr marL="2514600" indent="-228600" eaLnBrk="0" fontAlgn="base" hangingPunct="0">
+              <a:spcBef>
+                <a:spcPct val="0"/>
+              </a:spcBef>
+              <a:spcAft>
+                <a:spcPct val="0"/>
+              </a:spcAft>
+              <a:defRPr sz="2400">
+                <a:solidFill>
+                  <a:schemeClr val="tx1"/>
+                </a:solidFill>
+                <a:latin typeface="Trebuchet MS" charset="0"/>
+                <a:ea typeface="ＭＳ Ｐゴシック" charset="0"/>
+              </a:defRPr>
+            </a:lvl6pPr>
+            <a:lvl7pPr marL="2971800" indent="-228600" eaLnBrk="0" fontAlgn="base" hangingPunct="0">
+              <a:spcBef>
+                <a:spcPct val="0"/>
+              </a:spcBef>
+              <a:spcAft>
+                <a:spcPct val="0"/>
+              </a:spcAft>
+              <a:defRPr sz="2400">
+                <a:solidFill>
+                  <a:schemeClr val="tx1"/>
+                </a:solidFill>
+                <a:latin typeface="Trebuchet MS" charset="0"/>
+                <a:ea typeface="ＭＳ Ｐゴシック" charset="0"/>
+              </a:defRPr>
+            </a:lvl7pPr>
+            <a:lvl8pPr marL="3429000" indent="-228600" eaLnBrk="0" fontAlgn="base" hangingPunct="0">
+              <a:spcBef>
+                <a:spcPct val="0"/>
+              </a:spcBef>
+              <a:spcAft>
+                <a:spcPct val="0"/>
+              </a:spcAft>
+              <a:defRPr sz="2400">
+                <a:solidFill>
+                  <a:schemeClr val="tx1"/>
+                </a:solidFill>
+                <a:latin typeface="Trebuchet MS" charset="0"/>
+                <a:ea typeface="ＭＳ Ｐゴシック" charset="0"/>
+              </a:defRPr>
+            </a:lvl8pPr>
+            <a:lvl9pPr marL="3886200" indent="-228600" eaLnBrk="0" fontAlgn="base" hangingPunct="0">
+              <a:spcBef>
+                <a:spcPct val="0"/>
+              </a:spcBef>
+              <a:spcAft>
+                <a:spcPct val="0"/>
+              </a:spcAft>
+              <a:defRPr sz="2400">
+                <a:solidFill>
+                  <a:schemeClr val="tx1"/>
+                </a:solidFill>
+                <a:latin typeface="Trebuchet MS" charset="0"/>
+                <a:ea typeface="ＭＳ Ｐゴシック" charset="0"/>
+              </a:defRPr>
+            </a:lvl9pPr>
+          </a:lstStyle>
+          <a:p>
+            <a:pPr eaLnBrk="1" hangingPunct="1"/>
+            <a:r>
+              <a:rPr lang="en-US" sz="1200" b="1" dirty="0">
+                <a:solidFill>
+                  <a:srgbClr val="122956"/>
+                </a:solidFill>
+                <a:cs typeface="Trebuchet MS" charset="0"/>
+              </a:rPr>
+              <a:t>1-</a:t>
+            </a:r>
+            <a:fld id="{31B56995-E14C-B64F-86C9-12D6DB74A41E}" type="slidenum">
+              <a:rPr lang="en-US" sz="1200" b="1">
+                <a:solidFill>
+                  <a:srgbClr val="122956"/>
+                </a:solidFill>
+                <a:cs typeface="Trebuchet MS" charset="0"/>
+              </a:rPr>
+              <a:pPr eaLnBrk="1" hangingPunct="1"/>
+              <a:t>9</a:t>
+            </a:fld>
+            <a:endParaRPr lang="en-US" sz="1200" b="1" dirty="0">
+              <a:solidFill>
+                <a:srgbClr val="122956"/>
+              </a:solidFill>
+              <a:cs typeface="Trebuchet MS" charset="0"/>
             </a:endParaRPr>
           </a:p>
         </p:txBody>

--- a/300.pptx
+++ b/300.pptx
@@ -538,7 +538,7 @@
                 <a:ea typeface="ＭＳ Ｐゴシック" charset="0"/>
                 <a:cs typeface="ＭＳ Ｐゴシック" charset="0"/>
               </a:rPr>
-              <a:t>30 </a:t>
+              <a:t>60 </a:t>
             </a:r>
             <a:r>
               <a:rPr lang="en-US" b="1" dirty="0" err="1" smtClean="0">
@@ -562,7 +562,7 @@
                 <a:ea typeface="ＭＳ Ｐゴシック" charset="0"/>
                 <a:cs typeface="ＭＳ Ｐゴシック" charset="0"/>
               </a:rPr>
-              <a:t>(10 </a:t>
+              <a:t>(30 </a:t>
             </a:r>
             <a:r>
               <a:rPr lang="en-US" dirty="0" err="1" smtClean="0">
@@ -586,15 +586,23 @@
                 <a:ea typeface="ＭＳ Ｐゴシック" charset="0"/>
                 <a:cs typeface="ＭＳ Ｐゴシック" charset="0"/>
               </a:rPr>
-              <a:t>teaching, </a:t>
-            </a:r>
-            <a:r>
-              <a:rPr lang="en-US" dirty="0" smtClean="0">
+              <a:t>teaching</a:t>
+            </a:r>
+            <a:r>
+              <a:rPr lang="en-US">
                 <a:latin typeface="Calibri" charset="0"/>
                 <a:ea typeface="ＭＳ Ｐゴシック" charset="0"/>
                 <a:cs typeface="ＭＳ Ｐゴシック" charset="0"/>
               </a:rPr>
-              <a:t>20 </a:t>
+              <a:t>, </a:t>
+            </a:r>
+            <a:r>
+              <a:rPr lang="en-US" smtClean="0">
+                <a:latin typeface="Calibri" charset="0"/>
+                <a:ea typeface="ＭＳ Ｐゴシック" charset="0"/>
+                <a:cs typeface="ＭＳ Ｐゴシック" charset="0"/>
+              </a:rPr>
+              <a:t>30 </a:t>
             </a:r>
             <a:r>
               <a:rPr lang="en-US" dirty="0" err="1">
@@ -3972,7 +3980,7 @@
               <a:pPr>
                 <a:defRPr/>
               </a:pPr>
-              <a:t>8/19/11</a:t>
+              <a:t>8/24/11</a:t>
             </a:fld>
             <a:endParaRPr lang="en-US"/>
           </a:p>
@@ -4393,7 +4401,7 @@
               <a:pPr>
                 <a:defRPr/>
               </a:pPr>
-              <a:t>8/19/11</a:t>
+              <a:t>8/24/11</a:t>
             </a:fld>
             <a:endParaRPr lang="en-US"/>
           </a:p>
@@ -5118,7 +5126,7 @@
               <a:pPr>
                 <a:defRPr/>
               </a:pPr>
-              <a:t>8/19/11</a:t>
+              <a:t>8/24/11</a:t>
             </a:fld>
             <a:endParaRPr lang="en-US"/>
           </a:p>
@@ -5671,7 +5679,7 @@
               <a:pPr>
                 <a:defRPr/>
               </a:pPr>
-              <a:t>8/19/11</a:t>
+              <a:t>8/24/11</a:t>
             </a:fld>
             <a:endParaRPr lang="en-US"/>
           </a:p>
@@ -6022,7 +6030,7 @@
               <a:pPr>
                 <a:defRPr/>
               </a:pPr>
-              <a:t>8/19/11</a:t>
+              <a:t>8/24/11</a:t>
             </a:fld>
             <a:endParaRPr lang="en-US"/>
           </a:p>
@@ -6380,7 +6388,7 @@
               <a:pPr>
                 <a:defRPr/>
               </a:pPr>
-              <a:t>8/19/11</a:t>
+              <a:t>8/24/11</a:t>
             </a:fld>
             <a:endParaRPr lang="en-US"/>
           </a:p>
@@ -6615,7 +6623,7 @@
               <a:pPr>
                 <a:defRPr/>
               </a:pPr>
-              <a:t>8/19/11</a:t>
+              <a:t>8/24/11</a:t>
             </a:fld>
             <a:endParaRPr lang="en-US"/>
           </a:p>
@@ -6907,7 +6915,7 @@
               <a:pPr>
                 <a:defRPr/>
               </a:pPr>
-              <a:t>8/19/11</a:t>
+              <a:t>8/24/11</a:t>
             </a:fld>
             <a:endParaRPr lang="en-US"/>
           </a:p>

--- a/300.pptx
+++ b/300.pptx
@@ -3980,7 +3980,7 @@
               <a:pPr>
                 <a:defRPr/>
               </a:pPr>
-              <a:t>8/24/11</a:t>
+              <a:t>9/27/11</a:t>
             </a:fld>
             <a:endParaRPr lang="en-US"/>
           </a:p>
@@ -4401,7 +4401,7 @@
               <a:pPr>
                 <a:defRPr/>
               </a:pPr>
-              <a:t>8/24/11</a:t>
+              <a:t>9/27/11</a:t>
             </a:fld>
             <a:endParaRPr lang="en-US"/>
           </a:p>
@@ -5126,7 +5126,7 @@
               <a:pPr>
                 <a:defRPr/>
               </a:pPr>
-              <a:t>8/24/11</a:t>
+              <a:t>9/27/11</a:t>
             </a:fld>
             <a:endParaRPr lang="en-US"/>
           </a:p>
@@ -5679,7 +5679,7 @@
               <a:pPr>
                 <a:defRPr/>
               </a:pPr>
-              <a:t>8/24/11</a:t>
+              <a:t>9/27/11</a:t>
             </a:fld>
             <a:endParaRPr lang="en-US"/>
           </a:p>
@@ -6030,7 +6030,7 @@
               <a:pPr>
                 <a:defRPr/>
               </a:pPr>
-              <a:t>8/24/11</a:t>
+              <a:t>9/27/11</a:t>
             </a:fld>
             <a:endParaRPr lang="en-US"/>
           </a:p>
@@ -6388,7 +6388,7 @@
               <a:pPr>
                 <a:defRPr/>
               </a:pPr>
-              <a:t>8/24/11</a:t>
+              <a:t>9/27/11</a:t>
             </a:fld>
             <a:endParaRPr lang="en-US"/>
           </a:p>
@@ -6623,7 +6623,7 @@
               <a:pPr>
                 <a:defRPr/>
               </a:pPr>
-              <a:t>8/24/11</a:t>
+              <a:t>9/27/11</a:t>
             </a:fld>
             <a:endParaRPr lang="en-US"/>
           </a:p>
@@ -6915,7 +6915,7 @@
               <a:pPr>
                 <a:defRPr/>
               </a:pPr>
-              <a:t>8/24/11</a:t>
+              <a:t>9/27/11</a:t>
             </a:fld>
             <a:endParaRPr lang="en-US"/>
           </a:p>
@@ -8048,13 +8048,13 @@
           <a:p>
             <a:pPr eaLnBrk="1" hangingPunct="1"/>
             <a:r>
-              <a:rPr lang="en-US" sz="1200" b="1" dirty="0">
+              <a:rPr lang="en-US" sz="1200" b="1" dirty="0" smtClean="0">
                 <a:solidFill>
                   <a:srgbClr val="122956"/>
                 </a:solidFill>
                 <a:cs typeface="Trebuchet MS" charset="0"/>
               </a:rPr>
-              <a:t>1-</a:t>
+              <a:t>PERF-</a:t>
             </a:r>
             <a:fld id="{31B56995-E14C-B64F-86C9-12D6DB74A41E}" type="slidenum">
               <a:rPr lang="en-US" sz="1200" b="1">
@@ -8414,7 +8414,7 @@
       </p:sp>
       <p:sp>
         <p:nvSpPr>
-          <p:cNvPr id="7" name="Slide Number Placeholder 5"/>
+          <p:cNvPr id="8" name="Slide Number Placeholder 5"/>
           <p:cNvSpPr>
             <a:spLocks noGrp="1"/>
           </p:cNvSpPr>
@@ -8565,13 +8565,13 @@
           <a:p>
             <a:pPr eaLnBrk="1" hangingPunct="1"/>
             <a:r>
-              <a:rPr lang="en-US" sz="1200" b="1" dirty="0">
+              <a:rPr lang="en-US" sz="1200" b="1" dirty="0" smtClean="0">
                 <a:solidFill>
                   <a:srgbClr val="122956"/>
                 </a:solidFill>
                 <a:cs typeface="Trebuchet MS" charset="0"/>
               </a:rPr>
-              <a:t>1-</a:t>
+              <a:t>PERF-</a:t>
             </a:r>
             <a:fld id="{31B56995-E14C-B64F-86C9-12D6DB74A41E}" type="slidenum">
               <a:rPr lang="en-US" sz="1200" b="1">
@@ -8971,7 +8971,7 @@
       </p:sp>
       <p:sp>
         <p:nvSpPr>
-          <p:cNvPr id="7" name="Slide Number Placeholder 5"/>
+          <p:cNvPr id="8" name="Slide Number Placeholder 5"/>
           <p:cNvSpPr>
             <a:spLocks noGrp="1"/>
           </p:cNvSpPr>
@@ -9122,13 +9122,13 @@
           <a:p>
             <a:pPr eaLnBrk="1" hangingPunct="1"/>
             <a:r>
-              <a:rPr lang="en-US" sz="1200" b="1" dirty="0">
+              <a:rPr lang="en-US" sz="1200" b="1" dirty="0" smtClean="0">
                 <a:solidFill>
                   <a:srgbClr val="122956"/>
                 </a:solidFill>
                 <a:cs typeface="Trebuchet MS" charset="0"/>
               </a:rPr>
-              <a:t>1-</a:t>
+              <a:t>PERF-</a:t>
             </a:r>
             <a:fld id="{31B56995-E14C-B64F-86C9-12D6DB74A41E}" type="slidenum">
               <a:rPr lang="en-US" sz="1200" b="1">
@@ -9490,7 +9490,7 @@
       </p:sp>
       <p:sp>
         <p:nvSpPr>
-          <p:cNvPr id="7" name="Slide Number Placeholder 5"/>
+          <p:cNvPr id="9" name="Slide Number Placeholder 5"/>
           <p:cNvSpPr>
             <a:spLocks noGrp="1"/>
           </p:cNvSpPr>
@@ -9641,13 +9641,13 @@
           <a:p>
             <a:pPr eaLnBrk="1" hangingPunct="1"/>
             <a:r>
-              <a:rPr lang="en-US" sz="1200" b="1" dirty="0">
+              <a:rPr lang="en-US" sz="1200" b="1" dirty="0" smtClean="0">
                 <a:solidFill>
                   <a:srgbClr val="122956"/>
                 </a:solidFill>
                 <a:cs typeface="Trebuchet MS" charset="0"/>
               </a:rPr>
-              <a:t>1-</a:t>
+              <a:t>PERF-</a:t>
             </a:r>
             <a:fld id="{31B56995-E14C-B64F-86C9-12D6DB74A41E}" type="slidenum">
               <a:rPr lang="en-US" sz="1200" b="1">
@@ -10045,7 +10045,7 @@
       </p:sp>
       <p:sp>
         <p:nvSpPr>
-          <p:cNvPr id="7" name="Slide Number Placeholder 5"/>
+          <p:cNvPr id="8" name="Slide Number Placeholder 5"/>
           <p:cNvSpPr>
             <a:spLocks noGrp="1"/>
           </p:cNvSpPr>
@@ -10196,13 +10196,13 @@
           <a:p>
             <a:pPr eaLnBrk="1" hangingPunct="1"/>
             <a:r>
-              <a:rPr lang="en-US" sz="1200" b="1" dirty="0">
+              <a:rPr lang="en-US" sz="1200" b="1" dirty="0" smtClean="0">
                 <a:solidFill>
                   <a:srgbClr val="122956"/>
                 </a:solidFill>
                 <a:cs typeface="Trebuchet MS" charset="0"/>
               </a:rPr>
-              <a:t>1-</a:t>
+              <a:t>PERF-</a:t>
             </a:r>
             <a:fld id="{31B56995-E14C-B64F-86C9-12D6DB74A41E}" type="slidenum">
               <a:rPr lang="en-US" sz="1200" b="1">
@@ -10362,7 +10362,7 @@
       </p:sp>
       <p:sp>
         <p:nvSpPr>
-          <p:cNvPr id="4" name="Slide Number Placeholder 5"/>
+          <p:cNvPr id="5" name="Slide Number Placeholder 5"/>
           <p:cNvSpPr>
             <a:spLocks noGrp="1"/>
           </p:cNvSpPr>
@@ -10513,13 +10513,13 @@
           <a:p>
             <a:pPr eaLnBrk="1" hangingPunct="1"/>
             <a:r>
-              <a:rPr lang="en-US" sz="1200" b="1" dirty="0">
+              <a:rPr lang="en-US" sz="1200" b="1" dirty="0" smtClean="0">
                 <a:solidFill>
                   <a:srgbClr val="122956"/>
                 </a:solidFill>
                 <a:cs typeface="Trebuchet MS" charset="0"/>
               </a:rPr>
-              <a:t>1-</a:t>
+              <a:t>PERF-</a:t>
             </a:r>
             <a:fld id="{31B56995-E14C-B64F-86C9-12D6DB74A41E}" type="slidenum">
               <a:rPr lang="en-US" sz="1200" b="1">
@@ -10714,7 +10714,7 @@
       </p:sp>
       <p:sp>
         <p:nvSpPr>
-          <p:cNvPr id="4" name="Slide Number Placeholder 5"/>
+          <p:cNvPr id="5" name="Slide Number Placeholder 5"/>
           <p:cNvSpPr>
             <a:spLocks noGrp="1"/>
           </p:cNvSpPr>
@@ -10865,13 +10865,13 @@
           <a:p>
             <a:pPr eaLnBrk="1" hangingPunct="1"/>
             <a:r>
-              <a:rPr lang="en-US" sz="1200" b="1" dirty="0">
+              <a:rPr lang="en-US" sz="1200" b="1" dirty="0" smtClean="0">
                 <a:solidFill>
                   <a:srgbClr val="122956"/>
                 </a:solidFill>
                 <a:cs typeface="Trebuchet MS" charset="0"/>
               </a:rPr>
-              <a:t>1-</a:t>
+              <a:t>PERF-</a:t>
             </a:r>
             <a:fld id="{31B56995-E14C-B64F-86C9-12D6DB74A41E}" type="slidenum">
               <a:rPr lang="en-US" sz="1200" b="1">
@@ -11030,7 +11030,7 @@
       </p:sp>
       <p:sp>
         <p:nvSpPr>
-          <p:cNvPr id="4" name="Slide Number Placeholder 5"/>
+          <p:cNvPr id="5" name="Slide Number Placeholder 5"/>
           <p:cNvSpPr>
             <a:spLocks noGrp="1"/>
           </p:cNvSpPr>
@@ -11181,13 +11181,13 @@
           <a:p>
             <a:pPr eaLnBrk="1" hangingPunct="1"/>
             <a:r>
-              <a:rPr lang="en-US" sz="1200" b="1" dirty="0">
+              <a:rPr lang="en-US" sz="1200" b="1" dirty="0" smtClean="0">
                 <a:solidFill>
                   <a:srgbClr val="122956"/>
                 </a:solidFill>
                 <a:cs typeface="Trebuchet MS" charset="0"/>
               </a:rPr>
-              <a:t>1-</a:t>
+              <a:t>PERF-</a:t>
             </a:r>
             <a:fld id="{31B56995-E14C-B64F-86C9-12D6DB74A41E}" type="slidenum">
               <a:rPr lang="en-US" sz="1200" b="1">
@@ -11536,7 +11536,7 @@
       </p:sp>
       <p:sp>
         <p:nvSpPr>
-          <p:cNvPr id="7" name="Slide Number Placeholder 5"/>
+          <p:cNvPr id="8" name="Slide Number Placeholder 5"/>
           <p:cNvSpPr>
             <a:spLocks noGrp="1"/>
           </p:cNvSpPr>
@@ -11687,13 +11687,13 @@
           <a:p>
             <a:pPr eaLnBrk="1" hangingPunct="1"/>
             <a:r>
-              <a:rPr lang="en-US" sz="1200" b="1" dirty="0">
+              <a:rPr lang="en-US" sz="1200" b="1" dirty="0" smtClean="0">
                 <a:solidFill>
                   <a:srgbClr val="122956"/>
                 </a:solidFill>
                 <a:cs typeface="Trebuchet MS" charset="0"/>
               </a:rPr>
-              <a:t>1-</a:t>
+              <a:t>PERF-</a:t>
             </a:r>
             <a:fld id="{31B56995-E14C-B64F-86C9-12D6DB74A41E}" type="slidenum">
               <a:rPr lang="en-US" sz="1200" b="1">
@@ -12037,7 +12037,7 @@
       </p:sp>
       <p:sp>
         <p:nvSpPr>
-          <p:cNvPr id="7" name="Slide Number Placeholder 5"/>
+          <p:cNvPr id="8" name="Slide Number Placeholder 5"/>
           <p:cNvSpPr>
             <a:spLocks noGrp="1"/>
           </p:cNvSpPr>
@@ -12188,13 +12188,13 @@
           <a:p>
             <a:pPr eaLnBrk="1" hangingPunct="1"/>
             <a:r>
-              <a:rPr lang="en-US" sz="1200" b="1" dirty="0">
+              <a:rPr lang="en-US" sz="1200" b="1" dirty="0" smtClean="0">
                 <a:solidFill>
                   <a:srgbClr val="122956"/>
                 </a:solidFill>
                 <a:cs typeface="Trebuchet MS" charset="0"/>
               </a:rPr>
-              <a:t>1-</a:t>
+              <a:t>PERF-</a:t>
             </a:r>
             <a:fld id="{31B56995-E14C-B64F-86C9-12D6DB74A41E}" type="slidenum">
               <a:rPr lang="en-US" sz="1200" b="1">
@@ -12543,7 +12543,7 @@
       </p:sp>
       <p:sp>
         <p:nvSpPr>
-          <p:cNvPr id="7" name="Slide Number Placeholder 5"/>
+          <p:cNvPr id="8" name="Slide Number Placeholder 5"/>
           <p:cNvSpPr>
             <a:spLocks noGrp="1"/>
           </p:cNvSpPr>
@@ -12694,13 +12694,13 @@
           <a:p>
             <a:pPr eaLnBrk="1" hangingPunct="1"/>
             <a:r>
-              <a:rPr lang="en-US" sz="1200" b="1" dirty="0">
+              <a:rPr lang="en-US" sz="1200" b="1" dirty="0" smtClean="0">
                 <a:solidFill>
                   <a:srgbClr val="122956"/>
                 </a:solidFill>
                 <a:cs typeface="Trebuchet MS" charset="0"/>
               </a:rPr>
-              <a:t>1-</a:t>
+              <a:t>PERF-</a:t>
             </a:r>
             <a:fld id="{31B56995-E14C-B64F-86C9-12D6DB74A41E}" type="slidenum">
               <a:rPr lang="en-US" sz="1200" b="1">
@@ -12883,7 +12883,7 @@
       </p:sp>
       <p:sp>
         <p:nvSpPr>
-          <p:cNvPr id="4" name="Slide Number Placeholder 5"/>
+          <p:cNvPr id="5" name="Slide Number Placeholder 5"/>
           <p:cNvSpPr>
             <a:spLocks noGrp="1"/>
           </p:cNvSpPr>
@@ -13034,13 +13034,13 @@
           <a:p>
             <a:pPr eaLnBrk="1" hangingPunct="1"/>
             <a:r>
-              <a:rPr lang="en-US" sz="1200" b="1" dirty="0">
+              <a:rPr lang="en-US" sz="1200" b="1" dirty="0" smtClean="0">
                 <a:solidFill>
                   <a:srgbClr val="122956"/>
                 </a:solidFill>
                 <a:cs typeface="Trebuchet MS" charset="0"/>
               </a:rPr>
-              <a:t>1-</a:t>
+              <a:t>PERF-</a:t>
             </a:r>
             <a:fld id="{31B56995-E14C-B64F-86C9-12D6DB74A41E}" type="slidenum">
               <a:rPr lang="en-US" sz="1200" b="1">
@@ -13223,7 +13223,7 @@
       </p:sp>
       <p:sp>
         <p:nvSpPr>
-          <p:cNvPr id="4" name="Slide Number Placeholder 5"/>
+          <p:cNvPr id="5" name="Slide Number Placeholder 5"/>
           <p:cNvSpPr>
             <a:spLocks noGrp="1"/>
           </p:cNvSpPr>
@@ -13374,13 +13374,13 @@
           <a:p>
             <a:pPr eaLnBrk="1" hangingPunct="1"/>
             <a:r>
-              <a:rPr lang="en-US" sz="1200" b="1" dirty="0">
+              <a:rPr lang="en-US" sz="1200" b="1" dirty="0" smtClean="0">
                 <a:solidFill>
                   <a:srgbClr val="122956"/>
                 </a:solidFill>
                 <a:cs typeface="Trebuchet MS" charset="0"/>
               </a:rPr>
-              <a:t>1-</a:t>
+              <a:t>PERF-</a:t>
             </a:r>
             <a:fld id="{31B56995-E14C-B64F-86C9-12D6DB74A41E}" type="slidenum">
               <a:rPr lang="en-US" sz="1200" b="1">
@@ -13540,7 +13540,7 @@
       </p:sp>
       <p:sp>
         <p:nvSpPr>
-          <p:cNvPr id="4" name="Slide Number Placeholder 5"/>
+          <p:cNvPr id="5" name="Slide Number Placeholder 5"/>
           <p:cNvSpPr>
             <a:spLocks noGrp="1"/>
           </p:cNvSpPr>
@@ -13691,13 +13691,13 @@
           <a:p>
             <a:pPr eaLnBrk="1" hangingPunct="1"/>
             <a:r>
-              <a:rPr lang="en-US" sz="1200" b="1" dirty="0">
+              <a:rPr lang="en-US" sz="1200" b="1" dirty="0" smtClean="0">
                 <a:solidFill>
                   <a:srgbClr val="122956"/>
                 </a:solidFill>
                 <a:cs typeface="Trebuchet MS" charset="0"/>
               </a:rPr>
-              <a:t>1-</a:t>
+              <a:t>PERF-</a:t>
             </a:r>
             <a:fld id="{31B56995-E14C-B64F-86C9-12D6DB74A41E}" type="slidenum">
               <a:rPr lang="en-US" sz="1200" b="1">
@@ -13857,7 +13857,7 @@
       </p:sp>
       <p:sp>
         <p:nvSpPr>
-          <p:cNvPr id="4" name="Slide Number Placeholder 5"/>
+          <p:cNvPr id="5" name="Slide Number Placeholder 5"/>
           <p:cNvSpPr>
             <a:spLocks noGrp="1"/>
           </p:cNvSpPr>
@@ -14008,13 +14008,13 @@
           <a:p>
             <a:pPr eaLnBrk="1" hangingPunct="1"/>
             <a:r>
-              <a:rPr lang="en-US" sz="1200" b="1" dirty="0">
+              <a:rPr lang="en-US" sz="1200" b="1" dirty="0" smtClean="0">
                 <a:solidFill>
                   <a:srgbClr val="122956"/>
                 </a:solidFill>
                 <a:cs typeface="Trebuchet MS" charset="0"/>
               </a:rPr>
-              <a:t>1-</a:t>
+              <a:t>PERF-</a:t>
             </a:r>
             <a:fld id="{31B56995-E14C-B64F-86C9-12D6DB74A41E}" type="slidenum">
               <a:rPr lang="en-US" sz="1200" b="1">
@@ -14376,7 +14376,7 @@
       </p:sp>
       <p:sp>
         <p:nvSpPr>
-          <p:cNvPr id="7" name="Slide Number Placeholder 5"/>
+          <p:cNvPr id="8" name="Slide Number Placeholder 5"/>
           <p:cNvSpPr>
             <a:spLocks noGrp="1"/>
           </p:cNvSpPr>
@@ -14527,13 +14527,13 @@
           <a:p>
             <a:pPr eaLnBrk="1" hangingPunct="1"/>
             <a:r>
-              <a:rPr lang="en-US" sz="1200" b="1" dirty="0">
+              <a:rPr lang="en-US" sz="1200" b="1" dirty="0" smtClean="0">
                 <a:solidFill>
                   <a:srgbClr val="122956"/>
                 </a:solidFill>
                 <a:cs typeface="Trebuchet MS" charset="0"/>
               </a:rPr>
-              <a:t>1-</a:t>
+              <a:t>PERF-</a:t>
             </a:r>
             <a:fld id="{31B56995-E14C-B64F-86C9-12D6DB74A41E}" type="slidenum">
               <a:rPr lang="en-US" sz="1200" b="1">

--- a/300.pptx
+++ b/300.pptx
@@ -5,25 +5,26 @@
     <p:sldMasterId id="2147483816" r:id="rId1"/>
   </p:sldMasterIdLst>
   <p:notesMasterIdLst>
-    <p:notesMasterId r:id="rId18"/>
+    <p:notesMasterId r:id="rId19"/>
   </p:notesMasterIdLst>
   <p:sldIdLst>
     <p:sldId id="256" r:id="rId2"/>
     <p:sldId id="258" r:id="rId3"/>
     <p:sldId id="349" r:id="rId4"/>
-    <p:sldId id="379" r:id="rId5"/>
-    <p:sldId id="378" r:id="rId6"/>
-    <p:sldId id="385" r:id="rId7"/>
-    <p:sldId id="383" r:id="rId8"/>
-    <p:sldId id="381" r:id="rId9"/>
-    <p:sldId id="382" r:id="rId10"/>
-    <p:sldId id="384" r:id="rId11"/>
-    <p:sldId id="386" r:id="rId12"/>
-    <p:sldId id="387" r:id="rId13"/>
-    <p:sldId id="388" r:id="rId14"/>
-    <p:sldId id="380" r:id="rId15"/>
-    <p:sldId id="389" r:id="rId16"/>
-    <p:sldId id="328" r:id="rId17"/>
+    <p:sldId id="390" r:id="rId5"/>
+    <p:sldId id="379" r:id="rId6"/>
+    <p:sldId id="378" r:id="rId7"/>
+    <p:sldId id="385" r:id="rId8"/>
+    <p:sldId id="383" r:id="rId9"/>
+    <p:sldId id="381" r:id="rId10"/>
+    <p:sldId id="382" r:id="rId11"/>
+    <p:sldId id="384" r:id="rId12"/>
+    <p:sldId id="386" r:id="rId13"/>
+    <p:sldId id="387" r:id="rId14"/>
+    <p:sldId id="388" r:id="rId15"/>
+    <p:sldId id="380" r:id="rId16"/>
+    <p:sldId id="389" r:id="rId17"/>
+    <p:sldId id="328" r:id="rId18"/>
   </p:sldIdLst>
   <p:sldSz cx="9144000" cy="6858000" type="screen4x3"/>
   <p:notesSz cx="6858000" cy="9144000"/>
@@ -737,9 +738,9 @@
           <a:bodyPr/>
           <a:lstStyle/>
           <a:p>
-            <a:pPr marL="250825" indent="-171450" eaLnBrk="1" hangingPunct="1">
+            <a:pPr marL="79375" indent="0" eaLnBrk="1" hangingPunct="1">
               <a:buFontTx/>
-              <a:buChar char="-"/>
+              <a:buNone/>
             </a:pPr>
             <a:r>
               <a:rPr lang="en-US" b="0" dirty="0" smtClean="0">
@@ -751,10 +752,31 @@
                 <a:cs typeface="Lucida Grande" charset="0"/>
                 <a:sym typeface="Lucida Grande" charset="0"/>
               </a:rPr>
-              <a:t>In Titanium 2,</a:t>
-            </a:r>
-            <a:r>
-              <a:rPr lang="en-US" b="0" baseline="0" dirty="0" smtClean="0">
+              <a:t>Defer loading when possible</a:t>
+            </a:r>
+          </a:p>
+          <a:p>
+            <a:pPr marL="79375" indent="0" eaLnBrk="1" hangingPunct="1">
+              <a:buFontTx/>
+              <a:buNone/>
+            </a:pPr>
+            <a:endParaRPr lang="en-US" b="0" dirty="0" smtClean="0">
+              <a:solidFill>
+                <a:srgbClr val="000000"/>
+              </a:solidFill>
+              <a:latin typeface="Lucida Grande" charset="0"/>
+              <a:ea typeface="ＭＳ Ｐゴシック" charset="0"/>
+              <a:cs typeface="Lucida Grande" charset="0"/>
+              <a:sym typeface="Lucida Grande" charset="0"/>
+            </a:endParaRPr>
+          </a:p>
+          <a:p>
+            <a:pPr marL="79375" indent="0" eaLnBrk="1" hangingPunct="1">
+              <a:buFontTx/>
+              <a:buNone/>
+            </a:pPr>
+            <a:r>
+              <a:rPr lang="en-US" b="0" dirty="0" smtClean="0">
                 <a:solidFill>
                   <a:srgbClr val="000000"/>
                 </a:solidFill>
@@ -763,10 +785,10 @@
                 <a:cs typeface="Lucida Grande" charset="0"/>
                 <a:sym typeface="Lucida Grande" charset="0"/>
               </a:rPr>
-              <a:t> the current thinking is that all apps will be single context, more like the browser.  We will then expose a threading API to be more explicit about the creation of threads/contexts, so eventually single context will be the one and only way.  For the </a:t>
-            </a:r>
-            <a:r>
-              <a:rPr lang="en-US" b="0" baseline="0" dirty="0" err="1" smtClean="0">
+              <a:t>For the second and third</a:t>
+            </a:r>
+            <a:r>
+              <a:rPr lang="en-US" b="0" baseline="0" dirty="0" smtClean="0">
                 <a:solidFill>
                   <a:srgbClr val="000000"/>
                 </a:solidFill>
@@ -775,8 +797,29 @@
                 <a:cs typeface="Lucida Grande" charset="0"/>
                 <a:sym typeface="Lucida Grande" charset="0"/>
               </a:rPr>
-              <a:t>forseeable</a:t>
-            </a:r>
+              <a:t> point – it is tempting to package JSON files in your resources directory and JSON-parse them as configuration, resource bundles, etc.  This is fine for small numbers of files, but can be costly as files get large</a:t>
+            </a:r>
+          </a:p>
+          <a:p>
+            <a:pPr marL="79375" indent="0" eaLnBrk="1" hangingPunct="1">
+              <a:buFontTx/>
+              <a:buNone/>
+            </a:pPr>
+            <a:endParaRPr lang="en-US" b="0" baseline="0" dirty="0" smtClean="0">
+              <a:solidFill>
+                <a:srgbClr val="000000"/>
+              </a:solidFill>
+              <a:latin typeface="Lucida Grande" charset="0"/>
+              <a:ea typeface="ＭＳ Ｐゴシック" charset="0"/>
+              <a:cs typeface="Lucida Grande" charset="0"/>
+              <a:sym typeface="Lucida Grande" charset="0"/>
+            </a:endParaRPr>
+          </a:p>
+          <a:p>
+            <a:pPr marL="79375" indent="0" eaLnBrk="1" hangingPunct="1">
+              <a:buFontTx/>
+              <a:buNone/>
+            </a:pPr>
             <a:r>
               <a:rPr lang="en-US" b="0" baseline="0" dirty="0" smtClean="0">
                 <a:solidFill>
@@ -787,7 +830,31 @@
                 <a:cs typeface="Lucida Grande" charset="0"/>
                 <a:sym typeface="Lucida Grande" charset="0"/>
               </a:rPr>
-              <a:t> future, though, multiple contexts can be useful for deferring execution.</a:t>
+              <a:t>Older “hack” of adding objects, functions, and values to </a:t>
+            </a:r>
+            <a:r>
+              <a:rPr lang="en-US" b="0" baseline="0" dirty="0" err="1" smtClean="0">
+                <a:solidFill>
+                  <a:srgbClr val="000000"/>
+                </a:solidFill>
+                <a:latin typeface="Lucida Grande" charset="0"/>
+                <a:ea typeface="ＭＳ Ｐゴシック" charset="0"/>
+                <a:cs typeface="Lucida Grande" charset="0"/>
+                <a:sym typeface="Lucida Grande" charset="0"/>
+              </a:rPr>
+              <a:t>Ti.App</a:t>
+            </a:r>
+            <a:r>
+              <a:rPr lang="en-US" b="0" baseline="0" dirty="0" smtClean="0">
+                <a:solidFill>
+                  <a:srgbClr val="000000"/>
+                </a:solidFill>
+                <a:latin typeface="Lucida Grande" charset="0"/>
+                <a:ea typeface="ＭＳ Ｐゴシック" charset="0"/>
+                <a:cs typeface="Lucida Grande" charset="0"/>
+                <a:sym typeface="Lucida Grande" charset="0"/>
+              </a:rPr>
+              <a:t> is no longer recommended. Generally this is disallowed and it can lead to many potentials for problems and crashes.</a:t>
             </a:r>
             <a:endParaRPr lang="en-US" b="0" dirty="0">
               <a:solidFill>
@@ -894,10 +961,10 @@
                 <a:cs typeface="Lucida Grande" charset="0"/>
                 <a:sym typeface="Lucida Grande" charset="0"/>
               </a:rPr>
-              <a:t>Adding </a:t>
-            </a:r>
-            <a:r>
-              <a:rPr lang="en-US" b="0" dirty="0" err="1" smtClean="0">
+              <a:t>In Titanium 2,</a:t>
+            </a:r>
+            <a:r>
+              <a:rPr lang="en-US" b="0" baseline="0" dirty="0" smtClean="0">
                 <a:solidFill>
                   <a:srgbClr val="000000"/>
                 </a:solidFill>
@@ -906,10 +973,10 @@
                 <a:cs typeface="Lucida Grande" charset="0"/>
                 <a:sym typeface="Lucida Grande" charset="0"/>
               </a:rPr>
-              <a:t>className</a:t>
-            </a:r>
-            <a:r>
-              <a:rPr lang="en-US" b="0" baseline="0" dirty="0" smtClean="0">
+              <a:t> the current thinking is that all apps will be single context, more like the browser.  We will then expose a threading API to be more explicit about the creation of threads/contexts, so eventually single context will be the one and only way.  For the </a:t>
+            </a:r>
+            <a:r>
+              <a:rPr lang="en-US" b="0" baseline="0" dirty="0" err="1" smtClean="0">
                 <a:solidFill>
                   <a:srgbClr val="000000"/>
                 </a:solidFill>
@@ -918,16 +985,10 @@
                 <a:cs typeface="Lucida Grande" charset="0"/>
                 <a:sym typeface="Lucida Grande" charset="0"/>
               </a:rPr>
-              <a:t> enables Ti &amp; underlying OS to reuse table row objects and optimize memory</a:t>
-            </a:r>
-          </a:p>
-          <a:p>
-            <a:pPr marL="250825" indent="-171450" eaLnBrk="1" hangingPunct="1">
-              <a:buFontTx/>
-              <a:buChar char="-"/>
-            </a:pPr>
-            <a:r>
-              <a:rPr lang="en-US" b="0" dirty="0" smtClean="0">
+              <a:t>forseeable</a:t>
+            </a:r>
+            <a:r>
+              <a:rPr lang="en-US" b="0" baseline="0" dirty="0" smtClean="0">
                 <a:solidFill>
                   <a:srgbClr val="000000"/>
                 </a:solidFill>
@@ -936,85 +997,7 @@
                 <a:cs typeface="Lucida Grande" charset="0"/>
                 <a:sym typeface="Lucida Grande" charset="0"/>
               </a:rPr>
-              <a:t>A </a:t>
-            </a:r>
-            <a:r>
-              <a:rPr lang="en-US" b="0" dirty="0" err="1" smtClean="0">
-                <a:solidFill>
-                  <a:srgbClr val="000000"/>
-                </a:solidFill>
-                <a:latin typeface="Lucida Grande" charset="0"/>
-                <a:ea typeface="ＭＳ Ｐゴシック" charset="0"/>
-                <a:cs typeface="Lucida Grande" charset="0"/>
-                <a:sym typeface="Lucida Grande" charset="0"/>
-              </a:rPr>
-              <a:t>setData</a:t>
-            </a:r>
-            <a:r>
-              <a:rPr lang="en-US" b="0" dirty="0" smtClean="0">
-                <a:solidFill>
-                  <a:srgbClr val="000000"/>
-                </a:solidFill>
-                <a:latin typeface="Lucida Grande" charset="0"/>
-                <a:ea typeface="ＭＳ Ｐゴシック" charset="0"/>
-                <a:cs typeface="Lucida Grande" charset="0"/>
-                <a:sym typeface="Lucida Grande" charset="0"/>
-              </a:rPr>
-              <a:t>()</a:t>
-            </a:r>
-            <a:r>
-              <a:rPr lang="en-US" b="0" baseline="0" dirty="0" smtClean="0">
-                <a:solidFill>
-                  <a:srgbClr val="000000"/>
-                </a:solidFill>
-                <a:latin typeface="Lucida Grande" charset="0"/>
-                <a:ea typeface="ＭＳ Ｐゴシック" charset="0"/>
-                <a:cs typeface="Lucida Grande" charset="0"/>
-                <a:sym typeface="Lucida Grande" charset="0"/>
-              </a:rPr>
-              <a:t> call for a lot of rows is faster than repeated </a:t>
-            </a:r>
-            <a:r>
-              <a:rPr lang="en-US" b="0" baseline="0" dirty="0" err="1" smtClean="0">
-                <a:solidFill>
-                  <a:srgbClr val="000000"/>
-                </a:solidFill>
-                <a:latin typeface="Lucida Grande" charset="0"/>
-                <a:ea typeface="ＭＳ Ｐゴシック" charset="0"/>
-                <a:cs typeface="Lucida Grande" charset="0"/>
-                <a:sym typeface="Lucida Grande" charset="0"/>
-              </a:rPr>
-              <a:t>appendRow</a:t>
-            </a:r>
-            <a:r>
-              <a:rPr lang="en-US" b="0" baseline="0" dirty="0" smtClean="0">
-                <a:solidFill>
-                  <a:srgbClr val="000000"/>
-                </a:solidFill>
-                <a:latin typeface="Lucida Grande" charset="0"/>
-                <a:ea typeface="ＭＳ Ｐゴシック" charset="0"/>
-                <a:cs typeface="Lucida Grande" charset="0"/>
-                <a:sym typeface="Lucida Grande" charset="0"/>
-              </a:rPr>
-              <a:t>() calls</a:t>
-            </a:r>
-          </a:p>
-          <a:p>
-            <a:pPr marL="250825" indent="-171450" eaLnBrk="1" hangingPunct="1">
-              <a:buFontTx/>
-              <a:buChar char="-"/>
-            </a:pPr>
-            <a:r>
-              <a:rPr lang="en-US" b="0" baseline="0" dirty="0" smtClean="0">
-                <a:solidFill>
-                  <a:srgbClr val="000000"/>
-                </a:solidFill>
-                <a:latin typeface="Lucida Grande" charset="0"/>
-                <a:ea typeface="ＭＳ Ｐゴシック" charset="0"/>
-                <a:cs typeface="Lucida Grande" charset="0"/>
-                <a:sym typeface="Lucida Grande" charset="0"/>
-              </a:rPr>
-              <a:t>Perhaps you can use alternate UI paradigm to create smaller tables</a:t>
+              <a:t> future, though, multiple contexts can be useful for deferring execution.</a:t>
             </a:r>
             <a:endParaRPr lang="en-US" b="0" dirty="0">
               <a:solidFill>
@@ -1121,7 +1104,31 @@
                 <a:cs typeface="Lucida Grande" charset="0"/>
                 <a:sym typeface="Lucida Grande" charset="0"/>
               </a:rPr>
-              <a:t>Filter data in SQL rather than via JS (sorting, searching, etc.)</a:t>
+              <a:t>Adding </a:t>
+            </a:r>
+            <a:r>
+              <a:rPr lang="en-US" b="0" dirty="0" err="1" smtClean="0">
+                <a:solidFill>
+                  <a:srgbClr val="000000"/>
+                </a:solidFill>
+                <a:latin typeface="Lucida Grande" charset="0"/>
+                <a:ea typeface="ＭＳ Ｐゴシック" charset="0"/>
+                <a:cs typeface="Lucida Grande" charset="0"/>
+                <a:sym typeface="Lucida Grande" charset="0"/>
+              </a:rPr>
+              <a:t>className</a:t>
+            </a:r>
+            <a:r>
+              <a:rPr lang="en-US" b="0" baseline="0" dirty="0" smtClean="0">
+                <a:solidFill>
+                  <a:srgbClr val="000000"/>
+                </a:solidFill>
+                <a:latin typeface="Lucida Grande" charset="0"/>
+                <a:ea typeface="ＭＳ Ｐゴシック" charset="0"/>
+                <a:cs typeface="Lucida Grande" charset="0"/>
+                <a:sym typeface="Lucida Grande" charset="0"/>
+              </a:rPr>
+              <a:t> enables Ti &amp; underlying OS to reuse table row objects and optimize memory</a:t>
             </a:r>
           </a:p>
           <a:p>
@@ -1139,7 +1146,67 @@
                 <a:cs typeface="Lucida Grande" charset="0"/>
                 <a:sym typeface="Lucida Grande" charset="0"/>
               </a:rPr>
-              <a:t>Don’t use “select * from table” if you store blobs in your tables</a:t>
+              <a:t>A </a:t>
+            </a:r>
+            <a:r>
+              <a:rPr lang="en-US" b="0" dirty="0" err="1" smtClean="0">
+                <a:solidFill>
+                  <a:srgbClr val="000000"/>
+                </a:solidFill>
+                <a:latin typeface="Lucida Grande" charset="0"/>
+                <a:ea typeface="ＭＳ Ｐゴシック" charset="0"/>
+                <a:cs typeface="Lucida Grande" charset="0"/>
+                <a:sym typeface="Lucida Grande" charset="0"/>
+              </a:rPr>
+              <a:t>setData</a:t>
+            </a:r>
+            <a:r>
+              <a:rPr lang="en-US" b="0" dirty="0" smtClean="0">
+                <a:solidFill>
+                  <a:srgbClr val="000000"/>
+                </a:solidFill>
+                <a:latin typeface="Lucida Grande" charset="0"/>
+                <a:ea typeface="ＭＳ Ｐゴシック" charset="0"/>
+                <a:cs typeface="Lucida Grande" charset="0"/>
+                <a:sym typeface="Lucida Grande" charset="0"/>
+              </a:rPr>
+              <a:t>()</a:t>
+            </a:r>
+            <a:r>
+              <a:rPr lang="en-US" b="0" baseline="0" dirty="0" smtClean="0">
+                <a:solidFill>
+                  <a:srgbClr val="000000"/>
+                </a:solidFill>
+                <a:latin typeface="Lucida Grande" charset="0"/>
+                <a:ea typeface="ＭＳ Ｐゴシック" charset="0"/>
+                <a:cs typeface="Lucida Grande" charset="0"/>
+                <a:sym typeface="Lucida Grande" charset="0"/>
+              </a:rPr>
+              <a:t> call for a lot of rows is faster than repeated </a:t>
+            </a:r>
+            <a:r>
+              <a:rPr lang="en-US" b="0" baseline="0" dirty="0" err="1" smtClean="0">
+                <a:solidFill>
+                  <a:srgbClr val="000000"/>
+                </a:solidFill>
+                <a:latin typeface="Lucida Grande" charset="0"/>
+                <a:ea typeface="ＭＳ Ｐゴシック" charset="0"/>
+                <a:cs typeface="Lucida Grande" charset="0"/>
+                <a:sym typeface="Lucida Grande" charset="0"/>
+              </a:rPr>
+              <a:t>appendRow</a:t>
+            </a:r>
+            <a:r>
+              <a:rPr lang="en-US" b="0" baseline="0" dirty="0" smtClean="0">
+                <a:solidFill>
+                  <a:srgbClr val="000000"/>
+                </a:solidFill>
+                <a:latin typeface="Lucida Grande" charset="0"/>
+                <a:ea typeface="ＭＳ Ｐゴシック" charset="0"/>
+                <a:cs typeface="Lucida Grande" charset="0"/>
+                <a:sym typeface="Lucida Grande" charset="0"/>
+              </a:rPr>
+              <a:t>() calls</a:t>
             </a:r>
           </a:p>
           <a:p>
@@ -1148,7 +1215,7 @@
               <a:buChar char="-"/>
             </a:pPr>
             <a:r>
-              <a:rPr lang="en-US" b="0" dirty="0" smtClean="0">
+              <a:rPr lang="en-US" b="0" baseline="0" dirty="0" smtClean="0">
                 <a:solidFill>
                   <a:srgbClr val="000000"/>
                 </a:solidFill>
@@ -1157,7 +1224,7 @@
                 <a:cs typeface="Lucida Grande" charset="0"/>
                 <a:sym typeface="Lucida Grande" charset="0"/>
               </a:rPr>
-              <a:t>Open/closing</a:t>
+              <a:t>Perhaps you can use alternate UI paradigm to create smaller </a:t>
             </a:r>
             <a:r>
               <a:rPr lang="en-US" b="0" baseline="0" dirty="0" smtClean="0">
@@ -1169,8 +1236,78 @@
                 <a:cs typeface="Lucida Grande" charset="0"/>
                 <a:sym typeface="Lucida Grande" charset="0"/>
               </a:rPr>
-              <a:t> connections is generally more memory friendly than any performance benefits you’d get from keeping a connection open</a:t>
-            </a:r>
+              <a:t>tables</a:t>
+            </a:r>
+          </a:p>
+          <a:p>
+            <a:pPr marL="250825" marR="0" indent="-171450" algn="l" defTabSz="914400" rtl="0" eaLnBrk="1" fontAlgn="base" latinLnBrk="0" hangingPunct="1">
+              <a:lnSpc>
+                <a:spcPct val="100000"/>
+              </a:lnSpc>
+              <a:spcBef>
+                <a:spcPct val="0"/>
+              </a:spcBef>
+              <a:spcAft>
+                <a:spcPct val="0"/>
+              </a:spcAft>
+              <a:buClrTx/>
+              <a:buSzTx/>
+              <a:buFontTx/>
+              <a:buChar char="-"/>
+              <a:tabLst/>
+              <a:defRPr/>
+            </a:pPr>
+            <a:r>
+              <a:rPr lang="en-US" sz="1200" b="1" baseline="0" dirty="0" smtClean="0">
+                <a:solidFill>
+                  <a:srgbClr val="000000"/>
+                </a:solidFill>
+                <a:latin typeface="Lucida Grande" charset="0"/>
+                <a:ea typeface="ＭＳ Ｐゴシック" charset="0"/>
+                <a:cs typeface="Lucida Grande" charset="0"/>
+                <a:sym typeface="Lucida Grande" charset="0"/>
+              </a:rPr>
+              <a:t>Dawson’s Lazy Loaded Tables http://</a:t>
+            </a:r>
+            <a:r>
+              <a:rPr lang="en-US" sz="1200" b="1" baseline="0" dirty="0" err="1" smtClean="0">
+                <a:solidFill>
+                  <a:srgbClr val="000000"/>
+                </a:solidFill>
+                <a:latin typeface="Lucida Grande" charset="0"/>
+                <a:ea typeface="ＭＳ Ｐゴシック" charset="0"/>
+                <a:cs typeface="Lucida Grande" charset="0"/>
+                <a:sym typeface="Lucida Grande" charset="0"/>
+              </a:rPr>
+              <a:t>j.mp</a:t>
+            </a:r>
+            <a:r>
+              <a:rPr lang="en-US" sz="1200" b="1" baseline="0" dirty="0" smtClean="0">
+                <a:solidFill>
+                  <a:srgbClr val="000000"/>
+                </a:solidFill>
+                <a:latin typeface="Lucida Grande" charset="0"/>
+                <a:ea typeface="ＭＳ Ｐゴシック" charset="0"/>
+                <a:cs typeface="Lucida Grande" charset="0"/>
+                <a:sym typeface="Lucida Grande" charset="0"/>
+              </a:rPr>
+              <a:t>/rbL32h</a:t>
+            </a:r>
+            <a:endParaRPr lang="en-US" sz="1200" b="1" dirty="0" smtClean="0">
+              <a:solidFill>
+                <a:srgbClr val="000000"/>
+              </a:solidFill>
+              <a:latin typeface="Lucida Grande" charset="0"/>
+              <a:ea typeface="ＭＳ Ｐゴシック" charset="0"/>
+              <a:cs typeface="Lucida Grande" charset="0"/>
+              <a:sym typeface="Lucida Grande" charset="0"/>
+            </a:endParaRPr>
+          </a:p>
+          <a:p>
+            <a:pPr marL="250825" indent="-171450" eaLnBrk="1" hangingPunct="1">
+              <a:buFontTx/>
+              <a:buChar char="-"/>
+            </a:pPr>
             <a:endParaRPr lang="en-US" b="0" dirty="0">
               <a:solidFill>
                 <a:srgbClr val="000000"/>
@@ -1276,6 +1413,161 @@
                 <a:cs typeface="Lucida Grande" charset="0"/>
                 <a:sym typeface="Lucida Grande" charset="0"/>
               </a:rPr>
+              <a:t>Filter data in SQL rather than via JS (sorting, searching, etc.)</a:t>
+            </a:r>
+          </a:p>
+          <a:p>
+            <a:pPr marL="250825" indent="-171450" eaLnBrk="1" hangingPunct="1">
+              <a:buFontTx/>
+              <a:buChar char="-"/>
+            </a:pPr>
+            <a:r>
+              <a:rPr lang="en-US" b="0" dirty="0" smtClean="0">
+                <a:solidFill>
+                  <a:srgbClr val="000000"/>
+                </a:solidFill>
+                <a:latin typeface="Lucida Grande" charset="0"/>
+                <a:ea typeface="ＭＳ Ｐゴシック" charset="0"/>
+                <a:cs typeface="Lucida Grande" charset="0"/>
+                <a:sym typeface="Lucida Grande" charset="0"/>
+              </a:rPr>
+              <a:t>Don’t use “select * from table” if you store blobs in your tables</a:t>
+            </a:r>
+          </a:p>
+          <a:p>
+            <a:pPr marL="250825" indent="-171450" eaLnBrk="1" hangingPunct="1">
+              <a:buFontTx/>
+              <a:buChar char="-"/>
+            </a:pPr>
+            <a:r>
+              <a:rPr lang="en-US" b="0" dirty="0" smtClean="0">
+                <a:solidFill>
+                  <a:srgbClr val="000000"/>
+                </a:solidFill>
+                <a:latin typeface="Lucida Grande" charset="0"/>
+                <a:ea typeface="ＭＳ Ｐゴシック" charset="0"/>
+                <a:cs typeface="Lucida Grande" charset="0"/>
+                <a:sym typeface="Lucida Grande" charset="0"/>
+              </a:rPr>
+              <a:t>Open/closing</a:t>
+            </a:r>
+            <a:r>
+              <a:rPr lang="en-US" b="0" baseline="0" dirty="0" smtClean="0">
+                <a:solidFill>
+                  <a:srgbClr val="000000"/>
+                </a:solidFill>
+                <a:latin typeface="Lucida Grande" charset="0"/>
+                <a:ea typeface="ＭＳ Ｐゴシック" charset="0"/>
+                <a:cs typeface="Lucida Grande" charset="0"/>
+                <a:sym typeface="Lucida Grande" charset="0"/>
+              </a:rPr>
+              <a:t> connections is generally more memory friendly than any performance benefits you’d get from keeping a connection open</a:t>
+            </a:r>
+            <a:endParaRPr lang="en-US" b="0" dirty="0">
+              <a:solidFill>
+                <a:srgbClr val="000000"/>
+              </a:solidFill>
+              <a:latin typeface="Lucida Grande" charset="0"/>
+              <a:ea typeface="ＭＳ Ｐゴシック" charset="0"/>
+              <a:cs typeface="Lucida Grande" charset="0"/>
+              <a:sym typeface="Lucida Grande" charset="0"/>
+            </a:endParaRPr>
+          </a:p>
+        </p:txBody>
+      </p:sp>
+    </p:spTree>
+  </p:cSld>
+  <p:clrMapOvr>
+    <a:masterClrMapping/>
+  </p:clrMapOvr>
+</p:notes>
+</file>
+
+<file path=ppt/notesSlides/notesSlide14.xml><?xml version="1.0" encoding="utf-8"?>
+<p:notes xmlns:a="http://schemas.openxmlformats.org/drawingml/2006/main" xmlns:r="http://schemas.openxmlformats.org/officeDocument/2006/relationships" xmlns:p="http://schemas.openxmlformats.org/presentationml/2006/main">
+  <p:cSld>
+    <p:spTree>
+      <p:nvGrpSpPr>
+        <p:cNvPr id="1" name=""/>
+        <p:cNvGrpSpPr/>
+        <p:nvPr/>
+      </p:nvGrpSpPr>
+      <p:grpSpPr>
+        <a:xfrm>
+          <a:off x="0" y="0"/>
+          <a:ext cx="0" cy="0"/>
+          <a:chOff x="0" y="0"/>
+          <a:chExt cx="0" cy="0"/>
+        </a:xfrm>
+      </p:grpSpPr>
+      <p:sp>
+        <p:nvSpPr>
+          <p:cNvPr id="13313" name="Rectangle 1"/>
+          <p:cNvSpPr>
+            <a:spLocks noGrp="1" noRot="1" noChangeAspect="1" noChangeArrowheads="1"/>
+          </p:cNvSpPr>
+          <p:nvPr>
+            <p:ph type="sldImg"/>
+          </p:nvPr>
+        </p:nvSpPr>
+        <p:spPr>
+          <a:solidFill>
+            <a:srgbClr val="FFFFFF"/>
+          </a:solidFill>
+          <a:ln/>
+        </p:spPr>
+      </p:sp>
+      <p:sp>
+        <p:nvSpPr>
+          <p:cNvPr id="13314" name="Rectangle 2"/>
+          <p:cNvSpPr>
+            <a:spLocks noGrp="1" noChangeArrowheads="1"/>
+          </p:cNvSpPr>
+          <p:nvPr>
+            <p:ph type="body" idx="1"/>
+          </p:nvPr>
+        </p:nvSpPr>
+        <p:spPr>
+          <a:noFill/>
+          <a:ln/>
+          <a:extLst>
+            <a:ext uri="{909E8E84-426E-40dd-AFC4-6F175D3DCCD1}">
+              <a14:hiddenFill xmlns:a14="http://schemas.microsoft.com/office/drawing/2010/main">
+                <a:solidFill>
+                  <a:srgbClr val="FFFFFF"/>
+                </a:solidFill>
+              </a14:hiddenFill>
+            </a:ext>
+            <a:ext uri="{91240B29-F687-4f45-9708-019B960494DF}">
+              <a14:hiddenLine xmlns:a14="http://schemas.microsoft.com/office/drawing/2010/main" w="9525">
+                <a:solidFill>
+                  <a:srgbClr val="000000"/>
+                </a:solidFill>
+                <a:miter lim="800000"/>
+                <a:headEnd/>
+                <a:tailEnd/>
+              </a14:hiddenLine>
+            </a:ext>
+          </a:extLst>
+        </p:spPr>
+        <p:txBody>
+          <a:bodyPr/>
+          <a:lstStyle/>
+          <a:p>
+            <a:pPr marL="250825" indent="-171450" eaLnBrk="1" hangingPunct="1">
+              <a:buFontTx/>
+              <a:buChar char="-"/>
+            </a:pPr>
+            <a:r>
+              <a:rPr lang="en-US" b="0" dirty="0" smtClean="0">
+                <a:solidFill>
+                  <a:srgbClr val="000000"/>
+                </a:solidFill>
+                <a:latin typeface="Lucida Grande" charset="0"/>
+                <a:ea typeface="ＭＳ Ｐゴシック" charset="0"/>
+                <a:cs typeface="Lucida Grande" charset="0"/>
+                <a:sym typeface="Lucida Grande" charset="0"/>
+              </a:rPr>
               <a:t>Test in a real-world networking environment (in various data coverage areas)</a:t>
             </a:r>
           </a:p>
@@ -1397,7 +1689,7 @@
 </p:notes>
 </file>
 
-<file path=ppt/notesSlides/notesSlide14.xml><?xml version="1.0" encoding="utf-8"?>
+<file path=ppt/notesSlides/notesSlide15.xml><?xml version="1.0" encoding="utf-8"?>
 <p:notes xmlns:a="http://schemas.openxmlformats.org/drawingml/2006/main" xmlns:r="http://schemas.openxmlformats.org/officeDocument/2006/relationships" xmlns:p="http://schemas.openxmlformats.org/presentationml/2006/main">
   <p:cSld>
     <p:spTree>
@@ -1493,7 +1785,7 @@
 </p:notes>
 </file>
 
-<file path=ppt/notesSlides/notesSlide15.xml><?xml version="1.0" encoding="utf-8"?>
+<file path=ppt/notesSlides/notesSlide16.xml><?xml version="1.0" encoding="utf-8"?>
 <p:notes xmlns:a="http://schemas.openxmlformats.org/drawingml/2006/main" xmlns:r="http://schemas.openxmlformats.org/officeDocument/2006/relationships" xmlns:p="http://schemas.openxmlformats.org/presentationml/2006/main">
   <p:cSld>
     <p:spTree>
@@ -1659,7 +1951,7 @@
               <a:pPr>
                 <a:defRPr/>
               </a:pPr>
-              <a:t>15</a:t>
+              <a:t>16</a:t>
             </a:fld>
             <a:endParaRPr lang="en-US"/>
           </a:p>
@@ -1678,7 +1970,7 @@
 </p:notes>
 </file>
 
-<file path=ppt/notesSlides/notesSlide16.xml><?xml version="1.0" encoding="utf-8"?>
+<file path=ppt/notesSlides/notesSlide17.xml><?xml version="1.0" encoding="utf-8"?>
 <p:notes xmlns:a="http://schemas.openxmlformats.org/drawingml/2006/main" xmlns:r="http://schemas.openxmlformats.org/officeDocument/2006/relationships" xmlns:p="http://schemas.openxmlformats.org/presentationml/2006/main">
   <p:cSld>
     <p:spTree>
@@ -2777,7 +3069,67 @@
                 <a:cs typeface="Lucida Grande" charset="0"/>
                 <a:sym typeface="Lucida Grande" charset="0"/>
               </a:rPr>
-              <a:t> management:</a:t>
+              <a:t> collection is automatic, you don’t have to manually track and release memory</a:t>
+            </a:r>
+          </a:p>
+          <a:p>
+            <a:pPr marL="79375" indent="0" eaLnBrk="1" hangingPunct="1">
+              <a:buFontTx/>
+              <a:buNone/>
+            </a:pPr>
+            <a:r>
+              <a:rPr lang="en-US" b="0" baseline="0" dirty="0" smtClean="0">
+                <a:solidFill>
+                  <a:srgbClr val="000000"/>
+                </a:solidFill>
+                <a:latin typeface="Lucida Grande" charset="0"/>
+                <a:ea typeface="ＭＳ Ｐゴシック" charset="0"/>
+                <a:cs typeface="Lucida Grande" charset="0"/>
+                <a:sym typeface="Lucida Grande" charset="0"/>
+              </a:rPr>
+              <a:t>Objects are </a:t>
+            </a:r>
+            <a:r>
+              <a:rPr lang="en-US" b="0" baseline="0" dirty="0" err="1" smtClean="0">
+                <a:solidFill>
+                  <a:srgbClr val="000000"/>
+                </a:solidFill>
+                <a:latin typeface="Lucida Grande" charset="0"/>
+                <a:ea typeface="ＭＳ Ｐゴシック" charset="0"/>
+                <a:cs typeface="Lucida Grande" charset="0"/>
+                <a:sym typeface="Lucida Grande" charset="0"/>
+              </a:rPr>
+              <a:t>GC’d</a:t>
+            </a:r>
+            <a:r>
+              <a:rPr lang="en-US" b="0" baseline="0" dirty="0" smtClean="0">
+                <a:solidFill>
+                  <a:srgbClr val="000000"/>
+                </a:solidFill>
+                <a:latin typeface="Lucida Grande" charset="0"/>
+                <a:ea typeface="ＭＳ Ｐゴシック" charset="0"/>
+                <a:cs typeface="Lucida Grande" charset="0"/>
+                <a:sym typeface="Lucida Grande" charset="0"/>
+              </a:rPr>
+              <a:t> when no references remain</a:t>
+            </a:r>
+          </a:p>
+          <a:p>
+            <a:pPr marL="79375" indent="0" eaLnBrk="1" hangingPunct="1">
+              <a:buFontTx/>
+              <a:buNone/>
+            </a:pPr>
+            <a:r>
+              <a:rPr lang="en-US" b="0" baseline="0" dirty="0" smtClean="0">
+                <a:solidFill>
+                  <a:srgbClr val="000000"/>
+                </a:solidFill>
+                <a:latin typeface="Lucida Grande" charset="0"/>
+                <a:ea typeface="ＭＳ Ｐゴシック" charset="0"/>
+                <a:cs typeface="Lucida Grande" charset="0"/>
+                <a:sym typeface="Lucida Grande" charset="0"/>
+              </a:rPr>
+              <a:t>Mark &amp; Sweep:</a:t>
             </a:r>
           </a:p>
           <a:p>
@@ -2795,7 +3147,7 @@
                 <a:cs typeface="Lucida Grande" charset="0"/>
                 <a:sym typeface="Lucida Grande" charset="0"/>
               </a:rPr>
-              <a:t>When a window is closed, the object it contains are generally removed and memory freed</a:t>
+              <a:t>JS stops and scans</a:t>
             </a:r>
           </a:p>
           <a:p>
@@ -2804,7 +3156,7 @@
               <a:buChar char="•"/>
             </a:pPr>
             <a:r>
-              <a:rPr lang="en-US" b="0" baseline="0" dirty="0" smtClean="0">
+              <a:rPr lang="en-US" b="0" dirty="0" smtClean="0">
                 <a:solidFill>
                   <a:srgbClr val="000000"/>
                 </a:solidFill>
@@ -2813,7 +3165,55 @@
                 <a:cs typeface="Lucida Grande" charset="0"/>
                 <a:sym typeface="Lucida Grande" charset="0"/>
               </a:rPr>
-              <a:t>Manually – set a reference to null (proxy objects are the JS objects that represent the native equivalent)</a:t>
+              <a:t>Marks all objects except those in use</a:t>
+            </a:r>
+          </a:p>
+          <a:p>
+            <a:pPr marL="250825" indent="-171450" eaLnBrk="1" hangingPunct="1">
+              <a:buFont typeface="Arial"/>
+              <a:buChar char="•"/>
+            </a:pPr>
+            <a:r>
+              <a:rPr lang="en-US" b="0" dirty="0" smtClean="0">
+                <a:solidFill>
+                  <a:srgbClr val="000000"/>
+                </a:solidFill>
+                <a:latin typeface="Lucida Grande" charset="0"/>
+                <a:ea typeface="ＭＳ Ｐゴシック" charset="0"/>
+                <a:cs typeface="Lucida Grande" charset="0"/>
+                <a:sym typeface="Lucida Grande" charset="0"/>
+              </a:rPr>
+              <a:t>Objects</a:t>
+            </a:r>
+            <a:r>
+              <a:rPr lang="en-US" b="0" baseline="0" dirty="0" smtClean="0">
+                <a:solidFill>
+                  <a:srgbClr val="000000"/>
+                </a:solidFill>
+                <a:latin typeface="Lucida Grande" charset="0"/>
+                <a:ea typeface="ＭＳ Ｐゴシック" charset="0"/>
+                <a:cs typeface="Lucida Grande" charset="0"/>
+                <a:sym typeface="Lucida Grande" charset="0"/>
+              </a:rPr>
+              <a:t> marked are instructed to shut down &amp; destroy</a:t>
+            </a:r>
+          </a:p>
+          <a:p>
+            <a:pPr marL="250825" indent="-171450" eaLnBrk="1" hangingPunct="1">
+              <a:buFont typeface="Arial"/>
+              <a:buChar char="•"/>
+            </a:pPr>
+            <a:r>
+              <a:rPr lang="en-US" b="0" baseline="0" dirty="0" smtClean="0">
+                <a:solidFill>
+                  <a:srgbClr val="000000"/>
+                </a:solidFill>
+                <a:latin typeface="Lucida Grande" charset="0"/>
+                <a:ea typeface="ＭＳ Ｐゴシック" charset="0"/>
+                <a:cs typeface="Lucida Grande" charset="0"/>
+                <a:sym typeface="Lucida Grande" charset="0"/>
+              </a:rPr>
+              <a:t>App execution resumes</a:t>
             </a:r>
           </a:p>
           <a:p>
@@ -2846,7 +3246,31 @@
                 <a:cs typeface="Lucida Grande" charset="0"/>
                 <a:sym typeface="Lucida Grande" charset="0"/>
               </a:rPr>
-              <a:t>Use DDMS and Instruments to monitor memory usage, see when &amp; where you’re running out of memory</a:t>
+              <a:t>Force an object to be </a:t>
+            </a:r>
+            <a:r>
+              <a:rPr lang="en-US" b="0" baseline="0" dirty="0" err="1" smtClean="0">
+                <a:solidFill>
+                  <a:srgbClr val="000000"/>
+                </a:solidFill>
+                <a:latin typeface="Lucida Grande" charset="0"/>
+                <a:ea typeface="ＭＳ Ｐゴシック" charset="0"/>
+                <a:cs typeface="Lucida Grande" charset="0"/>
+                <a:sym typeface="Lucida Grande" charset="0"/>
+              </a:rPr>
+              <a:t>GC’d</a:t>
+            </a:r>
+            <a:r>
+              <a:rPr lang="en-US" b="0" baseline="0" dirty="0" smtClean="0">
+                <a:solidFill>
+                  <a:srgbClr val="000000"/>
+                </a:solidFill>
+                <a:latin typeface="Lucida Grande" charset="0"/>
+                <a:ea typeface="ＭＳ Ｐゴシック" charset="0"/>
+                <a:cs typeface="Lucida Grande" charset="0"/>
+                <a:sym typeface="Lucida Grande" charset="0"/>
+              </a:rPr>
+              <a:t> by removing all references to it</a:t>
             </a:r>
           </a:p>
           <a:p>
@@ -2864,7 +3288,7 @@
                 <a:cs typeface="Lucida Grande" charset="0"/>
                 <a:sym typeface="Lucida Grande" charset="0"/>
               </a:rPr>
-              <a:t>Then you can take manual actions to clean up</a:t>
+              <a:t>Can be tough as references can be “hidden” in event listeners, closures, etc.</a:t>
             </a:r>
             <a:endParaRPr lang="en-US" b="0" dirty="0" smtClean="0">
               <a:solidFill>
@@ -2905,7 +3329,7 @@
       </p:grpSpPr>
       <p:sp>
         <p:nvSpPr>
-          <p:cNvPr id="17409" name="Rectangle 1"/>
+          <p:cNvPr id="13313" name="Rectangle 1"/>
           <p:cNvSpPr>
             <a:spLocks noGrp="1" noRot="1" noChangeAspect="1" noChangeArrowheads="1"/>
           </p:cNvSpPr>
@@ -2922,7 +3346,7 @@
       </p:sp>
       <p:sp>
         <p:nvSpPr>
-          <p:cNvPr id="17410" name="Rectangle 2"/>
+          <p:cNvPr id="13314" name="Rectangle 2"/>
           <p:cNvSpPr>
             <a:spLocks noGrp="1" noChangeArrowheads="1"/>
           </p:cNvSpPr>
@@ -2957,44 +3381,211 @@
           <a:bodyPr/>
           <a:lstStyle/>
           <a:p>
-            <a:pPr marL="119063" eaLnBrk="1" hangingPunct="1">
-              <a:spcBef>
-                <a:spcPts val="450"/>
-              </a:spcBef>
+            <a:pPr marL="79375" indent="0" eaLnBrk="1" hangingPunct="1">
+              <a:buFontTx/>
+              <a:buNone/>
             </a:pPr>
             <a:r>
-              <a:rPr lang="en-US" dirty="0" smtClean="0">
-                <a:solidFill>
-                  <a:srgbClr val="000000"/>
-                </a:solidFill>
-                <a:latin typeface="Times New Roman" charset="0"/>
-                <a:ea typeface="ＭＳ Ｐゴシック" charset="0"/>
-                <a:cs typeface="Times New Roman" charset="0"/>
-                <a:sym typeface="Times New Roman" charset="0"/>
-              </a:rPr>
-              <a:t>Slow window open time is a common problem:</a:t>
-            </a:r>
-          </a:p>
-          <a:p>
-            <a:pPr marL="290513" indent="-171450" eaLnBrk="1" hangingPunct="1">
-              <a:spcBef>
-                <a:spcPts val="450"/>
-              </a:spcBef>
+              <a:rPr lang="en-US" b="0" dirty="0" smtClean="0">
+                <a:solidFill>
+                  <a:srgbClr val="000000"/>
+                </a:solidFill>
+                <a:latin typeface="Lucida Grande" charset="0"/>
+                <a:ea typeface="ＭＳ Ｐゴシック" charset="0"/>
+                <a:cs typeface="Lucida Grande" charset="0"/>
+                <a:sym typeface="Lucida Grande" charset="0"/>
+              </a:rPr>
+              <a:t>Garbage</a:t>
+            </a:r>
+            <a:r>
+              <a:rPr lang="en-US" b="0" baseline="0" dirty="0" smtClean="0">
+                <a:solidFill>
+                  <a:srgbClr val="000000"/>
+                </a:solidFill>
+                <a:latin typeface="Lucida Grande" charset="0"/>
+                <a:ea typeface="ＭＳ Ｐゴシック" charset="0"/>
+                <a:cs typeface="Lucida Grande" charset="0"/>
+                <a:sym typeface="Lucida Grande" charset="0"/>
+              </a:rPr>
+              <a:t> management:</a:t>
+            </a:r>
+          </a:p>
+          <a:p>
+            <a:pPr marL="250825" indent="-171450" eaLnBrk="1" hangingPunct="1">
               <a:buFont typeface="Arial"/>
               <a:buChar char="•"/>
             </a:pPr>
             <a:r>
-              <a:rPr lang="en-US" dirty="0" smtClean="0">
-                <a:solidFill>
-                  <a:srgbClr val="000000"/>
-                </a:solidFill>
-                <a:latin typeface="Times New Roman" charset="0"/>
-                <a:ea typeface="ＭＳ Ｐゴシック" charset="0"/>
-                <a:cs typeface="Times New Roman" charset="0"/>
-                <a:sym typeface="Times New Roman" charset="0"/>
-              </a:rPr>
-              <a:t>A bigger problem on Android</a:t>
-            </a:r>
+              <a:rPr lang="en-US" b="0" baseline="0" dirty="0" smtClean="0">
+                <a:solidFill>
+                  <a:srgbClr val="000000"/>
+                </a:solidFill>
+                <a:latin typeface="Lucida Grande" charset="0"/>
+                <a:ea typeface="ＭＳ Ｐゴシック" charset="0"/>
+                <a:cs typeface="Lucida Grande" charset="0"/>
+                <a:sym typeface="Lucida Grande" charset="0"/>
+              </a:rPr>
+              <a:t>When a window is closed, the object it contains are generally removed and memory freed</a:t>
+            </a:r>
+          </a:p>
+          <a:p>
+            <a:pPr marL="250825" indent="-171450" eaLnBrk="1" hangingPunct="1">
+              <a:buFont typeface="Arial"/>
+              <a:buChar char="•"/>
+            </a:pPr>
+            <a:r>
+              <a:rPr lang="en-US" b="0" baseline="0" dirty="0" smtClean="0">
+                <a:solidFill>
+                  <a:srgbClr val="000000"/>
+                </a:solidFill>
+                <a:latin typeface="Lucida Grande" charset="0"/>
+                <a:ea typeface="ＭＳ Ｐゴシック" charset="0"/>
+                <a:cs typeface="Lucida Grande" charset="0"/>
+                <a:sym typeface="Lucida Grande" charset="0"/>
+              </a:rPr>
+              <a:t>Manually – set a reference to null (proxy objects are the JS objects that represent the native equivalent)</a:t>
+            </a:r>
+          </a:p>
+          <a:p>
+            <a:pPr marL="250825" indent="-171450" eaLnBrk="1" hangingPunct="1">
+              <a:buFont typeface="Arial"/>
+              <a:buChar char="•"/>
+            </a:pPr>
+            <a:endParaRPr lang="en-US" b="0" baseline="0" dirty="0" smtClean="0">
+              <a:solidFill>
+                <a:srgbClr val="000000"/>
+              </a:solidFill>
+              <a:latin typeface="Lucida Grande" charset="0"/>
+              <a:ea typeface="ＭＳ Ｐゴシック" charset="0"/>
+              <a:cs typeface="Lucida Grande" charset="0"/>
+              <a:sym typeface="Lucida Grande" charset="0"/>
+            </a:endParaRPr>
+          </a:p>
+          <a:p>
+            <a:pPr marL="79375" indent="0" eaLnBrk="1" hangingPunct="1">
+              <a:buFont typeface="Arial"/>
+              <a:buNone/>
+            </a:pPr>
+            <a:r>
+              <a:rPr lang="en-US" b="0" baseline="0" dirty="0" smtClean="0">
+                <a:solidFill>
+                  <a:srgbClr val="000000"/>
+                </a:solidFill>
+                <a:latin typeface="Lucida Grande" charset="0"/>
+                <a:ea typeface="ＭＳ Ｐゴシック" charset="0"/>
+                <a:cs typeface="Lucida Grande" charset="0"/>
+                <a:sym typeface="Lucida Grande" charset="0"/>
+              </a:rPr>
+              <a:t>Use DDMS and Instruments to monitor memory usage, see when &amp; where you’re running out of memory</a:t>
+            </a:r>
+          </a:p>
+          <a:p>
+            <a:pPr marL="79375" indent="0" eaLnBrk="1" hangingPunct="1">
+              <a:buFont typeface="Arial"/>
+              <a:buNone/>
+            </a:pPr>
+            <a:r>
+              <a:rPr lang="en-US" b="0" baseline="0" dirty="0" smtClean="0">
+                <a:solidFill>
+                  <a:srgbClr val="000000"/>
+                </a:solidFill>
+                <a:latin typeface="Lucida Grande" charset="0"/>
+                <a:ea typeface="ＭＳ Ｐゴシック" charset="0"/>
+                <a:cs typeface="Lucida Grande" charset="0"/>
+                <a:sym typeface="Lucida Grande" charset="0"/>
+              </a:rPr>
+              <a:t>Then you can take manual actions to clean </a:t>
+            </a:r>
+            <a:r>
+              <a:rPr lang="en-US" b="0" baseline="0" dirty="0" smtClean="0">
+                <a:solidFill>
+                  <a:srgbClr val="000000"/>
+                </a:solidFill>
+                <a:latin typeface="Lucida Grande" charset="0"/>
+                <a:ea typeface="ＭＳ Ｐゴシック" charset="0"/>
+                <a:cs typeface="Lucida Grande" charset="0"/>
+                <a:sym typeface="Lucida Grande" charset="0"/>
+              </a:rPr>
+              <a:t>up</a:t>
+            </a:r>
+          </a:p>
+          <a:p>
+            <a:pPr marL="79375" indent="0" eaLnBrk="1" hangingPunct="1">
+              <a:buFont typeface="Arial"/>
+              <a:buNone/>
+            </a:pPr>
+            <a:endParaRPr lang="en-US" b="0" baseline="0" dirty="0" smtClean="0">
+              <a:solidFill>
+                <a:srgbClr val="000000"/>
+              </a:solidFill>
+              <a:latin typeface="Lucida Grande" charset="0"/>
+              <a:ea typeface="ＭＳ Ｐゴシック" charset="0"/>
+              <a:cs typeface="Lucida Grande" charset="0"/>
+              <a:sym typeface="Lucida Grande" charset="0"/>
+            </a:endParaRPr>
+          </a:p>
+          <a:p>
+            <a:pPr marL="79375" indent="0" eaLnBrk="1" hangingPunct="1">
+              <a:buFont typeface="Arial"/>
+              <a:buNone/>
+            </a:pPr>
+            <a:r>
+              <a:rPr lang="en-US" b="0" baseline="0" dirty="0" smtClean="0">
+                <a:solidFill>
+                  <a:srgbClr val="000000"/>
+                </a:solidFill>
+                <a:latin typeface="Lucida Grande" charset="0"/>
+                <a:ea typeface="ＭＳ Ｐゴシック" charset="0"/>
+                <a:cs typeface="Lucida Grande" charset="0"/>
+                <a:sym typeface="Lucida Grande" charset="0"/>
+              </a:rPr>
+              <a:t>Optional: Demo </a:t>
+            </a:r>
+            <a:r>
+              <a:rPr lang="en-US" b="0" baseline="0" dirty="0" err="1" smtClean="0">
+                <a:solidFill>
+                  <a:srgbClr val="000000"/>
+                </a:solidFill>
+                <a:latin typeface="Lucida Grande" charset="0"/>
+                <a:ea typeface="ＭＳ Ｐゴシック" charset="0"/>
+                <a:cs typeface="Lucida Grande" charset="0"/>
+                <a:sym typeface="Lucida Grande" charset="0"/>
+              </a:rPr>
+              <a:t>AppLeak</a:t>
+            </a:r>
+            <a:r>
+              <a:rPr lang="en-US" b="0" baseline="0" dirty="0" smtClean="0">
+                <a:solidFill>
+                  <a:srgbClr val="000000"/>
+                </a:solidFill>
+                <a:latin typeface="Lucida Grande" charset="0"/>
+                <a:ea typeface="ＭＳ Ｐゴシック" charset="0"/>
+                <a:cs typeface="Lucida Grande" charset="0"/>
+                <a:sym typeface="Lucida Grande" charset="0"/>
+              </a:rPr>
+              <a:t> project and </a:t>
+            </a:r>
+            <a:r>
+              <a:rPr lang="en-US" b="0" baseline="0" smtClean="0">
+                <a:solidFill>
+                  <a:srgbClr val="000000"/>
+                </a:solidFill>
+                <a:latin typeface="Lucida Grande" charset="0"/>
+                <a:ea typeface="ＭＳ Ｐゴシック" charset="0"/>
+                <a:cs typeface="Lucida Grande" charset="0"/>
+                <a:sym typeface="Lucida Grande" charset="0"/>
+              </a:rPr>
+              <a:t>fixing memory leaks now</a:t>
+            </a:r>
+            <a:endParaRPr lang="en-US" b="0" dirty="0" smtClean="0">
+              <a:solidFill>
+                <a:srgbClr val="000000"/>
+              </a:solidFill>
+              <a:latin typeface="Lucida Grande" charset="0"/>
+              <a:ea typeface="ＭＳ Ｐゴシック" charset="0"/>
+              <a:cs typeface="Lucida Grande" charset="0"/>
+              <a:sym typeface="Lucida Grande" charset="0"/>
+            </a:endParaRPr>
           </a:p>
         </p:txBody>
       </p:sp>
@@ -3077,22 +3668,10 @@
           <a:bodyPr/>
           <a:lstStyle/>
           <a:p>
-            <a:pPr marL="119063" marR="0" indent="0" algn="l" defTabSz="914400" rtl="0" eaLnBrk="1" fontAlgn="base" latinLnBrk="0" hangingPunct="1">
-              <a:lnSpc>
-                <a:spcPct val="100000"/>
-              </a:lnSpc>
+            <a:pPr marL="119063" eaLnBrk="1" hangingPunct="1">
               <a:spcBef>
                 <a:spcPts val="450"/>
               </a:spcBef>
-              <a:spcAft>
-                <a:spcPct val="0"/>
-              </a:spcAft>
-              <a:buClrTx/>
-              <a:buSzTx/>
-              <a:buFontTx/>
-              <a:buNone/>
-              <a:tabLst/>
-              <a:defRPr/>
             </a:pPr>
             <a:r>
               <a:rPr lang="en-US" dirty="0" smtClean="0">
@@ -3104,10 +3683,19 @@
                 <a:cs typeface="Times New Roman" charset="0"/>
                 <a:sym typeface="Times New Roman" charset="0"/>
               </a:rPr>
-              <a:t>App start-up time can be slow,</a:t>
-            </a:r>
-            <a:r>
-              <a:rPr lang="en-US" baseline="0" dirty="0" smtClean="0">
+              <a:t>Slow window open time is a common problem:</a:t>
+            </a:r>
+          </a:p>
+          <a:p>
+            <a:pPr marL="290513" indent="-171450" eaLnBrk="1" hangingPunct="1">
+              <a:spcBef>
+                <a:spcPts val="450"/>
+              </a:spcBef>
+              <a:buFont typeface="Arial"/>
+              <a:buChar char="•"/>
+            </a:pPr>
+            <a:r>
+              <a:rPr lang="en-US" dirty="0" smtClean="0">
                 <a:solidFill>
                   <a:srgbClr val="000000"/>
                 </a:solidFill>
@@ -3116,17 +3704,8 @@
                 <a:cs typeface="Times New Roman" charset="0"/>
                 <a:sym typeface="Times New Roman" charset="0"/>
               </a:rPr>
-              <a:t> especially on Android</a:t>
-            </a:r>
-            <a:endParaRPr lang="en-US" dirty="0" smtClean="0">
-              <a:solidFill>
-                <a:srgbClr val="000000"/>
-              </a:solidFill>
-              <a:latin typeface="Times New Roman" charset="0"/>
-              <a:ea typeface="ＭＳ Ｐゴシック" charset="0"/>
-              <a:cs typeface="Times New Roman" charset="0"/>
-              <a:sym typeface="Times New Roman" charset="0"/>
-            </a:endParaRPr>
+              <a:t>A bigger problem on Android</a:t>
+            </a:r>
           </a:p>
         </p:txBody>
       </p:sp>
@@ -3209,10 +3788,22 @@
           <a:bodyPr/>
           <a:lstStyle/>
           <a:p>
-            <a:pPr marL="119063" eaLnBrk="1" hangingPunct="1">
+            <a:pPr marL="119063" marR="0" indent="0" algn="l" defTabSz="914400" rtl="0" eaLnBrk="1" fontAlgn="base" latinLnBrk="0" hangingPunct="1">
+              <a:lnSpc>
+                <a:spcPct val="100000"/>
+              </a:lnSpc>
               <a:spcBef>
                 <a:spcPts val="450"/>
               </a:spcBef>
+              <a:spcAft>
+                <a:spcPct val="0"/>
+              </a:spcAft>
+              <a:buClrTx/>
+              <a:buSzTx/>
+              <a:buFontTx/>
+              <a:buNone/>
+              <a:tabLst/>
+              <a:defRPr/>
             </a:pPr>
             <a:r>
               <a:rPr lang="en-US" dirty="0" smtClean="0">
@@ -3224,17 +3815,10 @@
                 <a:cs typeface="Times New Roman" charset="0"/>
                 <a:sym typeface="Times New Roman" charset="0"/>
               </a:rPr>
-              <a:t>A bigger problem on Android</a:t>
-            </a:r>
-          </a:p>
-          <a:p>
-            <a:pPr marL="119063" eaLnBrk="1" hangingPunct="1">
-              <a:spcBef>
-                <a:spcPts val="450"/>
-              </a:spcBef>
-            </a:pPr>
-            <a:r>
-              <a:rPr lang="en-US" dirty="0" smtClean="0">
+              <a:t>App start-up time can be slow,</a:t>
+            </a:r>
+            <a:r>
+              <a:rPr lang="en-US" baseline="0" dirty="0" smtClean="0">
                 <a:solidFill>
                   <a:srgbClr val="000000"/>
                 </a:solidFill>
@@ -3243,9 +3827,9 @@
                 <a:cs typeface="Times New Roman" charset="0"/>
                 <a:sym typeface="Times New Roman" charset="0"/>
               </a:rPr>
-              <a:t>Rhino is slower than JavaScript Core</a:t>
-            </a:r>
-            <a:endParaRPr lang="en-US" dirty="0">
+              <a:t> especially on Android</a:t>
+            </a:r>
+            <a:endParaRPr lang="en-US" dirty="0" smtClean="0">
               <a:solidFill>
                 <a:srgbClr val="000000"/>
               </a:solidFill>
@@ -3341,6 +3925,37 @@
                 <a:spcPts val="450"/>
               </a:spcBef>
             </a:pPr>
+            <a:r>
+              <a:rPr lang="en-US" dirty="0" smtClean="0">
+                <a:solidFill>
+                  <a:srgbClr val="000000"/>
+                </a:solidFill>
+                <a:latin typeface="Times New Roman" charset="0"/>
+                <a:ea typeface="ＭＳ Ｐゴシック" charset="0"/>
+                <a:cs typeface="Times New Roman" charset="0"/>
+                <a:sym typeface="Times New Roman" charset="0"/>
+              </a:rPr>
+              <a:t>A bigger problem on Android</a:t>
+            </a:r>
+          </a:p>
+          <a:p>
+            <a:pPr marL="119063" eaLnBrk="1" hangingPunct="1">
+              <a:spcBef>
+                <a:spcPts val="450"/>
+              </a:spcBef>
+            </a:pPr>
+            <a:r>
+              <a:rPr lang="en-US" dirty="0" smtClean="0">
+                <a:solidFill>
+                  <a:srgbClr val="000000"/>
+                </a:solidFill>
+                <a:latin typeface="Times New Roman" charset="0"/>
+                <a:ea typeface="ＭＳ Ｐゴシック" charset="0"/>
+                <a:cs typeface="Times New Roman" charset="0"/>
+                <a:sym typeface="Times New Roman" charset="0"/>
+              </a:rPr>
+              <a:t>Rhino is slower than JavaScript Core</a:t>
+            </a:r>
             <a:endParaRPr lang="en-US" dirty="0">
               <a:solidFill>
                 <a:srgbClr val="000000"/>
@@ -3380,7 +3995,7 @@
       </p:grpSpPr>
       <p:sp>
         <p:nvSpPr>
-          <p:cNvPr id="13313" name="Rectangle 1"/>
+          <p:cNvPr id="17409" name="Rectangle 1"/>
           <p:cNvSpPr>
             <a:spLocks noGrp="1" noRot="1" noChangeAspect="1" noChangeArrowheads="1"/>
           </p:cNvSpPr>
@@ -3397,7 +4012,7 @@
       </p:sp>
       <p:sp>
         <p:nvSpPr>
-          <p:cNvPr id="13314" name="Rectangle 2"/>
+          <p:cNvPr id="17410" name="Rectangle 2"/>
           <p:cNvSpPr>
             <a:spLocks noGrp="1" noChangeArrowheads="1"/>
           </p:cNvSpPr>
@@ -3432,132 +4047,19 @@
           <a:bodyPr/>
           <a:lstStyle/>
           <a:p>
-            <a:pPr marL="79375" indent="0" eaLnBrk="1" hangingPunct="1">
-              <a:buFontTx/>
-              <a:buNone/>
+            <a:pPr marL="119063" eaLnBrk="1" hangingPunct="1">
+              <a:spcBef>
+                <a:spcPts val="450"/>
+              </a:spcBef>
             </a:pPr>
-            <a:r>
-              <a:rPr lang="en-US" b="0" dirty="0" smtClean="0">
-                <a:solidFill>
-                  <a:srgbClr val="000000"/>
-                </a:solidFill>
-                <a:latin typeface="Lucida Grande" charset="0"/>
-                <a:ea typeface="ＭＳ Ｐゴシック" charset="0"/>
-                <a:cs typeface="Lucida Grande" charset="0"/>
-                <a:sym typeface="Lucida Grande" charset="0"/>
-              </a:rPr>
-              <a:t>Defer loading when possible</a:t>
-            </a:r>
-          </a:p>
-          <a:p>
-            <a:pPr marL="79375" indent="0" eaLnBrk="1" hangingPunct="1">
-              <a:buFontTx/>
-              <a:buNone/>
-            </a:pPr>
-            <a:endParaRPr lang="en-US" b="0" dirty="0" smtClean="0">
+            <a:endParaRPr lang="en-US" dirty="0">
               <a:solidFill>
                 <a:srgbClr val="000000"/>
               </a:solidFill>
-              <a:latin typeface="Lucida Grande" charset="0"/>
+              <a:latin typeface="Times New Roman" charset="0"/>
               <a:ea typeface="ＭＳ Ｐゴシック" charset="0"/>
-              <a:cs typeface="Lucida Grande" charset="0"/>
-              <a:sym typeface="Lucida Grande" charset="0"/>
-            </a:endParaRPr>
-          </a:p>
-          <a:p>
-            <a:pPr marL="79375" indent="0" eaLnBrk="1" hangingPunct="1">
-              <a:buFontTx/>
-              <a:buNone/>
-            </a:pPr>
-            <a:r>
-              <a:rPr lang="en-US" b="0" dirty="0" smtClean="0">
-                <a:solidFill>
-                  <a:srgbClr val="000000"/>
-                </a:solidFill>
-                <a:latin typeface="Lucida Grande" charset="0"/>
-                <a:ea typeface="ＭＳ Ｐゴシック" charset="0"/>
-                <a:cs typeface="Lucida Grande" charset="0"/>
-                <a:sym typeface="Lucida Grande" charset="0"/>
-              </a:rPr>
-              <a:t>For the second and third</a:t>
-            </a:r>
-            <a:r>
-              <a:rPr lang="en-US" b="0" baseline="0" dirty="0" smtClean="0">
-                <a:solidFill>
-                  <a:srgbClr val="000000"/>
-                </a:solidFill>
-                <a:latin typeface="Lucida Grande" charset="0"/>
-                <a:ea typeface="ＭＳ Ｐゴシック" charset="0"/>
-                <a:cs typeface="Lucida Grande" charset="0"/>
-                <a:sym typeface="Lucida Grande" charset="0"/>
-              </a:rPr>
-              <a:t> point – it is tempting to package JSON files in your resources directory and JSON-parse them as configuration, resource bundles, etc.  This is fine for small numbers of files, but can be costly as files get large</a:t>
-            </a:r>
-          </a:p>
-          <a:p>
-            <a:pPr marL="79375" indent="0" eaLnBrk="1" hangingPunct="1">
-              <a:buFontTx/>
-              <a:buNone/>
-            </a:pPr>
-            <a:endParaRPr lang="en-US" b="0" baseline="0" dirty="0" smtClean="0">
-              <a:solidFill>
-                <a:srgbClr val="000000"/>
-              </a:solidFill>
-              <a:latin typeface="Lucida Grande" charset="0"/>
-              <a:ea typeface="ＭＳ Ｐゴシック" charset="0"/>
-              <a:cs typeface="Lucida Grande" charset="0"/>
-              <a:sym typeface="Lucida Grande" charset="0"/>
-            </a:endParaRPr>
-          </a:p>
-          <a:p>
-            <a:pPr marL="79375" indent="0" eaLnBrk="1" hangingPunct="1">
-              <a:buFontTx/>
-              <a:buNone/>
-            </a:pPr>
-            <a:r>
-              <a:rPr lang="en-US" b="0" baseline="0" dirty="0" smtClean="0">
-                <a:solidFill>
-                  <a:srgbClr val="000000"/>
-                </a:solidFill>
-                <a:latin typeface="Lucida Grande" charset="0"/>
-                <a:ea typeface="ＭＳ Ｐゴシック" charset="0"/>
-                <a:cs typeface="Lucida Grande" charset="0"/>
-                <a:sym typeface="Lucida Grande" charset="0"/>
-              </a:rPr>
-              <a:t>Older “hack” of adding objects, functions, and values to </a:t>
-            </a:r>
-            <a:r>
-              <a:rPr lang="en-US" b="0" baseline="0" dirty="0" err="1" smtClean="0">
-                <a:solidFill>
-                  <a:srgbClr val="000000"/>
-                </a:solidFill>
-                <a:latin typeface="Lucida Grande" charset="0"/>
-                <a:ea typeface="ＭＳ Ｐゴシック" charset="0"/>
-                <a:cs typeface="Lucida Grande" charset="0"/>
-                <a:sym typeface="Lucida Grande" charset="0"/>
-              </a:rPr>
-              <a:t>Ti.App</a:t>
-            </a:r>
-            <a:r>
-              <a:rPr lang="en-US" b="0" baseline="0" dirty="0" smtClean="0">
-                <a:solidFill>
-                  <a:srgbClr val="000000"/>
-                </a:solidFill>
-                <a:latin typeface="Lucida Grande" charset="0"/>
-                <a:ea typeface="ＭＳ Ｐゴシック" charset="0"/>
-                <a:cs typeface="Lucida Grande" charset="0"/>
-                <a:sym typeface="Lucida Grande" charset="0"/>
-              </a:rPr>
-              <a:t> is no longer recommended. Generally this is disallowed and it can lead to many potentials for problems and crashes.</a:t>
-            </a:r>
-            <a:endParaRPr lang="en-US" b="0" dirty="0">
-              <a:solidFill>
-                <a:srgbClr val="000000"/>
-              </a:solidFill>
-              <a:latin typeface="Lucida Grande" charset="0"/>
-              <a:ea typeface="ＭＳ Ｐゴシック" charset="0"/>
-              <a:cs typeface="Lucida Grande" charset="0"/>
-              <a:sym typeface="Lucida Grande" charset="0"/>
+              <a:cs typeface="Times New Roman" charset="0"/>
+              <a:sym typeface="Times New Roman" charset="0"/>
             </a:endParaRPr>
           </a:p>
         </p:txBody>
@@ -3980,7 +4482,7 @@
               <a:pPr>
                 <a:defRPr/>
               </a:pPr>
-              <a:t>9/27/11</a:t>
+              <a:t>11/4/11</a:t>
             </a:fld>
             <a:endParaRPr lang="en-US"/>
           </a:p>
@@ -4401,7 +4903,7 @@
               <a:pPr>
                 <a:defRPr/>
               </a:pPr>
-              <a:t>9/27/11</a:t>
+              <a:t>11/4/11</a:t>
             </a:fld>
             <a:endParaRPr lang="en-US"/>
           </a:p>
@@ -5126,7 +5628,7 @@
               <a:pPr>
                 <a:defRPr/>
               </a:pPr>
-              <a:t>9/27/11</a:t>
+              <a:t>11/4/11</a:t>
             </a:fld>
             <a:endParaRPr lang="en-US"/>
           </a:p>
@@ -5679,7 +6181,7 @@
               <a:pPr>
                 <a:defRPr/>
               </a:pPr>
-              <a:t>9/27/11</a:t>
+              <a:t>11/4/11</a:t>
             </a:fld>
             <a:endParaRPr lang="en-US"/>
           </a:p>
@@ -6030,7 +6532,7 @@
               <a:pPr>
                 <a:defRPr/>
               </a:pPr>
-              <a:t>9/27/11</a:t>
+              <a:t>11/4/11</a:t>
             </a:fld>
             <a:endParaRPr lang="en-US"/>
           </a:p>
@@ -6388,7 +6890,7 @@
               <a:pPr>
                 <a:defRPr/>
               </a:pPr>
-              <a:t>9/27/11</a:t>
+              <a:t>11/4/11</a:t>
             </a:fld>
             <a:endParaRPr lang="en-US"/>
           </a:p>
@@ -6623,7 +7125,7 @@
               <a:pPr>
                 <a:defRPr/>
               </a:pPr>
-              <a:t>9/27/11</a:t>
+              <a:t>11/4/11</a:t>
             </a:fld>
             <a:endParaRPr lang="en-US"/>
           </a:p>
@@ -6915,7 +7417,7 @@
               <a:pPr>
                 <a:defRPr/>
               </a:pPr>
-              <a:t>9/27/11</a:t>
+              <a:t>11/4/11</a:t>
             </a:fld>
             <a:endParaRPr lang="en-US"/>
           </a:p>
@@ -8297,7 +8799,7 @@
                 <a:ea typeface="ヒラギノ角ゴ ProN W6" charset="0"/>
                 <a:cs typeface="ヒラギノ角ゴ ProN W6" charset="0"/>
               </a:rPr>
-              <a:t>Multiple contexts can be good</a:t>
+              <a:t>JavaScript loading tips</a:t>
             </a:r>
             <a:endParaRPr lang="en-US" dirty="0">
               <a:latin typeface="Trebuchet MS Bold" charset="0"/>
@@ -8334,7 +8836,7 @@
                 <a:ea typeface="ヒラギノ角ゴ ProN W3" charset="0"/>
                 <a:cs typeface="ヒラギノ角ゴ ProN W3" charset="0"/>
               </a:rPr>
-              <a:t>In very large apps for which deferring script evaluation is critical, multiple contexts are a good choice</a:t>
+              <a:t>Only include or require a script WHEN IT IS ABSOLUTELY NEEDED</a:t>
             </a:r>
           </a:p>
           <a:p>
@@ -8348,12 +8850,36 @@
           <a:p>
             <a:pPr eaLnBrk="1" hangingPunct="1"/>
             <a:r>
-              <a:rPr lang="en-US" dirty="0" smtClean="0">
+              <a:rPr lang="en-US" dirty="0" err="1" smtClean="0">
                 <a:latin typeface="Trebuchet MS" charset="0"/>
                 <a:ea typeface="ヒラギノ角ゴ ProN W3" charset="0"/>
                 <a:cs typeface="ヒラギノ角ゴ ProN W3" charset="0"/>
               </a:rPr>
-              <a:t>With multi contexts, app level events are critical</a:t>
+              <a:t>Ti.include</a:t>
+            </a:r>
+            <a:r>
+              <a:rPr lang="en-US" dirty="0" smtClean="0">
+                <a:latin typeface="Trebuchet MS" charset="0"/>
+                <a:ea typeface="ヒラギノ角ゴ ProN W3" charset="0"/>
+                <a:cs typeface="ヒラギノ角ゴ ProN W3" charset="0"/>
+              </a:rPr>
+              <a:t>() and require() faster than </a:t>
+            </a:r>
+            <a:r>
+              <a:rPr lang="en-US" dirty="0" err="1" smtClean="0">
+                <a:latin typeface="Trebuchet MS" charset="0"/>
+                <a:ea typeface="ヒラギノ角ゴ ProN W3" charset="0"/>
+                <a:cs typeface="ヒラギノ角ゴ ProN W3" charset="0"/>
+              </a:rPr>
+              <a:t>eval</a:t>
+            </a:r>
+            <a:r>
+              <a:rPr lang="en-US" dirty="0" smtClean="0">
+                <a:latin typeface="Trebuchet MS" charset="0"/>
+                <a:ea typeface="ヒラギノ角ゴ ProN W3" charset="0"/>
+                <a:cs typeface="ヒラギノ角ゴ ProN W3" charset="0"/>
+              </a:rPr>
+              <a:t>()</a:t>
             </a:r>
           </a:p>
           <a:p>
@@ -8372,39 +8898,12 @@
                 <a:ea typeface="ヒラギノ角ゴ ProN W3" charset="0"/>
                 <a:cs typeface="ヒラギノ角ゴ ProN W3" charset="0"/>
               </a:rPr>
-              <a:t>Downside – dependencies may be evaluated multiple times</a:t>
+              <a:t>Don’t parse JSON packaged with your app – put it inline in JavaScript</a:t>
             </a:r>
           </a:p>
           <a:p>
             <a:pPr eaLnBrk="1" hangingPunct="1"/>
             <a:endParaRPr lang="en-US" dirty="0">
-              <a:latin typeface="Trebuchet MS" charset="0"/>
-              <a:ea typeface="ヒラギノ角ゴ ProN W3" charset="0"/>
-              <a:cs typeface="ヒラギノ角ゴ ProN W3" charset="0"/>
-            </a:endParaRPr>
-          </a:p>
-          <a:p>
-            <a:pPr eaLnBrk="1" hangingPunct="1"/>
-            <a:r>
-              <a:rPr lang="en-US" dirty="0" smtClean="0">
-                <a:latin typeface="Trebuchet MS" charset="0"/>
-                <a:ea typeface="ヒラギノ角ゴ ProN W3" charset="0"/>
-                <a:cs typeface="ヒラギノ角ゴ ProN W3" charset="0"/>
-              </a:rPr>
-              <a:t>Titanium 2 – Single context will likely be default</a:t>
-            </a:r>
-          </a:p>
-          <a:p>
-            <a:pPr eaLnBrk="1" hangingPunct="1"/>
-            <a:endParaRPr lang="en-US" b="1" dirty="0">
-              <a:latin typeface="Trebuchet MS" charset="0"/>
-              <a:ea typeface="ヒラギノ角ゴ ProN W3" charset="0"/>
-              <a:cs typeface="ヒラギノ角ゴ ProN W3" charset="0"/>
-            </a:endParaRPr>
-          </a:p>
-          <a:p>
-            <a:pPr eaLnBrk="1" hangingPunct="1"/>
-            <a:endParaRPr lang="en-US" b="1" dirty="0" smtClean="0">
               <a:latin typeface="Trebuchet MS" charset="0"/>
               <a:ea typeface="ヒラギノ角ゴ ProN W3" charset="0"/>
               <a:cs typeface="ヒラギノ角ゴ ProN W3" charset="0"/>
@@ -8595,7 +9094,7 @@
     </p:spTree>
     <p:extLst>
       <p:ext uri="{BB962C8B-B14F-4D97-AF65-F5344CB8AC3E}">
-        <p14:creationId xmlns:p14="http://schemas.microsoft.com/office/powerpoint/2010/main" val="2681050859"/>
+        <p14:creationId xmlns:p14="http://schemas.microsoft.com/office/powerpoint/2010/main" val="2381467792"/>
       </p:ext>
     </p:extLst>
   </p:cSld>
@@ -8819,7 +9318,7 @@
                 <a:ea typeface="ヒラギノ角ゴ ProN W6" charset="0"/>
                 <a:cs typeface="ヒラギノ角ゴ ProN W6" charset="0"/>
               </a:rPr>
-              <a:t>Table View Performance</a:t>
+              <a:t>Multiple contexts can be good</a:t>
             </a:r>
             <a:endParaRPr lang="en-US" dirty="0">
               <a:latin typeface="Trebuchet MS Bold" charset="0"/>
@@ -8851,20 +9350,12 @@
           <a:p>
             <a:pPr eaLnBrk="1" hangingPunct="1"/>
             <a:r>
-              <a:rPr lang="en-US" dirty="0" err="1" smtClean="0">
+              <a:rPr lang="en-US" dirty="0" smtClean="0">
                 <a:latin typeface="Trebuchet MS" charset="0"/>
                 <a:ea typeface="ヒラギノ角ゴ ProN W3" charset="0"/>
                 <a:cs typeface="ヒラギノ角ゴ ProN W3" charset="0"/>
               </a:rPr>
-              <a:t>className</a:t>
-            </a:r>
-            <a:r>
-              <a:rPr lang="en-US" dirty="0" smtClean="0">
-                <a:latin typeface="Trebuchet MS" charset="0"/>
-                <a:ea typeface="ヒラギノ角ゴ ProN W3" charset="0"/>
-                <a:cs typeface="ヒラギノ角ゴ ProN W3" charset="0"/>
-              </a:rPr>
-              <a:t> allows Titanium to cheat a bit</a:t>
+              <a:t>In very large apps for which deferring script evaluation is critical, multiple contexts are a good choice</a:t>
             </a:r>
           </a:p>
           <a:p>
@@ -8883,7 +9374,7 @@
                 <a:ea typeface="ヒラギノ角ゴ ProN W3" charset="0"/>
                 <a:cs typeface="ヒラギノ角ゴ ProN W3" charset="0"/>
               </a:rPr>
-              <a:t>Set all rows at the same time, don’t call append 300 times</a:t>
+              <a:t>With multi contexts, app level events are critical</a:t>
             </a:r>
           </a:p>
           <a:p>
@@ -8902,26 +9393,7 @@
                 <a:ea typeface="ヒラギノ角ゴ ProN W3" charset="0"/>
                 <a:cs typeface="ヒラギノ角ゴ ProN W3" charset="0"/>
               </a:rPr>
-              <a:t>Only load as much data as needed</a:t>
-            </a:r>
-          </a:p>
-          <a:p>
-            <a:pPr eaLnBrk="1" hangingPunct="1"/>
-            <a:endParaRPr lang="en-US" dirty="0" smtClean="0">
-              <a:latin typeface="Trebuchet MS" charset="0"/>
-              <a:ea typeface="ヒラギノ角ゴ ProN W3" charset="0"/>
-              <a:cs typeface="ヒラギノ角ゴ ProN W3" charset="0"/>
-            </a:endParaRPr>
-          </a:p>
-          <a:p>
-            <a:pPr eaLnBrk="1" hangingPunct="1"/>
-            <a:r>
-              <a:rPr lang="en-US" dirty="0" smtClean="0">
-                <a:latin typeface="Trebuchet MS" charset="0"/>
-                <a:ea typeface="ヒラギノ角ゴ ProN W3" charset="0"/>
-                <a:cs typeface="ヒラギノ角ゴ ProN W3" charset="0"/>
-              </a:rPr>
-              <a:t>If your table has 1,000s of custom rows, you might need to rethink your design for Ti.  Chunk it up into 20 row sets?  Is your data hierarchical?  Smaller data set helps.</a:t>
+              <a:t>Downside – dependencies may be evaluated multiple times</a:t>
             </a:r>
           </a:p>
           <a:p>
@@ -8935,20 +9407,12 @@
           <a:p>
             <a:pPr eaLnBrk="1" hangingPunct="1"/>
             <a:r>
-              <a:rPr lang="en-US" dirty="0" err="1" smtClean="0">
+              <a:rPr lang="en-US" dirty="0" smtClean="0">
                 <a:latin typeface="Trebuchet MS" charset="0"/>
                 <a:ea typeface="ヒラギノ角ゴ ProN W3" charset="0"/>
                 <a:cs typeface="ヒラギノ角ゴ ProN W3" charset="0"/>
               </a:rPr>
-              <a:t>Appc</a:t>
-            </a:r>
-            <a:r>
-              <a:rPr lang="en-US" dirty="0" smtClean="0">
-                <a:latin typeface="Trebuchet MS" charset="0"/>
-                <a:ea typeface="ヒラギノ角ゴ ProN W3" charset="0"/>
-                <a:cs typeface="ヒラギノ角ゴ ProN W3" charset="0"/>
-              </a:rPr>
-              <a:t> refactoring table view APIs to be more like native</a:t>
+              <a:t>Titanium 2 – Single context will likely be default</a:t>
             </a:r>
           </a:p>
           <a:p>
@@ -9152,7 +9616,7 @@
     </p:spTree>
     <p:extLst>
       <p:ext uri="{BB962C8B-B14F-4D97-AF65-F5344CB8AC3E}">
-        <p14:creationId xmlns:p14="http://schemas.microsoft.com/office/powerpoint/2010/main" val="3456509766"/>
+        <p14:creationId xmlns:p14="http://schemas.microsoft.com/office/powerpoint/2010/main" val="2681050859"/>
       </p:ext>
     </p:extLst>
   </p:cSld>
@@ -9376,7 +9840,7 @@
                 <a:ea typeface="ヒラギノ角ゴ ProN W6" charset="0"/>
                 <a:cs typeface="ヒラギノ角ゴ ProN W6" charset="0"/>
               </a:rPr>
-              <a:t>Database Performance</a:t>
+              <a:t>Table View Performance</a:t>
             </a:r>
             <a:endParaRPr lang="en-US" dirty="0">
               <a:latin typeface="Trebuchet MS Bold" charset="0"/>
@@ -9408,12 +9872,20 @@
           <a:p>
             <a:pPr eaLnBrk="1" hangingPunct="1"/>
             <a:r>
-              <a:rPr lang="en-US" dirty="0" smtClean="0">
+              <a:rPr lang="en-US" dirty="0" err="1" smtClean="0">
                 <a:latin typeface="Trebuchet MS" charset="0"/>
                 <a:ea typeface="ヒラギノ角ゴ ProN W3" charset="0"/>
                 <a:cs typeface="ヒラギノ角ゴ ProN W3" charset="0"/>
               </a:rPr>
-              <a:t>SQL Queries are fast – use these rather than in-memory sorting of JS arrays, etc.</a:t>
+              <a:t>className</a:t>
+            </a:r>
+            <a:r>
+              <a:rPr lang="en-US" dirty="0" smtClean="0">
+                <a:latin typeface="Trebuchet MS" charset="0"/>
+                <a:ea typeface="ヒラギノ角ゴ ProN W3" charset="0"/>
+                <a:cs typeface="ヒラギノ角ゴ ProN W3" charset="0"/>
+              </a:rPr>
+              <a:t> allows Titanium to cheat a bit</a:t>
             </a:r>
           </a:p>
           <a:p>
@@ -9432,7 +9904,7 @@
                 <a:ea typeface="ヒラギノ角ゴ ProN W3" charset="0"/>
                 <a:cs typeface="ヒラギノ角ゴ ProN W3" charset="0"/>
               </a:rPr>
-              <a:t>RAM is the bottleneck – avoid loading Blobs into memory</a:t>
+              <a:t>Set all rows at the same time, don’t call append 300 times</a:t>
             </a:r>
           </a:p>
           <a:p>
@@ -9451,7 +9923,7 @@
                 <a:ea typeface="ヒラギノ角ゴ ProN W3" charset="0"/>
                 <a:cs typeface="ヒラギノ角ゴ ProN W3" charset="0"/>
               </a:rPr>
-              <a:t>Database connection management - open/close connections after use</a:t>
+              <a:t>Only load as much data as needed</a:t>
             </a:r>
           </a:p>
           <a:p>
@@ -9464,11 +9936,41 @@
           </a:p>
           <a:p>
             <a:pPr eaLnBrk="1" hangingPunct="1"/>
+            <a:r>
+              <a:rPr lang="en-US" dirty="0" smtClean="0">
+                <a:latin typeface="Trebuchet MS" charset="0"/>
+                <a:ea typeface="ヒラギノ角ゴ ProN W3" charset="0"/>
+                <a:cs typeface="ヒラギノ角ゴ ProN W3" charset="0"/>
+              </a:rPr>
+              <a:t>If your table has 1,000s of custom rows, you might need to rethink your design for Ti.  Chunk it up into 20 row sets?  Is your data hierarchical?  Smaller data set helps.</a:t>
+            </a:r>
+          </a:p>
+          <a:p>
+            <a:pPr eaLnBrk="1" hangingPunct="1"/>
             <a:endParaRPr lang="en-US" dirty="0">
               <a:latin typeface="Trebuchet MS" charset="0"/>
               <a:ea typeface="ヒラギノ角ゴ ProN W3" charset="0"/>
               <a:cs typeface="ヒラギノ角ゴ ProN W3" charset="0"/>
             </a:endParaRPr>
+          </a:p>
+          <a:p>
+            <a:pPr eaLnBrk="1" hangingPunct="1"/>
+            <a:r>
+              <a:rPr lang="en-US" dirty="0" err="1" smtClean="0">
+                <a:latin typeface="Trebuchet MS" charset="0"/>
+                <a:ea typeface="ヒラギノ角ゴ ProN W3" charset="0"/>
+                <a:cs typeface="ヒラギノ角ゴ ProN W3" charset="0"/>
+              </a:rPr>
+              <a:t>Appc</a:t>
+            </a:r>
+            <a:r>
+              <a:rPr lang="en-US" dirty="0" smtClean="0">
+                <a:latin typeface="Trebuchet MS" charset="0"/>
+                <a:ea typeface="ヒラギノ角ゴ ProN W3" charset="0"/>
+                <a:cs typeface="ヒラギノ角ゴ ProN W3" charset="0"/>
+              </a:rPr>
+              <a:t> refactoring table view APIs to be more like native</a:t>
+            </a:r>
           </a:p>
           <a:p>
             <a:pPr eaLnBrk="1" hangingPunct="1"/>
@@ -9490,7 +9992,7 @@
       </p:sp>
       <p:sp>
         <p:nvSpPr>
-          <p:cNvPr id="9" name="Slide Number Placeholder 5"/>
+          <p:cNvPr id="8" name="Slide Number Placeholder 5"/>
           <p:cNvSpPr>
             <a:spLocks noGrp="1"/>
           </p:cNvSpPr>
@@ -9671,7 +10173,7 @@
     </p:spTree>
     <p:extLst>
       <p:ext uri="{BB962C8B-B14F-4D97-AF65-F5344CB8AC3E}">
-        <p14:creationId xmlns:p14="http://schemas.microsoft.com/office/powerpoint/2010/main" val="2114945142"/>
+        <p14:creationId xmlns:p14="http://schemas.microsoft.com/office/powerpoint/2010/main" val="3456509766"/>
       </p:ext>
     </p:extLst>
   </p:cSld>
@@ -9895,7 +10397,7 @@
                 <a:ea typeface="ヒラギノ角ゴ ProN W6" charset="0"/>
                 <a:cs typeface="ヒラギノ角ゴ ProN W6" charset="0"/>
               </a:rPr>
-              <a:t>Network Performance</a:t>
+              <a:t>Database Performance</a:t>
             </a:r>
             <a:endParaRPr lang="en-US" dirty="0">
               <a:latin typeface="Trebuchet MS Bold" charset="0"/>
@@ -9932,6 +10434,525 @@
                 <a:ea typeface="ヒラギノ角ゴ ProN W3" charset="0"/>
                 <a:cs typeface="ヒラギノ角ゴ ProN W3" charset="0"/>
               </a:rPr>
+              <a:t>SQL Queries are fast – use these rather than in-memory sorting of JS arrays, etc.</a:t>
+            </a:r>
+          </a:p>
+          <a:p>
+            <a:pPr eaLnBrk="1" hangingPunct="1"/>
+            <a:endParaRPr lang="en-US" dirty="0">
+              <a:latin typeface="Trebuchet MS" charset="0"/>
+              <a:ea typeface="ヒラギノ角ゴ ProN W3" charset="0"/>
+              <a:cs typeface="ヒラギノ角ゴ ProN W3" charset="0"/>
+            </a:endParaRPr>
+          </a:p>
+          <a:p>
+            <a:pPr eaLnBrk="1" hangingPunct="1"/>
+            <a:r>
+              <a:rPr lang="en-US" dirty="0" smtClean="0">
+                <a:latin typeface="Trebuchet MS" charset="0"/>
+                <a:ea typeface="ヒラギノ角ゴ ProN W3" charset="0"/>
+                <a:cs typeface="ヒラギノ角ゴ ProN W3" charset="0"/>
+              </a:rPr>
+              <a:t>RAM is the bottleneck – avoid loading Blobs into memory</a:t>
+            </a:r>
+          </a:p>
+          <a:p>
+            <a:pPr eaLnBrk="1" hangingPunct="1"/>
+            <a:endParaRPr lang="en-US" dirty="0">
+              <a:latin typeface="Trebuchet MS" charset="0"/>
+              <a:ea typeface="ヒラギノ角ゴ ProN W3" charset="0"/>
+              <a:cs typeface="ヒラギノ角ゴ ProN W3" charset="0"/>
+            </a:endParaRPr>
+          </a:p>
+          <a:p>
+            <a:pPr eaLnBrk="1" hangingPunct="1"/>
+            <a:r>
+              <a:rPr lang="en-US" dirty="0" smtClean="0">
+                <a:latin typeface="Trebuchet MS" charset="0"/>
+                <a:ea typeface="ヒラギノ角ゴ ProN W3" charset="0"/>
+                <a:cs typeface="ヒラギノ角ゴ ProN W3" charset="0"/>
+              </a:rPr>
+              <a:t>Database connection management - open/close connections after use</a:t>
+            </a:r>
+          </a:p>
+          <a:p>
+            <a:pPr eaLnBrk="1" hangingPunct="1"/>
+            <a:endParaRPr lang="en-US" dirty="0" smtClean="0">
+              <a:latin typeface="Trebuchet MS" charset="0"/>
+              <a:ea typeface="ヒラギノ角ゴ ProN W3" charset="0"/>
+              <a:cs typeface="ヒラギノ角ゴ ProN W3" charset="0"/>
+            </a:endParaRPr>
+          </a:p>
+          <a:p>
+            <a:pPr eaLnBrk="1" hangingPunct="1"/>
+            <a:endParaRPr lang="en-US" dirty="0">
+              <a:latin typeface="Trebuchet MS" charset="0"/>
+              <a:ea typeface="ヒラギノ角ゴ ProN W3" charset="0"/>
+              <a:cs typeface="ヒラギノ角ゴ ProN W3" charset="0"/>
+            </a:endParaRPr>
+          </a:p>
+          <a:p>
+            <a:pPr eaLnBrk="1" hangingPunct="1"/>
+            <a:endParaRPr lang="en-US" b="1" dirty="0">
+              <a:latin typeface="Trebuchet MS" charset="0"/>
+              <a:ea typeface="ヒラギノ角ゴ ProN W3" charset="0"/>
+              <a:cs typeface="ヒラギノ角ゴ ProN W3" charset="0"/>
+            </a:endParaRPr>
+          </a:p>
+          <a:p>
+            <a:pPr eaLnBrk="1" hangingPunct="1"/>
+            <a:endParaRPr lang="en-US" b="1" dirty="0" smtClean="0">
+              <a:latin typeface="Trebuchet MS" charset="0"/>
+              <a:ea typeface="ヒラギノ角ゴ ProN W3" charset="0"/>
+              <a:cs typeface="ヒラギノ角ゴ ProN W3" charset="0"/>
+            </a:endParaRPr>
+          </a:p>
+        </p:txBody>
+      </p:sp>
+      <p:sp>
+        <p:nvSpPr>
+          <p:cNvPr id="9" name="Slide Number Placeholder 5"/>
+          <p:cNvSpPr>
+            <a:spLocks noGrp="1"/>
+          </p:cNvSpPr>
+          <p:nvPr>
+            <p:ph type="sldNum" sz="quarter" idx="12"/>
+          </p:nvPr>
+        </p:nvSpPr>
+        <p:spPr bwMode="auto">
+          <a:xfrm>
+            <a:off x="203200" y="6400800"/>
+            <a:ext cx="2133600" cy="365125"/>
+          </a:xfrm>
+          <a:noFill/>
+          <a:extLst>
+            <a:ext uri="{909E8E84-426E-40dd-AFC4-6F175D3DCCD1}">
+              <a14:hiddenFill xmlns:a14="http://schemas.microsoft.com/office/drawing/2010/main">
+                <a:solidFill>
+                  <a:srgbClr val="FFFFFF"/>
+                </a:solidFill>
+              </a14:hiddenFill>
+            </a:ext>
+            <a:ext uri="{91240B29-F687-4f45-9708-019B960494DF}">
+              <a14:hiddenLine xmlns:a14="http://schemas.microsoft.com/office/drawing/2010/main" w="9525">
+                <a:solidFill>
+                  <a:srgbClr val="000000"/>
+                </a:solidFill>
+                <a:miter lim="800000"/>
+                <a:headEnd/>
+                <a:tailEnd/>
+              </a14:hiddenLine>
+            </a:ext>
+          </a:extLst>
+        </p:spPr>
+        <p:txBody>
+          <a:bodyPr vert="horz" wrap="square" lIns="91440" tIns="45720" rIns="91440" bIns="45720" numCol="1" anchor="ctr" anchorCtr="0" compatLnSpc="1">
+            <a:prstTxWarp prst="textNoShape">
+              <a:avLst/>
+            </a:prstTxWarp>
+          </a:bodyPr>
+          <a:lstStyle>
+            <a:lvl1pPr eaLnBrk="0" hangingPunct="0">
+              <a:defRPr sz="2400">
+                <a:solidFill>
+                  <a:schemeClr val="tx1"/>
+                </a:solidFill>
+                <a:latin typeface="Trebuchet MS" charset="0"/>
+                <a:ea typeface="ＭＳ Ｐゴシック" charset="0"/>
+                <a:cs typeface="ＭＳ Ｐゴシック" charset="0"/>
+              </a:defRPr>
+            </a:lvl1pPr>
+            <a:lvl2pPr marL="742950" indent="-285750" eaLnBrk="0" hangingPunct="0">
+              <a:defRPr sz="2400">
+                <a:solidFill>
+                  <a:schemeClr val="tx1"/>
+                </a:solidFill>
+                <a:latin typeface="Trebuchet MS" charset="0"/>
+                <a:ea typeface="ＭＳ Ｐゴシック" charset="0"/>
+              </a:defRPr>
+            </a:lvl2pPr>
+            <a:lvl3pPr marL="1143000" indent="-228600" eaLnBrk="0" hangingPunct="0">
+              <a:defRPr sz="2400">
+                <a:solidFill>
+                  <a:schemeClr val="tx1"/>
+                </a:solidFill>
+                <a:latin typeface="Trebuchet MS" charset="0"/>
+                <a:ea typeface="ＭＳ Ｐゴシック" charset="0"/>
+              </a:defRPr>
+            </a:lvl3pPr>
+            <a:lvl4pPr marL="1600200" indent="-228600" eaLnBrk="0" hangingPunct="0">
+              <a:defRPr sz="2400">
+                <a:solidFill>
+                  <a:schemeClr val="tx1"/>
+                </a:solidFill>
+                <a:latin typeface="Trebuchet MS" charset="0"/>
+                <a:ea typeface="ＭＳ Ｐゴシック" charset="0"/>
+              </a:defRPr>
+            </a:lvl4pPr>
+            <a:lvl5pPr marL="2057400" indent="-228600" eaLnBrk="0" hangingPunct="0">
+              <a:defRPr sz="2400">
+                <a:solidFill>
+                  <a:schemeClr val="tx1"/>
+                </a:solidFill>
+                <a:latin typeface="Trebuchet MS" charset="0"/>
+                <a:ea typeface="ＭＳ Ｐゴシック" charset="0"/>
+              </a:defRPr>
+            </a:lvl5pPr>
+            <a:lvl6pPr marL="2514600" indent="-228600" eaLnBrk="0" fontAlgn="base" hangingPunct="0">
+              <a:spcBef>
+                <a:spcPct val="0"/>
+              </a:spcBef>
+              <a:spcAft>
+                <a:spcPct val="0"/>
+              </a:spcAft>
+              <a:defRPr sz="2400">
+                <a:solidFill>
+                  <a:schemeClr val="tx1"/>
+                </a:solidFill>
+                <a:latin typeface="Trebuchet MS" charset="0"/>
+                <a:ea typeface="ＭＳ Ｐゴシック" charset="0"/>
+              </a:defRPr>
+            </a:lvl6pPr>
+            <a:lvl7pPr marL="2971800" indent="-228600" eaLnBrk="0" fontAlgn="base" hangingPunct="0">
+              <a:spcBef>
+                <a:spcPct val="0"/>
+              </a:spcBef>
+              <a:spcAft>
+                <a:spcPct val="0"/>
+              </a:spcAft>
+              <a:defRPr sz="2400">
+                <a:solidFill>
+                  <a:schemeClr val="tx1"/>
+                </a:solidFill>
+                <a:latin typeface="Trebuchet MS" charset="0"/>
+                <a:ea typeface="ＭＳ Ｐゴシック" charset="0"/>
+              </a:defRPr>
+            </a:lvl7pPr>
+            <a:lvl8pPr marL="3429000" indent="-228600" eaLnBrk="0" fontAlgn="base" hangingPunct="0">
+              <a:spcBef>
+                <a:spcPct val="0"/>
+              </a:spcBef>
+              <a:spcAft>
+                <a:spcPct val="0"/>
+              </a:spcAft>
+              <a:defRPr sz="2400">
+                <a:solidFill>
+                  <a:schemeClr val="tx1"/>
+                </a:solidFill>
+                <a:latin typeface="Trebuchet MS" charset="0"/>
+                <a:ea typeface="ＭＳ Ｐゴシック" charset="0"/>
+              </a:defRPr>
+            </a:lvl8pPr>
+            <a:lvl9pPr marL="3886200" indent="-228600" eaLnBrk="0" fontAlgn="base" hangingPunct="0">
+              <a:spcBef>
+                <a:spcPct val="0"/>
+              </a:spcBef>
+              <a:spcAft>
+                <a:spcPct val="0"/>
+              </a:spcAft>
+              <a:defRPr sz="2400">
+                <a:solidFill>
+                  <a:schemeClr val="tx1"/>
+                </a:solidFill>
+                <a:latin typeface="Trebuchet MS" charset="0"/>
+                <a:ea typeface="ＭＳ Ｐゴシック" charset="0"/>
+              </a:defRPr>
+            </a:lvl9pPr>
+          </a:lstStyle>
+          <a:p>
+            <a:pPr eaLnBrk="1" hangingPunct="1"/>
+            <a:r>
+              <a:rPr lang="en-US" sz="1200" b="1" dirty="0" smtClean="0">
+                <a:solidFill>
+                  <a:srgbClr val="122956"/>
+                </a:solidFill>
+                <a:cs typeface="Trebuchet MS" charset="0"/>
+              </a:rPr>
+              <a:t>PERF-</a:t>
+            </a:r>
+            <a:fld id="{31B56995-E14C-B64F-86C9-12D6DB74A41E}" type="slidenum">
+              <a:rPr lang="en-US" sz="1200" b="1">
+                <a:solidFill>
+                  <a:srgbClr val="122956"/>
+                </a:solidFill>
+                <a:cs typeface="Trebuchet MS" charset="0"/>
+              </a:rPr>
+              <a:pPr eaLnBrk="1" hangingPunct="1"/>
+              <a:t>13</a:t>
+            </a:fld>
+            <a:endParaRPr lang="en-US" sz="1200" b="1" dirty="0">
+              <a:solidFill>
+                <a:srgbClr val="122956"/>
+              </a:solidFill>
+              <a:cs typeface="Trebuchet MS" charset="0"/>
+            </a:endParaRPr>
+          </a:p>
+        </p:txBody>
+      </p:sp>
+    </p:spTree>
+    <p:extLst>
+      <p:ext uri="{BB962C8B-B14F-4D97-AF65-F5344CB8AC3E}">
+        <p14:creationId xmlns:p14="http://schemas.microsoft.com/office/powerpoint/2010/main" val="2114945142"/>
+      </p:ext>
+    </p:extLst>
+  </p:cSld>
+  <p:clrMapOvr>
+    <a:masterClrMapping/>
+  </p:clrMapOvr>
+  <p:transition xmlns:p14="http://schemas.microsoft.com/office/powerpoint/2010/main" spd="slow"/>
+  <p:timing>
+    <p:tnLst>
+      <p:par>
+        <p:cTn xmlns:p14="http://schemas.microsoft.com/office/powerpoint/2010/main" id="1" dur="indefinite" restart="never" nodeType="tmRoot"/>
+      </p:par>
+    </p:tnLst>
+  </p:timing>
+</p:sld>
+</file>
+
+<file path=ppt/slides/slide14.xml><?xml version="1.0" encoding="utf-8"?>
+<p:sld xmlns:a="http://schemas.openxmlformats.org/drawingml/2006/main" xmlns:r="http://schemas.openxmlformats.org/officeDocument/2006/relationships" xmlns:p="http://schemas.openxmlformats.org/presentationml/2006/main">
+  <p:cSld>
+    <p:spTree>
+      <p:nvGrpSpPr>
+        <p:cNvPr id="1" name=""/>
+        <p:cNvGrpSpPr/>
+        <p:nvPr/>
+      </p:nvGrpSpPr>
+      <p:grpSpPr>
+        <a:xfrm>
+          <a:off x="0" y="0"/>
+          <a:ext cx="0" cy="0"/>
+          <a:chOff x="0" y="0"/>
+          <a:chExt cx="0" cy="0"/>
+        </a:xfrm>
+      </p:grpSpPr>
+      <p:pic>
+        <p:nvPicPr>
+          <p:cNvPr id="12289" name="Picture 1"/>
+          <p:cNvPicPr>
+            <a:picLocks noChangeArrowheads="1"/>
+          </p:cNvPicPr>
+          <p:nvPr/>
+        </p:nvPicPr>
+        <p:blipFill>
+          <a:blip r:embed="rId3">
+            <a:extLst>
+              <a:ext uri="{28A0092B-C50C-407E-A947-70E740481C1C}">
+                <a14:useLocalDpi xmlns:a14="http://schemas.microsoft.com/office/drawing/2010/main" val="0"/>
+              </a:ext>
+            </a:extLst>
+          </a:blip>
+          <a:srcRect/>
+          <a:stretch>
+            <a:fillRect/>
+          </a:stretch>
+        </p:blipFill>
+        <p:spPr bwMode="auto">
+          <a:xfrm>
+            <a:off x="8505825" y="6311900"/>
+            <a:ext cx="442913" cy="357188"/>
+          </a:xfrm>
+          <a:prstGeom prst="rect">
+            <a:avLst/>
+          </a:prstGeom>
+          <a:noFill/>
+          <a:ln>
+            <a:noFill/>
+          </a:ln>
+          <a:extLst>
+            <a:ext uri="{909E8E84-426E-40dd-AFC4-6F175D3DCCD1}">
+              <a14:hiddenFill xmlns:a14="http://schemas.microsoft.com/office/drawing/2010/main">
+                <a:solidFill>
+                  <a:srgbClr val="FFFFFF"/>
+                </a:solidFill>
+              </a14:hiddenFill>
+            </a:ext>
+            <a:ext uri="{91240B29-F687-4f45-9708-019B960494DF}">
+              <a14:hiddenLine xmlns:a14="http://schemas.microsoft.com/office/drawing/2010/main" w="9525">
+                <a:solidFill>
+                  <a:srgbClr val="000000"/>
+                </a:solidFill>
+                <a:miter lim="800000"/>
+                <a:headEnd/>
+                <a:tailEnd/>
+              </a14:hiddenLine>
+            </a:ext>
+          </a:extLst>
+        </p:spPr>
+      </p:pic>
+      <p:pic>
+        <p:nvPicPr>
+          <p:cNvPr id="12290" name="Picture 3"/>
+          <p:cNvPicPr>
+            <a:picLocks noChangeArrowheads="1"/>
+          </p:cNvPicPr>
+          <p:nvPr/>
+        </p:nvPicPr>
+        <p:blipFill>
+          <a:blip r:embed="rId4">
+            <a:extLst>
+              <a:ext uri="{28A0092B-C50C-407E-A947-70E740481C1C}">
+                <a14:useLocalDpi xmlns:a14="http://schemas.microsoft.com/office/drawing/2010/main" val="0"/>
+              </a:ext>
+            </a:extLst>
+          </a:blip>
+          <a:srcRect/>
+          <a:stretch>
+            <a:fillRect/>
+          </a:stretch>
+        </p:blipFill>
+        <p:spPr bwMode="auto">
+          <a:xfrm>
+            <a:off x="0" y="0"/>
+            <a:ext cx="9144000" cy="1176338"/>
+          </a:xfrm>
+          <a:prstGeom prst="rect">
+            <a:avLst/>
+          </a:prstGeom>
+          <a:noFill/>
+          <a:ln>
+            <a:noFill/>
+          </a:ln>
+          <a:extLst>
+            <a:ext uri="{909E8E84-426E-40dd-AFC4-6F175D3DCCD1}">
+              <a14:hiddenFill xmlns:a14="http://schemas.microsoft.com/office/drawing/2010/main">
+                <a:solidFill>
+                  <a:srgbClr val="FFFFFF"/>
+                </a:solidFill>
+              </a14:hiddenFill>
+            </a:ext>
+            <a:ext uri="{91240B29-F687-4f45-9708-019B960494DF}">
+              <a14:hiddenLine xmlns:a14="http://schemas.microsoft.com/office/drawing/2010/main" w="9525">
+                <a:solidFill>
+                  <a:srgbClr val="000000"/>
+                </a:solidFill>
+                <a:miter lim="800000"/>
+                <a:headEnd/>
+                <a:tailEnd/>
+              </a14:hiddenLine>
+            </a:ext>
+          </a:extLst>
+        </p:spPr>
+      </p:pic>
+      <p:pic>
+        <p:nvPicPr>
+          <p:cNvPr id="12291" name="Picture 4"/>
+          <p:cNvPicPr>
+            <a:picLocks noChangeArrowheads="1"/>
+          </p:cNvPicPr>
+          <p:nvPr/>
+        </p:nvPicPr>
+        <p:blipFill>
+          <a:blip r:embed="rId3">
+            <a:extLst>
+              <a:ext uri="{28A0092B-C50C-407E-A947-70E740481C1C}">
+                <a14:useLocalDpi xmlns:a14="http://schemas.microsoft.com/office/drawing/2010/main" val="0"/>
+              </a:ext>
+            </a:extLst>
+          </a:blip>
+          <a:srcRect/>
+          <a:stretch>
+            <a:fillRect/>
+          </a:stretch>
+        </p:blipFill>
+        <p:spPr bwMode="auto">
+          <a:xfrm>
+            <a:off x="8505825" y="6311900"/>
+            <a:ext cx="442913" cy="357188"/>
+          </a:xfrm>
+          <a:prstGeom prst="rect">
+            <a:avLst/>
+          </a:prstGeom>
+          <a:noFill/>
+          <a:ln>
+            <a:noFill/>
+          </a:ln>
+          <a:extLst>
+            <a:ext uri="{909E8E84-426E-40dd-AFC4-6F175D3DCCD1}">
+              <a14:hiddenFill xmlns:a14="http://schemas.microsoft.com/office/drawing/2010/main">
+                <a:solidFill>
+                  <a:srgbClr val="FFFFFF"/>
+                </a:solidFill>
+              </a14:hiddenFill>
+            </a:ext>
+            <a:ext uri="{91240B29-F687-4f45-9708-019B960494DF}">
+              <a14:hiddenLine xmlns:a14="http://schemas.microsoft.com/office/drawing/2010/main" w="9525">
+                <a:solidFill>
+                  <a:srgbClr val="000000"/>
+                </a:solidFill>
+                <a:miter lim="800000"/>
+                <a:headEnd/>
+                <a:tailEnd/>
+              </a14:hiddenLine>
+            </a:ext>
+          </a:extLst>
+        </p:spPr>
+      </p:pic>
+      <p:sp>
+        <p:nvSpPr>
+          <p:cNvPr id="12292" name="Rectangle 6"/>
+          <p:cNvSpPr>
+            <a:spLocks noGrp="1" noChangeArrowheads="1"/>
+          </p:cNvSpPr>
+          <p:nvPr>
+            <p:ph type="title"/>
+          </p:nvPr>
+        </p:nvSpPr>
+        <p:spPr>
+          <a:xfrm>
+            <a:off x="457200" y="0"/>
+            <a:ext cx="8229600" cy="1219200"/>
+          </a:xfrm>
+        </p:spPr>
+        <p:txBody>
+          <a:bodyPr rIns="81279"/>
+          <a:lstStyle/>
+          <a:p>
+            <a:pPr eaLnBrk="1" hangingPunct="1"/>
+            <a:r>
+              <a:rPr lang="en-US" dirty="0" smtClean="0">
+                <a:latin typeface="Trebuchet MS Bold" charset="0"/>
+                <a:ea typeface="ヒラギノ角ゴ ProN W6" charset="0"/>
+                <a:cs typeface="ヒラギノ角ゴ ProN W6" charset="0"/>
+              </a:rPr>
+              <a:t>Network Performance</a:t>
+            </a:r>
+            <a:endParaRPr lang="en-US" dirty="0">
+              <a:latin typeface="Trebuchet MS Bold" charset="0"/>
+              <a:ea typeface="ヒラギノ角ゴ ProN W6" charset="0"/>
+              <a:cs typeface="ヒラギノ角ゴ ProN W6" charset="0"/>
+            </a:endParaRPr>
+          </a:p>
+        </p:txBody>
+      </p:sp>
+      <p:sp>
+        <p:nvSpPr>
+          <p:cNvPr id="12293" name="Rectangle 7"/>
+          <p:cNvSpPr>
+            <a:spLocks noGrp="1" noChangeArrowheads="1"/>
+          </p:cNvSpPr>
+          <p:nvPr>
+            <p:ph idx="1"/>
+          </p:nvPr>
+        </p:nvSpPr>
+        <p:spPr>
+          <a:xfrm>
+            <a:off x="457200" y="1346200"/>
+            <a:ext cx="8229600" cy="4826000"/>
+          </a:xfrm>
+        </p:spPr>
+        <p:txBody>
+          <a:bodyPr rIns="81279"/>
+          <a:lstStyle/>
+          <a:p>
+            <a:pPr eaLnBrk="1" hangingPunct="1"/>
+            <a:r>
+              <a:rPr lang="en-US" dirty="0" smtClean="0">
+                <a:latin typeface="Trebuchet MS" charset="0"/>
+                <a:ea typeface="ヒラギノ角ゴ ProN W3" charset="0"/>
+                <a:cs typeface="ヒラギノ角ゴ ProN W3" charset="0"/>
+              </a:rPr>
               <a:t>Don’t assume wifi – test on cell networks</a:t>
             </a:r>
           </a:p>
@@ -10212,7 +11233,7 @@
                 <a:cs typeface="Trebuchet MS" charset="0"/>
               </a:rPr>
               <a:pPr eaLnBrk="1" hangingPunct="1"/>
-              <a:t>13</a:t>
+              <a:t>14</a:t>
             </a:fld>
             <a:endParaRPr lang="en-US" sz="1200" b="1" dirty="0">
               <a:solidFill>
@@ -10244,7 +11265,7 @@
 </p:sld>
 </file>
 
-<file path=ppt/slides/slide14.xml><?xml version="1.0" encoding="utf-8"?>
+<file path=ppt/slides/slide15.xml><?xml version="1.0" encoding="utf-8"?>
 <p:sld xmlns:a="http://schemas.openxmlformats.org/drawingml/2006/main" xmlns:r="http://schemas.openxmlformats.org/officeDocument/2006/relationships" xmlns:p="http://schemas.openxmlformats.org/presentationml/2006/main">
   <p:cSld>
     <p:spTree>
@@ -10529,7 +11550,7 @@
                 <a:cs typeface="Trebuchet MS" charset="0"/>
               </a:rPr>
               <a:pPr eaLnBrk="1" hangingPunct="1"/>
-              <a:t>14</a:t>
+              <a:t>15</a:t>
             </a:fld>
             <a:endParaRPr lang="en-US" sz="1200" b="1" dirty="0">
               <a:solidFill>
@@ -10561,7 +11582,7 @@
 </p:sld>
 </file>
 
-<file path=ppt/slides/slide15.xml><?xml version="1.0" encoding="utf-8"?>
+<file path=ppt/slides/slide16.xml><?xml version="1.0" encoding="utf-8"?>
 <p:sld xmlns:a="http://schemas.openxmlformats.org/drawingml/2006/main" xmlns:r="http://schemas.openxmlformats.org/officeDocument/2006/relationships" xmlns:p="http://schemas.openxmlformats.org/presentationml/2006/main">
   <p:cSld>
     <p:spTree>
@@ -10881,7 +11902,7 @@
                 <a:cs typeface="Trebuchet MS" charset="0"/>
               </a:rPr>
               <a:pPr eaLnBrk="1" hangingPunct="1"/>
-              <a:t>15</a:t>
+              <a:t>16</a:t>
             </a:fld>
             <a:endParaRPr lang="en-US" sz="1200" b="1" dirty="0">
               <a:solidFill>
@@ -10912,7 +11933,7 @@
 </p:sld>
 </file>
 
-<file path=ppt/slides/slide16.xml><?xml version="1.0" encoding="utf-8"?>
+<file path=ppt/slides/slide17.xml><?xml version="1.0" encoding="utf-8"?>
 <p:sld xmlns:a="http://schemas.openxmlformats.org/drawingml/2006/main" xmlns:r="http://schemas.openxmlformats.org/officeDocument/2006/relationships" xmlns:p="http://schemas.openxmlformats.org/presentationml/2006/main">
   <p:cSld>
     <p:spTree>
@@ -11197,7 +12218,7 @@
                 <a:cs typeface="Trebuchet MS" charset="0"/>
               </a:rPr>
               <a:pPr eaLnBrk="1" hangingPunct="1"/>
-              <a:t>16</a:t>
+              <a:t>17</a:t>
             </a:fld>
             <a:endParaRPr lang="en-US" sz="1200" b="1" dirty="0">
               <a:solidFill>
@@ -12442,7 +13463,7 @@
                 <a:ea typeface="ヒラギノ角ゴ ProN W6" charset="0"/>
                 <a:cs typeface="ヒラギノ角ゴ ProN W6" charset="0"/>
               </a:rPr>
-              <a:t>When Does Titanium Clean Up?</a:t>
+              <a:t>JavaScript Garbage Collection</a:t>
             </a:r>
             <a:endParaRPr lang="en-US" dirty="0">
               <a:latin typeface="Trebuchet MS Bold" charset="0"/>
@@ -12479,7 +13500,7 @@
                 <a:ea typeface="ヒラギノ角ゴ ProN W3" charset="0"/>
                 <a:cs typeface="ヒラギノ角ゴ ProN W3" charset="0"/>
               </a:rPr>
-              <a:t>When a window is closed (UI is cleaned up)</a:t>
+              <a:t>Automatic (you don’t have to release memory)</a:t>
             </a:r>
           </a:p>
           <a:p>
@@ -12498,7 +13519,7 @@
                 <a:ea typeface="ヒラギノ角ゴ ProN W3" charset="0"/>
                 <a:cs typeface="ヒラギノ角ゴ ProN W3" charset="0"/>
               </a:rPr>
-              <a:t>When a variable holding a proxy object is set to null</a:t>
+              <a:t>Objects collected when no references remain</a:t>
             </a:r>
           </a:p>
           <a:p>
@@ -12517,7 +13538,15 @@
                 <a:ea typeface="ヒラギノ角ゴ ProN W3" charset="0"/>
                 <a:cs typeface="ヒラギノ角ゴ ProN W3" charset="0"/>
               </a:rPr>
-              <a:t>If you’re running into memory issues, look to do one of these things.</a:t>
+              <a:t>“Mark and swee</a:t>
+            </a:r>
+            <a:r>
+              <a:rPr lang="en-US" dirty="0" smtClean="0">
+                <a:latin typeface="Trebuchet MS" charset="0"/>
+                <a:ea typeface="ヒラギノ角ゴ ProN W3" charset="0"/>
+                <a:cs typeface="ヒラギノ角ゴ ProN W3" charset="0"/>
+              </a:rPr>
+              <a:t>p”</a:t>
             </a:r>
           </a:p>
           <a:p>
@@ -12536,8 +13565,13 @@
                 <a:ea typeface="ヒラギノ角ゴ ProN W3" charset="0"/>
                 <a:cs typeface="ヒラギノ角ゴ ProN W3" charset="0"/>
               </a:rPr>
-              <a:t>Note: Showing/hiding views will improve DRAW SPEED, but memory will still be in use</a:t>
-            </a:r>
+              <a:t>Force by removing all references</a:t>
+            </a:r>
+            <a:endParaRPr lang="en-US" dirty="0" smtClean="0">
+              <a:latin typeface="Trebuchet MS" charset="0"/>
+              <a:ea typeface="ヒラギノ角ゴ ProN W3" charset="0"/>
+              <a:cs typeface="ヒラギノ角ゴ ProN W3" charset="0"/>
+            </a:endParaRPr>
           </a:p>
         </p:txBody>
       </p:sp>
@@ -12724,7 +13758,7 @@
     </p:spTree>
     <p:extLst>
       <p:ext uri="{BB962C8B-B14F-4D97-AF65-F5344CB8AC3E}">
-        <p14:creationId xmlns:p14="http://schemas.microsoft.com/office/powerpoint/2010/main" val="1173982100"/>
+        <p14:creationId xmlns:p14="http://schemas.microsoft.com/office/powerpoint/2010/main" val="116901747"/>
       </p:ext>
     </p:extLst>
   </p:cSld>
@@ -12761,7 +13795,7 @@
       </p:grpSpPr>
       <p:pic>
         <p:nvPicPr>
-          <p:cNvPr id="16385" name="Picture 1"/>
+          <p:cNvPr id="12289" name="Picture 1"/>
           <p:cNvPicPr>
             <a:picLocks noChangeArrowheads="1"/>
           </p:cNvPicPr>
@@ -12813,77 +13847,251 @@
           </a:extLst>
         </p:spPr>
       </p:pic>
+      <p:pic>
+        <p:nvPicPr>
+          <p:cNvPr id="12290" name="Picture 3"/>
+          <p:cNvPicPr>
+            <a:picLocks noChangeArrowheads="1"/>
+          </p:cNvPicPr>
+          <p:nvPr/>
+        </p:nvPicPr>
+        <p:blipFill>
+          <a:blip r:embed="rId4">
+            <a:extLst>
+              <a:ext uri="{28A0092B-C50C-407E-A947-70E740481C1C}">
+                <a14:useLocalDpi xmlns:a14="http://schemas.microsoft.com/office/drawing/2010/main" val="0"/>
+              </a:ext>
+            </a:extLst>
+          </a:blip>
+          <a:srcRect/>
+          <a:stretch>
+            <a:fillRect/>
+          </a:stretch>
+        </p:blipFill>
+        <p:spPr bwMode="auto">
+          <a:xfrm>
+            <a:off x="0" y="0"/>
+            <a:ext cx="9144000" cy="1176338"/>
+          </a:xfrm>
+          <a:prstGeom prst="rect">
+            <a:avLst/>
+          </a:prstGeom>
+          <a:noFill/>
+          <a:ln>
+            <a:noFill/>
+          </a:ln>
+          <a:extLst>
+            <a:ext uri="{909E8E84-426E-40dd-AFC4-6F175D3DCCD1}">
+              <a14:hiddenFill xmlns:a14="http://schemas.microsoft.com/office/drawing/2010/main">
+                <a:solidFill>
+                  <a:srgbClr val="FFFFFF"/>
+                </a:solidFill>
+              </a14:hiddenFill>
+            </a:ext>
+            <a:ext uri="{91240B29-F687-4f45-9708-019B960494DF}">
+              <a14:hiddenLine xmlns:a14="http://schemas.microsoft.com/office/drawing/2010/main" w="9525">
+                <a:solidFill>
+                  <a:srgbClr val="000000"/>
+                </a:solidFill>
+                <a:miter lim="800000"/>
+                <a:headEnd/>
+                <a:tailEnd/>
+              </a14:hiddenLine>
+            </a:ext>
+          </a:extLst>
+        </p:spPr>
+      </p:pic>
+      <p:pic>
+        <p:nvPicPr>
+          <p:cNvPr id="12291" name="Picture 4"/>
+          <p:cNvPicPr>
+            <a:picLocks noChangeArrowheads="1"/>
+          </p:cNvPicPr>
+          <p:nvPr/>
+        </p:nvPicPr>
+        <p:blipFill>
+          <a:blip r:embed="rId3">
+            <a:extLst>
+              <a:ext uri="{28A0092B-C50C-407E-A947-70E740481C1C}">
+                <a14:useLocalDpi xmlns:a14="http://schemas.microsoft.com/office/drawing/2010/main" val="0"/>
+              </a:ext>
+            </a:extLst>
+          </a:blip>
+          <a:srcRect/>
+          <a:stretch>
+            <a:fillRect/>
+          </a:stretch>
+        </p:blipFill>
+        <p:spPr bwMode="auto">
+          <a:xfrm>
+            <a:off x="8505825" y="6311900"/>
+            <a:ext cx="442913" cy="357188"/>
+          </a:xfrm>
+          <a:prstGeom prst="rect">
+            <a:avLst/>
+          </a:prstGeom>
+          <a:noFill/>
+          <a:ln>
+            <a:noFill/>
+          </a:ln>
+          <a:extLst>
+            <a:ext uri="{909E8E84-426E-40dd-AFC4-6F175D3DCCD1}">
+              <a14:hiddenFill xmlns:a14="http://schemas.microsoft.com/office/drawing/2010/main">
+                <a:solidFill>
+                  <a:srgbClr val="FFFFFF"/>
+                </a:solidFill>
+              </a14:hiddenFill>
+            </a:ext>
+            <a:ext uri="{91240B29-F687-4f45-9708-019B960494DF}">
+              <a14:hiddenLine xmlns:a14="http://schemas.microsoft.com/office/drawing/2010/main" w="9525">
+                <a:solidFill>
+                  <a:srgbClr val="000000"/>
+                </a:solidFill>
+                <a:miter lim="800000"/>
+                <a:headEnd/>
+                <a:tailEnd/>
+              </a14:hiddenLine>
+            </a:ext>
+          </a:extLst>
+        </p:spPr>
+      </p:pic>
       <p:sp>
         <p:nvSpPr>
-          <p:cNvPr id="16386" name="Rectangle 5"/>
+          <p:cNvPr id="12292" name="Rectangle 6"/>
           <p:cNvSpPr>
             <a:spLocks noGrp="1" noChangeArrowheads="1"/>
           </p:cNvSpPr>
           <p:nvPr>
-            <p:ph type="ctrTitle" idx="4294967295"/>
+            <p:ph type="title"/>
           </p:nvPr>
         </p:nvSpPr>
         <p:spPr>
           <a:xfrm>
-            <a:off x="685800" y="2317750"/>
-            <a:ext cx="7772400" cy="1470025"/>
+            <a:off x="457200" y="0"/>
+            <a:ext cx="8229600" cy="1219200"/>
           </a:xfrm>
         </p:spPr>
         <p:txBody>
           <a:bodyPr rIns="81279"/>
           <a:lstStyle/>
           <a:p>
-            <a:pPr algn="ctr" eaLnBrk="1" hangingPunct="1"/>
-            <a:r>
-              <a:rPr lang="en-US" sz="3600" dirty="0" smtClean="0">
-                <a:solidFill>
-                  <a:srgbClr val="122956"/>
-                </a:solidFill>
-                <a:latin typeface="Trebuchet MS Bold Italic" charset="0"/>
+            <a:pPr eaLnBrk="1" hangingPunct="1"/>
+            <a:r>
+              <a:rPr lang="en-US" dirty="0" smtClean="0">
+                <a:latin typeface="Trebuchet MS Bold" charset="0"/>
                 <a:ea typeface="ヒラギノ角ゴ ProN W6" charset="0"/>
                 <a:cs typeface="ヒラギノ角ゴ ProN W6" charset="0"/>
-                <a:sym typeface="Trebuchet MS Bold Italic" charset="0"/>
-              </a:rPr>
-              <a:t>Window displaying</a:t>
-            </a:r>
-            <a:br>
-              <a:rPr lang="en-US" sz="3600" dirty="0" smtClean="0">
-                <a:solidFill>
-                  <a:srgbClr val="122956"/>
-                </a:solidFill>
-                <a:latin typeface="Trebuchet MS Bold Italic" charset="0"/>
-                <a:ea typeface="ヒラギノ角ゴ ProN W6" charset="0"/>
-                <a:cs typeface="ヒラギノ角ゴ ProN W6" charset="0"/>
-                <a:sym typeface="Trebuchet MS Bold Italic" charset="0"/>
-              </a:rPr>
-            </a:br>
-            <a:r>
-              <a:rPr lang="en-US" sz="3600" dirty="0" smtClean="0">
-                <a:solidFill>
-                  <a:srgbClr val="122956"/>
-                </a:solidFill>
-                <a:latin typeface="Trebuchet MS Bold Italic" charset="0"/>
-                <a:ea typeface="ヒラギノ角ゴ ProN W6" charset="0"/>
-                <a:cs typeface="ヒラギノ角ゴ ProN W6" charset="0"/>
-                <a:sym typeface="Trebuchet MS Bold Italic" charset="0"/>
-              </a:rPr>
-              <a:t>slowly?</a:t>
-            </a:r>
-            <a:endParaRPr lang="en-US" sz="1400" dirty="0">
-              <a:solidFill>
-                <a:srgbClr val="122956"/>
-              </a:solidFill>
-              <a:latin typeface="Trebuchet MS Bold Italic" charset="0"/>
+              </a:rPr>
+              <a:t>When Does Titanium Clean Up?</a:t>
+            </a:r>
+            <a:endParaRPr lang="en-US" dirty="0">
+              <a:latin typeface="Trebuchet MS Bold" charset="0"/>
               <a:ea typeface="ヒラギノ角ゴ ProN W6" charset="0"/>
               <a:cs typeface="ヒラギノ角ゴ ProN W6" charset="0"/>
-              <a:sym typeface="Trebuchet MS Bold Italic" charset="0"/>
             </a:endParaRPr>
           </a:p>
         </p:txBody>
       </p:sp>
       <p:sp>
         <p:nvSpPr>
-          <p:cNvPr id="5" name="Slide Number Placeholder 5"/>
+          <p:cNvPr id="12293" name="Rectangle 7"/>
+          <p:cNvSpPr>
+            <a:spLocks noGrp="1" noChangeArrowheads="1"/>
+          </p:cNvSpPr>
+          <p:nvPr>
+            <p:ph idx="1"/>
+          </p:nvPr>
+        </p:nvSpPr>
+        <p:spPr>
+          <a:xfrm>
+            <a:off x="457200" y="1346200"/>
+            <a:ext cx="8229600" cy="4826000"/>
+          </a:xfrm>
+        </p:spPr>
+        <p:txBody>
+          <a:bodyPr rIns="81279"/>
+          <a:lstStyle/>
+          <a:p>
+            <a:pPr eaLnBrk="1" hangingPunct="1"/>
+            <a:r>
+              <a:rPr lang="en-US" dirty="0" smtClean="0">
+                <a:latin typeface="Trebuchet MS" charset="0"/>
+                <a:ea typeface="ヒラギノ角ゴ ProN W3" charset="0"/>
+                <a:cs typeface="ヒラギノ角ゴ ProN W3" charset="0"/>
+              </a:rPr>
+              <a:t>When a window is closed (UI is cleaned up)</a:t>
+            </a:r>
+          </a:p>
+          <a:p>
+            <a:pPr eaLnBrk="1" hangingPunct="1"/>
+            <a:endParaRPr lang="en-US" dirty="0">
+              <a:latin typeface="Trebuchet MS" charset="0"/>
+              <a:ea typeface="ヒラギノ角ゴ ProN W3" charset="0"/>
+              <a:cs typeface="ヒラギノ角ゴ ProN W3" charset="0"/>
+            </a:endParaRPr>
+          </a:p>
+          <a:p>
+            <a:pPr eaLnBrk="1" hangingPunct="1"/>
+            <a:r>
+              <a:rPr lang="en-US" dirty="0" smtClean="0">
+                <a:latin typeface="Trebuchet MS" charset="0"/>
+                <a:ea typeface="ヒラギノ角ゴ ProN W3" charset="0"/>
+                <a:cs typeface="ヒラギノ角ゴ ProN W3" charset="0"/>
+              </a:rPr>
+              <a:t>When a variable holding a proxy object is set to null</a:t>
+            </a:r>
+          </a:p>
+          <a:p>
+            <a:pPr eaLnBrk="1" hangingPunct="1"/>
+            <a:endParaRPr lang="en-US" dirty="0">
+              <a:latin typeface="Trebuchet MS" charset="0"/>
+              <a:ea typeface="ヒラギノ角ゴ ProN W3" charset="0"/>
+              <a:cs typeface="ヒラギノ角ゴ ProN W3" charset="0"/>
+            </a:endParaRPr>
+          </a:p>
+          <a:p>
+            <a:pPr eaLnBrk="1" hangingPunct="1"/>
+            <a:r>
+              <a:rPr lang="en-US" dirty="0" smtClean="0">
+                <a:latin typeface="Trebuchet MS" charset="0"/>
+                <a:ea typeface="ヒラギノ角ゴ ProN W3" charset="0"/>
+                <a:cs typeface="ヒラギノ角ゴ ProN W3" charset="0"/>
+              </a:rPr>
+              <a:t>If you’re running into memory issues, look to do one of these things.</a:t>
+            </a:r>
+          </a:p>
+          <a:p>
+            <a:pPr eaLnBrk="1" hangingPunct="1"/>
+            <a:endParaRPr lang="en-US" dirty="0">
+              <a:latin typeface="Trebuchet MS" charset="0"/>
+              <a:ea typeface="ヒラギノ角ゴ ProN W3" charset="0"/>
+              <a:cs typeface="ヒラギノ角ゴ ProN W3" charset="0"/>
+            </a:endParaRPr>
+          </a:p>
+          <a:p>
+            <a:pPr eaLnBrk="1" hangingPunct="1"/>
+            <a:r>
+              <a:rPr lang="en-US" dirty="0" smtClean="0">
+                <a:latin typeface="Trebuchet MS" charset="0"/>
+                <a:ea typeface="ヒラギノ角ゴ ProN W3" charset="0"/>
+                <a:cs typeface="ヒラギノ角ゴ ProN W3" charset="0"/>
+              </a:rPr>
+              <a:t>Note: Showing/hiding views will improve DRAW SPEED, but memory will still be in </a:t>
+            </a:r>
+            <a:r>
+              <a:rPr lang="en-US" dirty="0" smtClean="0">
+                <a:latin typeface="Trebuchet MS" charset="0"/>
+                <a:ea typeface="ヒラギノ角ゴ ProN W3" charset="0"/>
+                <a:cs typeface="ヒラギノ角ゴ ProN W3" charset="0"/>
+              </a:rPr>
+              <a:t>use</a:t>
+            </a:r>
+          </a:p>
+        </p:txBody>
+      </p:sp>
+      <p:sp>
+        <p:nvSpPr>
+          <p:cNvPr id="8" name="Slide Number Placeholder 5"/>
           <p:cNvSpPr>
             <a:spLocks noGrp="1"/>
           </p:cNvSpPr>
@@ -13061,10 +14269,96 @@
           </a:p>
         </p:txBody>
       </p:sp>
+      <p:sp>
+        <p:nvSpPr>
+          <p:cNvPr id="2" name="TextBox 1"/>
+          <p:cNvSpPr txBox="1"/>
+          <p:nvPr/>
+        </p:nvSpPr>
+        <p:spPr>
+          <a:xfrm>
+            <a:off x="2057400" y="5486400"/>
+            <a:ext cx="4745410" cy="830997"/>
+          </a:xfrm>
+          <a:prstGeom prst="rect">
+            <a:avLst/>
+          </a:prstGeom>
+          <a:noFill/>
+        </p:spPr>
+        <p:txBody>
+          <a:bodyPr wrap="none" rtlCol="0">
+            <a:spAutoFit/>
+          </a:bodyPr>
+          <a:lstStyle/>
+          <a:p>
+            <a:pPr algn="ctr"/>
+            <a:r>
+              <a:rPr lang="pt-BR" sz="2400" dirty="0" err="1"/>
+              <a:t>http</a:t>
+            </a:r>
+            <a:r>
+              <a:rPr lang="pt-BR" sz="2400" dirty="0"/>
+              <a:t>://</a:t>
+            </a:r>
+            <a:r>
+              <a:rPr lang="pt-BR" sz="2400" dirty="0" err="1"/>
+              <a:t>vimeo.com</a:t>
+            </a:r>
+            <a:r>
+              <a:rPr lang="pt-BR" sz="2400" dirty="0"/>
+              <a:t>/</a:t>
+            </a:r>
+            <a:r>
+              <a:rPr lang="pt-BR" sz="2400" dirty="0" smtClean="0"/>
+              <a:t>29804284</a:t>
+            </a:r>
+            <a:br>
+              <a:rPr lang="pt-BR" sz="2400" dirty="0" smtClean="0"/>
+            </a:br>
+            <a:r>
+              <a:rPr lang="pt-BR" sz="2400" dirty="0" smtClean="0"/>
+              <a:t>(</a:t>
+            </a:r>
+            <a:r>
+              <a:rPr lang="pt-BR" sz="2400" dirty="0" err="1" smtClean="0"/>
+              <a:t>Codestrong</a:t>
+            </a:r>
+            <a:r>
+              <a:rPr lang="pt-BR" sz="2400" dirty="0" smtClean="0"/>
+              <a:t> – </a:t>
+            </a:r>
+            <a:r>
+              <a:rPr lang="pt-BR" sz="2400" dirty="0" err="1" smtClean="0"/>
+              <a:t>Memory</a:t>
+            </a:r>
+            <a:r>
+              <a:rPr lang="pt-BR" sz="2400" dirty="0" smtClean="0"/>
+              <a:t> </a:t>
+            </a:r>
+            <a:r>
+              <a:rPr lang="pt-BR" sz="2400" dirty="0" err="1" smtClean="0"/>
+              <a:t>leaks</a:t>
+            </a:r>
+            <a:r>
+              <a:rPr lang="pt-BR" sz="2400" dirty="0" smtClean="0"/>
+              <a:t> </a:t>
+            </a:r>
+            <a:r>
+              <a:rPr lang="pt-BR" sz="2400" dirty="0" err="1" smtClean="0"/>
+              <a:t>talk</a:t>
+            </a:r>
+            <a:r>
+              <a:rPr lang="pt-BR" sz="2400" dirty="0" smtClean="0"/>
+              <a:t>)</a:t>
+            </a:r>
+            <a:endParaRPr lang="en-US" sz="2400" dirty="0"/>
+          </a:p>
+        </p:txBody>
+      </p:sp>
     </p:spTree>
     <p:extLst>
       <p:ext uri="{BB962C8B-B14F-4D97-AF65-F5344CB8AC3E}">
-        <p14:creationId xmlns:p14="http://schemas.microsoft.com/office/powerpoint/2010/main" val="1853097963"/>
+        <p14:creationId xmlns:p14="http://schemas.microsoft.com/office/powerpoint/2010/main" val="1173982100"/>
       </p:ext>
     </p:extLst>
   </p:cSld>
@@ -13184,7 +14478,7 @@
                 <a:cs typeface="ヒラギノ角ゴ ProN W6" charset="0"/>
                 <a:sym typeface="Trebuchet MS Bold Italic" charset="0"/>
               </a:rPr>
-              <a:t>Application startup </a:t>
+              <a:t>Window displaying</a:t>
             </a:r>
             <a:br>
               <a:rPr lang="en-US" sz="3600" dirty="0" smtClean="0">
@@ -13207,7 +14501,7 @@
                 <a:cs typeface="ヒラギノ角ゴ ProN W6" charset="0"/>
                 <a:sym typeface="Trebuchet MS Bold Italic" charset="0"/>
               </a:rPr>
-              <a:t>too slow?</a:t>
+              <a:t>slowly?</a:t>
             </a:r>
             <a:endParaRPr lang="en-US" sz="1400" dirty="0">
               <a:solidFill>
@@ -13404,7 +14698,7 @@
     </p:spTree>
     <p:extLst>
       <p:ext uri="{BB962C8B-B14F-4D97-AF65-F5344CB8AC3E}">
-        <p14:creationId xmlns:p14="http://schemas.microsoft.com/office/powerpoint/2010/main" val="1808760860"/>
+        <p14:creationId xmlns:p14="http://schemas.microsoft.com/office/powerpoint/2010/main" val="1853097963"/>
       </p:ext>
     </p:extLst>
   </p:cSld>
@@ -13524,7 +14818,30 @@
                 <a:cs typeface="ヒラギノ角ゴ ProN W6" charset="0"/>
                 <a:sym typeface="Trebuchet MS Bold Italic" charset="0"/>
               </a:rPr>
-              <a:t>JS evaluation is slow!</a:t>
+              <a:t>Application startup </a:t>
+            </a:r>
+            <a:br>
+              <a:rPr lang="en-US" sz="3600" dirty="0" smtClean="0">
+                <a:solidFill>
+                  <a:srgbClr val="122956"/>
+                </a:solidFill>
+                <a:latin typeface="Trebuchet MS Bold Italic" charset="0"/>
+                <a:ea typeface="ヒラギノ角ゴ ProN W6" charset="0"/>
+                <a:cs typeface="ヒラギノ角ゴ ProN W6" charset="0"/>
+                <a:sym typeface="Trebuchet MS Bold Italic" charset="0"/>
+              </a:rPr>
+            </a:br>
+            <a:r>
+              <a:rPr lang="en-US" sz="3600" dirty="0" smtClean="0">
+                <a:solidFill>
+                  <a:srgbClr val="122956"/>
+                </a:solidFill>
+                <a:latin typeface="Trebuchet MS Bold Italic" charset="0"/>
+                <a:ea typeface="ヒラギノ角ゴ ProN W6" charset="0"/>
+                <a:cs typeface="ヒラギノ角ゴ ProN W6" charset="0"/>
+                <a:sym typeface="Trebuchet MS Bold Italic" charset="0"/>
+              </a:rPr>
+              <a:t>too slow?</a:t>
             </a:r>
             <a:endParaRPr lang="en-US" sz="1400" dirty="0">
               <a:solidFill>
@@ -13721,7 +15038,7 @@
     </p:spTree>
     <p:extLst>
       <p:ext uri="{BB962C8B-B14F-4D97-AF65-F5344CB8AC3E}">
-        <p14:creationId xmlns:p14="http://schemas.microsoft.com/office/powerpoint/2010/main" val="3727786901"/>
+        <p14:creationId xmlns:p14="http://schemas.microsoft.com/office/powerpoint/2010/main" val="1808760860"/>
       </p:ext>
     </p:extLst>
   </p:cSld>
@@ -13841,7 +15158,7 @@
                 <a:cs typeface="ヒラギノ角ゴ ProN W6" charset="0"/>
                 <a:sym typeface="Trebuchet MS Bold Italic" charset="0"/>
               </a:rPr>
-              <a:t>Defer JS loading!</a:t>
+              <a:t>JS evaluation is slow!</a:t>
             </a:r>
             <a:endParaRPr lang="en-US" sz="1400" dirty="0">
               <a:solidFill>
@@ -14038,7 +15355,7 @@
     </p:spTree>
     <p:extLst>
       <p:ext uri="{BB962C8B-B14F-4D97-AF65-F5344CB8AC3E}">
-        <p14:creationId xmlns:p14="http://schemas.microsoft.com/office/powerpoint/2010/main" val="480541333"/>
+        <p14:creationId xmlns:p14="http://schemas.microsoft.com/office/powerpoint/2010/main" val="3727786901"/>
       </p:ext>
     </p:extLst>
   </p:cSld>
@@ -14075,7 +15392,7 @@
       </p:grpSpPr>
       <p:pic>
         <p:nvPicPr>
-          <p:cNvPr id="12289" name="Picture 1"/>
+          <p:cNvPr id="16385" name="Picture 1"/>
           <p:cNvPicPr>
             <a:picLocks noChangeArrowheads="1"/>
           </p:cNvPicPr>
@@ -14127,256 +15444,54 @@
           </a:extLst>
         </p:spPr>
       </p:pic>
-      <p:pic>
-        <p:nvPicPr>
-          <p:cNvPr id="12290" name="Picture 3"/>
-          <p:cNvPicPr>
-            <a:picLocks noChangeArrowheads="1"/>
-          </p:cNvPicPr>
-          <p:nvPr/>
-        </p:nvPicPr>
-        <p:blipFill>
-          <a:blip r:embed="rId4">
-            <a:extLst>
-              <a:ext uri="{28A0092B-C50C-407E-A947-70E740481C1C}">
-                <a14:useLocalDpi xmlns:a14="http://schemas.microsoft.com/office/drawing/2010/main" val="0"/>
-              </a:ext>
-            </a:extLst>
-          </a:blip>
-          <a:srcRect/>
-          <a:stretch>
-            <a:fillRect/>
-          </a:stretch>
-        </p:blipFill>
-        <p:spPr bwMode="auto">
-          <a:xfrm>
-            <a:off x="0" y="0"/>
-            <a:ext cx="9144000" cy="1176338"/>
-          </a:xfrm>
-          <a:prstGeom prst="rect">
-            <a:avLst/>
-          </a:prstGeom>
-          <a:noFill/>
-          <a:ln>
-            <a:noFill/>
-          </a:ln>
-          <a:extLst>
-            <a:ext uri="{909E8E84-426E-40dd-AFC4-6F175D3DCCD1}">
-              <a14:hiddenFill xmlns:a14="http://schemas.microsoft.com/office/drawing/2010/main">
-                <a:solidFill>
-                  <a:srgbClr val="FFFFFF"/>
-                </a:solidFill>
-              </a14:hiddenFill>
-            </a:ext>
-            <a:ext uri="{91240B29-F687-4f45-9708-019B960494DF}">
-              <a14:hiddenLine xmlns:a14="http://schemas.microsoft.com/office/drawing/2010/main" w="9525">
-                <a:solidFill>
-                  <a:srgbClr val="000000"/>
-                </a:solidFill>
-                <a:miter lim="800000"/>
-                <a:headEnd/>
-                <a:tailEnd/>
-              </a14:hiddenLine>
-            </a:ext>
-          </a:extLst>
-        </p:spPr>
-      </p:pic>
-      <p:pic>
-        <p:nvPicPr>
-          <p:cNvPr id="12291" name="Picture 4"/>
-          <p:cNvPicPr>
-            <a:picLocks noChangeArrowheads="1"/>
-          </p:cNvPicPr>
-          <p:nvPr/>
-        </p:nvPicPr>
-        <p:blipFill>
-          <a:blip r:embed="rId3">
-            <a:extLst>
-              <a:ext uri="{28A0092B-C50C-407E-A947-70E740481C1C}">
-                <a14:useLocalDpi xmlns:a14="http://schemas.microsoft.com/office/drawing/2010/main" val="0"/>
-              </a:ext>
-            </a:extLst>
-          </a:blip>
-          <a:srcRect/>
-          <a:stretch>
-            <a:fillRect/>
-          </a:stretch>
-        </p:blipFill>
-        <p:spPr bwMode="auto">
-          <a:xfrm>
-            <a:off x="8505825" y="6311900"/>
-            <a:ext cx="442913" cy="357188"/>
-          </a:xfrm>
-          <a:prstGeom prst="rect">
-            <a:avLst/>
-          </a:prstGeom>
-          <a:noFill/>
-          <a:ln>
-            <a:noFill/>
-          </a:ln>
-          <a:extLst>
-            <a:ext uri="{909E8E84-426E-40dd-AFC4-6F175D3DCCD1}">
-              <a14:hiddenFill xmlns:a14="http://schemas.microsoft.com/office/drawing/2010/main">
-                <a:solidFill>
-                  <a:srgbClr val="FFFFFF"/>
-                </a:solidFill>
-              </a14:hiddenFill>
-            </a:ext>
-            <a:ext uri="{91240B29-F687-4f45-9708-019B960494DF}">
-              <a14:hiddenLine xmlns:a14="http://schemas.microsoft.com/office/drawing/2010/main" w="9525">
-                <a:solidFill>
-                  <a:srgbClr val="000000"/>
-                </a:solidFill>
-                <a:miter lim="800000"/>
-                <a:headEnd/>
-                <a:tailEnd/>
-              </a14:hiddenLine>
-            </a:ext>
-          </a:extLst>
-        </p:spPr>
-      </p:pic>
       <p:sp>
         <p:nvSpPr>
-          <p:cNvPr id="12292" name="Rectangle 6"/>
+          <p:cNvPr id="16386" name="Rectangle 5"/>
           <p:cNvSpPr>
             <a:spLocks noGrp="1" noChangeArrowheads="1"/>
           </p:cNvSpPr>
           <p:nvPr>
-            <p:ph type="title"/>
+            <p:ph type="ctrTitle" idx="4294967295"/>
           </p:nvPr>
         </p:nvSpPr>
         <p:spPr>
           <a:xfrm>
-            <a:off x="457200" y="0"/>
-            <a:ext cx="8229600" cy="1219200"/>
+            <a:off x="685800" y="2317750"/>
+            <a:ext cx="7772400" cy="1470025"/>
           </a:xfrm>
         </p:spPr>
         <p:txBody>
           <a:bodyPr rIns="81279"/>
           <a:lstStyle/>
           <a:p>
-            <a:pPr eaLnBrk="1" hangingPunct="1"/>
-            <a:r>
-              <a:rPr lang="en-US" dirty="0" smtClean="0">
-                <a:latin typeface="Trebuchet MS Bold" charset="0"/>
+            <a:pPr algn="ctr" eaLnBrk="1" hangingPunct="1"/>
+            <a:r>
+              <a:rPr lang="en-US" sz="3600" dirty="0" smtClean="0">
+                <a:solidFill>
+                  <a:srgbClr val="122956"/>
+                </a:solidFill>
+                <a:latin typeface="Trebuchet MS Bold Italic" charset="0"/>
                 <a:ea typeface="ヒラギノ角ゴ ProN W6" charset="0"/>
                 <a:cs typeface="ヒラギノ角ゴ ProN W6" charset="0"/>
-              </a:rPr>
-              <a:t>JavaScript loading tips</a:t>
-            </a:r>
-            <a:endParaRPr lang="en-US" dirty="0">
-              <a:latin typeface="Trebuchet MS Bold" charset="0"/>
+                <a:sym typeface="Trebuchet MS Bold Italic" charset="0"/>
+              </a:rPr>
+              <a:t>Defer JS loading!</a:t>
+            </a:r>
+            <a:endParaRPr lang="en-US" sz="1400" dirty="0">
+              <a:solidFill>
+                <a:srgbClr val="122956"/>
+              </a:solidFill>
+              <a:latin typeface="Trebuchet MS Bold Italic" charset="0"/>
               <a:ea typeface="ヒラギノ角ゴ ProN W6" charset="0"/>
               <a:cs typeface="ヒラギノ角ゴ ProN W6" charset="0"/>
+              <a:sym typeface="Trebuchet MS Bold Italic" charset="0"/>
             </a:endParaRPr>
           </a:p>
         </p:txBody>
       </p:sp>
       <p:sp>
         <p:nvSpPr>
-          <p:cNvPr id="12293" name="Rectangle 7"/>
-          <p:cNvSpPr>
-            <a:spLocks noGrp="1" noChangeArrowheads="1"/>
-          </p:cNvSpPr>
-          <p:nvPr>
-            <p:ph idx="1"/>
-          </p:nvPr>
-        </p:nvSpPr>
-        <p:spPr>
-          <a:xfrm>
-            <a:off x="457200" y="1346200"/>
-            <a:ext cx="8229600" cy="4826000"/>
-          </a:xfrm>
-        </p:spPr>
-        <p:txBody>
-          <a:bodyPr rIns="81279"/>
-          <a:lstStyle/>
-          <a:p>
-            <a:pPr eaLnBrk="1" hangingPunct="1"/>
-            <a:r>
-              <a:rPr lang="en-US" dirty="0" smtClean="0">
-                <a:latin typeface="Trebuchet MS" charset="0"/>
-                <a:ea typeface="ヒラギノ角ゴ ProN W3" charset="0"/>
-                <a:cs typeface="ヒラギノ角ゴ ProN W3" charset="0"/>
-              </a:rPr>
-              <a:t>Only include or require a script WHEN IT IS ABSOLUTELY NEEDED</a:t>
-            </a:r>
-          </a:p>
-          <a:p>
-            <a:pPr eaLnBrk="1" hangingPunct="1"/>
-            <a:endParaRPr lang="en-US" dirty="0">
-              <a:latin typeface="Trebuchet MS" charset="0"/>
-              <a:ea typeface="ヒラギノ角ゴ ProN W3" charset="0"/>
-              <a:cs typeface="ヒラギノ角ゴ ProN W3" charset="0"/>
-            </a:endParaRPr>
-          </a:p>
-          <a:p>
-            <a:pPr eaLnBrk="1" hangingPunct="1"/>
-            <a:r>
-              <a:rPr lang="en-US" dirty="0" err="1" smtClean="0">
-                <a:latin typeface="Trebuchet MS" charset="0"/>
-                <a:ea typeface="ヒラギノ角ゴ ProN W3" charset="0"/>
-                <a:cs typeface="ヒラギノ角ゴ ProN W3" charset="0"/>
-              </a:rPr>
-              <a:t>Ti.include</a:t>
-            </a:r>
-            <a:r>
-              <a:rPr lang="en-US" dirty="0" smtClean="0">
-                <a:latin typeface="Trebuchet MS" charset="0"/>
-                <a:ea typeface="ヒラギノ角ゴ ProN W3" charset="0"/>
-                <a:cs typeface="ヒラギノ角ゴ ProN W3" charset="0"/>
-              </a:rPr>
-              <a:t>() and require() faster than </a:t>
-            </a:r>
-            <a:r>
-              <a:rPr lang="en-US" dirty="0" err="1" smtClean="0">
-                <a:latin typeface="Trebuchet MS" charset="0"/>
-                <a:ea typeface="ヒラギノ角ゴ ProN W3" charset="0"/>
-                <a:cs typeface="ヒラギノ角ゴ ProN W3" charset="0"/>
-              </a:rPr>
-              <a:t>eval</a:t>
-            </a:r>
-            <a:r>
-              <a:rPr lang="en-US" dirty="0" smtClean="0">
-                <a:latin typeface="Trebuchet MS" charset="0"/>
-                <a:ea typeface="ヒラギノ角ゴ ProN W3" charset="0"/>
-                <a:cs typeface="ヒラギノ角ゴ ProN W3" charset="0"/>
-              </a:rPr>
-              <a:t>()</a:t>
-            </a:r>
-          </a:p>
-          <a:p>
-            <a:pPr eaLnBrk="1" hangingPunct="1"/>
-            <a:endParaRPr lang="en-US" dirty="0">
-              <a:latin typeface="Trebuchet MS" charset="0"/>
-              <a:ea typeface="ヒラギノ角ゴ ProN W3" charset="0"/>
-              <a:cs typeface="ヒラギノ角ゴ ProN W3" charset="0"/>
-            </a:endParaRPr>
-          </a:p>
-          <a:p>
-            <a:pPr eaLnBrk="1" hangingPunct="1"/>
-            <a:r>
-              <a:rPr lang="en-US" dirty="0" smtClean="0">
-                <a:latin typeface="Trebuchet MS" charset="0"/>
-                <a:ea typeface="ヒラギノ角ゴ ProN W3" charset="0"/>
-                <a:cs typeface="ヒラギノ角ゴ ProN W3" charset="0"/>
-              </a:rPr>
-              <a:t>Don’t parse JSON packaged with your app – put it inline in JavaScript</a:t>
-            </a:r>
-          </a:p>
-          <a:p>
-            <a:pPr eaLnBrk="1" hangingPunct="1"/>
-            <a:endParaRPr lang="en-US" dirty="0">
-              <a:latin typeface="Trebuchet MS" charset="0"/>
-              <a:ea typeface="ヒラギノ角ゴ ProN W3" charset="0"/>
-              <a:cs typeface="ヒラギノ角ゴ ProN W3" charset="0"/>
-            </a:endParaRPr>
-          </a:p>
-        </p:txBody>
-      </p:sp>
-      <p:sp>
-        <p:nvSpPr>
-          <p:cNvPr id="8" name="Slide Number Placeholder 5"/>
+          <p:cNvPr id="5" name="Slide Number Placeholder 5"/>
           <p:cNvSpPr>
             <a:spLocks noGrp="1"/>
           </p:cNvSpPr>
@@ -14557,7 +15672,7 @@
     </p:spTree>
     <p:extLst>
       <p:ext uri="{BB962C8B-B14F-4D97-AF65-F5344CB8AC3E}">
-        <p14:creationId xmlns:p14="http://schemas.microsoft.com/office/powerpoint/2010/main" val="2381467792"/>
+        <p14:creationId xmlns:p14="http://schemas.microsoft.com/office/powerpoint/2010/main" val="480541333"/>
       </p:ext>
     </p:extLst>
   </p:cSld>

--- a/300.pptx
+++ b/300.pptx
@@ -1224,19 +1224,7 @@
                 <a:cs typeface="Lucida Grande" charset="0"/>
                 <a:sym typeface="Lucida Grande" charset="0"/>
               </a:rPr>
-              <a:t>Perhaps you can use alternate UI paradigm to create smaller </a:t>
-            </a:r>
-            <a:r>
-              <a:rPr lang="en-US" b="0" baseline="0" dirty="0" smtClean="0">
-                <a:solidFill>
-                  <a:srgbClr val="000000"/>
-                </a:solidFill>
-                <a:latin typeface="Lucida Grande" charset="0"/>
-                <a:ea typeface="ＭＳ Ｐゴシック" charset="0"/>
-                <a:cs typeface="Lucida Grande" charset="0"/>
-                <a:sym typeface="Lucida Grande" charset="0"/>
-              </a:rPr>
-              <a:t>tables</a:t>
+              <a:t>Perhaps you can use alternate UI paradigm to create smaller tables</a:t>
             </a:r>
           </a:p>
           <a:p>
@@ -3494,19 +3482,7 @@
                 <a:cs typeface="Lucida Grande" charset="0"/>
                 <a:sym typeface="Lucida Grande" charset="0"/>
               </a:rPr>
-              <a:t>Then you can take manual actions to clean </a:t>
-            </a:r>
-            <a:r>
-              <a:rPr lang="en-US" b="0" baseline="0" dirty="0" smtClean="0">
-                <a:solidFill>
-                  <a:srgbClr val="000000"/>
-                </a:solidFill>
-                <a:latin typeface="Lucida Grande" charset="0"/>
-                <a:ea typeface="ＭＳ Ｐゴシック" charset="0"/>
-                <a:cs typeface="Lucida Grande" charset="0"/>
-                <a:sym typeface="Lucida Grande" charset="0"/>
-              </a:rPr>
-              <a:t>up</a:t>
+              <a:t>Then you can take manual actions to clean up</a:t>
             </a:r>
           </a:p>
           <a:p>
@@ -4482,7 +4458,7 @@
               <a:pPr>
                 <a:defRPr/>
               </a:pPr>
-              <a:t>11/4/11</a:t>
+              <a:t>12/7/11</a:t>
             </a:fld>
             <a:endParaRPr lang="en-US"/>
           </a:p>
@@ -4903,7 +4879,7 @@
               <a:pPr>
                 <a:defRPr/>
               </a:pPr>
-              <a:t>11/4/11</a:t>
+              <a:t>12/7/11</a:t>
             </a:fld>
             <a:endParaRPr lang="en-US"/>
           </a:p>
@@ -5628,7 +5604,7 @@
               <a:pPr>
                 <a:defRPr/>
               </a:pPr>
-              <a:t>11/4/11</a:t>
+              <a:t>12/7/11</a:t>
             </a:fld>
             <a:endParaRPr lang="en-US"/>
           </a:p>
@@ -6181,7 +6157,7 @@
               <a:pPr>
                 <a:defRPr/>
               </a:pPr>
-              <a:t>11/4/11</a:t>
+              <a:t>12/7/11</a:t>
             </a:fld>
             <a:endParaRPr lang="en-US"/>
           </a:p>
@@ -6532,7 +6508,7 @@
               <a:pPr>
                 <a:defRPr/>
               </a:pPr>
-              <a:t>11/4/11</a:t>
+              <a:t>12/7/11</a:t>
             </a:fld>
             <a:endParaRPr lang="en-US"/>
           </a:p>
@@ -6890,7 +6866,7 @@
               <a:pPr>
                 <a:defRPr/>
               </a:pPr>
-              <a:t>11/4/11</a:t>
+              <a:t>12/7/11</a:t>
             </a:fld>
             <a:endParaRPr lang="en-US"/>
           </a:p>
@@ -7125,7 +7101,7 @@
               <a:pPr>
                 <a:defRPr/>
               </a:pPr>
-              <a:t>11/4/11</a:t>
+              <a:t>12/7/11</a:t>
             </a:fld>
             <a:endParaRPr lang="en-US"/>
           </a:p>
@@ -7417,7 +7393,7 @@
               <a:pPr>
                 <a:defRPr/>
               </a:pPr>
-              <a:t>11/4/11</a:t>
+              <a:t>12/7/11</a:t>
             </a:fld>
             <a:endParaRPr lang="en-US"/>
           </a:p>
@@ -9956,21 +9932,34 @@
           <a:p>
             <a:pPr eaLnBrk="1" hangingPunct="1"/>
             <a:r>
-              <a:rPr lang="en-US" dirty="0" err="1" smtClean="0">
+              <a:rPr lang="en-US" dirty="0" smtClean="0">
                 <a:latin typeface="Trebuchet MS" charset="0"/>
                 <a:ea typeface="ヒラギノ角ゴ ProN W3" charset="0"/>
                 <a:cs typeface="ヒラギノ角ゴ ProN W3" charset="0"/>
               </a:rPr>
-              <a:t>Appc</a:t>
-            </a:r>
-            <a:r>
-              <a:rPr lang="en-US" dirty="0" smtClean="0">
+              <a:t>Lazy Loaded Tables http://</a:t>
+            </a:r>
+            <a:r>
+              <a:rPr lang="en-US" dirty="0" err="1" smtClean="0">
                 <a:latin typeface="Trebuchet MS" charset="0"/>
                 <a:ea typeface="ヒラギノ角ゴ ProN W3" charset="0"/>
                 <a:cs typeface="ヒラギノ角ゴ ProN W3" charset="0"/>
               </a:rPr>
-              <a:t> refactoring table view APIs to be more like native</a:t>
-            </a:r>
+              <a:t>j.mp</a:t>
+            </a:r>
+            <a:r>
+              <a:rPr lang="en-US" dirty="0" smtClean="0">
+                <a:latin typeface="Trebuchet MS" charset="0"/>
+                <a:ea typeface="ヒラギノ角ゴ ProN W3" charset="0"/>
+                <a:cs typeface="ヒラギノ角ゴ ProN W3" charset="0"/>
+              </a:rPr>
+              <a:t>/rbL32h</a:t>
+            </a:r>
+            <a:endParaRPr lang="en-US" dirty="0" smtClean="0">
+              <a:latin typeface="Trebuchet MS" charset="0"/>
+              <a:ea typeface="ヒラギノ角ゴ ProN W3" charset="0"/>
+              <a:cs typeface="ヒラギノ角ゴ ProN W3" charset="0"/>
+            </a:endParaRPr>
           </a:p>
           <a:p>
             <a:pPr eaLnBrk="1" hangingPunct="1"/>
@@ -13538,15 +13527,7 @@
                 <a:ea typeface="ヒラギノ角ゴ ProN W3" charset="0"/>
                 <a:cs typeface="ヒラギノ角ゴ ProN W3" charset="0"/>
               </a:rPr>
-              <a:t>“Mark and swee</a:t>
-            </a:r>
-            <a:r>
-              <a:rPr lang="en-US" dirty="0" smtClean="0">
-                <a:latin typeface="Trebuchet MS" charset="0"/>
-                <a:ea typeface="ヒラギノ角ゴ ProN W3" charset="0"/>
-                <a:cs typeface="ヒラギノ角ゴ ProN W3" charset="0"/>
-              </a:rPr>
-              <a:t>p”</a:t>
+              <a:t>“Mark and sweep”</a:t>
             </a:r>
           </a:p>
           <a:p>
@@ -13567,11 +13548,6 @@
               </a:rPr>
               <a:t>Force by removing all references</a:t>
             </a:r>
-            <a:endParaRPr lang="en-US" dirty="0" smtClean="0">
-              <a:latin typeface="Trebuchet MS" charset="0"/>
-              <a:ea typeface="ヒラギノ角ゴ ProN W3" charset="0"/>
-              <a:cs typeface="ヒラギノ角ゴ ProN W3" charset="0"/>
-            </a:endParaRPr>
           </a:p>
         </p:txBody>
       </p:sp>
@@ -14076,15 +14052,7 @@
                 <a:ea typeface="ヒラギノ角ゴ ProN W3" charset="0"/>
                 <a:cs typeface="ヒラギノ角ゴ ProN W3" charset="0"/>
               </a:rPr>
-              <a:t>Note: Showing/hiding views will improve DRAW SPEED, but memory will still be in </a:t>
-            </a:r>
-            <a:r>
-              <a:rPr lang="en-US" dirty="0" smtClean="0">
-                <a:latin typeface="Trebuchet MS" charset="0"/>
-                <a:ea typeface="ヒラギノ角ゴ ProN W3" charset="0"/>
-                <a:cs typeface="ヒラギノ角ゴ ProN W3" charset="0"/>
-              </a:rPr>
-              <a:t>use</a:t>
+              <a:t>Note: Showing/hiding views will improve DRAW SPEED, but memory will still be in use</a:t>
             </a:r>
           </a:p>
         </p:txBody>

--- a/300.pptx
+++ b/300.pptx
@@ -3930,7 +3930,129 @@
                 <a:cs typeface="Times New Roman" charset="0"/>
                 <a:sym typeface="Times New Roman" charset="0"/>
               </a:rPr>
-              <a:t>Rhino is slower than JavaScript Core</a:t>
+              <a:t>Rhino is slower than JavaScript Core/V8</a:t>
+            </a:r>
+          </a:p>
+          <a:p>
+            <a:pPr marL="119063" eaLnBrk="1" hangingPunct="1">
+              <a:spcBef>
+                <a:spcPts val="450"/>
+              </a:spcBef>
+            </a:pPr>
+            <a:r>
+              <a:rPr lang="en-US" dirty="0" smtClean="0">
+                <a:solidFill>
+                  <a:srgbClr val="000000"/>
+                </a:solidFill>
+                <a:latin typeface="Times New Roman" charset="0"/>
+                <a:ea typeface="ＭＳ Ｐゴシック" charset="0"/>
+                <a:cs typeface="Times New Roman" charset="0"/>
+                <a:sym typeface="Times New Roman" charset="0"/>
+              </a:rPr>
+              <a:t>Rhino </a:t>
+            </a:r>
+            <a:r>
+              <a:rPr lang="en-US" dirty="0" smtClean="0">
+                <a:solidFill>
+                  <a:srgbClr val="000000"/>
+                </a:solidFill>
+                <a:latin typeface="Times New Roman" charset="0"/>
+                <a:ea typeface="ＭＳ Ｐゴシック" charset="0"/>
+                <a:cs typeface="Times New Roman" charset="0"/>
+                <a:sym typeface="Times New Roman" charset="0"/>
+              </a:rPr>
+              <a:t>should be needed for only old (pre 2.2) devices, so go with V8</a:t>
+            </a:r>
+            <a:r>
+              <a:rPr lang="en-US" baseline="0" dirty="0" smtClean="0">
+                <a:solidFill>
+                  <a:srgbClr val="000000"/>
+                </a:solidFill>
+                <a:latin typeface="Times New Roman" charset="0"/>
+                <a:ea typeface="ＭＳ Ｐゴシック" charset="0"/>
+                <a:cs typeface="Times New Roman" charset="0"/>
+                <a:sym typeface="Times New Roman" charset="0"/>
+              </a:rPr>
+              <a:t> in most </a:t>
+            </a:r>
+            <a:r>
+              <a:rPr lang="en-US" baseline="0" dirty="0" smtClean="0">
+                <a:solidFill>
+                  <a:srgbClr val="000000"/>
+                </a:solidFill>
+                <a:latin typeface="Times New Roman" charset="0"/>
+                <a:ea typeface="ＭＳ Ｐゴシック" charset="0"/>
+                <a:cs typeface="Times New Roman" charset="0"/>
+                <a:sym typeface="Times New Roman" charset="0"/>
+              </a:rPr>
+              <a:t>cases</a:t>
+            </a:r>
+          </a:p>
+          <a:p>
+            <a:pPr marL="119063" eaLnBrk="1" hangingPunct="1">
+              <a:spcBef>
+                <a:spcPts val="450"/>
+              </a:spcBef>
+            </a:pPr>
+            <a:r>
+              <a:rPr lang="en-US" baseline="0" dirty="0" smtClean="0">
+                <a:solidFill>
+                  <a:srgbClr val="000000"/>
+                </a:solidFill>
+                <a:latin typeface="Times New Roman" charset="0"/>
+                <a:ea typeface="ＭＳ Ｐゴシック" charset="0"/>
+                <a:cs typeface="Times New Roman" charset="0"/>
+                <a:sym typeface="Times New Roman" charset="0"/>
+              </a:rPr>
+              <a:t>You can use the </a:t>
+            </a:r>
+            <a:r>
+              <a:rPr lang="en-US" baseline="0" dirty="0" err="1" smtClean="0">
+                <a:solidFill>
+                  <a:srgbClr val="000000"/>
+                </a:solidFill>
+                <a:latin typeface="Times New Roman" charset="0"/>
+                <a:ea typeface="ＭＳ Ｐゴシック" charset="0"/>
+                <a:cs typeface="Times New Roman" charset="0"/>
+                <a:sym typeface="Times New Roman" charset="0"/>
+              </a:rPr>
+              <a:t>Ti.Platform.runtime</a:t>
+            </a:r>
+            <a:r>
+              <a:rPr lang="en-US" baseline="0" dirty="0" smtClean="0">
+                <a:solidFill>
+                  <a:srgbClr val="000000"/>
+                </a:solidFill>
+                <a:latin typeface="Times New Roman" charset="0"/>
+                <a:ea typeface="ＭＳ Ｐゴシック" charset="0"/>
+                <a:cs typeface="Times New Roman" charset="0"/>
+                <a:sym typeface="Times New Roman" charset="0"/>
+              </a:rPr>
+              <a:t> </a:t>
+            </a:r>
+            <a:r>
+              <a:rPr lang="en-US" baseline="0" smtClean="0">
+                <a:solidFill>
+                  <a:srgbClr val="000000"/>
+                </a:solidFill>
+                <a:latin typeface="Times New Roman" charset="0"/>
+                <a:ea typeface="ＭＳ Ｐゴシック" charset="0"/>
+                <a:cs typeface="Times New Roman" charset="0"/>
+                <a:sym typeface="Times New Roman" charset="0"/>
+              </a:rPr>
+              <a:t>(SDK1.8+) to </a:t>
+            </a:r>
+            <a:r>
+              <a:rPr lang="en-US" baseline="0" dirty="0" smtClean="0">
+                <a:solidFill>
+                  <a:srgbClr val="000000"/>
+                </a:solidFill>
+                <a:latin typeface="Times New Roman" charset="0"/>
+                <a:ea typeface="ＭＳ Ｐゴシック" charset="0"/>
+                <a:cs typeface="Times New Roman" charset="0"/>
+                <a:sym typeface="Times New Roman" charset="0"/>
+              </a:rPr>
+              <a:t>determine whether your code is running within Rhino or V8 &amp; branch accordingly</a:t>
             </a:r>
             <a:endParaRPr lang="en-US" dirty="0">
               <a:solidFill>
@@ -4458,7 +4580,7 @@
               <a:pPr>
                 <a:defRPr/>
               </a:pPr>
-              <a:t>12/7/11</a:t>
+              <a:t>12/14/11</a:t>
             </a:fld>
             <a:endParaRPr lang="en-US"/>
           </a:p>
@@ -4879,7 +5001,7 @@
               <a:pPr>
                 <a:defRPr/>
               </a:pPr>
-              <a:t>12/7/11</a:t>
+              <a:t>12/14/11</a:t>
             </a:fld>
             <a:endParaRPr lang="en-US"/>
           </a:p>
@@ -5604,7 +5726,7 @@
               <a:pPr>
                 <a:defRPr/>
               </a:pPr>
-              <a:t>12/7/11</a:t>
+              <a:t>12/14/11</a:t>
             </a:fld>
             <a:endParaRPr lang="en-US"/>
           </a:p>
@@ -6157,7 +6279,7 @@
               <a:pPr>
                 <a:defRPr/>
               </a:pPr>
-              <a:t>12/7/11</a:t>
+              <a:t>12/14/11</a:t>
             </a:fld>
             <a:endParaRPr lang="en-US"/>
           </a:p>
@@ -6508,7 +6630,7 @@
               <a:pPr>
                 <a:defRPr/>
               </a:pPr>
-              <a:t>12/7/11</a:t>
+              <a:t>12/14/11</a:t>
             </a:fld>
             <a:endParaRPr lang="en-US"/>
           </a:p>
@@ -6866,7 +6988,7 @@
               <a:pPr>
                 <a:defRPr/>
               </a:pPr>
-              <a:t>12/7/11</a:t>
+              <a:t>12/14/11</a:t>
             </a:fld>
             <a:endParaRPr lang="en-US"/>
           </a:p>
@@ -7101,7 +7223,7 @@
               <a:pPr>
                 <a:defRPr/>
               </a:pPr>
-              <a:t>12/7/11</a:t>
+              <a:t>12/14/11</a:t>
             </a:fld>
             <a:endParaRPr lang="en-US"/>
           </a:p>
@@ -7393,7 +7515,7 @@
               <a:pPr>
                 <a:defRPr/>
               </a:pPr>
-              <a:t>12/7/11</a:t>
+              <a:t>12/14/11</a:t>
             </a:fld>
             <a:endParaRPr lang="en-US"/>
           </a:p>
@@ -9955,11 +10077,6 @@
               </a:rPr>
               <a:t>/rbL32h</a:t>
             </a:r>
-            <a:endParaRPr lang="en-US" dirty="0" smtClean="0">
-              <a:latin typeface="Trebuchet MS" charset="0"/>
-              <a:ea typeface="ヒラギノ角ゴ ProN W3" charset="0"/>
-              <a:cs typeface="ヒラギノ角ゴ ProN W3" charset="0"/>
-            </a:endParaRPr>
           </a:p>
           <a:p>
             <a:pPr eaLnBrk="1" hangingPunct="1"/>

--- a/300.pptx
+++ b/300.pptx
@@ -1832,10 +1832,10 @@
                 <a:cs typeface="Times New Roman" charset="0"/>
                 <a:sym typeface="Times New Roman" charset="0"/>
               </a:rPr>
-              <a:t>In this lab, we will be examining a refactored </a:t>
-            </a:r>
-            <a:r>
-              <a:rPr lang="en-US" dirty="0" err="1" smtClean="0">
+              <a:t>In this lab</a:t>
+            </a:r>
+            <a:r>
+              <a:rPr lang="en-US" dirty="0" smtClean="0">
                 <a:solidFill>
                   <a:srgbClr val="000000"/>
                 </a:solidFill>
@@ -1844,10 +1844,10 @@
                 <a:cs typeface="Times New Roman" charset="0"/>
                 <a:sym typeface="Times New Roman" charset="0"/>
               </a:rPr>
-              <a:t>TiBountyHunter</a:t>
-            </a:r>
-            <a:r>
-              <a:rPr lang="en-US" dirty="0" smtClean="0">
+              <a:t>, you will examine an app that contains a memory leak. You’ll apply a fix for that memory leak</a:t>
+            </a:r>
+            <a:r>
+              <a:rPr lang="en-US" baseline="0" dirty="0" smtClean="0">
                 <a:solidFill>
                   <a:srgbClr val="000000"/>
                 </a:solidFill>
@@ -1856,10 +1856,10 @@
                 <a:cs typeface="Times New Roman" charset="0"/>
                 <a:sym typeface="Times New Roman" charset="0"/>
               </a:rPr>
-              <a:t> that is a little smarter about performance.  It uses multiple contexts,</a:t>
-            </a:r>
-            <a:r>
-              <a:rPr lang="en-US" baseline="0" dirty="0" smtClean="0">
+              <a:t> and test the results. You’ll use the Instruments tool on the </a:t>
+            </a:r>
+            <a:r>
+              <a:rPr lang="en-US" baseline="0" dirty="0" err="1" smtClean="0">
                 <a:solidFill>
                   <a:srgbClr val="000000"/>
                 </a:solidFill>
@@ -1868,15 +1868,32 @@
                 <a:cs typeface="Times New Roman" charset="0"/>
                 <a:sym typeface="Times New Roman" charset="0"/>
               </a:rPr>
-              <a:t> modular code organization, and deferred script loading.</a:t>
-            </a:r>
-          </a:p>
-          <a:p>
-            <a:pPr marL="119063" eaLnBrk="1" hangingPunct="1">
-              <a:spcBef>
-                <a:spcPts val="450"/>
-              </a:spcBef>
-            </a:pPr>
+              <a:t>iOS</a:t>
+            </a:r>
+            <a:r>
+              <a:rPr lang="en-US" baseline="0" dirty="0" smtClean="0">
+                <a:solidFill>
+                  <a:srgbClr val="000000"/>
+                </a:solidFill>
+                <a:latin typeface="Times New Roman" charset="0"/>
+                <a:ea typeface="ＭＳ Ｐゴシック" charset="0"/>
+                <a:cs typeface="Times New Roman" charset="0"/>
+                <a:sym typeface="Times New Roman" charset="0"/>
+              </a:rPr>
+              <a:t> platform for this lab. While Android testing is possible, the tools are less helpful and clear in the information </a:t>
+            </a:r>
+            <a:r>
+              <a:rPr lang="en-US" baseline="0" smtClean="0">
+                <a:solidFill>
+                  <a:srgbClr val="000000"/>
+                </a:solidFill>
+                <a:latin typeface="Times New Roman" charset="0"/>
+                <a:ea typeface="ＭＳ Ｐゴシック" charset="0"/>
+                <a:cs typeface="Times New Roman" charset="0"/>
+                <a:sym typeface="Times New Roman" charset="0"/>
+              </a:rPr>
+              <a:t>they present.</a:t>
+            </a:r>
             <a:endParaRPr lang="en-US" baseline="0" dirty="0" smtClean="0">
               <a:solidFill>
                 <a:srgbClr val="000000"/>
@@ -1886,25 +1903,6 @@
               <a:cs typeface="Times New Roman" charset="0"/>
               <a:sym typeface="Times New Roman" charset="0"/>
             </a:endParaRPr>
-          </a:p>
-          <a:p>
-            <a:pPr marL="119063" eaLnBrk="1" hangingPunct="1">
-              <a:spcBef>
-                <a:spcPts val="450"/>
-              </a:spcBef>
-            </a:pPr>
-            <a:r>
-              <a:rPr lang="en-US" baseline="0" dirty="0" smtClean="0">
-                <a:solidFill>
-                  <a:srgbClr val="000000"/>
-                </a:solidFill>
-                <a:latin typeface="Times New Roman" charset="0"/>
-                <a:ea typeface="ＭＳ Ｐゴシック" charset="0"/>
-                <a:cs typeface="Times New Roman" charset="0"/>
-                <a:sym typeface="Times New Roman" charset="0"/>
-              </a:rPr>
-              <a:t>We’ll download the source, build &amp; run it, then we’ll see how to defer loading during a code walk-thru</a:t>
-            </a:r>
           </a:p>
         </p:txBody>
       </p:sp>
@@ -3949,10 +3947,10 @@
                 <a:cs typeface="Times New Roman" charset="0"/>
                 <a:sym typeface="Times New Roman" charset="0"/>
               </a:rPr>
-              <a:t>Rhino </a:t>
-            </a:r>
-            <a:r>
-              <a:rPr lang="en-US" dirty="0" smtClean="0">
+              <a:t>Rhino should be needed for only old (pre 2.2) devices, so go with V8</a:t>
+            </a:r>
+            <a:r>
+              <a:rPr lang="en-US" baseline="0" dirty="0" smtClean="0">
                 <a:solidFill>
                   <a:srgbClr val="000000"/>
                 </a:solidFill>
@@ -3961,31 +3959,7 @@
                 <a:cs typeface="Times New Roman" charset="0"/>
                 <a:sym typeface="Times New Roman" charset="0"/>
               </a:rPr>
-              <a:t>should be needed for only old (pre 2.2) devices, so go with V8</a:t>
-            </a:r>
-            <a:r>
-              <a:rPr lang="en-US" baseline="0" dirty="0" smtClean="0">
-                <a:solidFill>
-                  <a:srgbClr val="000000"/>
-                </a:solidFill>
-                <a:latin typeface="Times New Roman" charset="0"/>
-                <a:ea typeface="ＭＳ Ｐゴシック" charset="0"/>
-                <a:cs typeface="Times New Roman" charset="0"/>
-                <a:sym typeface="Times New Roman" charset="0"/>
-              </a:rPr>
-              <a:t> in most </a:t>
-            </a:r>
-            <a:r>
-              <a:rPr lang="en-US" baseline="0" dirty="0" smtClean="0">
-                <a:solidFill>
-                  <a:srgbClr val="000000"/>
-                </a:solidFill>
-                <a:latin typeface="Times New Roman" charset="0"/>
-                <a:ea typeface="ＭＳ Ｐゴシック" charset="0"/>
-                <a:cs typeface="Times New Roman" charset="0"/>
-                <a:sym typeface="Times New Roman" charset="0"/>
-              </a:rPr>
-              <a:t>cases</a:t>
+              <a:t> in most cases</a:t>
             </a:r>
           </a:p>
           <a:p>
@@ -4580,7 +4554,7 @@
               <a:pPr>
                 <a:defRPr/>
               </a:pPr>
-              <a:t>12/14/11</a:t>
+              <a:t>12/20/11</a:t>
             </a:fld>
             <a:endParaRPr lang="en-US"/>
           </a:p>
@@ -5001,7 +4975,7 @@
               <a:pPr>
                 <a:defRPr/>
               </a:pPr>
-              <a:t>12/14/11</a:t>
+              <a:t>12/20/11</a:t>
             </a:fld>
             <a:endParaRPr lang="en-US"/>
           </a:p>
@@ -5726,7 +5700,7 @@
               <a:pPr>
                 <a:defRPr/>
               </a:pPr>
-              <a:t>12/14/11</a:t>
+              <a:t>12/20/11</a:t>
             </a:fld>
             <a:endParaRPr lang="en-US"/>
           </a:p>
@@ -6279,7 +6253,7 @@
               <a:pPr>
                 <a:defRPr/>
               </a:pPr>
-              <a:t>12/14/11</a:t>
+              <a:t>12/20/11</a:t>
             </a:fld>
             <a:endParaRPr lang="en-US"/>
           </a:p>
@@ -6630,7 +6604,7 @@
               <a:pPr>
                 <a:defRPr/>
               </a:pPr>
-              <a:t>12/14/11</a:t>
+              <a:t>12/20/11</a:t>
             </a:fld>
             <a:endParaRPr lang="en-US"/>
           </a:p>
@@ -6988,7 +6962,7 @@
               <a:pPr>
                 <a:defRPr/>
               </a:pPr>
-              <a:t>12/14/11</a:t>
+              <a:t>12/20/11</a:t>
             </a:fld>
             <a:endParaRPr lang="en-US"/>
           </a:p>
@@ -7223,7 +7197,7 @@
               <a:pPr>
                 <a:defRPr/>
               </a:pPr>
-              <a:t>12/14/11</a:t>
+              <a:t>12/20/11</a:t>
             </a:fld>
             <a:endParaRPr lang="en-US"/>
           </a:p>
@@ -7515,7 +7489,7 @@
               <a:pPr>
                 <a:defRPr/>
               </a:pPr>
-              <a:t>12/14/11</a:t>
+              <a:t>12/20/11</a:t>
             </a:fld>
             <a:endParaRPr lang="en-US"/>
           </a:p>
@@ -11753,13 +11727,8 @@
             </a:pPr>
             <a:r>
               <a:rPr lang="en-US" dirty="0" smtClean="0"/>
-              <a:t>Examine refactored </a:t>
-            </a:r>
-            <a:r>
-              <a:rPr lang="en-US" dirty="0" err="1" smtClean="0"/>
-              <a:t>TiBountyHunter</a:t>
-            </a:r>
-            <a:endParaRPr lang="en-US" dirty="0" smtClean="0"/>
+              <a:t>Analyze a memory leak</a:t>
+            </a:r>
           </a:p>
           <a:p>
             <a:pPr>
@@ -11783,33 +11752,9 @@
             </a:pPr>
             <a:r>
               <a:rPr lang="en-US" dirty="0" smtClean="0"/>
-              <a:t>Improves code modularization</a:t>
-            </a:r>
-          </a:p>
-          <a:p>
-            <a:pPr>
-              <a:spcBef>
-                <a:spcPts val="600"/>
-              </a:spcBef>
-              <a:buClrTx/>
-              <a:buFontTx/>
-              <a:buNone/>
-            </a:pPr>
-            <a:endParaRPr lang="en-US" dirty="0"/>
-          </a:p>
-          <a:p>
-            <a:pPr>
-              <a:spcBef>
-                <a:spcPts val="600"/>
-              </a:spcBef>
-              <a:buClrTx/>
-              <a:buFontTx/>
-              <a:buNone/>
-            </a:pPr>
-            <a:r>
-              <a:rPr lang="en-US" dirty="0" smtClean="0"/>
-              <a:t>Defers script loading</a:t>
-            </a:r>
+              <a:t>Correct the leak and test the app</a:t>
+            </a:r>
+            <a:endParaRPr lang="en-US" dirty="0" smtClean="0"/>
           </a:p>
           <a:p>
             <a:pPr>
